--- a/docs/WebsiteImages/Presentation_PhysFS.pptx
+++ b/docs/WebsiteImages/Presentation_PhysFS.pptx
@@ -1,55 +1,55 @@
 
 <file path=ppt/presentation.xml><?xml version="1.0" encoding="utf-8"?>
-<p:presentation xmlns:a="http://schemas.openxmlformats.org/drawingml/2006/main" xmlns:r="http://schemas.openxmlformats.org/officeDocument/2006/relationships" xmlns:mc="http://schemas.openxmlformats.org/markup-compatibility/2006" xmlns:mv="urn:schemas-microsoft-com:mac:vml" xmlns:p="http://schemas.openxmlformats.org/presentationml/2006/main" xmlns:c="http://schemas.openxmlformats.org/drawingml/2006/chart" xmlns:dgm="http://schemas.openxmlformats.org/drawingml/2006/diagram" xmlns:o="urn:schemas-microsoft-com:office:office" xmlns:v="urn:schemas-microsoft-com:vml" xmlns:pvml="urn:schemas-microsoft-com:office:powerpoint" xmlns:com="http://schemas.openxmlformats.org/drawingml/2006/compatibility" xmlns:p14="http://schemas.microsoft.com/office/powerpoint/2010/main" xmlns:p15="http://schemas.microsoft.com/office/powerpoint/2012/main" autoCompressPictures="0" embedTrueTypeFonts="1" strictFirstAndLastChars="0" saveSubsetFonts="1">
+<p:presentation xmlns:a="http://schemas.openxmlformats.org/drawingml/2006/main" xmlns:r="http://schemas.openxmlformats.org/officeDocument/2006/relationships" xmlns:p="http://schemas.openxmlformats.org/presentationml/2006/main" strictFirstAndLastChars="0" embedTrueTypeFonts="1" saveSubsetFonts="1" autoCompressPictures="0">
   <p:sldMasterIdLst>
-    <p:sldMasterId id="2147483659" r:id="rId4"/>
+    <p:sldMasterId id="2147483659" r:id="rId1"/>
   </p:sldMasterIdLst>
   <p:notesMasterIdLst>
-    <p:notesMasterId r:id="rId5"/>
+    <p:notesMasterId r:id="rId30"/>
   </p:notesMasterIdLst>
   <p:sldIdLst>
-    <p:sldId id="256" r:id="rId6"/>
-    <p:sldId id="257" r:id="rId7"/>
-    <p:sldId id="258" r:id="rId8"/>
-    <p:sldId id="259" r:id="rId9"/>
-    <p:sldId id="260" r:id="rId10"/>
-    <p:sldId id="261" r:id="rId11"/>
-    <p:sldId id="262" r:id="rId12"/>
-    <p:sldId id="263" r:id="rId13"/>
-    <p:sldId id="264" r:id="rId14"/>
-    <p:sldId id="265" r:id="rId15"/>
-    <p:sldId id="266" r:id="rId16"/>
-    <p:sldId id="267" r:id="rId17"/>
-    <p:sldId id="268" r:id="rId18"/>
-    <p:sldId id="269" r:id="rId19"/>
-    <p:sldId id="270" r:id="rId20"/>
-    <p:sldId id="271" r:id="rId21"/>
-    <p:sldId id="272" r:id="rId22"/>
-    <p:sldId id="273" r:id="rId23"/>
-    <p:sldId id="274" r:id="rId24"/>
-    <p:sldId id="275" r:id="rId25"/>
-    <p:sldId id="276" r:id="rId26"/>
-    <p:sldId id="277" r:id="rId27"/>
-    <p:sldId id="278" r:id="rId28"/>
-    <p:sldId id="279" r:id="rId29"/>
-    <p:sldId id="280" r:id="rId30"/>
-    <p:sldId id="281" r:id="rId31"/>
-    <p:sldId id="282" r:id="rId32"/>
-    <p:sldId id="283" r:id="rId33"/>
+    <p:sldId id="256" r:id="rId2"/>
+    <p:sldId id="257" r:id="rId3"/>
+    <p:sldId id="258" r:id="rId4"/>
+    <p:sldId id="259" r:id="rId5"/>
+    <p:sldId id="260" r:id="rId6"/>
+    <p:sldId id="261" r:id="rId7"/>
+    <p:sldId id="262" r:id="rId8"/>
+    <p:sldId id="263" r:id="rId9"/>
+    <p:sldId id="264" r:id="rId10"/>
+    <p:sldId id="265" r:id="rId11"/>
+    <p:sldId id="266" r:id="rId12"/>
+    <p:sldId id="267" r:id="rId13"/>
+    <p:sldId id="268" r:id="rId14"/>
+    <p:sldId id="269" r:id="rId15"/>
+    <p:sldId id="270" r:id="rId16"/>
+    <p:sldId id="271" r:id="rId17"/>
+    <p:sldId id="272" r:id="rId18"/>
+    <p:sldId id="273" r:id="rId19"/>
+    <p:sldId id="274" r:id="rId20"/>
+    <p:sldId id="275" r:id="rId21"/>
+    <p:sldId id="276" r:id="rId22"/>
+    <p:sldId id="277" r:id="rId23"/>
+    <p:sldId id="278" r:id="rId24"/>
+    <p:sldId id="279" r:id="rId25"/>
+    <p:sldId id="280" r:id="rId26"/>
+    <p:sldId id="281" r:id="rId27"/>
+    <p:sldId id="282" r:id="rId28"/>
+    <p:sldId id="283" r:id="rId29"/>
   </p:sldIdLst>
-  <p:sldSz cy="5143500" cx="9144000"/>
+  <p:sldSz cx="9144000" cy="5143500" type="screen16x9"/>
   <p:notesSz cx="6858000" cy="9144000"/>
   <p:embeddedFontLst>
     <p:embeddedFont>
-      <p:font typeface="Roboto"/>
-      <p:regular r:id="rId34"/>
-      <p:bold r:id="rId35"/>
-      <p:italic r:id="rId36"/>
-      <p:boldItalic r:id="rId37"/>
+      <p:font typeface="Roboto" panose="020B0604020202020204" charset="0"/>
+      <p:regular r:id="rId31"/>
+      <p:bold r:id="rId32"/>
+      <p:italic r:id="rId33"/>
+      <p:boldItalic r:id="rId34"/>
     </p:embeddedFont>
   </p:embeddedFontLst>
   <p:defaultTextStyle>
-    <a:defPPr lvl="0" marR="0" rtl="0" algn="l">
+    <a:defPPr marR="0" lvl="0" algn="l" rtl="0">
       <a:lnSpc>
         <a:spcPct val="100000"/>
       </a:lnSpc>
@@ -60,7 +60,7 @@
         <a:spcPts val="0"/>
       </a:spcAft>
     </a:defPPr>
-    <a:lvl1pPr lvl="0" marR="0" rtl="0" algn="l">
+    <a:lvl1pPr marR="0" lvl="0" algn="l" rtl="0">
       <a:lnSpc>
         <a:spcPct val="100000"/>
       </a:lnSpc>
@@ -74,7 +74,7 @@
         <a:srgbClr val="000000"/>
       </a:buClr>
       <a:buFont typeface="Arial"/>
-      <a:defRPr b="0" i="0" sz="1400" u="none" cap="none" strike="noStrike">
+      <a:defRPr sz="1400" b="0" i="0" u="none" strike="noStrike" cap="none">
         <a:solidFill>
           <a:srgbClr val="000000"/>
         </a:solidFill>
@@ -84,7 +84,7 @@
         <a:sym typeface="Arial"/>
       </a:defRPr>
     </a:lvl1pPr>
-    <a:lvl2pPr lvl="1" marR="0" rtl="0" algn="l">
+    <a:lvl2pPr marR="0" lvl="1" algn="l" rtl="0">
       <a:lnSpc>
         <a:spcPct val="100000"/>
       </a:lnSpc>
@@ -98,7 +98,7 @@
         <a:srgbClr val="000000"/>
       </a:buClr>
       <a:buFont typeface="Arial"/>
-      <a:defRPr b="0" i="0" sz="1400" u="none" cap="none" strike="noStrike">
+      <a:defRPr sz="1400" b="0" i="0" u="none" strike="noStrike" cap="none">
         <a:solidFill>
           <a:srgbClr val="000000"/>
         </a:solidFill>
@@ -108,7 +108,7 @@
         <a:sym typeface="Arial"/>
       </a:defRPr>
     </a:lvl2pPr>
-    <a:lvl3pPr lvl="2" marR="0" rtl="0" algn="l">
+    <a:lvl3pPr marR="0" lvl="2" algn="l" rtl="0">
       <a:lnSpc>
         <a:spcPct val="100000"/>
       </a:lnSpc>
@@ -122,7 +122,7 @@
         <a:srgbClr val="000000"/>
       </a:buClr>
       <a:buFont typeface="Arial"/>
-      <a:defRPr b="0" i="0" sz="1400" u="none" cap="none" strike="noStrike">
+      <a:defRPr sz="1400" b="0" i="0" u="none" strike="noStrike" cap="none">
         <a:solidFill>
           <a:srgbClr val="000000"/>
         </a:solidFill>
@@ -132,7 +132,7 @@
         <a:sym typeface="Arial"/>
       </a:defRPr>
     </a:lvl3pPr>
-    <a:lvl4pPr lvl="3" marR="0" rtl="0" algn="l">
+    <a:lvl4pPr marR="0" lvl="3" algn="l" rtl="0">
       <a:lnSpc>
         <a:spcPct val="100000"/>
       </a:lnSpc>
@@ -146,7 +146,7 @@
         <a:srgbClr val="000000"/>
       </a:buClr>
       <a:buFont typeface="Arial"/>
-      <a:defRPr b="0" i="0" sz="1400" u="none" cap="none" strike="noStrike">
+      <a:defRPr sz="1400" b="0" i="0" u="none" strike="noStrike" cap="none">
         <a:solidFill>
           <a:srgbClr val="000000"/>
         </a:solidFill>
@@ -156,7 +156,7 @@
         <a:sym typeface="Arial"/>
       </a:defRPr>
     </a:lvl4pPr>
-    <a:lvl5pPr lvl="4" marR="0" rtl="0" algn="l">
+    <a:lvl5pPr marR="0" lvl="4" algn="l" rtl="0">
       <a:lnSpc>
         <a:spcPct val="100000"/>
       </a:lnSpc>
@@ -170,7 +170,7 @@
         <a:srgbClr val="000000"/>
       </a:buClr>
       <a:buFont typeface="Arial"/>
-      <a:defRPr b="0" i="0" sz="1400" u="none" cap="none" strike="noStrike">
+      <a:defRPr sz="1400" b="0" i="0" u="none" strike="noStrike" cap="none">
         <a:solidFill>
           <a:srgbClr val="000000"/>
         </a:solidFill>
@@ -180,7 +180,7 @@
         <a:sym typeface="Arial"/>
       </a:defRPr>
     </a:lvl5pPr>
-    <a:lvl6pPr lvl="5" marR="0" rtl="0" algn="l">
+    <a:lvl6pPr marR="0" lvl="5" algn="l" rtl="0">
       <a:lnSpc>
         <a:spcPct val="100000"/>
       </a:lnSpc>
@@ -194,7 +194,7 @@
         <a:srgbClr val="000000"/>
       </a:buClr>
       <a:buFont typeface="Arial"/>
-      <a:defRPr b="0" i="0" sz="1400" u="none" cap="none" strike="noStrike">
+      <a:defRPr sz="1400" b="0" i="0" u="none" strike="noStrike" cap="none">
         <a:solidFill>
           <a:srgbClr val="000000"/>
         </a:solidFill>
@@ -204,7 +204,7 @@
         <a:sym typeface="Arial"/>
       </a:defRPr>
     </a:lvl6pPr>
-    <a:lvl7pPr lvl="6" marR="0" rtl="0" algn="l">
+    <a:lvl7pPr marR="0" lvl="6" algn="l" rtl="0">
       <a:lnSpc>
         <a:spcPct val="100000"/>
       </a:lnSpc>
@@ -218,7 +218,7 @@
         <a:srgbClr val="000000"/>
       </a:buClr>
       <a:buFont typeface="Arial"/>
-      <a:defRPr b="0" i="0" sz="1400" u="none" cap="none" strike="noStrike">
+      <a:defRPr sz="1400" b="0" i="0" u="none" strike="noStrike" cap="none">
         <a:solidFill>
           <a:srgbClr val="000000"/>
         </a:solidFill>
@@ -228,7 +228,7 @@
         <a:sym typeface="Arial"/>
       </a:defRPr>
     </a:lvl7pPr>
-    <a:lvl8pPr lvl="7" marR="0" rtl="0" algn="l">
+    <a:lvl8pPr marR="0" lvl="7" algn="l" rtl="0">
       <a:lnSpc>
         <a:spcPct val="100000"/>
       </a:lnSpc>
@@ -242,7 +242,7 @@
         <a:srgbClr val="000000"/>
       </a:buClr>
       <a:buFont typeface="Arial"/>
-      <a:defRPr b="0" i="0" sz="1400" u="none" cap="none" strike="noStrike">
+      <a:defRPr sz="1400" b="0" i="0" u="none" strike="noStrike" cap="none">
         <a:solidFill>
           <a:srgbClr val="000000"/>
         </a:solidFill>
@@ -252,7 +252,7 @@
         <a:sym typeface="Arial"/>
       </a:defRPr>
     </a:lvl8pPr>
-    <a:lvl9pPr lvl="8" marR="0" rtl="0" algn="l">
+    <a:lvl9pPr marR="0" lvl="8" algn="l" rtl="0">
       <a:lnSpc>
         <a:spcPct val="100000"/>
       </a:lnSpc>
@@ -266,7 +266,7 @@
         <a:srgbClr val="000000"/>
       </a:buClr>
       <a:buFont typeface="Arial"/>
-      <a:defRPr b="0" i="0" sz="1400" u="none" cap="none" strike="noStrike">
+      <a:defRPr sz="1400" b="0" i="0" u="none" strike="noStrike" cap="none">
         <a:solidFill>
           <a:srgbClr val="000000"/>
         </a:solidFill>
@@ -279,7 +279,7 @@
   </p:defaultTextStyle>
   <p:extLst>
     <p:ext uri="{EFAFB233-063F-42B5-8137-9DF3F51BA10A}">
-      <p15:sldGuideLst>
+      <p15:sldGuideLst xmlns:p15="http://schemas.microsoft.com/office/powerpoint/2012/main">
         <p15:guide id="1" orient="horz" pos="1620">
           <p15:clr>
             <a:srgbClr val="A4A3A4"/>
@@ -297,11 +297,16 @@
 </file>
 
 <file path=ppt/notesMasters/notesMaster1.xml><?xml version="1.0" encoding="utf-8"?>
-<p:notesMaster xmlns:a="http://schemas.openxmlformats.org/drawingml/2006/main" xmlns:r="http://schemas.openxmlformats.org/officeDocument/2006/relationships" xmlns:mc="http://schemas.openxmlformats.org/markup-compatibility/2006" xmlns:mv="urn:schemas-microsoft-com:mac:vml" xmlns:p="http://schemas.openxmlformats.org/presentationml/2006/main" xmlns:c="http://schemas.openxmlformats.org/drawingml/2006/chart" xmlns:dgm="http://schemas.openxmlformats.org/drawingml/2006/diagram" xmlns:o="urn:schemas-microsoft-com:office:office" xmlns:v="urn:schemas-microsoft-com:vml" xmlns:pvml="urn:schemas-microsoft-com:office:powerpoint" xmlns:com="http://schemas.openxmlformats.org/drawingml/2006/compatibility" xmlns:p14="http://schemas.microsoft.com/office/powerpoint/2010/main" xmlns:p15="http://schemas.microsoft.com/office/powerpoint/2012/main">
+<p:notesMaster xmlns:a="http://schemas.openxmlformats.org/drawingml/2006/main" xmlns:r="http://schemas.openxmlformats.org/officeDocument/2006/relationships" xmlns:p="http://schemas.openxmlformats.org/presentationml/2006/main">
   <p:cSld>
+    <p:bg>
+      <p:bgRef idx="1001">
+        <a:schemeClr val="bg1"/>
+      </p:bgRef>
+    </p:bg>
     <p:spTree>
       <p:nvGrpSpPr>
-        <p:cNvPr id="2" name="Shape 2"/>
+        <p:cNvPr id="1" name="Shape 2"/>
         <p:cNvGrpSpPr/>
         <p:nvPr/>
       </p:nvGrpSpPr>
@@ -316,9 +321,11 @@
       <p:sp>
         <p:nvSpPr>
           <p:cNvPr id="3" name="Google Shape;3;n"/>
-          <p:cNvSpPr/>
+          <p:cNvSpPr>
+            <a:spLocks noGrp="1" noRot="1" noChangeAspect="1"/>
+          </p:cNvSpPr>
           <p:nvPr>
-            <p:ph idx="2" type="sldImg"/>
+            <p:ph type="sldImg" idx="2"/>
           </p:nvPr>
         </p:nvSpPr>
         <p:spPr>
@@ -327,9 +334,13 @@
             <a:ext cx="6096075" cy="3429000"/>
           </a:xfrm>
           <a:custGeom>
-            <a:rect b="b" l="l" r="r" t="t"/>
+            <a:avLst/>
+            <a:gdLst/>
+            <a:ahLst/>
+            <a:cxnLst/>
+            <a:rect l="l" t="t" r="r" b="b"/>
             <a:pathLst>
-              <a:path extrusionOk="0" h="120000" w="120000">
+              <a:path w="120000" h="120000" extrusionOk="0">
                 <a:moveTo>
                   <a:pt x="0" y="0"/>
                 </a:moveTo>
@@ -347,23 +358,25 @@
             </a:pathLst>
           </a:custGeom>
           <a:noFill/>
-          <a:ln cap="flat" cmpd="sng" w="9525">
+          <a:ln w="9525" cap="flat" cmpd="sng">
             <a:solidFill>
               <a:srgbClr val="000000"/>
             </a:solidFill>
             <a:prstDash val="solid"/>
             <a:round/>
-            <a:headEnd len="sm" w="sm" type="none"/>
-            <a:tailEnd len="sm" w="sm" type="none"/>
+            <a:headEnd type="none" w="sm" len="sm"/>
+            <a:tailEnd type="none" w="sm" len="sm"/>
           </a:ln>
         </p:spPr>
       </p:sp>
       <p:sp>
         <p:nvSpPr>
           <p:cNvPr id="4" name="Google Shape;4;n"/>
-          <p:cNvSpPr txBox="1"/>
+          <p:cNvSpPr txBox="1">
+            <a:spLocks noGrp="1"/>
+          </p:cNvSpPr>
           <p:nvPr>
-            <p:ph idx="1" type="body"/>
+            <p:ph type="body" idx="1"/>
           </p:nvPr>
         </p:nvSpPr>
         <p:spPr>
@@ -380,9 +393,9 @@
           </a:ln>
         </p:spPr>
         <p:txBody>
-          <a:bodyPr anchorCtr="0" anchor="t" bIns="91425" lIns="91425" spcFirstLastPara="1" rIns="91425" wrap="square" tIns="91425"/>
+          <a:bodyPr spcFirstLastPara="1" wrap="square" lIns="91425" tIns="91425" rIns="91425" bIns="91425" anchor="t" anchorCtr="0"/>
           <a:lstStyle>
-            <a:lvl1pPr indent="-298450" lvl="0" marL="457200">
+            <a:lvl1pPr marL="457200" lvl="0" indent="-298450">
               <a:spcBef>
                 <a:spcPts val="0"/>
               </a:spcBef>
@@ -393,7 +406,7 @@
               <a:buChar char="●"/>
               <a:defRPr sz="1100"/>
             </a:lvl1pPr>
-            <a:lvl2pPr indent="-298450" lvl="1" marL="914400">
+            <a:lvl2pPr marL="914400" lvl="1" indent="-298450">
               <a:spcBef>
                 <a:spcPts val="0"/>
               </a:spcBef>
@@ -404,7 +417,7 @@
               <a:buChar char="○"/>
               <a:defRPr sz="1100"/>
             </a:lvl2pPr>
-            <a:lvl3pPr indent="-298450" lvl="2" marL="1371600">
+            <a:lvl3pPr marL="1371600" lvl="2" indent="-298450">
               <a:spcBef>
                 <a:spcPts val="0"/>
               </a:spcBef>
@@ -415,7 +428,7 @@
               <a:buChar char="■"/>
               <a:defRPr sz="1100"/>
             </a:lvl3pPr>
-            <a:lvl4pPr indent="-298450" lvl="3" marL="1828800">
+            <a:lvl4pPr marL="1828800" lvl="3" indent="-298450">
               <a:spcBef>
                 <a:spcPts val="0"/>
               </a:spcBef>
@@ -426,7 +439,7 @@
               <a:buChar char="●"/>
               <a:defRPr sz="1100"/>
             </a:lvl4pPr>
-            <a:lvl5pPr indent="-298450" lvl="4" marL="2286000">
+            <a:lvl5pPr marL="2286000" lvl="4" indent="-298450">
               <a:spcBef>
                 <a:spcPts val="0"/>
               </a:spcBef>
@@ -437,7 +450,7 @@
               <a:buChar char="○"/>
               <a:defRPr sz="1100"/>
             </a:lvl5pPr>
-            <a:lvl6pPr indent="-298450" lvl="5" marL="2743200">
+            <a:lvl6pPr marL="2743200" lvl="5" indent="-298450">
               <a:spcBef>
                 <a:spcPts val="0"/>
               </a:spcBef>
@@ -448,7 +461,7 @@
               <a:buChar char="■"/>
               <a:defRPr sz="1100"/>
             </a:lvl6pPr>
-            <a:lvl7pPr indent="-298450" lvl="6" marL="3200400">
+            <a:lvl7pPr marL="3200400" lvl="6" indent="-298450">
               <a:spcBef>
                 <a:spcPts val="0"/>
               </a:spcBef>
@@ -459,7 +472,7 @@
               <a:buChar char="●"/>
               <a:defRPr sz="1100"/>
             </a:lvl7pPr>
-            <a:lvl8pPr indent="-298450" lvl="7" marL="3657600">
+            <a:lvl8pPr marL="3657600" lvl="7" indent="-298450">
               <a:spcBef>
                 <a:spcPts val="0"/>
               </a:spcBef>
@@ -470,7 +483,7 @@
               <a:buChar char="○"/>
               <a:defRPr sz="1100"/>
             </a:lvl8pPr>
-            <a:lvl9pPr indent="-298450" lvl="8" marL="4114800">
+            <a:lvl9pPr marL="4114800" lvl="8" indent="-298450">
               <a:spcBef>
                 <a:spcPts val="0"/>
               </a:spcBef>
@@ -482,14 +495,16 @@
               <a:defRPr sz="1100"/>
             </a:lvl9pPr>
           </a:lstStyle>
-          <a:p/>
+          <a:p>
+            <a:endParaRPr/>
+          </a:p>
         </p:txBody>
       </p:sp>
     </p:spTree>
   </p:cSld>
-  <p:clrMap accent1="accent1" accent2="accent2" accent3="accent3" accent4="accent4" accent5="accent5" accent6="accent6" bg1="lt1" bg2="dk2" tx1="dk1" tx2="lt2" folHlink="folHlink" hlink="hlink"/>
+  <p:clrMap bg1="lt1" tx1="dk1" bg2="dk2" tx2="lt2" accent1="accent1" accent2="accent2" accent3="accent3" accent4="accent4" accent5="accent5" accent6="accent6" hlink="hlink" folHlink="folHlink"/>
   <p:notesStyle>
-    <a:defPPr lvl="0" marR="0" rtl="0" algn="l">
+    <a:defPPr marR="0" lvl="0" algn="l" rtl="0">
       <a:lnSpc>
         <a:spcPct val="100000"/>
       </a:lnSpc>
@@ -500,7 +515,7 @@
         <a:spcPts val="0"/>
       </a:spcAft>
     </a:defPPr>
-    <a:lvl1pPr lvl="0" marR="0" rtl="0" algn="l">
+    <a:lvl1pPr marR="0" lvl="0" algn="l" rtl="0">
       <a:lnSpc>
         <a:spcPct val="100000"/>
       </a:lnSpc>
@@ -514,7 +529,7 @@
         <a:srgbClr val="000000"/>
       </a:buClr>
       <a:buFont typeface="Arial"/>
-      <a:defRPr b="0" i="0" sz="1400" u="none" cap="none" strike="noStrike">
+      <a:defRPr sz="1400" b="0" i="0" u="none" strike="noStrike" cap="none">
         <a:solidFill>
           <a:srgbClr val="000000"/>
         </a:solidFill>
@@ -524,7 +539,7 @@
         <a:sym typeface="Arial"/>
       </a:defRPr>
     </a:lvl1pPr>
-    <a:lvl2pPr lvl="1" marR="0" rtl="0" algn="l">
+    <a:lvl2pPr marR="0" lvl="1" algn="l" rtl="0">
       <a:lnSpc>
         <a:spcPct val="100000"/>
       </a:lnSpc>
@@ -538,7 +553,7 @@
         <a:srgbClr val="000000"/>
       </a:buClr>
       <a:buFont typeface="Arial"/>
-      <a:defRPr b="0" i="0" sz="1400" u="none" cap="none" strike="noStrike">
+      <a:defRPr sz="1400" b="0" i="0" u="none" strike="noStrike" cap="none">
         <a:solidFill>
           <a:srgbClr val="000000"/>
         </a:solidFill>
@@ -548,7 +563,7 @@
         <a:sym typeface="Arial"/>
       </a:defRPr>
     </a:lvl2pPr>
-    <a:lvl3pPr lvl="2" marR="0" rtl="0" algn="l">
+    <a:lvl3pPr marR="0" lvl="2" algn="l" rtl="0">
       <a:lnSpc>
         <a:spcPct val="100000"/>
       </a:lnSpc>
@@ -562,7 +577,7 @@
         <a:srgbClr val="000000"/>
       </a:buClr>
       <a:buFont typeface="Arial"/>
-      <a:defRPr b="0" i="0" sz="1400" u="none" cap="none" strike="noStrike">
+      <a:defRPr sz="1400" b="0" i="0" u="none" strike="noStrike" cap="none">
         <a:solidFill>
           <a:srgbClr val="000000"/>
         </a:solidFill>
@@ -572,7 +587,7 @@
         <a:sym typeface="Arial"/>
       </a:defRPr>
     </a:lvl3pPr>
-    <a:lvl4pPr lvl="3" marR="0" rtl="0" algn="l">
+    <a:lvl4pPr marR="0" lvl="3" algn="l" rtl="0">
       <a:lnSpc>
         <a:spcPct val="100000"/>
       </a:lnSpc>
@@ -586,7 +601,7 @@
         <a:srgbClr val="000000"/>
       </a:buClr>
       <a:buFont typeface="Arial"/>
-      <a:defRPr b="0" i="0" sz="1400" u="none" cap="none" strike="noStrike">
+      <a:defRPr sz="1400" b="0" i="0" u="none" strike="noStrike" cap="none">
         <a:solidFill>
           <a:srgbClr val="000000"/>
         </a:solidFill>
@@ -596,7 +611,7 @@
         <a:sym typeface="Arial"/>
       </a:defRPr>
     </a:lvl4pPr>
-    <a:lvl5pPr lvl="4" marR="0" rtl="0" algn="l">
+    <a:lvl5pPr marR="0" lvl="4" algn="l" rtl="0">
       <a:lnSpc>
         <a:spcPct val="100000"/>
       </a:lnSpc>
@@ -610,7 +625,7 @@
         <a:srgbClr val="000000"/>
       </a:buClr>
       <a:buFont typeface="Arial"/>
-      <a:defRPr b="0" i="0" sz="1400" u="none" cap="none" strike="noStrike">
+      <a:defRPr sz="1400" b="0" i="0" u="none" strike="noStrike" cap="none">
         <a:solidFill>
           <a:srgbClr val="000000"/>
         </a:solidFill>
@@ -620,7 +635,7 @@
         <a:sym typeface="Arial"/>
       </a:defRPr>
     </a:lvl5pPr>
-    <a:lvl6pPr lvl="5" marR="0" rtl="0" algn="l">
+    <a:lvl6pPr marR="0" lvl="5" algn="l" rtl="0">
       <a:lnSpc>
         <a:spcPct val="100000"/>
       </a:lnSpc>
@@ -634,7 +649,7 @@
         <a:srgbClr val="000000"/>
       </a:buClr>
       <a:buFont typeface="Arial"/>
-      <a:defRPr b="0" i="0" sz="1400" u="none" cap="none" strike="noStrike">
+      <a:defRPr sz="1400" b="0" i="0" u="none" strike="noStrike" cap="none">
         <a:solidFill>
           <a:srgbClr val="000000"/>
         </a:solidFill>
@@ -644,7 +659,7 @@
         <a:sym typeface="Arial"/>
       </a:defRPr>
     </a:lvl6pPr>
-    <a:lvl7pPr lvl="6" marR="0" rtl="0" algn="l">
+    <a:lvl7pPr marR="0" lvl="6" algn="l" rtl="0">
       <a:lnSpc>
         <a:spcPct val="100000"/>
       </a:lnSpc>
@@ -658,7 +673,7 @@
         <a:srgbClr val="000000"/>
       </a:buClr>
       <a:buFont typeface="Arial"/>
-      <a:defRPr b="0" i="0" sz="1400" u="none" cap="none" strike="noStrike">
+      <a:defRPr sz="1400" b="0" i="0" u="none" strike="noStrike" cap="none">
         <a:solidFill>
           <a:srgbClr val="000000"/>
         </a:solidFill>
@@ -668,7 +683,7 @@
         <a:sym typeface="Arial"/>
       </a:defRPr>
     </a:lvl7pPr>
-    <a:lvl8pPr lvl="7" marR="0" rtl="0" algn="l">
+    <a:lvl8pPr marR="0" lvl="7" algn="l" rtl="0">
       <a:lnSpc>
         <a:spcPct val="100000"/>
       </a:lnSpc>
@@ -682,7 +697,7 @@
         <a:srgbClr val="000000"/>
       </a:buClr>
       <a:buFont typeface="Arial"/>
-      <a:defRPr b="0" i="0" sz="1400" u="none" cap="none" strike="noStrike">
+      <a:defRPr sz="1400" b="0" i="0" u="none" strike="noStrike" cap="none">
         <a:solidFill>
           <a:srgbClr val="000000"/>
         </a:solidFill>
@@ -692,7 +707,7 @@
         <a:sym typeface="Arial"/>
       </a:defRPr>
     </a:lvl8pPr>
-    <a:lvl9pPr lvl="8" marR="0" rtl="0" algn="l">
+    <a:lvl9pPr marR="0" lvl="8" algn="l" rtl="0">
       <a:lnSpc>
         <a:spcPct val="100000"/>
       </a:lnSpc>
@@ -706,7 +721,7 @@
         <a:srgbClr val="000000"/>
       </a:buClr>
       <a:buFont typeface="Arial"/>
-      <a:defRPr b="0" i="0" sz="1400" u="none" cap="none" strike="noStrike">
+      <a:defRPr sz="1400" b="0" i="0" u="none" strike="noStrike" cap="none">
         <a:solidFill>
           <a:srgbClr val="000000"/>
         </a:solidFill>
@@ -721,11 +736,11 @@
 </file>
 
 <file path=ppt/notesSlides/notesSlide1.xml><?xml version="1.0" encoding="utf-8"?>
-<p:notes xmlns:a="http://schemas.openxmlformats.org/drawingml/2006/main" xmlns:r="http://schemas.openxmlformats.org/officeDocument/2006/relationships" xmlns:mc="http://schemas.openxmlformats.org/markup-compatibility/2006" xmlns:mv="urn:schemas-microsoft-com:mac:vml" xmlns:p="http://schemas.openxmlformats.org/presentationml/2006/main" xmlns:c="http://schemas.openxmlformats.org/drawingml/2006/chart" xmlns:dgm="http://schemas.openxmlformats.org/drawingml/2006/diagram" xmlns:o="urn:schemas-microsoft-com:office:office" xmlns:v="urn:schemas-microsoft-com:vml" xmlns:pvml="urn:schemas-microsoft-com:office:powerpoint" xmlns:com="http://schemas.openxmlformats.org/drawingml/2006/compatibility" xmlns:p14="http://schemas.microsoft.com/office/powerpoint/2010/main" xmlns:p15="http://schemas.microsoft.com/office/powerpoint/2012/main" showMasterPhAnim="0" showMasterSp="0">
+<p:notes xmlns:a="http://schemas.openxmlformats.org/drawingml/2006/main" xmlns:r="http://schemas.openxmlformats.org/officeDocument/2006/relationships" xmlns:p="http://schemas.openxmlformats.org/presentationml/2006/main" showMasterSp="0" showMasterPhAnim="0">
   <p:cSld>
     <p:spTree>
       <p:nvGrpSpPr>
-        <p:cNvPr id="63" name="Shape 63"/>
+        <p:cNvPr id="1" name="Shape 63"/>
         <p:cNvGrpSpPr/>
         <p:nvPr/>
       </p:nvGrpSpPr>
@@ -740,9 +755,11 @@
       <p:sp>
         <p:nvSpPr>
           <p:cNvPr id="64" name="Google Shape;64;p:notes"/>
-          <p:cNvSpPr/>
+          <p:cNvSpPr>
+            <a:spLocks noGrp="1" noRot="1" noChangeAspect="1"/>
+          </p:cNvSpPr>
           <p:nvPr>
-            <p:ph idx="2" type="sldImg"/>
+            <p:ph type="sldImg" idx="2"/>
           </p:nvPr>
         </p:nvSpPr>
         <p:spPr>
@@ -751,9 +768,13 @@
             <a:ext cx="6096075" cy="3429000"/>
           </a:xfrm>
           <a:custGeom>
-            <a:rect b="b" l="l" r="r" t="t"/>
+            <a:avLst/>
+            <a:gdLst/>
+            <a:ahLst/>
+            <a:cxnLst/>
+            <a:rect l="l" t="t" r="r" b="b"/>
             <a:pathLst>
-              <a:path extrusionOk="0" h="120000" w="120000">
+              <a:path w="120000" h="120000" extrusionOk="0">
                 <a:moveTo>
                   <a:pt x="0" y="0"/>
                 </a:moveTo>
@@ -775,9 +796,11 @@
       <p:sp>
         <p:nvSpPr>
           <p:cNvPr id="65" name="Google Shape;65;p:notes"/>
-          <p:cNvSpPr txBox="1"/>
+          <p:cNvSpPr txBox="1">
+            <a:spLocks noGrp="1"/>
+          </p:cNvSpPr>
           <p:nvPr>
-            <p:ph idx="1" type="body"/>
+            <p:ph type="body" idx="1"/>
           </p:nvPr>
         </p:nvSpPr>
         <p:spPr>
@@ -790,12 +813,12 @@
           </a:prstGeom>
         </p:spPr>
         <p:txBody>
-          <a:bodyPr anchorCtr="0" anchor="t" bIns="91425" lIns="91425" spcFirstLastPara="1" rIns="91425" wrap="square" tIns="91425">
+          <a:bodyPr spcFirstLastPara="1" wrap="square" lIns="91425" tIns="91425" rIns="91425" bIns="91425" anchor="t" anchorCtr="0">
             <a:noAutofit/>
           </a:bodyPr>
           <a:lstStyle/>
           <a:p>
-            <a:pPr indent="0" lvl="0" marL="0" rtl="0" algn="l">
+            <a:pPr marL="0" lvl="0" indent="0" algn="l" rtl="0">
               <a:spcBef>
                 <a:spcPts val="0"/>
               </a:spcBef>
@@ -804,9 +827,6 @@
               </a:spcAft>
               <a:buNone/>
             </a:pPr>
-            <a:r>
-              <a:t/>
-            </a:r>
             <a:endParaRPr/>
           </a:p>
         </p:txBody>
@@ -820,11 +840,11 @@
 </file>
 
 <file path=ppt/notesSlides/notesSlide10.xml><?xml version="1.0" encoding="utf-8"?>
-<p:notes xmlns:a="http://schemas.openxmlformats.org/drawingml/2006/main" xmlns:r="http://schemas.openxmlformats.org/officeDocument/2006/relationships" xmlns:mc="http://schemas.openxmlformats.org/markup-compatibility/2006" xmlns:mv="urn:schemas-microsoft-com:mac:vml" xmlns:p="http://schemas.openxmlformats.org/presentationml/2006/main" xmlns:c="http://schemas.openxmlformats.org/drawingml/2006/chart" xmlns:dgm="http://schemas.openxmlformats.org/drawingml/2006/diagram" xmlns:o="urn:schemas-microsoft-com:office:office" xmlns:v="urn:schemas-microsoft-com:vml" xmlns:pvml="urn:schemas-microsoft-com:office:powerpoint" xmlns:com="http://schemas.openxmlformats.org/drawingml/2006/compatibility" xmlns:p14="http://schemas.microsoft.com/office/powerpoint/2010/main" xmlns:p15="http://schemas.microsoft.com/office/powerpoint/2012/main" showMasterPhAnim="0" showMasterSp="0">
+<p:notes xmlns:a="http://schemas.openxmlformats.org/drawingml/2006/main" xmlns:r="http://schemas.openxmlformats.org/officeDocument/2006/relationships" xmlns:p="http://schemas.openxmlformats.org/presentationml/2006/main" showMasterSp="0" showMasterPhAnim="0">
   <p:cSld>
     <p:spTree>
       <p:nvGrpSpPr>
-        <p:cNvPr id="122" name="Shape 122"/>
+        <p:cNvPr id="1" name="Shape 122"/>
         <p:cNvGrpSpPr/>
         <p:nvPr/>
       </p:nvGrpSpPr>
@@ -839,9 +859,11 @@
       <p:sp>
         <p:nvSpPr>
           <p:cNvPr id="123" name="Google Shape;123;g50ecbfc6de_0_116:notes"/>
-          <p:cNvSpPr/>
+          <p:cNvSpPr>
+            <a:spLocks noGrp="1" noRot="1" noChangeAspect="1"/>
+          </p:cNvSpPr>
           <p:nvPr>
-            <p:ph idx="2" type="sldImg"/>
+            <p:ph type="sldImg" idx="2"/>
           </p:nvPr>
         </p:nvSpPr>
         <p:spPr>
@@ -850,9 +872,13 @@
             <a:ext cx="6096000" cy="3429000"/>
           </a:xfrm>
           <a:custGeom>
-            <a:rect b="b" l="l" r="r" t="t"/>
+            <a:avLst/>
+            <a:gdLst/>
+            <a:ahLst/>
+            <a:cxnLst/>
+            <a:rect l="l" t="t" r="r" b="b"/>
             <a:pathLst>
-              <a:path extrusionOk="0" h="120000" w="120000">
+              <a:path w="120000" h="120000" extrusionOk="0">
                 <a:moveTo>
                   <a:pt x="0" y="0"/>
                 </a:moveTo>
@@ -874,9 +900,11 @@
       <p:sp>
         <p:nvSpPr>
           <p:cNvPr id="124" name="Google Shape;124;g50ecbfc6de_0_116:notes"/>
-          <p:cNvSpPr txBox="1"/>
+          <p:cNvSpPr txBox="1">
+            <a:spLocks noGrp="1"/>
+          </p:cNvSpPr>
           <p:nvPr>
-            <p:ph idx="1" type="body"/>
+            <p:ph type="body" idx="1"/>
           </p:nvPr>
         </p:nvSpPr>
         <p:spPr>
@@ -889,12 +917,12 @@
           </a:prstGeom>
         </p:spPr>
         <p:txBody>
-          <a:bodyPr anchorCtr="0" anchor="t" bIns="91425" lIns="91425" spcFirstLastPara="1" rIns="91425" wrap="square" tIns="91425">
+          <a:bodyPr spcFirstLastPara="1" wrap="square" lIns="91425" tIns="91425" rIns="91425" bIns="91425" anchor="t" anchorCtr="0">
             <a:noAutofit/>
           </a:bodyPr>
           <a:lstStyle/>
           <a:p>
-            <a:pPr indent="0" lvl="0" marL="0" rtl="0" algn="l">
+            <a:pPr marL="0" lvl="0" indent="0" algn="l" rtl="0">
               <a:spcBef>
                 <a:spcPts val="0"/>
               </a:spcBef>
@@ -903,9 +931,6 @@
               </a:spcAft>
               <a:buNone/>
             </a:pPr>
-            <a:r>
-              <a:t/>
-            </a:r>
             <a:endParaRPr/>
           </a:p>
         </p:txBody>
@@ -919,11 +944,11 @@
 </file>
 
 <file path=ppt/notesSlides/notesSlide11.xml><?xml version="1.0" encoding="utf-8"?>
-<p:notes xmlns:a="http://schemas.openxmlformats.org/drawingml/2006/main" xmlns:r="http://schemas.openxmlformats.org/officeDocument/2006/relationships" xmlns:mc="http://schemas.openxmlformats.org/markup-compatibility/2006" xmlns:mv="urn:schemas-microsoft-com:mac:vml" xmlns:p="http://schemas.openxmlformats.org/presentationml/2006/main" xmlns:c="http://schemas.openxmlformats.org/drawingml/2006/chart" xmlns:dgm="http://schemas.openxmlformats.org/drawingml/2006/diagram" xmlns:o="urn:schemas-microsoft-com:office:office" xmlns:v="urn:schemas-microsoft-com:vml" xmlns:pvml="urn:schemas-microsoft-com:office:powerpoint" xmlns:com="http://schemas.openxmlformats.org/drawingml/2006/compatibility" xmlns:p14="http://schemas.microsoft.com/office/powerpoint/2010/main" xmlns:p15="http://schemas.microsoft.com/office/powerpoint/2012/main" showMasterPhAnim="0" showMasterSp="0">
+<p:notes xmlns:a="http://schemas.openxmlformats.org/drawingml/2006/main" xmlns:r="http://schemas.openxmlformats.org/officeDocument/2006/relationships" xmlns:p="http://schemas.openxmlformats.org/presentationml/2006/main" showMasterSp="0" showMasterPhAnim="0">
   <p:cSld>
     <p:spTree>
       <p:nvGrpSpPr>
-        <p:cNvPr id="129" name="Shape 129"/>
+        <p:cNvPr id="1" name="Shape 129"/>
         <p:cNvGrpSpPr/>
         <p:nvPr/>
       </p:nvGrpSpPr>
@@ -938,9 +963,11 @@
       <p:sp>
         <p:nvSpPr>
           <p:cNvPr id="130" name="Google Shape;130;g50ecbfc6de_0_121:notes"/>
-          <p:cNvSpPr/>
+          <p:cNvSpPr>
+            <a:spLocks noGrp="1" noRot="1" noChangeAspect="1"/>
+          </p:cNvSpPr>
           <p:nvPr>
-            <p:ph idx="2" type="sldImg"/>
+            <p:ph type="sldImg" idx="2"/>
           </p:nvPr>
         </p:nvSpPr>
         <p:spPr>
@@ -949,9 +976,13 @@
             <a:ext cx="6096000" cy="3429000"/>
           </a:xfrm>
           <a:custGeom>
-            <a:rect b="b" l="l" r="r" t="t"/>
+            <a:avLst/>
+            <a:gdLst/>
+            <a:ahLst/>
+            <a:cxnLst/>
+            <a:rect l="l" t="t" r="r" b="b"/>
             <a:pathLst>
-              <a:path extrusionOk="0" h="120000" w="120000">
+              <a:path w="120000" h="120000" extrusionOk="0">
                 <a:moveTo>
                   <a:pt x="0" y="0"/>
                 </a:moveTo>
@@ -973,9 +1004,11 @@
       <p:sp>
         <p:nvSpPr>
           <p:cNvPr id="131" name="Google Shape;131;g50ecbfc6de_0_121:notes"/>
-          <p:cNvSpPr txBox="1"/>
+          <p:cNvSpPr txBox="1">
+            <a:spLocks noGrp="1"/>
+          </p:cNvSpPr>
           <p:nvPr>
-            <p:ph idx="1" type="body"/>
+            <p:ph type="body" idx="1"/>
           </p:nvPr>
         </p:nvSpPr>
         <p:spPr>
@@ -988,12 +1021,12 @@
           </a:prstGeom>
         </p:spPr>
         <p:txBody>
-          <a:bodyPr anchorCtr="0" anchor="t" bIns="91425" lIns="91425" spcFirstLastPara="1" rIns="91425" wrap="square" tIns="91425">
+          <a:bodyPr spcFirstLastPara="1" wrap="square" lIns="91425" tIns="91425" rIns="91425" bIns="91425" anchor="t" anchorCtr="0">
             <a:noAutofit/>
           </a:bodyPr>
           <a:lstStyle/>
           <a:p>
-            <a:pPr indent="0" lvl="0" marL="0" rtl="0" algn="l">
+            <a:pPr marL="0" lvl="0" indent="0" algn="l" rtl="0">
               <a:spcBef>
                 <a:spcPts val="0"/>
               </a:spcBef>
@@ -1002,9 +1035,6 @@
               </a:spcAft>
               <a:buNone/>
             </a:pPr>
-            <a:r>
-              <a:t/>
-            </a:r>
             <a:endParaRPr/>
           </a:p>
         </p:txBody>
@@ -1018,11 +1048,11 @@
 </file>
 
 <file path=ppt/notesSlides/notesSlide12.xml><?xml version="1.0" encoding="utf-8"?>
-<p:notes xmlns:a="http://schemas.openxmlformats.org/drawingml/2006/main" xmlns:r="http://schemas.openxmlformats.org/officeDocument/2006/relationships" xmlns:mc="http://schemas.openxmlformats.org/markup-compatibility/2006" xmlns:mv="urn:schemas-microsoft-com:mac:vml" xmlns:p="http://schemas.openxmlformats.org/presentationml/2006/main" xmlns:c="http://schemas.openxmlformats.org/drawingml/2006/chart" xmlns:dgm="http://schemas.openxmlformats.org/drawingml/2006/diagram" xmlns:o="urn:schemas-microsoft-com:office:office" xmlns:v="urn:schemas-microsoft-com:vml" xmlns:pvml="urn:schemas-microsoft-com:office:powerpoint" xmlns:com="http://schemas.openxmlformats.org/drawingml/2006/compatibility" xmlns:p14="http://schemas.microsoft.com/office/powerpoint/2010/main" xmlns:p15="http://schemas.microsoft.com/office/powerpoint/2012/main" showMasterPhAnim="0" showMasterSp="0">
+<p:notes xmlns:a="http://schemas.openxmlformats.org/drawingml/2006/main" xmlns:r="http://schemas.openxmlformats.org/officeDocument/2006/relationships" xmlns:p="http://schemas.openxmlformats.org/presentationml/2006/main" showMasterSp="0" showMasterPhAnim="0">
   <p:cSld>
     <p:spTree>
       <p:nvGrpSpPr>
-        <p:cNvPr id="136" name="Shape 136"/>
+        <p:cNvPr id="1" name="Shape 136"/>
         <p:cNvGrpSpPr/>
         <p:nvPr/>
       </p:nvGrpSpPr>
@@ -1037,9 +1067,11 @@
       <p:sp>
         <p:nvSpPr>
           <p:cNvPr id="137" name="Google Shape;137;g50ecbfc6de_0_126:notes"/>
-          <p:cNvSpPr/>
+          <p:cNvSpPr>
+            <a:spLocks noGrp="1" noRot="1" noChangeAspect="1"/>
+          </p:cNvSpPr>
           <p:nvPr>
-            <p:ph idx="2" type="sldImg"/>
+            <p:ph type="sldImg" idx="2"/>
           </p:nvPr>
         </p:nvSpPr>
         <p:spPr>
@@ -1048,9 +1080,13 @@
             <a:ext cx="6096000" cy="3429000"/>
           </a:xfrm>
           <a:custGeom>
-            <a:rect b="b" l="l" r="r" t="t"/>
+            <a:avLst/>
+            <a:gdLst/>
+            <a:ahLst/>
+            <a:cxnLst/>
+            <a:rect l="l" t="t" r="r" b="b"/>
             <a:pathLst>
-              <a:path extrusionOk="0" h="120000" w="120000">
+              <a:path w="120000" h="120000" extrusionOk="0">
                 <a:moveTo>
                   <a:pt x="0" y="0"/>
                 </a:moveTo>
@@ -1072,9 +1108,11 @@
       <p:sp>
         <p:nvSpPr>
           <p:cNvPr id="138" name="Google Shape;138;g50ecbfc6de_0_126:notes"/>
-          <p:cNvSpPr txBox="1"/>
+          <p:cNvSpPr txBox="1">
+            <a:spLocks noGrp="1"/>
+          </p:cNvSpPr>
           <p:nvPr>
-            <p:ph idx="1" type="body"/>
+            <p:ph type="body" idx="1"/>
           </p:nvPr>
         </p:nvSpPr>
         <p:spPr>
@@ -1087,12 +1125,12 @@
           </a:prstGeom>
         </p:spPr>
         <p:txBody>
-          <a:bodyPr anchorCtr="0" anchor="t" bIns="91425" lIns="91425" spcFirstLastPara="1" rIns="91425" wrap="square" tIns="91425">
+          <a:bodyPr spcFirstLastPara="1" wrap="square" lIns="91425" tIns="91425" rIns="91425" bIns="91425" anchor="t" anchorCtr="0">
             <a:noAutofit/>
           </a:bodyPr>
           <a:lstStyle/>
           <a:p>
-            <a:pPr indent="0" lvl="0" marL="0" rtl="0" algn="l">
+            <a:pPr marL="0" lvl="0" indent="0" algn="l" rtl="0">
               <a:spcBef>
                 <a:spcPts val="0"/>
               </a:spcBef>
@@ -1101,9 +1139,6 @@
               </a:spcAft>
               <a:buNone/>
             </a:pPr>
-            <a:r>
-              <a:t/>
-            </a:r>
             <a:endParaRPr/>
           </a:p>
         </p:txBody>
@@ -1117,11 +1152,11 @@
 </file>
 
 <file path=ppt/notesSlides/notesSlide13.xml><?xml version="1.0" encoding="utf-8"?>
-<p:notes xmlns:a="http://schemas.openxmlformats.org/drawingml/2006/main" xmlns:r="http://schemas.openxmlformats.org/officeDocument/2006/relationships" xmlns:mc="http://schemas.openxmlformats.org/markup-compatibility/2006" xmlns:mv="urn:schemas-microsoft-com:mac:vml" xmlns:p="http://schemas.openxmlformats.org/presentationml/2006/main" xmlns:c="http://schemas.openxmlformats.org/drawingml/2006/chart" xmlns:dgm="http://schemas.openxmlformats.org/drawingml/2006/diagram" xmlns:o="urn:schemas-microsoft-com:office:office" xmlns:v="urn:schemas-microsoft-com:vml" xmlns:pvml="urn:schemas-microsoft-com:office:powerpoint" xmlns:com="http://schemas.openxmlformats.org/drawingml/2006/compatibility" xmlns:p14="http://schemas.microsoft.com/office/powerpoint/2010/main" xmlns:p15="http://schemas.microsoft.com/office/powerpoint/2012/main" showMasterPhAnim="0" showMasterSp="0">
+<p:notes xmlns:a="http://schemas.openxmlformats.org/drawingml/2006/main" xmlns:r="http://schemas.openxmlformats.org/officeDocument/2006/relationships" xmlns:p="http://schemas.openxmlformats.org/presentationml/2006/main" showMasterSp="0" showMasterPhAnim="0">
   <p:cSld>
     <p:spTree>
       <p:nvGrpSpPr>
-        <p:cNvPr id="143" name="Shape 143"/>
+        <p:cNvPr id="1" name="Shape 143"/>
         <p:cNvGrpSpPr/>
         <p:nvPr/>
       </p:nvGrpSpPr>
@@ -1136,9 +1171,11 @@
       <p:sp>
         <p:nvSpPr>
           <p:cNvPr id="144" name="Google Shape;144;g50ecbfc6de_0_131:notes"/>
-          <p:cNvSpPr/>
+          <p:cNvSpPr>
+            <a:spLocks noGrp="1" noRot="1" noChangeAspect="1"/>
+          </p:cNvSpPr>
           <p:nvPr>
-            <p:ph idx="2" type="sldImg"/>
+            <p:ph type="sldImg" idx="2"/>
           </p:nvPr>
         </p:nvSpPr>
         <p:spPr>
@@ -1147,9 +1184,13 @@
             <a:ext cx="6096000" cy="3429000"/>
           </a:xfrm>
           <a:custGeom>
-            <a:rect b="b" l="l" r="r" t="t"/>
+            <a:avLst/>
+            <a:gdLst/>
+            <a:ahLst/>
+            <a:cxnLst/>
+            <a:rect l="l" t="t" r="r" b="b"/>
             <a:pathLst>
-              <a:path extrusionOk="0" h="120000" w="120000">
+              <a:path w="120000" h="120000" extrusionOk="0">
                 <a:moveTo>
                   <a:pt x="0" y="0"/>
                 </a:moveTo>
@@ -1171,9 +1212,11 @@
       <p:sp>
         <p:nvSpPr>
           <p:cNvPr id="145" name="Google Shape;145;g50ecbfc6de_0_131:notes"/>
-          <p:cNvSpPr txBox="1"/>
+          <p:cNvSpPr txBox="1">
+            <a:spLocks noGrp="1"/>
+          </p:cNvSpPr>
           <p:nvPr>
-            <p:ph idx="1" type="body"/>
+            <p:ph type="body" idx="1"/>
           </p:nvPr>
         </p:nvSpPr>
         <p:spPr>
@@ -1186,12 +1229,12 @@
           </a:prstGeom>
         </p:spPr>
         <p:txBody>
-          <a:bodyPr anchorCtr="0" anchor="t" bIns="91425" lIns="91425" spcFirstLastPara="1" rIns="91425" wrap="square" tIns="91425">
+          <a:bodyPr spcFirstLastPara="1" wrap="square" lIns="91425" tIns="91425" rIns="91425" bIns="91425" anchor="t" anchorCtr="0">
             <a:noAutofit/>
           </a:bodyPr>
           <a:lstStyle/>
           <a:p>
-            <a:pPr indent="0" lvl="0" marL="0" rtl="0" algn="l">
+            <a:pPr marL="0" lvl="0" indent="0" algn="l" rtl="0">
               <a:spcBef>
                 <a:spcPts val="0"/>
               </a:spcBef>
@@ -1200,9 +1243,6 @@
               </a:spcAft>
               <a:buNone/>
             </a:pPr>
-            <a:r>
-              <a:t/>
-            </a:r>
             <a:endParaRPr/>
           </a:p>
         </p:txBody>
@@ -1216,11 +1256,11 @@
 </file>
 
 <file path=ppt/notesSlides/notesSlide14.xml><?xml version="1.0" encoding="utf-8"?>
-<p:notes xmlns:a="http://schemas.openxmlformats.org/drawingml/2006/main" xmlns:r="http://schemas.openxmlformats.org/officeDocument/2006/relationships" xmlns:mc="http://schemas.openxmlformats.org/markup-compatibility/2006" xmlns:mv="urn:schemas-microsoft-com:mac:vml" xmlns:p="http://schemas.openxmlformats.org/presentationml/2006/main" xmlns:c="http://schemas.openxmlformats.org/drawingml/2006/chart" xmlns:dgm="http://schemas.openxmlformats.org/drawingml/2006/diagram" xmlns:o="urn:schemas-microsoft-com:office:office" xmlns:v="urn:schemas-microsoft-com:vml" xmlns:pvml="urn:schemas-microsoft-com:office:powerpoint" xmlns:com="http://schemas.openxmlformats.org/drawingml/2006/compatibility" xmlns:p14="http://schemas.microsoft.com/office/powerpoint/2010/main" xmlns:p15="http://schemas.microsoft.com/office/powerpoint/2012/main" showMasterPhAnim="0" showMasterSp="0">
+<p:notes xmlns:a="http://schemas.openxmlformats.org/drawingml/2006/main" xmlns:r="http://schemas.openxmlformats.org/officeDocument/2006/relationships" xmlns:p="http://schemas.openxmlformats.org/presentationml/2006/main" showMasterSp="0" showMasterPhAnim="0">
   <p:cSld>
     <p:spTree>
       <p:nvGrpSpPr>
-        <p:cNvPr id="150" name="Shape 150"/>
+        <p:cNvPr id="1" name="Shape 150"/>
         <p:cNvGrpSpPr/>
         <p:nvPr/>
       </p:nvGrpSpPr>
@@ -1235,9 +1275,11 @@
       <p:sp>
         <p:nvSpPr>
           <p:cNvPr id="151" name="Google Shape;151;g50ecbfc6de_0_136:notes"/>
-          <p:cNvSpPr/>
+          <p:cNvSpPr>
+            <a:spLocks noGrp="1" noRot="1" noChangeAspect="1"/>
+          </p:cNvSpPr>
           <p:nvPr>
-            <p:ph idx="2" type="sldImg"/>
+            <p:ph type="sldImg" idx="2"/>
           </p:nvPr>
         </p:nvSpPr>
         <p:spPr>
@@ -1246,9 +1288,13 @@
             <a:ext cx="6096000" cy="3429000"/>
           </a:xfrm>
           <a:custGeom>
-            <a:rect b="b" l="l" r="r" t="t"/>
+            <a:avLst/>
+            <a:gdLst/>
+            <a:ahLst/>
+            <a:cxnLst/>
+            <a:rect l="l" t="t" r="r" b="b"/>
             <a:pathLst>
-              <a:path extrusionOk="0" h="120000" w="120000">
+              <a:path w="120000" h="120000" extrusionOk="0">
                 <a:moveTo>
                   <a:pt x="0" y="0"/>
                 </a:moveTo>
@@ -1270,9 +1316,11 @@
       <p:sp>
         <p:nvSpPr>
           <p:cNvPr id="152" name="Google Shape;152;g50ecbfc6de_0_136:notes"/>
-          <p:cNvSpPr txBox="1"/>
+          <p:cNvSpPr txBox="1">
+            <a:spLocks noGrp="1"/>
+          </p:cNvSpPr>
           <p:nvPr>
-            <p:ph idx="1" type="body"/>
+            <p:ph type="body" idx="1"/>
           </p:nvPr>
         </p:nvSpPr>
         <p:spPr>
@@ -1285,12 +1333,12 @@
           </a:prstGeom>
         </p:spPr>
         <p:txBody>
-          <a:bodyPr anchorCtr="0" anchor="t" bIns="91425" lIns="91425" spcFirstLastPara="1" rIns="91425" wrap="square" tIns="91425">
+          <a:bodyPr spcFirstLastPara="1" wrap="square" lIns="91425" tIns="91425" rIns="91425" bIns="91425" anchor="t" anchorCtr="0">
             <a:noAutofit/>
           </a:bodyPr>
           <a:lstStyle/>
           <a:p>
-            <a:pPr indent="0" lvl="0" marL="0" rtl="0" algn="l">
+            <a:pPr marL="0" lvl="0" indent="0" algn="l" rtl="0">
               <a:spcBef>
                 <a:spcPts val="0"/>
               </a:spcBef>
@@ -1299,9 +1347,6 @@
               </a:spcAft>
               <a:buNone/>
             </a:pPr>
-            <a:r>
-              <a:t/>
-            </a:r>
             <a:endParaRPr/>
           </a:p>
         </p:txBody>
@@ -1315,11 +1360,11 @@
 </file>
 
 <file path=ppt/notesSlides/notesSlide15.xml><?xml version="1.0" encoding="utf-8"?>
-<p:notes xmlns:a="http://schemas.openxmlformats.org/drawingml/2006/main" xmlns:r="http://schemas.openxmlformats.org/officeDocument/2006/relationships" xmlns:mc="http://schemas.openxmlformats.org/markup-compatibility/2006" xmlns:mv="urn:schemas-microsoft-com:mac:vml" xmlns:p="http://schemas.openxmlformats.org/presentationml/2006/main" xmlns:c="http://schemas.openxmlformats.org/drawingml/2006/chart" xmlns:dgm="http://schemas.openxmlformats.org/drawingml/2006/diagram" xmlns:o="urn:schemas-microsoft-com:office:office" xmlns:v="urn:schemas-microsoft-com:vml" xmlns:pvml="urn:schemas-microsoft-com:office:powerpoint" xmlns:com="http://schemas.openxmlformats.org/drawingml/2006/compatibility" xmlns:p14="http://schemas.microsoft.com/office/powerpoint/2010/main" xmlns:p15="http://schemas.microsoft.com/office/powerpoint/2012/main" showMasterPhAnim="0" showMasterSp="0">
+<p:notes xmlns:a="http://schemas.openxmlformats.org/drawingml/2006/main" xmlns:r="http://schemas.openxmlformats.org/officeDocument/2006/relationships" xmlns:p="http://schemas.openxmlformats.org/presentationml/2006/main" showMasterSp="0" showMasterPhAnim="0">
   <p:cSld>
     <p:spTree>
       <p:nvGrpSpPr>
-        <p:cNvPr id="157" name="Shape 157"/>
+        <p:cNvPr id="1" name="Shape 157"/>
         <p:cNvGrpSpPr/>
         <p:nvPr/>
       </p:nvGrpSpPr>
@@ -1334,9 +1379,11 @@
       <p:sp>
         <p:nvSpPr>
           <p:cNvPr id="158" name="Google Shape;158;g50ecbfc6de_0_141:notes"/>
-          <p:cNvSpPr/>
+          <p:cNvSpPr>
+            <a:spLocks noGrp="1" noRot="1" noChangeAspect="1"/>
+          </p:cNvSpPr>
           <p:nvPr>
-            <p:ph idx="2" type="sldImg"/>
+            <p:ph type="sldImg" idx="2"/>
           </p:nvPr>
         </p:nvSpPr>
         <p:spPr>
@@ -1345,9 +1392,13 @@
             <a:ext cx="6096000" cy="3429000"/>
           </a:xfrm>
           <a:custGeom>
-            <a:rect b="b" l="l" r="r" t="t"/>
+            <a:avLst/>
+            <a:gdLst/>
+            <a:ahLst/>
+            <a:cxnLst/>
+            <a:rect l="l" t="t" r="r" b="b"/>
             <a:pathLst>
-              <a:path extrusionOk="0" h="120000" w="120000">
+              <a:path w="120000" h="120000" extrusionOk="0">
                 <a:moveTo>
                   <a:pt x="0" y="0"/>
                 </a:moveTo>
@@ -1369,9 +1420,11 @@
       <p:sp>
         <p:nvSpPr>
           <p:cNvPr id="159" name="Google Shape;159;g50ecbfc6de_0_141:notes"/>
-          <p:cNvSpPr txBox="1"/>
+          <p:cNvSpPr txBox="1">
+            <a:spLocks noGrp="1"/>
+          </p:cNvSpPr>
           <p:nvPr>
-            <p:ph idx="1" type="body"/>
+            <p:ph type="body" idx="1"/>
           </p:nvPr>
         </p:nvSpPr>
         <p:spPr>
@@ -1384,12 +1437,12 @@
           </a:prstGeom>
         </p:spPr>
         <p:txBody>
-          <a:bodyPr anchorCtr="0" anchor="t" bIns="91425" lIns="91425" spcFirstLastPara="1" rIns="91425" wrap="square" tIns="91425">
+          <a:bodyPr spcFirstLastPara="1" wrap="square" lIns="91425" tIns="91425" rIns="91425" bIns="91425" anchor="t" anchorCtr="0">
             <a:noAutofit/>
           </a:bodyPr>
           <a:lstStyle/>
           <a:p>
-            <a:pPr indent="0" lvl="0" marL="0" rtl="0" algn="l">
+            <a:pPr marL="0" lvl="0" indent="0" algn="l" rtl="0">
               <a:spcBef>
                 <a:spcPts val="0"/>
               </a:spcBef>
@@ -1398,9 +1451,6 @@
               </a:spcAft>
               <a:buNone/>
             </a:pPr>
-            <a:r>
-              <a:t/>
-            </a:r>
             <a:endParaRPr/>
           </a:p>
         </p:txBody>
@@ -1414,11 +1464,11 @@
 </file>
 
 <file path=ppt/notesSlides/notesSlide16.xml><?xml version="1.0" encoding="utf-8"?>
-<p:notes xmlns:a="http://schemas.openxmlformats.org/drawingml/2006/main" xmlns:r="http://schemas.openxmlformats.org/officeDocument/2006/relationships" xmlns:mc="http://schemas.openxmlformats.org/markup-compatibility/2006" xmlns:mv="urn:schemas-microsoft-com:mac:vml" xmlns:p="http://schemas.openxmlformats.org/presentationml/2006/main" xmlns:c="http://schemas.openxmlformats.org/drawingml/2006/chart" xmlns:dgm="http://schemas.openxmlformats.org/drawingml/2006/diagram" xmlns:o="urn:schemas-microsoft-com:office:office" xmlns:v="urn:schemas-microsoft-com:vml" xmlns:pvml="urn:schemas-microsoft-com:office:powerpoint" xmlns:com="http://schemas.openxmlformats.org/drawingml/2006/compatibility" xmlns:p14="http://schemas.microsoft.com/office/powerpoint/2010/main" xmlns:p15="http://schemas.microsoft.com/office/powerpoint/2012/main" showMasterPhAnim="0" showMasterSp="0">
+<p:notes xmlns:a="http://schemas.openxmlformats.org/drawingml/2006/main" xmlns:r="http://schemas.openxmlformats.org/officeDocument/2006/relationships" xmlns:p="http://schemas.openxmlformats.org/presentationml/2006/main" showMasterSp="0" showMasterPhAnim="0">
   <p:cSld>
     <p:spTree>
       <p:nvGrpSpPr>
-        <p:cNvPr id="164" name="Shape 164"/>
+        <p:cNvPr id="1" name="Shape 164"/>
         <p:cNvGrpSpPr/>
         <p:nvPr/>
       </p:nvGrpSpPr>
@@ -1433,9 +1483,11 @@
       <p:sp>
         <p:nvSpPr>
           <p:cNvPr id="165" name="Google Shape;165;g50ecbfc6de_0_153:notes"/>
-          <p:cNvSpPr/>
+          <p:cNvSpPr>
+            <a:spLocks noGrp="1" noRot="1" noChangeAspect="1"/>
+          </p:cNvSpPr>
           <p:nvPr>
-            <p:ph idx="2" type="sldImg"/>
+            <p:ph type="sldImg" idx="2"/>
           </p:nvPr>
         </p:nvSpPr>
         <p:spPr>
@@ -1444,9 +1496,13 @@
             <a:ext cx="6096000" cy="3429000"/>
           </a:xfrm>
           <a:custGeom>
-            <a:rect b="b" l="l" r="r" t="t"/>
+            <a:avLst/>
+            <a:gdLst/>
+            <a:ahLst/>
+            <a:cxnLst/>
+            <a:rect l="l" t="t" r="r" b="b"/>
             <a:pathLst>
-              <a:path extrusionOk="0" h="120000" w="120000">
+              <a:path w="120000" h="120000" extrusionOk="0">
                 <a:moveTo>
                   <a:pt x="0" y="0"/>
                 </a:moveTo>
@@ -1468,9 +1524,11 @@
       <p:sp>
         <p:nvSpPr>
           <p:cNvPr id="166" name="Google Shape;166;g50ecbfc6de_0_153:notes"/>
-          <p:cNvSpPr txBox="1"/>
+          <p:cNvSpPr txBox="1">
+            <a:spLocks noGrp="1"/>
+          </p:cNvSpPr>
           <p:nvPr>
-            <p:ph idx="1" type="body"/>
+            <p:ph type="body" idx="1"/>
           </p:nvPr>
         </p:nvSpPr>
         <p:spPr>
@@ -1483,12 +1541,12 @@
           </a:prstGeom>
         </p:spPr>
         <p:txBody>
-          <a:bodyPr anchorCtr="0" anchor="t" bIns="91425" lIns="91425" spcFirstLastPara="1" rIns="91425" wrap="square" tIns="91425">
+          <a:bodyPr spcFirstLastPara="1" wrap="square" lIns="91425" tIns="91425" rIns="91425" bIns="91425" anchor="t" anchorCtr="0">
             <a:noAutofit/>
           </a:bodyPr>
           <a:lstStyle/>
           <a:p>
-            <a:pPr indent="0" lvl="0" marL="0" rtl="0" algn="l">
+            <a:pPr marL="0" lvl="0" indent="0" algn="l" rtl="0">
               <a:spcBef>
                 <a:spcPts val="0"/>
               </a:spcBef>
@@ -1497,9 +1555,6 @@
               </a:spcAft>
               <a:buNone/>
             </a:pPr>
-            <a:r>
-              <a:t/>
-            </a:r>
             <a:endParaRPr/>
           </a:p>
         </p:txBody>
@@ -1513,11 +1568,11 @@
 </file>
 
 <file path=ppt/notesSlides/notesSlide17.xml><?xml version="1.0" encoding="utf-8"?>
-<p:notes xmlns:a="http://schemas.openxmlformats.org/drawingml/2006/main" xmlns:r="http://schemas.openxmlformats.org/officeDocument/2006/relationships" xmlns:mc="http://schemas.openxmlformats.org/markup-compatibility/2006" xmlns:mv="urn:schemas-microsoft-com:mac:vml" xmlns:p="http://schemas.openxmlformats.org/presentationml/2006/main" xmlns:c="http://schemas.openxmlformats.org/drawingml/2006/chart" xmlns:dgm="http://schemas.openxmlformats.org/drawingml/2006/diagram" xmlns:o="urn:schemas-microsoft-com:office:office" xmlns:v="urn:schemas-microsoft-com:vml" xmlns:pvml="urn:schemas-microsoft-com:office:powerpoint" xmlns:com="http://schemas.openxmlformats.org/drawingml/2006/compatibility" xmlns:p14="http://schemas.microsoft.com/office/powerpoint/2010/main" xmlns:p15="http://schemas.microsoft.com/office/powerpoint/2012/main" showMasterPhAnim="0" showMasterSp="0">
+<p:notes xmlns:a="http://schemas.openxmlformats.org/drawingml/2006/main" xmlns:r="http://schemas.openxmlformats.org/officeDocument/2006/relationships" xmlns:p="http://schemas.openxmlformats.org/presentationml/2006/main" showMasterSp="0" showMasterPhAnim="0">
   <p:cSld>
     <p:spTree>
       <p:nvGrpSpPr>
-        <p:cNvPr id="171" name="Shape 171"/>
+        <p:cNvPr id="1" name="Shape 171"/>
         <p:cNvGrpSpPr/>
         <p:nvPr/>
       </p:nvGrpSpPr>
@@ -1532,9 +1587,11 @@
       <p:sp>
         <p:nvSpPr>
           <p:cNvPr id="172" name="Google Shape;172;g50ecbfc6de_0_158:notes"/>
-          <p:cNvSpPr/>
+          <p:cNvSpPr>
+            <a:spLocks noGrp="1" noRot="1" noChangeAspect="1"/>
+          </p:cNvSpPr>
           <p:nvPr>
-            <p:ph idx="2" type="sldImg"/>
+            <p:ph type="sldImg" idx="2"/>
           </p:nvPr>
         </p:nvSpPr>
         <p:spPr>
@@ -1543,9 +1600,13 @@
             <a:ext cx="6096000" cy="3429000"/>
           </a:xfrm>
           <a:custGeom>
-            <a:rect b="b" l="l" r="r" t="t"/>
+            <a:avLst/>
+            <a:gdLst/>
+            <a:ahLst/>
+            <a:cxnLst/>
+            <a:rect l="l" t="t" r="r" b="b"/>
             <a:pathLst>
-              <a:path extrusionOk="0" h="120000" w="120000">
+              <a:path w="120000" h="120000" extrusionOk="0">
                 <a:moveTo>
                   <a:pt x="0" y="0"/>
                 </a:moveTo>
@@ -1567,9 +1628,11 @@
       <p:sp>
         <p:nvSpPr>
           <p:cNvPr id="173" name="Google Shape;173;g50ecbfc6de_0_158:notes"/>
-          <p:cNvSpPr txBox="1"/>
+          <p:cNvSpPr txBox="1">
+            <a:spLocks noGrp="1"/>
+          </p:cNvSpPr>
           <p:nvPr>
-            <p:ph idx="1" type="body"/>
+            <p:ph type="body" idx="1"/>
           </p:nvPr>
         </p:nvSpPr>
         <p:spPr>
@@ -1582,12 +1645,12 @@
           </a:prstGeom>
         </p:spPr>
         <p:txBody>
-          <a:bodyPr anchorCtr="0" anchor="t" bIns="91425" lIns="91425" spcFirstLastPara="1" rIns="91425" wrap="square" tIns="91425">
+          <a:bodyPr spcFirstLastPara="1" wrap="square" lIns="91425" tIns="91425" rIns="91425" bIns="91425" anchor="t" anchorCtr="0">
             <a:noAutofit/>
           </a:bodyPr>
           <a:lstStyle/>
           <a:p>
-            <a:pPr indent="0" lvl="0" marL="0" rtl="0" algn="l">
+            <a:pPr marL="0" lvl="0" indent="0" algn="l" rtl="0">
               <a:spcBef>
                 <a:spcPts val="0"/>
               </a:spcBef>
@@ -1596,9 +1659,6 @@
               </a:spcAft>
               <a:buNone/>
             </a:pPr>
-            <a:r>
-              <a:t/>
-            </a:r>
             <a:endParaRPr/>
           </a:p>
         </p:txBody>
@@ -1612,11 +1672,11 @@
 </file>
 
 <file path=ppt/notesSlides/notesSlide18.xml><?xml version="1.0" encoding="utf-8"?>
-<p:notes xmlns:a="http://schemas.openxmlformats.org/drawingml/2006/main" xmlns:r="http://schemas.openxmlformats.org/officeDocument/2006/relationships" xmlns:mc="http://schemas.openxmlformats.org/markup-compatibility/2006" xmlns:mv="urn:schemas-microsoft-com:mac:vml" xmlns:p="http://schemas.openxmlformats.org/presentationml/2006/main" xmlns:c="http://schemas.openxmlformats.org/drawingml/2006/chart" xmlns:dgm="http://schemas.openxmlformats.org/drawingml/2006/diagram" xmlns:o="urn:schemas-microsoft-com:office:office" xmlns:v="urn:schemas-microsoft-com:vml" xmlns:pvml="urn:schemas-microsoft-com:office:powerpoint" xmlns:com="http://schemas.openxmlformats.org/drawingml/2006/compatibility" xmlns:p14="http://schemas.microsoft.com/office/powerpoint/2010/main" xmlns:p15="http://schemas.microsoft.com/office/powerpoint/2012/main" showMasterPhAnim="0" showMasterSp="0">
+<p:notes xmlns:a="http://schemas.openxmlformats.org/drawingml/2006/main" xmlns:r="http://schemas.openxmlformats.org/officeDocument/2006/relationships" xmlns:p="http://schemas.openxmlformats.org/presentationml/2006/main" showMasterSp="0" showMasterPhAnim="0">
   <p:cSld>
     <p:spTree>
       <p:nvGrpSpPr>
-        <p:cNvPr id="178" name="Shape 178"/>
+        <p:cNvPr id="1" name="Shape 178"/>
         <p:cNvGrpSpPr/>
         <p:nvPr/>
       </p:nvGrpSpPr>
@@ -1631,9 +1691,11 @@
       <p:sp>
         <p:nvSpPr>
           <p:cNvPr id="179" name="Google Shape;179;g50ecbfc6de_0_165:notes"/>
-          <p:cNvSpPr/>
+          <p:cNvSpPr>
+            <a:spLocks noGrp="1" noRot="1" noChangeAspect="1"/>
+          </p:cNvSpPr>
           <p:nvPr>
-            <p:ph idx="2" type="sldImg"/>
+            <p:ph type="sldImg" idx="2"/>
           </p:nvPr>
         </p:nvSpPr>
         <p:spPr>
@@ -1642,9 +1704,13 @@
             <a:ext cx="6096000" cy="3429000"/>
           </a:xfrm>
           <a:custGeom>
-            <a:rect b="b" l="l" r="r" t="t"/>
+            <a:avLst/>
+            <a:gdLst/>
+            <a:ahLst/>
+            <a:cxnLst/>
+            <a:rect l="l" t="t" r="r" b="b"/>
             <a:pathLst>
-              <a:path extrusionOk="0" h="120000" w="120000">
+              <a:path w="120000" h="120000" extrusionOk="0">
                 <a:moveTo>
                   <a:pt x="0" y="0"/>
                 </a:moveTo>
@@ -1666,9 +1732,11 @@
       <p:sp>
         <p:nvSpPr>
           <p:cNvPr id="180" name="Google Shape;180;g50ecbfc6de_0_165:notes"/>
-          <p:cNvSpPr txBox="1"/>
+          <p:cNvSpPr txBox="1">
+            <a:spLocks noGrp="1"/>
+          </p:cNvSpPr>
           <p:nvPr>
-            <p:ph idx="1" type="body"/>
+            <p:ph type="body" idx="1"/>
           </p:nvPr>
         </p:nvSpPr>
         <p:spPr>
@@ -1681,12 +1749,12 @@
           </a:prstGeom>
         </p:spPr>
         <p:txBody>
-          <a:bodyPr anchorCtr="0" anchor="t" bIns="91425" lIns="91425" spcFirstLastPara="1" rIns="91425" wrap="square" tIns="91425">
+          <a:bodyPr spcFirstLastPara="1" wrap="square" lIns="91425" tIns="91425" rIns="91425" bIns="91425" anchor="t" anchorCtr="0">
             <a:noAutofit/>
           </a:bodyPr>
           <a:lstStyle/>
           <a:p>
-            <a:pPr indent="0" lvl="0" marL="0" rtl="0" algn="l">
+            <a:pPr marL="0" lvl="0" indent="0" algn="l" rtl="0">
               <a:spcBef>
                 <a:spcPts val="0"/>
               </a:spcBef>
@@ -1695,9 +1763,6 @@
               </a:spcAft>
               <a:buNone/>
             </a:pPr>
-            <a:r>
-              <a:t/>
-            </a:r>
             <a:endParaRPr/>
           </a:p>
         </p:txBody>
@@ -1711,11 +1776,11 @@
 </file>
 
 <file path=ppt/notesSlides/notesSlide19.xml><?xml version="1.0" encoding="utf-8"?>
-<p:notes xmlns:a="http://schemas.openxmlformats.org/drawingml/2006/main" xmlns:r="http://schemas.openxmlformats.org/officeDocument/2006/relationships" xmlns:mc="http://schemas.openxmlformats.org/markup-compatibility/2006" xmlns:mv="urn:schemas-microsoft-com:mac:vml" xmlns:p="http://schemas.openxmlformats.org/presentationml/2006/main" xmlns:c="http://schemas.openxmlformats.org/drawingml/2006/chart" xmlns:dgm="http://schemas.openxmlformats.org/drawingml/2006/diagram" xmlns:o="urn:schemas-microsoft-com:office:office" xmlns:v="urn:schemas-microsoft-com:vml" xmlns:pvml="urn:schemas-microsoft-com:office:powerpoint" xmlns:com="http://schemas.openxmlformats.org/drawingml/2006/compatibility" xmlns:p14="http://schemas.microsoft.com/office/powerpoint/2010/main" xmlns:p15="http://schemas.microsoft.com/office/powerpoint/2012/main" showMasterPhAnim="0" showMasterSp="0">
+<p:notes xmlns:a="http://schemas.openxmlformats.org/drawingml/2006/main" xmlns:r="http://schemas.openxmlformats.org/officeDocument/2006/relationships" xmlns:p="http://schemas.openxmlformats.org/presentationml/2006/main" showMasterSp="0" showMasterPhAnim="0">
   <p:cSld>
     <p:spTree>
       <p:nvGrpSpPr>
-        <p:cNvPr id="184" name="Shape 184"/>
+        <p:cNvPr id="1" name="Shape 184"/>
         <p:cNvGrpSpPr/>
         <p:nvPr/>
       </p:nvGrpSpPr>
@@ -1730,9 +1795,11 @@
       <p:sp>
         <p:nvSpPr>
           <p:cNvPr id="185" name="Google Shape;185;g50ecbfc6de_0_172:notes"/>
-          <p:cNvSpPr/>
+          <p:cNvSpPr>
+            <a:spLocks noGrp="1" noRot="1" noChangeAspect="1"/>
+          </p:cNvSpPr>
           <p:nvPr>
-            <p:ph idx="2" type="sldImg"/>
+            <p:ph type="sldImg" idx="2"/>
           </p:nvPr>
         </p:nvSpPr>
         <p:spPr>
@@ -1741,9 +1808,13 @@
             <a:ext cx="6096000" cy="3429000"/>
           </a:xfrm>
           <a:custGeom>
-            <a:rect b="b" l="l" r="r" t="t"/>
+            <a:avLst/>
+            <a:gdLst/>
+            <a:ahLst/>
+            <a:cxnLst/>
+            <a:rect l="l" t="t" r="r" b="b"/>
             <a:pathLst>
-              <a:path extrusionOk="0" h="120000" w="120000">
+              <a:path w="120000" h="120000" extrusionOk="0">
                 <a:moveTo>
                   <a:pt x="0" y="0"/>
                 </a:moveTo>
@@ -1765,9 +1836,11 @@
       <p:sp>
         <p:nvSpPr>
           <p:cNvPr id="186" name="Google Shape;186;g50ecbfc6de_0_172:notes"/>
-          <p:cNvSpPr txBox="1"/>
+          <p:cNvSpPr txBox="1">
+            <a:spLocks noGrp="1"/>
+          </p:cNvSpPr>
           <p:nvPr>
-            <p:ph idx="1" type="body"/>
+            <p:ph type="body" idx="1"/>
           </p:nvPr>
         </p:nvSpPr>
         <p:spPr>
@@ -1780,12 +1853,12 @@
           </a:prstGeom>
         </p:spPr>
         <p:txBody>
-          <a:bodyPr anchorCtr="0" anchor="t" bIns="91425" lIns="91425" spcFirstLastPara="1" rIns="91425" wrap="square" tIns="91425">
+          <a:bodyPr spcFirstLastPara="1" wrap="square" lIns="91425" tIns="91425" rIns="91425" bIns="91425" anchor="t" anchorCtr="0">
             <a:noAutofit/>
           </a:bodyPr>
           <a:lstStyle/>
           <a:p>
-            <a:pPr indent="0" lvl="0" marL="0" rtl="0" algn="l">
+            <a:pPr marL="0" lvl="0" indent="0" algn="l" rtl="0">
               <a:spcBef>
                 <a:spcPts val="0"/>
               </a:spcBef>
@@ -1794,9 +1867,6 @@
               </a:spcAft>
               <a:buNone/>
             </a:pPr>
-            <a:r>
-              <a:t/>
-            </a:r>
             <a:endParaRPr/>
           </a:p>
         </p:txBody>
@@ -1810,11 +1880,11 @@
 </file>
 
 <file path=ppt/notesSlides/notesSlide2.xml><?xml version="1.0" encoding="utf-8"?>
-<p:notes xmlns:a="http://schemas.openxmlformats.org/drawingml/2006/main" xmlns:r="http://schemas.openxmlformats.org/officeDocument/2006/relationships" xmlns:mc="http://schemas.openxmlformats.org/markup-compatibility/2006" xmlns:mv="urn:schemas-microsoft-com:mac:vml" xmlns:p="http://schemas.openxmlformats.org/presentationml/2006/main" xmlns:c="http://schemas.openxmlformats.org/drawingml/2006/chart" xmlns:dgm="http://schemas.openxmlformats.org/drawingml/2006/diagram" xmlns:o="urn:schemas-microsoft-com:office:office" xmlns:v="urn:schemas-microsoft-com:vml" xmlns:pvml="urn:schemas-microsoft-com:office:powerpoint" xmlns:com="http://schemas.openxmlformats.org/drawingml/2006/compatibility" xmlns:p14="http://schemas.microsoft.com/office/powerpoint/2010/main" xmlns:p15="http://schemas.microsoft.com/office/powerpoint/2012/main" showMasterPhAnim="0" showMasterSp="0">
+<p:notes xmlns:a="http://schemas.openxmlformats.org/drawingml/2006/main" xmlns:r="http://schemas.openxmlformats.org/officeDocument/2006/relationships" xmlns:p="http://schemas.openxmlformats.org/presentationml/2006/main" showMasterSp="0" showMasterPhAnim="0">
   <p:cSld>
     <p:spTree>
       <p:nvGrpSpPr>
-        <p:cNvPr id="69" name="Shape 69"/>
+        <p:cNvPr id="1" name="Shape 69"/>
         <p:cNvGrpSpPr/>
         <p:nvPr/>
       </p:nvGrpSpPr>
@@ -1829,9 +1899,11 @@
       <p:sp>
         <p:nvSpPr>
           <p:cNvPr id="70" name="Google Shape;70;g50ecbfc6de_0_58:notes"/>
-          <p:cNvSpPr/>
+          <p:cNvSpPr>
+            <a:spLocks noGrp="1" noRot="1" noChangeAspect="1"/>
+          </p:cNvSpPr>
           <p:nvPr>
-            <p:ph idx="2" type="sldImg"/>
+            <p:ph type="sldImg" idx="2"/>
           </p:nvPr>
         </p:nvSpPr>
         <p:spPr>
@@ -1840,9 +1912,13 @@
             <a:ext cx="6096000" cy="3429000"/>
           </a:xfrm>
           <a:custGeom>
-            <a:rect b="b" l="l" r="r" t="t"/>
+            <a:avLst/>
+            <a:gdLst/>
+            <a:ahLst/>
+            <a:cxnLst/>
+            <a:rect l="l" t="t" r="r" b="b"/>
             <a:pathLst>
-              <a:path extrusionOk="0" h="120000" w="120000">
+              <a:path w="120000" h="120000" extrusionOk="0">
                 <a:moveTo>
                   <a:pt x="0" y="0"/>
                 </a:moveTo>
@@ -1864,9 +1940,11 @@
       <p:sp>
         <p:nvSpPr>
           <p:cNvPr id="71" name="Google Shape;71;g50ecbfc6de_0_58:notes"/>
-          <p:cNvSpPr txBox="1"/>
+          <p:cNvSpPr txBox="1">
+            <a:spLocks noGrp="1"/>
+          </p:cNvSpPr>
           <p:nvPr>
-            <p:ph idx="1" type="body"/>
+            <p:ph type="body" idx="1"/>
           </p:nvPr>
         </p:nvSpPr>
         <p:spPr>
@@ -1879,12 +1957,12 @@
           </a:prstGeom>
         </p:spPr>
         <p:txBody>
-          <a:bodyPr anchorCtr="0" anchor="t" bIns="91425" lIns="91425" spcFirstLastPara="1" rIns="91425" wrap="square" tIns="91425">
+          <a:bodyPr spcFirstLastPara="1" wrap="square" lIns="91425" tIns="91425" rIns="91425" bIns="91425" anchor="t" anchorCtr="0">
             <a:noAutofit/>
           </a:bodyPr>
           <a:lstStyle/>
           <a:p>
-            <a:pPr indent="0" lvl="0" marL="0" rtl="0" algn="l">
+            <a:pPr marL="0" lvl="0" indent="0" algn="l" rtl="0">
               <a:spcBef>
                 <a:spcPts val="0"/>
               </a:spcBef>
@@ -1893,9 +1971,6 @@
               </a:spcAft>
               <a:buNone/>
             </a:pPr>
-            <a:r>
-              <a:t/>
-            </a:r>
             <a:endParaRPr/>
           </a:p>
         </p:txBody>
@@ -1909,11 +1984,11 @@
 </file>
 
 <file path=ppt/notesSlides/notesSlide20.xml><?xml version="1.0" encoding="utf-8"?>
-<p:notes xmlns:a="http://schemas.openxmlformats.org/drawingml/2006/main" xmlns:r="http://schemas.openxmlformats.org/officeDocument/2006/relationships" xmlns:mc="http://schemas.openxmlformats.org/markup-compatibility/2006" xmlns:mv="urn:schemas-microsoft-com:mac:vml" xmlns:p="http://schemas.openxmlformats.org/presentationml/2006/main" xmlns:c="http://schemas.openxmlformats.org/drawingml/2006/chart" xmlns:dgm="http://schemas.openxmlformats.org/drawingml/2006/diagram" xmlns:o="urn:schemas-microsoft-com:office:office" xmlns:v="urn:schemas-microsoft-com:vml" xmlns:pvml="urn:schemas-microsoft-com:office:powerpoint" xmlns:com="http://schemas.openxmlformats.org/drawingml/2006/compatibility" xmlns:p14="http://schemas.microsoft.com/office/powerpoint/2010/main" xmlns:p15="http://schemas.microsoft.com/office/powerpoint/2012/main" showMasterPhAnim="0" showMasterSp="0">
+<p:notes xmlns:a="http://schemas.openxmlformats.org/drawingml/2006/main" xmlns:r="http://schemas.openxmlformats.org/officeDocument/2006/relationships" xmlns:p="http://schemas.openxmlformats.org/presentationml/2006/main" showMasterSp="0" showMasterPhAnim="0">
   <p:cSld>
     <p:spTree>
       <p:nvGrpSpPr>
-        <p:cNvPr id="191" name="Shape 191"/>
+        <p:cNvPr id="1" name="Shape 191"/>
         <p:cNvGrpSpPr/>
         <p:nvPr/>
       </p:nvGrpSpPr>
@@ -1928,9 +2003,11 @@
       <p:sp>
         <p:nvSpPr>
           <p:cNvPr id="192" name="Google Shape;192;g50ecbfc6de_0_179:notes"/>
-          <p:cNvSpPr/>
+          <p:cNvSpPr>
+            <a:spLocks noGrp="1" noRot="1" noChangeAspect="1"/>
+          </p:cNvSpPr>
           <p:nvPr>
-            <p:ph idx="2" type="sldImg"/>
+            <p:ph type="sldImg" idx="2"/>
           </p:nvPr>
         </p:nvSpPr>
         <p:spPr>
@@ -1939,9 +2016,13 @@
             <a:ext cx="6096000" cy="3429000"/>
           </a:xfrm>
           <a:custGeom>
-            <a:rect b="b" l="l" r="r" t="t"/>
+            <a:avLst/>
+            <a:gdLst/>
+            <a:ahLst/>
+            <a:cxnLst/>
+            <a:rect l="l" t="t" r="r" b="b"/>
             <a:pathLst>
-              <a:path extrusionOk="0" h="120000" w="120000">
+              <a:path w="120000" h="120000" extrusionOk="0">
                 <a:moveTo>
                   <a:pt x="0" y="0"/>
                 </a:moveTo>
@@ -1963,9 +2044,11 @@
       <p:sp>
         <p:nvSpPr>
           <p:cNvPr id="193" name="Google Shape;193;g50ecbfc6de_0_179:notes"/>
-          <p:cNvSpPr txBox="1"/>
+          <p:cNvSpPr txBox="1">
+            <a:spLocks noGrp="1"/>
+          </p:cNvSpPr>
           <p:nvPr>
-            <p:ph idx="1" type="body"/>
+            <p:ph type="body" idx="1"/>
           </p:nvPr>
         </p:nvSpPr>
         <p:spPr>
@@ -1978,12 +2061,12 @@
           </a:prstGeom>
         </p:spPr>
         <p:txBody>
-          <a:bodyPr anchorCtr="0" anchor="t" bIns="91425" lIns="91425" spcFirstLastPara="1" rIns="91425" wrap="square" tIns="91425">
+          <a:bodyPr spcFirstLastPara="1" wrap="square" lIns="91425" tIns="91425" rIns="91425" bIns="91425" anchor="t" anchorCtr="0">
             <a:noAutofit/>
           </a:bodyPr>
           <a:lstStyle/>
           <a:p>
-            <a:pPr indent="0" lvl="0" marL="0" rtl="0" algn="l">
+            <a:pPr marL="0" lvl="0" indent="0" algn="l" rtl="0">
               <a:spcBef>
                 <a:spcPts val="0"/>
               </a:spcBef>
@@ -1992,9 +2075,6 @@
               </a:spcAft>
               <a:buNone/>
             </a:pPr>
-            <a:r>
-              <a:t/>
-            </a:r>
             <a:endParaRPr/>
           </a:p>
         </p:txBody>
@@ -2008,11 +2088,11 @@
 </file>
 
 <file path=ppt/notesSlides/notesSlide21.xml><?xml version="1.0" encoding="utf-8"?>
-<p:notes xmlns:a="http://schemas.openxmlformats.org/drawingml/2006/main" xmlns:r="http://schemas.openxmlformats.org/officeDocument/2006/relationships" xmlns:mc="http://schemas.openxmlformats.org/markup-compatibility/2006" xmlns:mv="urn:schemas-microsoft-com:mac:vml" xmlns:p="http://schemas.openxmlformats.org/presentationml/2006/main" xmlns:c="http://schemas.openxmlformats.org/drawingml/2006/chart" xmlns:dgm="http://schemas.openxmlformats.org/drawingml/2006/diagram" xmlns:o="urn:schemas-microsoft-com:office:office" xmlns:v="urn:schemas-microsoft-com:vml" xmlns:pvml="urn:schemas-microsoft-com:office:powerpoint" xmlns:com="http://schemas.openxmlformats.org/drawingml/2006/compatibility" xmlns:p14="http://schemas.microsoft.com/office/powerpoint/2010/main" xmlns:p15="http://schemas.microsoft.com/office/powerpoint/2012/main" showMasterPhAnim="0" showMasterSp="0">
+<p:notes xmlns:a="http://schemas.openxmlformats.org/drawingml/2006/main" xmlns:r="http://schemas.openxmlformats.org/officeDocument/2006/relationships" xmlns:p="http://schemas.openxmlformats.org/presentationml/2006/main" showMasterSp="0" showMasterPhAnim="0">
   <p:cSld>
     <p:spTree>
       <p:nvGrpSpPr>
-        <p:cNvPr id="197" name="Shape 197"/>
+        <p:cNvPr id="1" name="Shape 197"/>
         <p:cNvGrpSpPr/>
         <p:nvPr/>
       </p:nvGrpSpPr>
@@ -2027,9 +2107,11 @@
       <p:sp>
         <p:nvSpPr>
           <p:cNvPr id="198" name="Google Shape;198;g50ecbfc6de_0_184:notes"/>
-          <p:cNvSpPr/>
+          <p:cNvSpPr>
+            <a:spLocks noGrp="1" noRot="1" noChangeAspect="1"/>
+          </p:cNvSpPr>
           <p:nvPr>
-            <p:ph idx="2" type="sldImg"/>
+            <p:ph type="sldImg" idx="2"/>
           </p:nvPr>
         </p:nvSpPr>
         <p:spPr>
@@ -2038,9 +2120,13 @@
             <a:ext cx="6096000" cy="3429000"/>
           </a:xfrm>
           <a:custGeom>
-            <a:rect b="b" l="l" r="r" t="t"/>
+            <a:avLst/>
+            <a:gdLst/>
+            <a:ahLst/>
+            <a:cxnLst/>
+            <a:rect l="l" t="t" r="r" b="b"/>
             <a:pathLst>
-              <a:path extrusionOk="0" h="120000" w="120000">
+              <a:path w="120000" h="120000" extrusionOk="0">
                 <a:moveTo>
                   <a:pt x="0" y="0"/>
                 </a:moveTo>
@@ -2062,9 +2148,11 @@
       <p:sp>
         <p:nvSpPr>
           <p:cNvPr id="199" name="Google Shape;199;g50ecbfc6de_0_184:notes"/>
-          <p:cNvSpPr txBox="1"/>
+          <p:cNvSpPr txBox="1">
+            <a:spLocks noGrp="1"/>
+          </p:cNvSpPr>
           <p:nvPr>
-            <p:ph idx="1" type="body"/>
+            <p:ph type="body" idx="1"/>
           </p:nvPr>
         </p:nvSpPr>
         <p:spPr>
@@ -2077,12 +2165,12 @@
           </a:prstGeom>
         </p:spPr>
         <p:txBody>
-          <a:bodyPr anchorCtr="0" anchor="t" bIns="91425" lIns="91425" spcFirstLastPara="1" rIns="91425" wrap="square" tIns="91425">
+          <a:bodyPr spcFirstLastPara="1" wrap="square" lIns="91425" tIns="91425" rIns="91425" bIns="91425" anchor="t" anchorCtr="0">
             <a:noAutofit/>
           </a:bodyPr>
           <a:lstStyle/>
           <a:p>
-            <a:pPr indent="0" lvl="0" marL="0" rtl="0" algn="l">
+            <a:pPr marL="0" lvl="0" indent="0" algn="l" rtl="0">
               <a:spcBef>
                 <a:spcPts val="0"/>
               </a:spcBef>
@@ -2091,9 +2179,6 @@
               </a:spcAft>
               <a:buNone/>
             </a:pPr>
-            <a:r>
-              <a:t/>
-            </a:r>
             <a:endParaRPr/>
           </a:p>
         </p:txBody>
@@ -2107,11 +2192,11 @@
 </file>
 
 <file path=ppt/notesSlides/notesSlide22.xml><?xml version="1.0" encoding="utf-8"?>
-<p:notes xmlns:a="http://schemas.openxmlformats.org/drawingml/2006/main" xmlns:r="http://schemas.openxmlformats.org/officeDocument/2006/relationships" xmlns:mc="http://schemas.openxmlformats.org/markup-compatibility/2006" xmlns:mv="urn:schemas-microsoft-com:mac:vml" xmlns:p="http://schemas.openxmlformats.org/presentationml/2006/main" xmlns:c="http://schemas.openxmlformats.org/drawingml/2006/chart" xmlns:dgm="http://schemas.openxmlformats.org/drawingml/2006/diagram" xmlns:o="urn:schemas-microsoft-com:office:office" xmlns:v="urn:schemas-microsoft-com:vml" xmlns:pvml="urn:schemas-microsoft-com:office:powerpoint" xmlns:com="http://schemas.openxmlformats.org/drawingml/2006/compatibility" xmlns:p14="http://schemas.microsoft.com/office/powerpoint/2010/main" xmlns:p15="http://schemas.microsoft.com/office/powerpoint/2012/main" showMasterPhAnim="0" showMasterSp="0">
+<p:notes xmlns:a="http://schemas.openxmlformats.org/drawingml/2006/main" xmlns:r="http://schemas.openxmlformats.org/officeDocument/2006/relationships" xmlns:p="http://schemas.openxmlformats.org/presentationml/2006/main" showMasterSp="0" showMasterPhAnim="0">
   <p:cSld>
     <p:spTree>
       <p:nvGrpSpPr>
-        <p:cNvPr id="204" name="Shape 204"/>
+        <p:cNvPr id="1" name="Shape 204"/>
         <p:cNvGrpSpPr/>
         <p:nvPr/>
       </p:nvGrpSpPr>
@@ -2126,9 +2211,11 @@
       <p:sp>
         <p:nvSpPr>
           <p:cNvPr id="205" name="Google Shape;205;g50ecbfc6de_0_190:notes"/>
-          <p:cNvSpPr/>
+          <p:cNvSpPr>
+            <a:spLocks noGrp="1" noRot="1" noChangeAspect="1"/>
+          </p:cNvSpPr>
           <p:nvPr>
-            <p:ph idx="2" type="sldImg"/>
+            <p:ph type="sldImg" idx="2"/>
           </p:nvPr>
         </p:nvSpPr>
         <p:spPr>
@@ -2137,9 +2224,13 @@
             <a:ext cx="6096000" cy="3429000"/>
           </a:xfrm>
           <a:custGeom>
-            <a:rect b="b" l="l" r="r" t="t"/>
+            <a:avLst/>
+            <a:gdLst/>
+            <a:ahLst/>
+            <a:cxnLst/>
+            <a:rect l="l" t="t" r="r" b="b"/>
             <a:pathLst>
-              <a:path extrusionOk="0" h="120000" w="120000">
+              <a:path w="120000" h="120000" extrusionOk="0">
                 <a:moveTo>
                   <a:pt x="0" y="0"/>
                 </a:moveTo>
@@ -2161,9 +2252,11 @@
       <p:sp>
         <p:nvSpPr>
           <p:cNvPr id="206" name="Google Shape;206;g50ecbfc6de_0_190:notes"/>
-          <p:cNvSpPr txBox="1"/>
+          <p:cNvSpPr txBox="1">
+            <a:spLocks noGrp="1"/>
+          </p:cNvSpPr>
           <p:nvPr>
-            <p:ph idx="1" type="body"/>
+            <p:ph type="body" idx="1"/>
           </p:nvPr>
         </p:nvSpPr>
         <p:spPr>
@@ -2176,12 +2269,12 @@
           </a:prstGeom>
         </p:spPr>
         <p:txBody>
-          <a:bodyPr anchorCtr="0" anchor="t" bIns="91425" lIns="91425" spcFirstLastPara="1" rIns="91425" wrap="square" tIns="91425">
+          <a:bodyPr spcFirstLastPara="1" wrap="square" lIns="91425" tIns="91425" rIns="91425" bIns="91425" anchor="t" anchorCtr="0">
             <a:noAutofit/>
           </a:bodyPr>
           <a:lstStyle/>
           <a:p>
-            <a:pPr indent="0" lvl="0" marL="0" rtl="0" algn="l">
+            <a:pPr marL="0" lvl="0" indent="0" algn="l" rtl="0">
               <a:spcBef>
                 <a:spcPts val="0"/>
               </a:spcBef>
@@ -2190,9 +2283,6 @@
               </a:spcAft>
               <a:buNone/>
             </a:pPr>
-            <a:r>
-              <a:t/>
-            </a:r>
             <a:endParaRPr/>
           </a:p>
         </p:txBody>
@@ -2206,11 +2296,11 @@
 </file>
 
 <file path=ppt/notesSlides/notesSlide23.xml><?xml version="1.0" encoding="utf-8"?>
-<p:notes xmlns:a="http://schemas.openxmlformats.org/drawingml/2006/main" xmlns:r="http://schemas.openxmlformats.org/officeDocument/2006/relationships" xmlns:mc="http://schemas.openxmlformats.org/markup-compatibility/2006" xmlns:mv="urn:schemas-microsoft-com:mac:vml" xmlns:p="http://schemas.openxmlformats.org/presentationml/2006/main" xmlns:c="http://schemas.openxmlformats.org/drawingml/2006/chart" xmlns:dgm="http://schemas.openxmlformats.org/drawingml/2006/diagram" xmlns:o="urn:schemas-microsoft-com:office:office" xmlns:v="urn:schemas-microsoft-com:vml" xmlns:pvml="urn:schemas-microsoft-com:office:powerpoint" xmlns:com="http://schemas.openxmlformats.org/drawingml/2006/compatibility" xmlns:p14="http://schemas.microsoft.com/office/powerpoint/2010/main" xmlns:p15="http://schemas.microsoft.com/office/powerpoint/2012/main" showMasterPhAnim="0" showMasterSp="0">
+<p:notes xmlns:a="http://schemas.openxmlformats.org/drawingml/2006/main" xmlns:r="http://schemas.openxmlformats.org/officeDocument/2006/relationships" xmlns:p="http://schemas.openxmlformats.org/presentationml/2006/main" showMasterSp="0" showMasterPhAnim="0">
   <p:cSld>
     <p:spTree>
       <p:nvGrpSpPr>
-        <p:cNvPr id="210" name="Shape 210"/>
+        <p:cNvPr id="1" name="Shape 210"/>
         <p:cNvGrpSpPr/>
         <p:nvPr/>
       </p:nvGrpSpPr>
@@ -2225,9 +2315,11 @@
       <p:sp>
         <p:nvSpPr>
           <p:cNvPr id="211" name="Google Shape;211;g50ecbfc6de_0_196:notes"/>
-          <p:cNvSpPr/>
+          <p:cNvSpPr>
+            <a:spLocks noGrp="1" noRot="1" noChangeAspect="1"/>
+          </p:cNvSpPr>
           <p:nvPr>
-            <p:ph idx="2" type="sldImg"/>
+            <p:ph type="sldImg" idx="2"/>
           </p:nvPr>
         </p:nvSpPr>
         <p:spPr>
@@ -2236,9 +2328,13 @@
             <a:ext cx="6096000" cy="3429000"/>
           </a:xfrm>
           <a:custGeom>
-            <a:rect b="b" l="l" r="r" t="t"/>
+            <a:avLst/>
+            <a:gdLst/>
+            <a:ahLst/>
+            <a:cxnLst/>
+            <a:rect l="l" t="t" r="r" b="b"/>
             <a:pathLst>
-              <a:path extrusionOk="0" h="120000" w="120000">
+              <a:path w="120000" h="120000" extrusionOk="0">
                 <a:moveTo>
                   <a:pt x="0" y="0"/>
                 </a:moveTo>
@@ -2260,9 +2356,11 @@
       <p:sp>
         <p:nvSpPr>
           <p:cNvPr id="212" name="Google Shape;212;g50ecbfc6de_0_196:notes"/>
-          <p:cNvSpPr txBox="1"/>
+          <p:cNvSpPr txBox="1">
+            <a:spLocks noGrp="1"/>
+          </p:cNvSpPr>
           <p:nvPr>
-            <p:ph idx="1" type="body"/>
+            <p:ph type="body" idx="1"/>
           </p:nvPr>
         </p:nvSpPr>
         <p:spPr>
@@ -2275,12 +2373,12 @@
           </a:prstGeom>
         </p:spPr>
         <p:txBody>
-          <a:bodyPr anchorCtr="0" anchor="t" bIns="91425" lIns="91425" spcFirstLastPara="1" rIns="91425" wrap="square" tIns="91425">
+          <a:bodyPr spcFirstLastPara="1" wrap="square" lIns="91425" tIns="91425" rIns="91425" bIns="91425" anchor="t" anchorCtr="0">
             <a:noAutofit/>
           </a:bodyPr>
           <a:lstStyle/>
           <a:p>
-            <a:pPr indent="0" lvl="0" marL="0" rtl="0" algn="l">
+            <a:pPr marL="0" lvl="0" indent="0" algn="l" rtl="0">
               <a:spcBef>
                 <a:spcPts val="0"/>
               </a:spcBef>
@@ -2289,9 +2387,6 @@
               </a:spcAft>
               <a:buNone/>
             </a:pPr>
-            <a:r>
-              <a:t/>
-            </a:r>
             <a:endParaRPr/>
           </a:p>
         </p:txBody>
@@ -2305,11 +2400,11 @@
 </file>
 
 <file path=ppt/notesSlides/notesSlide24.xml><?xml version="1.0" encoding="utf-8"?>
-<p:notes xmlns:a="http://schemas.openxmlformats.org/drawingml/2006/main" xmlns:r="http://schemas.openxmlformats.org/officeDocument/2006/relationships" xmlns:mc="http://schemas.openxmlformats.org/markup-compatibility/2006" xmlns:mv="urn:schemas-microsoft-com:mac:vml" xmlns:p="http://schemas.openxmlformats.org/presentationml/2006/main" xmlns:c="http://schemas.openxmlformats.org/drawingml/2006/chart" xmlns:dgm="http://schemas.openxmlformats.org/drawingml/2006/diagram" xmlns:o="urn:schemas-microsoft-com:office:office" xmlns:v="urn:schemas-microsoft-com:vml" xmlns:pvml="urn:schemas-microsoft-com:office:powerpoint" xmlns:com="http://schemas.openxmlformats.org/drawingml/2006/compatibility" xmlns:p14="http://schemas.microsoft.com/office/powerpoint/2010/main" xmlns:p15="http://schemas.microsoft.com/office/powerpoint/2012/main" showMasterPhAnim="0" showMasterSp="0">
+<p:notes xmlns:a="http://schemas.openxmlformats.org/drawingml/2006/main" xmlns:r="http://schemas.openxmlformats.org/officeDocument/2006/relationships" xmlns:p="http://schemas.openxmlformats.org/presentationml/2006/main" showMasterSp="0" showMasterPhAnim="0">
   <p:cSld>
     <p:spTree>
       <p:nvGrpSpPr>
-        <p:cNvPr id="216" name="Shape 216"/>
+        <p:cNvPr id="1" name="Shape 216"/>
         <p:cNvGrpSpPr/>
         <p:nvPr/>
       </p:nvGrpSpPr>
@@ -2324,9 +2419,11 @@
       <p:sp>
         <p:nvSpPr>
           <p:cNvPr id="217" name="Google Shape;217;g50ecbfc6de_0_202:notes"/>
-          <p:cNvSpPr/>
+          <p:cNvSpPr>
+            <a:spLocks noGrp="1" noRot="1" noChangeAspect="1"/>
+          </p:cNvSpPr>
           <p:nvPr>
-            <p:ph idx="2" type="sldImg"/>
+            <p:ph type="sldImg" idx="2"/>
           </p:nvPr>
         </p:nvSpPr>
         <p:spPr>
@@ -2335,9 +2432,13 @@
             <a:ext cx="6096000" cy="3429000"/>
           </a:xfrm>
           <a:custGeom>
-            <a:rect b="b" l="l" r="r" t="t"/>
+            <a:avLst/>
+            <a:gdLst/>
+            <a:ahLst/>
+            <a:cxnLst/>
+            <a:rect l="l" t="t" r="r" b="b"/>
             <a:pathLst>
-              <a:path extrusionOk="0" h="120000" w="120000">
+              <a:path w="120000" h="120000" extrusionOk="0">
                 <a:moveTo>
                   <a:pt x="0" y="0"/>
                 </a:moveTo>
@@ -2359,9 +2460,11 @@
       <p:sp>
         <p:nvSpPr>
           <p:cNvPr id="218" name="Google Shape;218;g50ecbfc6de_0_202:notes"/>
-          <p:cNvSpPr txBox="1"/>
+          <p:cNvSpPr txBox="1">
+            <a:spLocks noGrp="1"/>
+          </p:cNvSpPr>
           <p:nvPr>
-            <p:ph idx="1" type="body"/>
+            <p:ph type="body" idx="1"/>
           </p:nvPr>
         </p:nvSpPr>
         <p:spPr>
@@ -2374,12 +2477,12 @@
           </a:prstGeom>
         </p:spPr>
         <p:txBody>
-          <a:bodyPr anchorCtr="0" anchor="t" bIns="91425" lIns="91425" spcFirstLastPara="1" rIns="91425" wrap="square" tIns="91425">
+          <a:bodyPr spcFirstLastPara="1" wrap="square" lIns="91425" tIns="91425" rIns="91425" bIns="91425" anchor="t" anchorCtr="0">
             <a:noAutofit/>
           </a:bodyPr>
           <a:lstStyle/>
           <a:p>
-            <a:pPr indent="0" lvl="0" marL="0" rtl="0" algn="l">
+            <a:pPr marL="0" lvl="0" indent="0" algn="l" rtl="0">
               <a:spcBef>
                 <a:spcPts val="0"/>
               </a:spcBef>
@@ -2388,9 +2491,6 @@
               </a:spcAft>
               <a:buNone/>
             </a:pPr>
-            <a:r>
-              <a:t/>
-            </a:r>
             <a:endParaRPr/>
           </a:p>
         </p:txBody>
@@ -2404,11 +2504,11 @@
 </file>
 
 <file path=ppt/notesSlides/notesSlide25.xml><?xml version="1.0" encoding="utf-8"?>
-<p:notes xmlns:a="http://schemas.openxmlformats.org/drawingml/2006/main" xmlns:r="http://schemas.openxmlformats.org/officeDocument/2006/relationships" xmlns:mc="http://schemas.openxmlformats.org/markup-compatibility/2006" xmlns:mv="urn:schemas-microsoft-com:mac:vml" xmlns:p="http://schemas.openxmlformats.org/presentationml/2006/main" xmlns:c="http://schemas.openxmlformats.org/drawingml/2006/chart" xmlns:dgm="http://schemas.openxmlformats.org/drawingml/2006/diagram" xmlns:o="urn:schemas-microsoft-com:office:office" xmlns:v="urn:schemas-microsoft-com:vml" xmlns:pvml="urn:schemas-microsoft-com:office:powerpoint" xmlns:com="http://schemas.openxmlformats.org/drawingml/2006/compatibility" xmlns:p14="http://schemas.microsoft.com/office/powerpoint/2010/main" xmlns:p15="http://schemas.microsoft.com/office/powerpoint/2012/main" showMasterPhAnim="0" showMasterSp="0">
+<p:notes xmlns:a="http://schemas.openxmlformats.org/drawingml/2006/main" xmlns:r="http://schemas.openxmlformats.org/officeDocument/2006/relationships" xmlns:p="http://schemas.openxmlformats.org/presentationml/2006/main" showMasterSp="0" showMasterPhAnim="0">
   <p:cSld>
     <p:spTree>
       <p:nvGrpSpPr>
-        <p:cNvPr id="223" name="Shape 223"/>
+        <p:cNvPr id="1" name="Shape 223"/>
         <p:cNvGrpSpPr/>
         <p:nvPr/>
       </p:nvGrpSpPr>
@@ -2423,9 +2523,11 @@
       <p:sp>
         <p:nvSpPr>
           <p:cNvPr id="224" name="Google Shape;224;g50ecbfc6de_0_208:notes"/>
-          <p:cNvSpPr/>
+          <p:cNvSpPr>
+            <a:spLocks noGrp="1" noRot="1" noChangeAspect="1"/>
+          </p:cNvSpPr>
           <p:nvPr>
-            <p:ph idx="2" type="sldImg"/>
+            <p:ph type="sldImg" idx="2"/>
           </p:nvPr>
         </p:nvSpPr>
         <p:spPr>
@@ -2434,9 +2536,13 @@
             <a:ext cx="6096000" cy="3429000"/>
           </a:xfrm>
           <a:custGeom>
-            <a:rect b="b" l="l" r="r" t="t"/>
+            <a:avLst/>
+            <a:gdLst/>
+            <a:ahLst/>
+            <a:cxnLst/>
+            <a:rect l="l" t="t" r="r" b="b"/>
             <a:pathLst>
-              <a:path extrusionOk="0" h="120000" w="120000">
+              <a:path w="120000" h="120000" extrusionOk="0">
                 <a:moveTo>
                   <a:pt x="0" y="0"/>
                 </a:moveTo>
@@ -2458,9 +2564,11 @@
       <p:sp>
         <p:nvSpPr>
           <p:cNvPr id="225" name="Google Shape;225;g50ecbfc6de_0_208:notes"/>
-          <p:cNvSpPr txBox="1"/>
+          <p:cNvSpPr txBox="1">
+            <a:spLocks noGrp="1"/>
+          </p:cNvSpPr>
           <p:nvPr>
-            <p:ph idx="1" type="body"/>
+            <p:ph type="body" idx="1"/>
           </p:nvPr>
         </p:nvSpPr>
         <p:spPr>
@@ -2473,12 +2581,12 @@
           </a:prstGeom>
         </p:spPr>
         <p:txBody>
-          <a:bodyPr anchorCtr="0" anchor="t" bIns="91425" lIns="91425" spcFirstLastPara="1" rIns="91425" wrap="square" tIns="91425">
+          <a:bodyPr spcFirstLastPara="1" wrap="square" lIns="91425" tIns="91425" rIns="91425" bIns="91425" anchor="t" anchorCtr="0">
             <a:noAutofit/>
           </a:bodyPr>
           <a:lstStyle/>
           <a:p>
-            <a:pPr indent="0" lvl="0" marL="0" rtl="0" algn="l">
+            <a:pPr marL="0" lvl="0" indent="0" algn="l" rtl="0">
               <a:spcBef>
                 <a:spcPts val="0"/>
               </a:spcBef>
@@ -2487,9 +2595,6 @@
               </a:spcAft>
               <a:buNone/>
             </a:pPr>
-            <a:r>
-              <a:t/>
-            </a:r>
             <a:endParaRPr/>
           </a:p>
         </p:txBody>
@@ -2503,11 +2608,11 @@
 </file>
 
 <file path=ppt/notesSlides/notesSlide26.xml><?xml version="1.0" encoding="utf-8"?>
-<p:notes xmlns:a="http://schemas.openxmlformats.org/drawingml/2006/main" xmlns:r="http://schemas.openxmlformats.org/officeDocument/2006/relationships" xmlns:mc="http://schemas.openxmlformats.org/markup-compatibility/2006" xmlns:mv="urn:schemas-microsoft-com:mac:vml" xmlns:p="http://schemas.openxmlformats.org/presentationml/2006/main" xmlns:c="http://schemas.openxmlformats.org/drawingml/2006/chart" xmlns:dgm="http://schemas.openxmlformats.org/drawingml/2006/diagram" xmlns:o="urn:schemas-microsoft-com:office:office" xmlns:v="urn:schemas-microsoft-com:vml" xmlns:pvml="urn:schemas-microsoft-com:office:powerpoint" xmlns:com="http://schemas.openxmlformats.org/drawingml/2006/compatibility" xmlns:p14="http://schemas.microsoft.com/office/powerpoint/2010/main" xmlns:p15="http://schemas.microsoft.com/office/powerpoint/2012/main" showMasterPhAnim="0" showMasterSp="0">
+<p:notes xmlns:a="http://schemas.openxmlformats.org/drawingml/2006/main" xmlns:r="http://schemas.openxmlformats.org/officeDocument/2006/relationships" xmlns:p="http://schemas.openxmlformats.org/presentationml/2006/main" showMasterSp="0" showMasterPhAnim="0">
   <p:cSld>
     <p:spTree>
       <p:nvGrpSpPr>
-        <p:cNvPr id="229" name="Shape 229"/>
+        <p:cNvPr id="1" name="Shape 229"/>
         <p:cNvGrpSpPr/>
         <p:nvPr/>
       </p:nvGrpSpPr>
@@ -2522,9 +2627,11 @@
       <p:sp>
         <p:nvSpPr>
           <p:cNvPr id="230" name="Google Shape;230;g50ecbfc6de_0_214:notes"/>
-          <p:cNvSpPr/>
+          <p:cNvSpPr>
+            <a:spLocks noGrp="1" noRot="1" noChangeAspect="1"/>
+          </p:cNvSpPr>
           <p:nvPr>
-            <p:ph idx="2" type="sldImg"/>
+            <p:ph type="sldImg" idx="2"/>
           </p:nvPr>
         </p:nvSpPr>
         <p:spPr>
@@ -2533,9 +2640,13 @@
             <a:ext cx="6096000" cy="3429000"/>
           </a:xfrm>
           <a:custGeom>
-            <a:rect b="b" l="l" r="r" t="t"/>
+            <a:avLst/>
+            <a:gdLst/>
+            <a:ahLst/>
+            <a:cxnLst/>
+            <a:rect l="l" t="t" r="r" b="b"/>
             <a:pathLst>
-              <a:path extrusionOk="0" h="120000" w="120000">
+              <a:path w="120000" h="120000" extrusionOk="0">
                 <a:moveTo>
                   <a:pt x="0" y="0"/>
                 </a:moveTo>
@@ -2557,9 +2668,11 @@
       <p:sp>
         <p:nvSpPr>
           <p:cNvPr id="231" name="Google Shape;231;g50ecbfc6de_0_214:notes"/>
-          <p:cNvSpPr txBox="1"/>
+          <p:cNvSpPr txBox="1">
+            <a:spLocks noGrp="1"/>
+          </p:cNvSpPr>
           <p:nvPr>
-            <p:ph idx="1" type="body"/>
+            <p:ph type="body" idx="1"/>
           </p:nvPr>
         </p:nvSpPr>
         <p:spPr>
@@ -2572,12 +2685,12 @@
           </a:prstGeom>
         </p:spPr>
         <p:txBody>
-          <a:bodyPr anchorCtr="0" anchor="t" bIns="91425" lIns="91425" spcFirstLastPara="1" rIns="91425" wrap="square" tIns="91425">
+          <a:bodyPr spcFirstLastPara="1" wrap="square" lIns="91425" tIns="91425" rIns="91425" bIns="91425" anchor="t" anchorCtr="0">
             <a:noAutofit/>
           </a:bodyPr>
           <a:lstStyle/>
           <a:p>
-            <a:pPr indent="0" lvl="0" marL="0" rtl="0" algn="l">
+            <a:pPr marL="0" lvl="0" indent="0" algn="l" rtl="0">
               <a:spcBef>
                 <a:spcPts val="0"/>
               </a:spcBef>
@@ -2586,9 +2699,6 @@
               </a:spcAft>
               <a:buNone/>
             </a:pPr>
-            <a:r>
-              <a:t/>
-            </a:r>
             <a:endParaRPr/>
           </a:p>
         </p:txBody>
@@ -2602,11 +2712,11 @@
 </file>
 
 <file path=ppt/notesSlides/notesSlide27.xml><?xml version="1.0" encoding="utf-8"?>
-<p:notes xmlns:a="http://schemas.openxmlformats.org/drawingml/2006/main" xmlns:r="http://schemas.openxmlformats.org/officeDocument/2006/relationships" xmlns:mc="http://schemas.openxmlformats.org/markup-compatibility/2006" xmlns:mv="urn:schemas-microsoft-com:mac:vml" xmlns:p="http://schemas.openxmlformats.org/presentationml/2006/main" xmlns:c="http://schemas.openxmlformats.org/drawingml/2006/chart" xmlns:dgm="http://schemas.openxmlformats.org/drawingml/2006/diagram" xmlns:o="urn:schemas-microsoft-com:office:office" xmlns:v="urn:schemas-microsoft-com:vml" xmlns:pvml="urn:schemas-microsoft-com:office:powerpoint" xmlns:com="http://schemas.openxmlformats.org/drawingml/2006/compatibility" xmlns:p14="http://schemas.microsoft.com/office/powerpoint/2010/main" xmlns:p15="http://schemas.microsoft.com/office/powerpoint/2012/main" showMasterPhAnim="0" showMasterSp="0">
+<p:notes xmlns:a="http://schemas.openxmlformats.org/drawingml/2006/main" xmlns:r="http://schemas.openxmlformats.org/officeDocument/2006/relationships" xmlns:p="http://schemas.openxmlformats.org/presentationml/2006/main" showMasterSp="0" showMasterPhAnim="0">
   <p:cSld>
     <p:spTree>
       <p:nvGrpSpPr>
-        <p:cNvPr id="238" name="Shape 238"/>
+        <p:cNvPr id="1" name="Shape 238"/>
         <p:cNvGrpSpPr/>
         <p:nvPr/>
       </p:nvGrpSpPr>
@@ -2621,20 +2731,26 @@
       <p:sp>
         <p:nvSpPr>
           <p:cNvPr id="239" name="Google Shape;239;g50ecbfc6de_0_222:notes"/>
-          <p:cNvSpPr/>
+          <p:cNvSpPr>
+            <a:spLocks noGrp="1" noRot="1" noChangeAspect="1"/>
+          </p:cNvSpPr>
           <p:nvPr>
-            <p:ph idx="2" type="sldImg"/>
+            <p:ph type="sldImg" idx="2"/>
           </p:nvPr>
         </p:nvSpPr>
         <p:spPr>
           <a:xfrm>
-            <a:off x="381300" y="685800"/>
+            <a:off x="381000" y="685800"/>
             <a:ext cx="6096000" cy="3429000"/>
           </a:xfrm>
           <a:custGeom>
-            <a:rect b="b" l="l" r="r" t="t"/>
+            <a:avLst/>
+            <a:gdLst/>
+            <a:ahLst/>
+            <a:cxnLst/>
+            <a:rect l="l" t="t" r="r" b="b"/>
             <a:pathLst>
-              <a:path extrusionOk="0" h="120000" w="120000">
+              <a:path w="120000" h="120000" extrusionOk="0">
                 <a:moveTo>
                   <a:pt x="0" y="0"/>
                 </a:moveTo>
@@ -2656,9 +2772,11 @@
       <p:sp>
         <p:nvSpPr>
           <p:cNvPr id="240" name="Google Shape;240;g50ecbfc6de_0_222:notes"/>
-          <p:cNvSpPr txBox="1"/>
+          <p:cNvSpPr txBox="1">
+            <a:spLocks noGrp="1"/>
+          </p:cNvSpPr>
           <p:nvPr>
-            <p:ph idx="1" type="body"/>
+            <p:ph type="body" idx="1"/>
           </p:nvPr>
         </p:nvSpPr>
         <p:spPr>
@@ -2671,12 +2789,12 @@
           </a:prstGeom>
         </p:spPr>
         <p:txBody>
-          <a:bodyPr anchorCtr="0" anchor="t" bIns="91425" lIns="91425" spcFirstLastPara="1" rIns="91425" wrap="square" tIns="91425">
+          <a:bodyPr spcFirstLastPara="1" wrap="square" lIns="91425" tIns="91425" rIns="91425" bIns="91425" anchor="t" anchorCtr="0">
             <a:noAutofit/>
           </a:bodyPr>
           <a:lstStyle/>
           <a:p>
-            <a:pPr indent="0" lvl="0" marL="0" rtl="0" algn="l">
+            <a:pPr marL="0" lvl="0" indent="0" algn="l" rtl="0">
               <a:spcBef>
                 <a:spcPts val="0"/>
               </a:spcBef>
@@ -2685,9 +2803,6 @@
               </a:spcAft>
               <a:buNone/>
             </a:pPr>
-            <a:r>
-              <a:t/>
-            </a:r>
             <a:endParaRPr/>
           </a:p>
         </p:txBody>
@@ -2701,11 +2816,11 @@
 </file>
 
 <file path=ppt/notesSlides/notesSlide28.xml><?xml version="1.0" encoding="utf-8"?>
-<p:notes xmlns:a="http://schemas.openxmlformats.org/drawingml/2006/main" xmlns:r="http://schemas.openxmlformats.org/officeDocument/2006/relationships" xmlns:mc="http://schemas.openxmlformats.org/markup-compatibility/2006" xmlns:mv="urn:schemas-microsoft-com:mac:vml" xmlns:p="http://schemas.openxmlformats.org/presentationml/2006/main" xmlns:c="http://schemas.openxmlformats.org/drawingml/2006/chart" xmlns:dgm="http://schemas.openxmlformats.org/drawingml/2006/diagram" xmlns:o="urn:schemas-microsoft-com:office:office" xmlns:v="urn:schemas-microsoft-com:vml" xmlns:pvml="urn:schemas-microsoft-com:office:powerpoint" xmlns:com="http://schemas.openxmlformats.org/drawingml/2006/compatibility" xmlns:p14="http://schemas.microsoft.com/office/powerpoint/2010/main" xmlns:p15="http://schemas.microsoft.com/office/powerpoint/2012/main" showMasterPhAnim="0" showMasterSp="0">
+<p:notes xmlns:a="http://schemas.openxmlformats.org/drawingml/2006/main" xmlns:r="http://schemas.openxmlformats.org/officeDocument/2006/relationships" xmlns:p="http://schemas.openxmlformats.org/presentationml/2006/main" showMasterSp="0" showMasterPhAnim="0">
   <p:cSld>
     <p:spTree>
       <p:nvGrpSpPr>
-        <p:cNvPr id="244" name="Shape 244"/>
+        <p:cNvPr id="1" name="Shape 244"/>
         <p:cNvGrpSpPr/>
         <p:nvPr/>
       </p:nvGrpSpPr>
@@ -2720,9 +2835,11 @@
       <p:sp>
         <p:nvSpPr>
           <p:cNvPr id="245" name="Google Shape;245;g50ecbfc6de_0_227:notes"/>
-          <p:cNvSpPr/>
+          <p:cNvSpPr>
+            <a:spLocks noGrp="1" noRot="1" noChangeAspect="1"/>
+          </p:cNvSpPr>
           <p:nvPr>
-            <p:ph idx="2" type="sldImg"/>
+            <p:ph type="sldImg" idx="2"/>
           </p:nvPr>
         </p:nvSpPr>
         <p:spPr>
@@ -2731,9 +2848,13 @@
             <a:ext cx="6096000" cy="3429000"/>
           </a:xfrm>
           <a:custGeom>
-            <a:rect b="b" l="l" r="r" t="t"/>
+            <a:avLst/>
+            <a:gdLst/>
+            <a:ahLst/>
+            <a:cxnLst/>
+            <a:rect l="l" t="t" r="r" b="b"/>
             <a:pathLst>
-              <a:path extrusionOk="0" h="120000" w="120000">
+              <a:path w="120000" h="120000" extrusionOk="0">
                 <a:moveTo>
                   <a:pt x="0" y="0"/>
                 </a:moveTo>
@@ -2755,9 +2876,11 @@
       <p:sp>
         <p:nvSpPr>
           <p:cNvPr id="246" name="Google Shape;246;g50ecbfc6de_0_227:notes"/>
-          <p:cNvSpPr txBox="1"/>
+          <p:cNvSpPr txBox="1">
+            <a:spLocks noGrp="1"/>
+          </p:cNvSpPr>
           <p:nvPr>
-            <p:ph idx="1" type="body"/>
+            <p:ph type="body" idx="1"/>
           </p:nvPr>
         </p:nvSpPr>
         <p:spPr>
@@ -2770,12 +2893,12 @@
           </a:prstGeom>
         </p:spPr>
         <p:txBody>
-          <a:bodyPr anchorCtr="0" anchor="t" bIns="91425" lIns="91425" spcFirstLastPara="1" rIns="91425" wrap="square" tIns="91425">
+          <a:bodyPr spcFirstLastPara="1" wrap="square" lIns="91425" tIns="91425" rIns="91425" bIns="91425" anchor="t" anchorCtr="0">
             <a:noAutofit/>
           </a:bodyPr>
           <a:lstStyle/>
           <a:p>
-            <a:pPr indent="0" lvl="0" marL="0" rtl="0" algn="l">
+            <a:pPr marL="0" lvl="0" indent="0" algn="l" rtl="0">
               <a:spcBef>
                 <a:spcPts val="0"/>
               </a:spcBef>
@@ -2784,9 +2907,6 @@
               </a:spcAft>
               <a:buNone/>
             </a:pPr>
-            <a:r>
-              <a:t/>
-            </a:r>
             <a:endParaRPr/>
           </a:p>
         </p:txBody>
@@ -2800,11 +2920,11 @@
 </file>
 
 <file path=ppt/notesSlides/notesSlide3.xml><?xml version="1.0" encoding="utf-8"?>
-<p:notes xmlns:a="http://schemas.openxmlformats.org/drawingml/2006/main" xmlns:r="http://schemas.openxmlformats.org/officeDocument/2006/relationships" xmlns:mc="http://schemas.openxmlformats.org/markup-compatibility/2006" xmlns:mv="urn:schemas-microsoft-com:mac:vml" xmlns:p="http://schemas.openxmlformats.org/presentationml/2006/main" xmlns:c="http://schemas.openxmlformats.org/drawingml/2006/chart" xmlns:dgm="http://schemas.openxmlformats.org/drawingml/2006/diagram" xmlns:o="urn:schemas-microsoft-com:office:office" xmlns:v="urn:schemas-microsoft-com:vml" xmlns:pvml="urn:schemas-microsoft-com:office:powerpoint" xmlns:com="http://schemas.openxmlformats.org/drawingml/2006/compatibility" xmlns:p14="http://schemas.microsoft.com/office/powerpoint/2010/main" xmlns:p15="http://schemas.microsoft.com/office/powerpoint/2012/main" showMasterPhAnim="0" showMasterSp="0">
+<p:notes xmlns:a="http://schemas.openxmlformats.org/drawingml/2006/main" xmlns:r="http://schemas.openxmlformats.org/officeDocument/2006/relationships" xmlns:p="http://schemas.openxmlformats.org/presentationml/2006/main" showMasterSp="0" showMasterPhAnim="0">
   <p:cSld>
     <p:spTree>
       <p:nvGrpSpPr>
-        <p:cNvPr id="75" name="Shape 75"/>
+        <p:cNvPr id="1" name="Shape 75"/>
         <p:cNvGrpSpPr/>
         <p:nvPr/>
       </p:nvGrpSpPr>
@@ -2819,9 +2939,11 @@
       <p:sp>
         <p:nvSpPr>
           <p:cNvPr id="76" name="Google Shape;76;g50ecbfc6de_0_63:notes"/>
-          <p:cNvSpPr/>
+          <p:cNvSpPr>
+            <a:spLocks noGrp="1" noRot="1" noChangeAspect="1"/>
+          </p:cNvSpPr>
           <p:nvPr>
-            <p:ph idx="2" type="sldImg"/>
+            <p:ph type="sldImg" idx="2"/>
           </p:nvPr>
         </p:nvSpPr>
         <p:spPr>
@@ -2830,9 +2952,13 @@
             <a:ext cx="6096000" cy="3429000"/>
           </a:xfrm>
           <a:custGeom>
-            <a:rect b="b" l="l" r="r" t="t"/>
+            <a:avLst/>
+            <a:gdLst/>
+            <a:ahLst/>
+            <a:cxnLst/>
+            <a:rect l="l" t="t" r="r" b="b"/>
             <a:pathLst>
-              <a:path extrusionOk="0" h="120000" w="120000">
+              <a:path w="120000" h="120000" extrusionOk="0">
                 <a:moveTo>
                   <a:pt x="0" y="0"/>
                 </a:moveTo>
@@ -2854,9 +2980,11 @@
       <p:sp>
         <p:nvSpPr>
           <p:cNvPr id="77" name="Google Shape;77;g50ecbfc6de_0_63:notes"/>
-          <p:cNvSpPr txBox="1"/>
+          <p:cNvSpPr txBox="1">
+            <a:spLocks noGrp="1"/>
+          </p:cNvSpPr>
           <p:nvPr>
-            <p:ph idx="1" type="body"/>
+            <p:ph type="body" idx="1"/>
           </p:nvPr>
         </p:nvSpPr>
         <p:spPr>
@@ -2869,12 +2997,12 @@
           </a:prstGeom>
         </p:spPr>
         <p:txBody>
-          <a:bodyPr anchorCtr="0" anchor="t" bIns="91425" lIns="91425" spcFirstLastPara="1" rIns="91425" wrap="square" tIns="91425">
+          <a:bodyPr spcFirstLastPara="1" wrap="square" lIns="91425" tIns="91425" rIns="91425" bIns="91425" anchor="t" anchorCtr="0">
             <a:noAutofit/>
           </a:bodyPr>
           <a:lstStyle/>
           <a:p>
-            <a:pPr indent="0" lvl="0" marL="0" rtl="0" algn="l">
+            <a:pPr marL="0" lvl="0" indent="0" algn="l" rtl="0">
               <a:spcBef>
                 <a:spcPts val="0"/>
               </a:spcBef>
@@ -2883,9 +3011,6 @@
               </a:spcAft>
               <a:buNone/>
             </a:pPr>
-            <a:r>
-              <a:t/>
-            </a:r>
             <a:endParaRPr/>
           </a:p>
         </p:txBody>
@@ -2899,11 +3024,11 @@
 </file>
 
 <file path=ppt/notesSlides/notesSlide4.xml><?xml version="1.0" encoding="utf-8"?>
-<p:notes xmlns:a="http://schemas.openxmlformats.org/drawingml/2006/main" xmlns:r="http://schemas.openxmlformats.org/officeDocument/2006/relationships" xmlns:mc="http://schemas.openxmlformats.org/markup-compatibility/2006" xmlns:mv="urn:schemas-microsoft-com:mac:vml" xmlns:p="http://schemas.openxmlformats.org/presentationml/2006/main" xmlns:c="http://schemas.openxmlformats.org/drawingml/2006/chart" xmlns:dgm="http://schemas.openxmlformats.org/drawingml/2006/diagram" xmlns:o="urn:schemas-microsoft-com:office:office" xmlns:v="urn:schemas-microsoft-com:vml" xmlns:pvml="urn:schemas-microsoft-com:office:powerpoint" xmlns:com="http://schemas.openxmlformats.org/drawingml/2006/compatibility" xmlns:p14="http://schemas.microsoft.com/office/powerpoint/2010/main" xmlns:p15="http://schemas.microsoft.com/office/powerpoint/2012/main" showMasterPhAnim="0" showMasterSp="0">
+<p:notes xmlns:a="http://schemas.openxmlformats.org/drawingml/2006/main" xmlns:r="http://schemas.openxmlformats.org/officeDocument/2006/relationships" xmlns:p="http://schemas.openxmlformats.org/presentationml/2006/main" showMasterSp="0" showMasterPhAnim="0">
   <p:cSld>
     <p:spTree>
       <p:nvGrpSpPr>
-        <p:cNvPr id="83" name="Shape 83"/>
+        <p:cNvPr id="1" name="Shape 83"/>
         <p:cNvGrpSpPr/>
         <p:nvPr/>
       </p:nvGrpSpPr>
@@ -2918,9 +3043,11 @@
       <p:sp>
         <p:nvSpPr>
           <p:cNvPr id="84" name="Google Shape;84;g50ecbfc6de_0_71:notes"/>
-          <p:cNvSpPr/>
+          <p:cNvSpPr>
+            <a:spLocks noGrp="1" noRot="1" noChangeAspect="1"/>
+          </p:cNvSpPr>
           <p:nvPr>
-            <p:ph idx="2" type="sldImg"/>
+            <p:ph type="sldImg" idx="2"/>
           </p:nvPr>
         </p:nvSpPr>
         <p:spPr>
@@ -2929,9 +3056,13 @@
             <a:ext cx="6096000" cy="3429000"/>
           </a:xfrm>
           <a:custGeom>
-            <a:rect b="b" l="l" r="r" t="t"/>
+            <a:avLst/>
+            <a:gdLst/>
+            <a:ahLst/>
+            <a:cxnLst/>
+            <a:rect l="l" t="t" r="r" b="b"/>
             <a:pathLst>
-              <a:path extrusionOk="0" h="120000" w="120000">
+              <a:path w="120000" h="120000" extrusionOk="0">
                 <a:moveTo>
                   <a:pt x="0" y="0"/>
                 </a:moveTo>
@@ -2953,9 +3084,11 @@
       <p:sp>
         <p:nvSpPr>
           <p:cNvPr id="85" name="Google Shape;85;g50ecbfc6de_0_71:notes"/>
-          <p:cNvSpPr txBox="1"/>
+          <p:cNvSpPr txBox="1">
+            <a:spLocks noGrp="1"/>
+          </p:cNvSpPr>
           <p:nvPr>
-            <p:ph idx="1" type="body"/>
+            <p:ph type="body" idx="1"/>
           </p:nvPr>
         </p:nvSpPr>
         <p:spPr>
@@ -2968,12 +3101,12 @@
           </a:prstGeom>
         </p:spPr>
         <p:txBody>
-          <a:bodyPr anchorCtr="0" anchor="t" bIns="91425" lIns="91425" spcFirstLastPara="1" rIns="91425" wrap="square" tIns="91425">
+          <a:bodyPr spcFirstLastPara="1" wrap="square" lIns="91425" tIns="91425" rIns="91425" bIns="91425" anchor="t" anchorCtr="0">
             <a:noAutofit/>
           </a:bodyPr>
           <a:lstStyle/>
           <a:p>
-            <a:pPr indent="0" lvl="0" marL="0" rtl="0" algn="l">
+            <a:pPr marL="0" lvl="0" indent="0" algn="l" rtl="0">
               <a:spcBef>
                 <a:spcPts val="0"/>
               </a:spcBef>
@@ -2982,9 +3115,6 @@
               </a:spcAft>
               <a:buNone/>
             </a:pPr>
-            <a:r>
-              <a:t/>
-            </a:r>
             <a:endParaRPr/>
           </a:p>
         </p:txBody>
@@ -2998,11 +3128,11 @@
 </file>
 
 <file path=ppt/notesSlides/notesSlide5.xml><?xml version="1.0" encoding="utf-8"?>
-<p:notes xmlns:a="http://schemas.openxmlformats.org/drawingml/2006/main" xmlns:r="http://schemas.openxmlformats.org/officeDocument/2006/relationships" xmlns:mc="http://schemas.openxmlformats.org/markup-compatibility/2006" xmlns:mv="urn:schemas-microsoft-com:mac:vml" xmlns:p="http://schemas.openxmlformats.org/presentationml/2006/main" xmlns:c="http://schemas.openxmlformats.org/drawingml/2006/chart" xmlns:dgm="http://schemas.openxmlformats.org/drawingml/2006/diagram" xmlns:o="urn:schemas-microsoft-com:office:office" xmlns:v="urn:schemas-microsoft-com:vml" xmlns:pvml="urn:schemas-microsoft-com:office:powerpoint" xmlns:com="http://schemas.openxmlformats.org/drawingml/2006/compatibility" xmlns:p14="http://schemas.microsoft.com/office/powerpoint/2010/main" xmlns:p15="http://schemas.microsoft.com/office/powerpoint/2012/main" showMasterPhAnim="0" showMasterSp="0">
+<p:notes xmlns:a="http://schemas.openxmlformats.org/drawingml/2006/main" xmlns:r="http://schemas.openxmlformats.org/officeDocument/2006/relationships" xmlns:p="http://schemas.openxmlformats.org/presentationml/2006/main" showMasterSp="0" showMasterPhAnim="0">
   <p:cSld>
     <p:spTree>
       <p:nvGrpSpPr>
-        <p:cNvPr id="89" name="Shape 89"/>
+        <p:cNvPr id="1" name="Shape 89"/>
         <p:cNvGrpSpPr/>
         <p:nvPr/>
       </p:nvGrpSpPr>
@@ -3017,9 +3147,11 @@
       <p:sp>
         <p:nvSpPr>
           <p:cNvPr id="90" name="Google Shape;90;g50ecbfc6de_0_82:notes"/>
-          <p:cNvSpPr/>
+          <p:cNvSpPr>
+            <a:spLocks noGrp="1" noRot="1" noChangeAspect="1"/>
+          </p:cNvSpPr>
           <p:nvPr>
-            <p:ph idx="2" type="sldImg"/>
+            <p:ph type="sldImg" idx="2"/>
           </p:nvPr>
         </p:nvSpPr>
         <p:spPr>
@@ -3028,9 +3160,13 @@
             <a:ext cx="6096000" cy="3429000"/>
           </a:xfrm>
           <a:custGeom>
-            <a:rect b="b" l="l" r="r" t="t"/>
+            <a:avLst/>
+            <a:gdLst/>
+            <a:ahLst/>
+            <a:cxnLst/>
+            <a:rect l="l" t="t" r="r" b="b"/>
             <a:pathLst>
-              <a:path extrusionOk="0" h="120000" w="120000">
+              <a:path w="120000" h="120000" extrusionOk="0">
                 <a:moveTo>
                   <a:pt x="0" y="0"/>
                 </a:moveTo>
@@ -3052,9 +3188,11 @@
       <p:sp>
         <p:nvSpPr>
           <p:cNvPr id="91" name="Google Shape;91;g50ecbfc6de_0_82:notes"/>
-          <p:cNvSpPr txBox="1"/>
+          <p:cNvSpPr txBox="1">
+            <a:spLocks noGrp="1"/>
+          </p:cNvSpPr>
           <p:nvPr>
-            <p:ph idx="1" type="body"/>
+            <p:ph type="body" idx="1"/>
           </p:nvPr>
         </p:nvSpPr>
         <p:spPr>
@@ -3067,12 +3205,12 @@
           </a:prstGeom>
         </p:spPr>
         <p:txBody>
-          <a:bodyPr anchorCtr="0" anchor="t" bIns="91425" lIns="91425" spcFirstLastPara="1" rIns="91425" wrap="square" tIns="91425">
+          <a:bodyPr spcFirstLastPara="1" wrap="square" lIns="91425" tIns="91425" rIns="91425" bIns="91425" anchor="t" anchorCtr="0">
             <a:noAutofit/>
           </a:bodyPr>
           <a:lstStyle/>
           <a:p>
-            <a:pPr indent="0" lvl="0" marL="0" rtl="0" algn="l">
+            <a:pPr marL="0" lvl="0" indent="0" algn="l" rtl="0">
               <a:spcBef>
                 <a:spcPts val="0"/>
               </a:spcBef>
@@ -3081,9 +3219,6 @@
               </a:spcAft>
               <a:buNone/>
             </a:pPr>
-            <a:r>
-              <a:t/>
-            </a:r>
             <a:endParaRPr/>
           </a:p>
         </p:txBody>
@@ -3097,11 +3232,11 @@
 </file>
 
 <file path=ppt/notesSlides/notesSlide6.xml><?xml version="1.0" encoding="utf-8"?>
-<p:notes xmlns:a="http://schemas.openxmlformats.org/drawingml/2006/main" xmlns:r="http://schemas.openxmlformats.org/officeDocument/2006/relationships" xmlns:mc="http://schemas.openxmlformats.org/markup-compatibility/2006" xmlns:mv="urn:schemas-microsoft-com:mac:vml" xmlns:p="http://schemas.openxmlformats.org/presentationml/2006/main" xmlns:c="http://schemas.openxmlformats.org/drawingml/2006/chart" xmlns:dgm="http://schemas.openxmlformats.org/drawingml/2006/diagram" xmlns:o="urn:schemas-microsoft-com:office:office" xmlns:v="urn:schemas-microsoft-com:vml" xmlns:pvml="urn:schemas-microsoft-com:office:powerpoint" xmlns:com="http://schemas.openxmlformats.org/drawingml/2006/compatibility" xmlns:p14="http://schemas.microsoft.com/office/powerpoint/2010/main" xmlns:p15="http://schemas.microsoft.com/office/powerpoint/2012/main" showMasterPhAnim="0" showMasterSp="0">
+<p:notes xmlns:a="http://schemas.openxmlformats.org/drawingml/2006/main" xmlns:r="http://schemas.openxmlformats.org/officeDocument/2006/relationships" xmlns:p="http://schemas.openxmlformats.org/presentationml/2006/main" showMasterSp="0" showMasterPhAnim="0">
   <p:cSld>
     <p:spTree>
       <p:nvGrpSpPr>
-        <p:cNvPr id="95" name="Shape 95"/>
+        <p:cNvPr id="1" name="Shape 95"/>
         <p:cNvGrpSpPr/>
         <p:nvPr/>
       </p:nvGrpSpPr>
@@ -3116,9 +3251,11 @@
       <p:sp>
         <p:nvSpPr>
           <p:cNvPr id="96" name="Google Shape;96;g50ecbfc6de_0_90:notes"/>
-          <p:cNvSpPr/>
+          <p:cNvSpPr>
+            <a:spLocks noGrp="1" noRot="1" noChangeAspect="1"/>
+          </p:cNvSpPr>
           <p:nvPr>
-            <p:ph idx="2" type="sldImg"/>
+            <p:ph type="sldImg" idx="2"/>
           </p:nvPr>
         </p:nvSpPr>
         <p:spPr>
@@ -3127,9 +3264,13 @@
             <a:ext cx="6096000" cy="3429000"/>
           </a:xfrm>
           <a:custGeom>
-            <a:rect b="b" l="l" r="r" t="t"/>
+            <a:avLst/>
+            <a:gdLst/>
+            <a:ahLst/>
+            <a:cxnLst/>
+            <a:rect l="l" t="t" r="r" b="b"/>
             <a:pathLst>
-              <a:path extrusionOk="0" h="120000" w="120000">
+              <a:path w="120000" h="120000" extrusionOk="0">
                 <a:moveTo>
                   <a:pt x="0" y="0"/>
                 </a:moveTo>
@@ -3151,9 +3292,11 @@
       <p:sp>
         <p:nvSpPr>
           <p:cNvPr id="97" name="Google Shape;97;g50ecbfc6de_0_90:notes"/>
-          <p:cNvSpPr txBox="1"/>
+          <p:cNvSpPr txBox="1">
+            <a:spLocks noGrp="1"/>
+          </p:cNvSpPr>
           <p:nvPr>
-            <p:ph idx="1" type="body"/>
+            <p:ph type="body" idx="1"/>
           </p:nvPr>
         </p:nvSpPr>
         <p:spPr>
@@ -3166,12 +3309,12 @@
           </a:prstGeom>
         </p:spPr>
         <p:txBody>
-          <a:bodyPr anchorCtr="0" anchor="t" bIns="91425" lIns="91425" spcFirstLastPara="1" rIns="91425" wrap="square" tIns="91425">
+          <a:bodyPr spcFirstLastPara="1" wrap="square" lIns="91425" tIns="91425" rIns="91425" bIns="91425" anchor="t" anchorCtr="0">
             <a:noAutofit/>
           </a:bodyPr>
           <a:lstStyle/>
           <a:p>
-            <a:pPr indent="0" lvl="0" marL="0" rtl="0" algn="l">
+            <a:pPr marL="0" lvl="0" indent="0" algn="l" rtl="0">
               <a:spcBef>
                 <a:spcPts val="0"/>
               </a:spcBef>
@@ -3180,9 +3323,6 @@
               </a:spcAft>
               <a:buNone/>
             </a:pPr>
-            <a:r>
-              <a:t/>
-            </a:r>
             <a:endParaRPr/>
           </a:p>
         </p:txBody>
@@ -3196,11 +3336,11 @@
 </file>
 
 <file path=ppt/notesSlides/notesSlide7.xml><?xml version="1.0" encoding="utf-8"?>
-<p:notes xmlns:a="http://schemas.openxmlformats.org/drawingml/2006/main" xmlns:r="http://schemas.openxmlformats.org/officeDocument/2006/relationships" xmlns:mc="http://schemas.openxmlformats.org/markup-compatibility/2006" xmlns:mv="urn:schemas-microsoft-com:mac:vml" xmlns:p="http://schemas.openxmlformats.org/presentationml/2006/main" xmlns:c="http://schemas.openxmlformats.org/drawingml/2006/chart" xmlns:dgm="http://schemas.openxmlformats.org/drawingml/2006/diagram" xmlns:o="urn:schemas-microsoft-com:office:office" xmlns:v="urn:schemas-microsoft-com:vml" xmlns:pvml="urn:schemas-microsoft-com:office:powerpoint" xmlns:com="http://schemas.openxmlformats.org/drawingml/2006/compatibility" xmlns:p14="http://schemas.microsoft.com/office/powerpoint/2010/main" xmlns:p15="http://schemas.microsoft.com/office/powerpoint/2012/main" showMasterPhAnim="0" showMasterSp="0">
+<p:notes xmlns:a="http://schemas.openxmlformats.org/drawingml/2006/main" xmlns:r="http://schemas.openxmlformats.org/officeDocument/2006/relationships" xmlns:p="http://schemas.openxmlformats.org/presentationml/2006/main" showMasterSp="0" showMasterPhAnim="0">
   <p:cSld>
     <p:spTree>
       <p:nvGrpSpPr>
-        <p:cNvPr id="101" name="Shape 101"/>
+        <p:cNvPr id="1" name="Shape 101"/>
         <p:cNvGrpSpPr/>
         <p:nvPr/>
       </p:nvGrpSpPr>
@@ -3215,9 +3355,11 @@
       <p:sp>
         <p:nvSpPr>
           <p:cNvPr id="102" name="Google Shape;102;g50ecbfc6de_0_99:notes"/>
-          <p:cNvSpPr/>
+          <p:cNvSpPr>
+            <a:spLocks noGrp="1" noRot="1" noChangeAspect="1"/>
+          </p:cNvSpPr>
           <p:nvPr>
-            <p:ph idx="2" type="sldImg"/>
+            <p:ph type="sldImg" idx="2"/>
           </p:nvPr>
         </p:nvSpPr>
         <p:spPr>
@@ -3226,9 +3368,13 @@
             <a:ext cx="6096000" cy="3429000"/>
           </a:xfrm>
           <a:custGeom>
-            <a:rect b="b" l="l" r="r" t="t"/>
+            <a:avLst/>
+            <a:gdLst/>
+            <a:ahLst/>
+            <a:cxnLst/>
+            <a:rect l="l" t="t" r="r" b="b"/>
             <a:pathLst>
-              <a:path extrusionOk="0" h="120000" w="120000">
+              <a:path w="120000" h="120000" extrusionOk="0">
                 <a:moveTo>
                   <a:pt x="0" y="0"/>
                 </a:moveTo>
@@ -3250,9 +3396,11 @@
       <p:sp>
         <p:nvSpPr>
           <p:cNvPr id="103" name="Google Shape;103;g50ecbfc6de_0_99:notes"/>
-          <p:cNvSpPr txBox="1"/>
+          <p:cNvSpPr txBox="1">
+            <a:spLocks noGrp="1"/>
+          </p:cNvSpPr>
           <p:nvPr>
-            <p:ph idx="1" type="body"/>
+            <p:ph type="body" idx="1"/>
           </p:nvPr>
         </p:nvSpPr>
         <p:spPr>
@@ -3265,12 +3413,12 @@
           </a:prstGeom>
         </p:spPr>
         <p:txBody>
-          <a:bodyPr anchorCtr="0" anchor="t" bIns="91425" lIns="91425" spcFirstLastPara="1" rIns="91425" wrap="square" tIns="91425">
+          <a:bodyPr spcFirstLastPara="1" wrap="square" lIns="91425" tIns="91425" rIns="91425" bIns="91425" anchor="t" anchorCtr="0">
             <a:noAutofit/>
           </a:bodyPr>
           <a:lstStyle/>
           <a:p>
-            <a:pPr indent="0" lvl="0" marL="0" rtl="0" algn="l">
+            <a:pPr marL="0" lvl="0" indent="0" algn="l" rtl="0">
               <a:spcBef>
                 <a:spcPts val="0"/>
               </a:spcBef>
@@ -3279,9 +3427,6 @@
               </a:spcAft>
               <a:buNone/>
             </a:pPr>
-            <a:r>
-              <a:t/>
-            </a:r>
             <a:endParaRPr/>
           </a:p>
         </p:txBody>
@@ -3295,11 +3440,11 @@
 </file>
 
 <file path=ppt/notesSlides/notesSlide8.xml><?xml version="1.0" encoding="utf-8"?>
-<p:notes xmlns:a="http://schemas.openxmlformats.org/drawingml/2006/main" xmlns:r="http://schemas.openxmlformats.org/officeDocument/2006/relationships" xmlns:mc="http://schemas.openxmlformats.org/markup-compatibility/2006" xmlns:mv="urn:schemas-microsoft-com:mac:vml" xmlns:p="http://schemas.openxmlformats.org/presentationml/2006/main" xmlns:c="http://schemas.openxmlformats.org/drawingml/2006/chart" xmlns:dgm="http://schemas.openxmlformats.org/drawingml/2006/diagram" xmlns:o="urn:schemas-microsoft-com:office:office" xmlns:v="urn:schemas-microsoft-com:vml" xmlns:pvml="urn:schemas-microsoft-com:office:powerpoint" xmlns:com="http://schemas.openxmlformats.org/drawingml/2006/compatibility" xmlns:p14="http://schemas.microsoft.com/office/powerpoint/2010/main" xmlns:p15="http://schemas.microsoft.com/office/powerpoint/2012/main" showMasterPhAnim="0" showMasterSp="0">
+<p:notes xmlns:a="http://schemas.openxmlformats.org/drawingml/2006/main" xmlns:r="http://schemas.openxmlformats.org/officeDocument/2006/relationships" xmlns:p="http://schemas.openxmlformats.org/presentationml/2006/main" showMasterSp="0" showMasterPhAnim="0">
   <p:cSld>
     <p:spTree>
       <p:nvGrpSpPr>
-        <p:cNvPr id="108" name="Shape 108"/>
+        <p:cNvPr id="1" name="Shape 108"/>
         <p:cNvGrpSpPr/>
         <p:nvPr/>
       </p:nvGrpSpPr>
@@ -3314,9 +3459,11 @@
       <p:sp>
         <p:nvSpPr>
           <p:cNvPr id="109" name="Google Shape;109;g50ecbfc6de_0_105:notes"/>
-          <p:cNvSpPr/>
+          <p:cNvSpPr>
+            <a:spLocks noGrp="1" noRot="1" noChangeAspect="1"/>
+          </p:cNvSpPr>
           <p:nvPr>
-            <p:ph idx="2" type="sldImg"/>
+            <p:ph type="sldImg" idx="2"/>
           </p:nvPr>
         </p:nvSpPr>
         <p:spPr>
@@ -3325,9 +3472,13 @@
             <a:ext cx="6096000" cy="3429000"/>
           </a:xfrm>
           <a:custGeom>
-            <a:rect b="b" l="l" r="r" t="t"/>
+            <a:avLst/>
+            <a:gdLst/>
+            <a:ahLst/>
+            <a:cxnLst/>
+            <a:rect l="l" t="t" r="r" b="b"/>
             <a:pathLst>
-              <a:path extrusionOk="0" h="120000" w="120000">
+              <a:path w="120000" h="120000" extrusionOk="0">
                 <a:moveTo>
                   <a:pt x="0" y="0"/>
                 </a:moveTo>
@@ -3349,9 +3500,11 @@
       <p:sp>
         <p:nvSpPr>
           <p:cNvPr id="110" name="Google Shape;110;g50ecbfc6de_0_105:notes"/>
-          <p:cNvSpPr txBox="1"/>
+          <p:cNvSpPr txBox="1">
+            <a:spLocks noGrp="1"/>
+          </p:cNvSpPr>
           <p:nvPr>
-            <p:ph idx="1" type="body"/>
+            <p:ph type="body" idx="1"/>
           </p:nvPr>
         </p:nvSpPr>
         <p:spPr>
@@ -3364,12 +3517,12 @@
           </a:prstGeom>
         </p:spPr>
         <p:txBody>
-          <a:bodyPr anchorCtr="0" anchor="t" bIns="91425" lIns="91425" spcFirstLastPara="1" rIns="91425" wrap="square" tIns="91425">
+          <a:bodyPr spcFirstLastPara="1" wrap="square" lIns="91425" tIns="91425" rIns="91425" bIns="91425" anchor="t" anchorCtr="0">
             <a:noAutofit/>
           </a:bodyPr>
           <a:lstStyle/>
           <a:p>
-            <a:pPr indent="0" lvl="0" marL="0" rtl="0" algn="l">
+            <a:pPr marL="0" lvl="0" indent="0" algn="l" rtl="0">
               <a:spcBef>
                 <a:spcPts val="0"/>
               </a:spcBef>
@@ -3378,9 +3531,6 @@
               </a:spcAft>
               <a:buNone/>
             </a:pPr>
-            <a:r>
-              <a:t/>
-            </a:r>
             <a:endParaRPr/>
           </a:p>
         </p:txBody>
@@ -3394,11 +3544,11 @@
 </file>
 
 <file path=ppt/notesSlides/notesSlide9.xml><?xml version="1.0" encoding="utf-8"?>
-<p:notes xmlns:a="http://schemas.openxmlformats.org/drawingml/2006/main" xmlns:r="http://schemas.openxmlformats.org/officeDocument/2006/relationships" xmlns:mc="http://schemas.openxmlformats.org/markup-compatibility/2006" xmlns:mv="urn:schemas-microsoft-com:mac:vml" xmlns:p="http://schemas.openxmlformats.org/presentationml/2006/main" xmlns:c="http://schemas.openxmlformats.org/drawingml/2006/chart" xmlns:dgm="http://schemas.openxmlformats.org/drawingml/2006/diagram" xmlns:o="urn:schemas-microsoft-com:office:office" xmlns:v="urn:schemas-microsoft-com:vml" xmlns:pvml="urn:schemas-microsoft-com:office:powerpoint" xmlns:com="http://schemas.openxmlformats.org/drawingml/2006/compatibility" xmlns:p14="http://schemas.microsoft.com/office/powerpoint/2010/main" xmlns:p15="http://schemas.microsoft.com/office/powerpoint/2012/main" showMasterPhAnim="0" showMasterSp="0">
+<p:notes xmlns:a="http://schemas.openxmlformats.org/drawingml/2006/main" xmlns:r="http://schemas.openxmlformats.org/officeDocument/2006/relationships" xmlns:p="http://schemas.openxmlformats.org/presentationml/2006/main" showMasterSp="0" showMasterPhAnim="0">
   <p:cSld>
     <p:spTree>
       <p:nvGrpSpPr>
-        <p:cNvPr id="115" name="Shape 115"/>
+        <p:cNvPr id="1" name="Shape 115"/>
         <p:cNvGrpSpPr/>
         <p:nvPr/>
       </p:nvGrpSpPr>
@@ -3413,9 +3563,11 @@
       <p:sp>
         <p:nvSpPr>
           <p:cNvPr id="116" name="Google Shape;116;g50ecbfc6de_0_111:notes"/>
-          <p:cNvSpPr/>
+          <p:cNvSpPr>
+            <a:spLocks noGrp="1" noRot="1" noChangeAspect="1"/>
+          </p:cNvSpPr>
           <p:nvPr>
-            <p:ph idx="2" type="sldImg"/>
+            <p:ph type="sldImg" idx="2"/>
           </p:nvPr>
         </p:nvSpPr>
         <p:spPr>
@@ -3424,9 +3576,13 @@
             <a:ext cx="6096000" cy="3429000"/>
           </a:xfrm>
           <a:custGeom>
-            <a:rect b="b" l="l" r="r" t="t"/>
+            <a:avLst/>
+            <a:gdLst/>
+            <a:ahLst/>
+            <a:cxnLst/>
+            <a:rect l="l" t="t" r="r" b="b"/>
             <a:pathLst>
-              <a:path extrusionOk="0" h="120000" w="120000">
+              <a:path w="120000" h="120000" extrusionOk="0">
                 <a:moveTo>
                   <a:pt x="0" y="0"/>
                 </a:moveTo>
@@ -3448,9 +3604,11 @@
       <p:sp>
         <p:nvSpPr>
           <p:cNvPr id="117" name="Google Shape;117;g50ecbfc6de_0_111:notes"/>
-          <p:cNvSpPr txBox="1"/>
+          <p:cNvSpPr txBox="1">
+            <a:spLocks noGrp="1"/>
+          </p:cNvSpPr>
           <p:nvPr>
-            <p:ph idx="1" type="body"/>
+            <p:ph type="body" idx="1"/>
           </p:nvPr>
         </p:nvSpPr>
         <p:spPr>
@@ -3463,12 +3621,12 @@
           </a:prstGeom>
         </p:spPr>
         <p:txBody>
-          <a:bodyPr anchorCtr="0" anchor="t" bIns="91425" lIns="91425" spcFirstLastPara="1" rIns="91425" wrap="square" tIns="91425">
+          <a:bodyPr spcFirstLastPara="1" wrap="square" lIns="91425" tIns="91425" rIns="91425" bIns="91425" anchor="t" anchorCtr="0">
             <a:noAutofit/>
           </a:bodyPr>
           <a:lstStyle/>
           <a:p>
-            <a:pPr indent="0" lvl="0" marL="0" rtl="0" algn="l">
+            <a:pPr marL="0" lvl="0" indent="0" algn="l" rtl="0">
               <a:spcBef>
                 <a:spcPts val="0"/>
               </a:spcBef>
@@ -3477,9 +3635,6 @@
               </a:spcAft>
               <a:buNone/>
             </a:pPr>
-            <a:r>
-              <a:t/>
-            </a:r>
             <a:endParaRPr/>
           </a:p>
         </p:txBody>
@@ -3493,11 +3648,11 @@
 </file>
 
 <file path=ppt/slideLayouts/slideLayout1.xml><?xml version="1.0" encoding="utf-8"?>
-<p:sldLayout xmlns:a="http://schemas.openxmlformats.org/drawingml/2006/main" xmlns:r="http://schemas.openxmlformats.org/officeDocument/2006/relationships" xmlns:mc="http://schemas.openxmlformats.org/markup-compatibility/2006" xmlns:mv="urn:schemas-microsoft-com:mac:vml" xmlns:p="http://schemas.openxmlformats.org/presentationml/2006/main" xmlns:c="http://schemas.openxmlformats.org/drawingml/2006/chart" xmlns:dgm="http://schemas.openxmlformats.org/drawingml/2006/diagram" xmlns:o="urn:schemas-microsoft-com:office:office" xmlns:v="urn:schemas-microsoft-com:vml" xmlns:pvml="urn:schemas-microsoft-com:office:powerpoint" xmlns:com="http://schemas.openxmlformats.org/drawingml/2006/compatibility" xmlns:p14="http://schemas.microsoft.com/office/powerpoint/2010/main" xmlns:p15="http://schemas.microsoft.com/office/powerpoint/2012/main" matchingName="Title slide" type="title">
+<p:sldLayout xmlns:a="http://schemas.openxmlformats.org/drawingml/2006/main" xmlns:r="http://schemas.openxmlformats.org/officeDocument/2006/relationships" xmlns:p="http://schemas.openxmlformats.org/presentationml/2006/main" matchingName="Title slide" type="title">
   <p:cSld name="TITLE">
     <p:spTree>
       <p:nvGrpSpPr>
-        <p:cNvPr id="9" name="Shape 9"/>
+        <p:cNvPr id="1" name="Shape 9"/>
         <p:cNvGrpSpPr/>
         <p:nvPr/>
       </p:nvGrpSpPr>
@@ -3531,12 +3686,12 @@
           </a:ln>
         </p:spPr>
         <p:txBody>
-          <a:bodyPr anchorCtr="0" anchor="ctr" bIns="91425" lIns="91425" spcFirstLastPara="1" rIns="91425" wrap="square" tIns="91425">
+          <a:bodyPr spcFirstLastPara="1" wrap="square" lIns="91425" tIns="91425" rIns="91425" bIns="91425" anchor="ctr" anchorCtr="0">
             <a:noAutofit/>
           </a:bodyPr>
           <a:lstStyle/>
           <a:p>
-            <a:pPr indent="0" lvl="0" marL="0" rtl="0" algn="l">
+            <a:pPr marL="0" lvl="0" indent="0" algn="l" rtl="0">
               <a:spcBef>
                 <a:spcPts val="0"/>
               </a:spcBef>
@@ -3545,9 +3700,6 @@
               </a:spcAft>
               <a:buNone/>
             </a:pPr>
-            <a:r>
-              <a:t/>
-            </a:r>
             <a:endParaRPr/>
           </a:p>
         </p:txBody>
@@ -3565,7 +3717,7 @@
           </a:xfrm>
           <a:prstGeom prst="round1Rect">
             <a:avLst>
-              <a:gd fmla="val 16667" name="adj"/>
+              <a:gd name="adj" fmla="val 16667"/>
             </a:avLst>
           </a:prstGeom>
           <a:solidFill>
@@ -3578,12 +3730,12 @@
           </a:ln>
         </p:spPr>
         <p:txBody>
-          <a:bodyPr anchorCtr="0" anchor="ctr" bIns="91425" lIns="91425" spcFirstLastPara="1" rIns="91425" wrap="square" tIns="91425">
+          <a:bodyPr spcFirstLastPara="1" wrap="square" lIns="91425" tIns="91425" rIns="91425" bIns="91425" anchor="ctr" anchorCtr="0">
             <a:noAutofit/>
           </a:bodyPr>
           <a:lstStyle/>
           <a:p>
-            <a:pPr indent="0" lvl="0" marL="0" rtl="0" algn="l">
+            <a:pPr marL="0" lvl="0" indent="0" algn="l" rtl="0">
               <a:spcBef>
                 <a:spcPts val="0"/>
               </a:spcBef>
@@ -3592,9 +3744,6 @@
               </a:spcAft>
               <a:buNone/>
             </a:pPr>
-            <a:r>
-              <a:t/>
-            </a:r>
             <a:endParaRPr/>
           </a:p>
         </p:txBody>
@@ -3602,7 +3751,9 @@
       <p:sp>
         <p:nvSpPr>
           <p:cNvPr id="12" name="Google Shape;12;p2"/>
-          <p:cNvSpPr txBox="1"/>
+          <p:cNvSpPr txBox="1">
+            <a:spLocks noGrp="1"/>
+          </p:cNvSpPr>
           <p:nvPr>
             <p:ph type="ctrTitle"/>
           </p:nvPr>
@@ -3617,7 +3768,7 @@
           </a:prstGeom>
         </p:spPr>
         <p:txBody>
-          <a:bodyPr anchorCtr="0" anchor="b" bIns="91425" lIns="91425" spcFirstLastPara="1" rIns="91425" wrap="square" tIns="91425"/>
+          <a:bodyPr spcFirstLastPara="1" wrap="square" lIns="91425" tIns="91425" rIns="91425" bIns="91425" anchor="b" anchorCtr="0"/>
           <a:lstStyle>
             <a:lvl1pPr lvl="0">
               <a:spcBef>
@@ -3719,15 +3870,19 @@
               <a:defRPr sz="4800"/>
             </a:lvl9pPr>
           </a:lstStyle>
-          <a:p/>
+          <a:p>
+            <a:endParaRPr/>
+          </a:p>
         </p:txBody>
       </p:sp>
       <p:sp>
         <p:nvSpPr>
           <p:cNvPr id="13" name="Google Shape;13;p2"/>
-          <p:cNvSpPr txBox="1"/>
+          <p:cNvSpPr txBox="1">
+            <a:spLocks noGrp="1"/>
+          </p:cNvSpPr>
           <p:nvPr>
-            <p:ph idx="1" type="subTitle"/>
+            <p:ph type="subTitle" idx="1"/>
           </p:nvPr>
         </p:nvSpPr>
         <p:spPr>
@@ -3740,7 +3895,7 @@
           </a:prstGeom>
         </p:spPr>
         <p:txBody>
-          <a:bodyPr anchorCtr="0" anchor="t" bIns="91425" lIns="91425" spcFirstLastPara="1" rIns="91425" wrap="square" tIns="91425"/>
+          <a:bodyPr spcFirstLastPara="1" wrap="square" lIns="91425" tIns="91425" rIns="91425" bIns="91425" anchor="t" anchorCtr="0"/>
           <a:lstStyle>
             <a:lvl1pPr lvl="0">
               <a:lnSpc>
@@ -3932,15 +4087,19 @@
               </a:defRPr>
             </a:lvl9pPr>
           </a:lstStyle>
-          <a:p/>
+          <a:p>
+            <a:endParaRPr/>
+          </a:p>
         </p:txBody>
       </p:sp>
       <p:sp>
         <p:nvSpPr>
           <p:cNvPr id="14" name="Google Shape;14;p2"/>
-          <p:cNvSpPr txBox="1"/>
+          <p:cNvSpPr txBox="1">
+            <a:spLocks noGrp="1"/>
+          </p:cNvSpPr>
           <p:nvPr>
-            <p:ph idx="12" type="sldNum"/>
+            <p:ph type="sldNum" idx="12"/>
           </p:nvPr>
         </p:nvSpPr>
         <p:spPr>
@@ -3953,7 +4112,7 @@
           </a:prstGeom>
         </p:spPr>
         <p:txBody>
-          <a:bodyPr anchorCtr="0" anchor="ctr" bIns="91425" lIns="91425" spcFirstLastPara="1" rIns="91425" wrap="square" tIns="91425">
+          <a:bodyPr spcFirstLastPara="1" wrap="square" lIns="91425" tIns="91425" rIns="91425" bIns="91425" anchor="ctr" anchorCtr="0">
             <a:noAutofit/>
           </a:bodyPr>
           <a:lstStyle>
@@ -3995,7 +4154,7 @@
             </a:lvl9pPr>
           </a:lstStyle>
           <a:p>
-            <a:pPr indent="0" lvl="0" marL="0" rtl="0" algn="r">
+            <a:pPr marL="0" lvl="0" indent="0" algn="r" rtl="0">
               <a:spcBef>
                 <a:spcPts val="0"/>
               </a:spcBef>
@@ -4006,7 +4165,7 @@
             </a:pPr>
             <a:fld id="{00000000-1234-1234-1234-123412341234}" type="slidenum">
               <a:rPr lang="es"/>
-              <a:t>‹#›</a:t>
+              <a:t>‹Nº›</a:t>
             </a:fld>
             <a:endParaRPr/>
           </a:p>
@@ -4021,18 +4180,19 @@
 </file>
 
 <file path=ppt/slideLayouts/slideLayout10.xml><?xml version="1.0" encoding="utf-8"?>
-<p:sldLayout xmlns:a="http://schemas.openxmlformats.org/drawingml/2006/main" xmlns:r="http://schemas.openxmlformats.org/officeDocument/2006/relationships" xmlns:mc="http://schemas.openxmlformats.org/markup-compatibility/2006" xmlns:mv="urn:schemas-microsoft-com:mac:vml" xmlns:p="http://schemas.openxmlformats.org/presentationml/2006/main" xmlns:c="http://schemas.openxmlformats.org/drawingml/2006/chart" xmlns:dgm="http://schemas.openxmlformats.org/drawingml/2006/diagram" xmlns:o="urn:schemas-microsoft-com:office:office" xmlns:v="urn:schemas-microsoft-com:vml" xmlns:pvml="urn:schemas-microsoft-com:office:powerpoint" xmlns:com="http://schemas.openxmlformats.org/drawingml/2006/compatibility" xmlns:p14="http://schemas.microsoft.com/office/powerpoint/2010/main" xmlns:p15="http://schemas.microsoft.com/office/powerpoint/2012/main" matchingName="Big number">
+<p:sldLayout xmlns:a="http://schemas.openxmlformats.org/drawingml/2006/main" xmlns:r="http://schemas.openxmlformats.org/officeDocument/2006/relationships" xmlns:p="http://schemas.openxmlformats.org/presentationml/2006/main" matchingName="Big number">
   <p:cSld name="BIG_NUMBER">
     <p:bg>
       <p:bgPr>
         <a:solidFill>
           <a:schemeClr val="accent4"/>
         </a:solidFill>
+        <a:effectLst/>
       </p:bgPr>
     </p:bg>
     <p:spTree>
       <p:nvGrpSpPr>
-        <p:cNvPr id="57" name="Shape 57"/>
+        <p:cNvPr id="1" name="Shape 57"/>
         <p:cNvGrpSpPr/>
         <p:nvPr/>
       </p:nvGrpSpPr>
@@ -4047,9 +4207,11 @@
       <p:sp>
         <p:nvSpPr>
           <p:cNvPr id="58" name="Google Shape;58;p11"/>
-          <p:cNvSpPr txBox="1"/>
+          <p:cNvSpPr txBox="1">
+            <a:spLocks noGrp="1"/>
+          </p:cNvSpPr>
           <p:nvPr>
-            <p:ph hasCustomPrompt="1" type="title"/>
+            <p:ph type="title" hasCustomPrompt="1"/>
           </p:nvPr>
         </p:nvSpPr>
         <p:spPr>
@@ -4062,7 +4224,7 @@
           </a:prstGeom>
         </p:spPr>
         <p:txBody>
-          <a:bodyPr anchorCtr="0" anchor="b" bIns="91425" lIns="91425" spcFirstLastPara="1" rIns="91425" wrap="square" tIns="91425"/>
+          <a:bodyPr spcFirstLastPara="1" wrap="square" lIns="91425" tIns="91425" rIns="91425" bIns="91425" anchor="b" anchorCtr="0"/>
           <a:lstStyle>
             <a:lvl1pPr lvl="0" algn="ctr">
               <a:spcBef>
@@ -4237,9 +4399,11 @@
       <p:sp>
         <p:nvSpPr>
           <p:cNvPr id="59" name="Google Shape;59;p11"/>
-          <p:cNvSpPr txBox="1"/>
+          <p:cNvSpPr txBox="1">
+            <a:spLocks noGrp="1"/>
+          </p:cNvSpPr>
           <p:nvPr>
-            <p:ph idx="1" type="body"/>
+            <p:ph type="body" idx="1"/>
           </p:nvPr>
         </p:nvSpPr>
         <p:spPr>
@@ -4252,9 +4416,9 @@
           </a:prstGeom>
         </p:spPr>
         <p:txBody>
-          <a:bodyPr anchorCtr="0" anchor="t" bIns="91425" lIns="91425" spcFirstLastPara="1" rIns="91425" wrap="square" tIns="91425"/>
+          <a:bodyPr spcFirstLastPara="1" wrap="square" lIns="91425" tIns="91425" rIns="91425" bIns="91425" anchor="t" anchorCtr="0"/>
           <a:lstStyle>
-            <a:lvl1pPr indent="-342900" lvl="0" marL="457200" algn="ctr">
+            <a:lvl1pPr marL="457200" lvl="0" indent="-342900" algn="ctr">
               <a:spcBef>
                 <a:spcPts val="0"/>
               </a:spcBef>
@@ -4265,7 +4429,7 @@
               <a:buChar char="●"/>
               <a:defRPr/>
             </a:lvl1pPr>
-            <a:lvl2pPr indent="-317500" lvl="1" marL="914400" algn="ctr">
+            <a:lvl2pPr marL="914400" lvl="1" indent="-317500" algn="ctr">
               <a:spcBef>
                 <a:spcPts val="1600"/>
               </a:spcBef>
@@ -4276,7 +4440,7 @@
               <a:buChar char="○"/>
               <a:defRPr/>
             </a:lvl2pPr>
-            <a:lvl3pPr indent="-317500" lvl="2" marL="1371600" algn="ctr">
+            <a:lvl3pPr marL="1371600" lvl="2" indent="-317500" algn="ctr">
               <a:spcBef>
                 <a:spcPts val="1600"/>
               </a:spcBef>
@@ -4287,7 +4451,7 @@
               <a:buChar char="■"/>
               <a:defRPr/>
             </a:lvl3pPr>
-            <a:lvl4pPr indent="-317500" lvl="3" marL="1828800" algn="ctr">
+            <a:lvl4pPr marL="1828800" lvl="3" indent="-317500" algn="ctr">
               <a:spcBef>
                 <a:spcPts val="1600"/>
               </a:spcBef>
@@ -4298,7 +4462,7 @@
               <a:buChar char="●"/>
               <a:defRPr/>
             </a:lvl4pPr>
-            <a:lvl5pPr indent="-317500" lvl="4" marL="2286000" algn="ctr">
+            <a:lvl5pPr marL="2286000" lvl="4" indent="-317500" algn="ctr">
               <a:spcBef>
                 <a:spcPts val="1600"/>
               </a:spcBef>
@@ -4309,7 +4473,7 @@
               <a:buChar char="○"/>
               <a:defRPr/>
             </a:lvl5pPr>
-            <a:lvl6pPr indent="-317500" lvl="5" marL="2743200" algn="ctr">
+            <a:lvl6pPr marL="2743200" lvl="5" indent="-317500" algn="ctr">
               <a:spcBef>
                 <a:spcPts val="1600"/>
               </a:spcBef>
@@ -4320,7 +4484,7 @@
               <a:buChar char="■"/>
               <a:defRPr/>
             </a:lvl6pPr>
-            <a:lvl7pPr indent="-317500" lvl="6" marL="3200400" algn="ctr">
+            <a:lvl7pPr marL="3200400" lvl="6" indent="-317500" algn="ctr">
               <a:spcBef>
                 <a:spcPts val="1600"/>
               </a:spcBef>
@@ -4331,7 +4495,7 @@
               <a:buChar char="●"/>
               <a:defRPr/>
             </a:lvl7pPr>
-            <a:lvl8pPr indent="-317500" lvl="7" marL="3657600" algn="ctr">
+            <a:lvl8pPr marL="3657600" lvl="7" indent="-317500" algn="ctr">
               <a:spcBef>
                 <a:spcPts val="1600"/>
               </a:spcBef>
@@ -4342,7 +4506,7 @@
               <a:buChar char="○"/>
               <a:defRPr/>
             </a:lvl8pPr>
-            <a:lvl9pPr indent="-317500" lvl="8" marL="4114800" algn="ctr">
+            <a:lvl9pPr marL="4114800" lvl="8" indent="-317500" algn="ctr">
               <a:spcBef>
                 <a:spcPts val="1600"/>
               </a:spcBef>
@@ -4354,15 +4518,19 @@
               <a:defRPr/>
             </a:lvl9pPr>
           </a:lstStyle>
-          <a:p/>
+          <a:p>
+            <a:endParaRPr/>
+          </a:p>
         </p:txBody>
       </p:sp>
       <p:sp>
         <p:nvSpPr>
           <p:cNvPr id="60" name="Google Shape;60;p11"/>
-          <p:cNvSpPr txBox="1"/>
+          <p:cNvSpPr txBox="1">
+            <a:spLocks noGrp="1"/>
+          </p:cNvSpPr>
           <p:nvPr>
-            <p:ph idx="12" type="sldNum"/>
+            <p:ph type="sldNum" idx="12"/>
           </p:nvPr>
         </p:nvSpPr>
         <p:spPr>
@@ -4375,7 +4543,7 @@
           </a:prstGeom>
         </p:spPr>
         <p:txBody>
-          <a:bodyPr anchorCtr="0" anchor="ctr" bIns="91425" lIns="91425" spcFirstLastPara="1" rIns="91425" wrap="square" tIns="91425">
+          <a:bodyPr spcFirstLastPara="1" wrap="square" lIns="91425" tIns="91425" rIns="91425" bIns="91425" anchor="ctr" anchorCtr="0">
             <a:noAutofit/>
           </a:bodyPr>
           <a:lstStyle>
@@ -4417,7 +4585,7 @@
             </a:lvl9pPr>
           </a:lstStyle>
           <a:p>
-            <a:pPr indent="0" lvl="0" marL="0" rtl="0" algn="r">
+            <a:pPr marL="0" lvl="0" indent="0" algn="r" rtl="0">
               <a:spcBef>
                 <a:spcPts val="0"/>
               </a:spcBef>
@@ -4428,7 +4596,7 @@
             </a:pPr>
             <a:fld id="{00000000-1234-1234-1234-123412341234}" type="slidenum">
               <a:rPr lang="es"/>
-              <a:t>‹#›</a:t>
+              <a:t>‹Nº›</a:t>
             </a:fld>
             <a:endParaRPr/>
           </a:p>
@@ -4443,18 +4611,19 @@
 </file>
 
 <file path=ppt/slideLayouts/slideLayout11.xml><?xml version="1.0" encoding="utf-8"?>
-<p:sldLayout xmlns:a="http://schemas.openxmlformats.org/drawingml/2006/main" xmlns:r="http://schemas.openxmlformats.org/officeDocument/2006/relationships" xmlns:mc="http://schemas.openxmlformats.org/markup-compatibility/2006" xmlns:mv="urn:schemas-microsoft-com:mac:vml" xmlns:p="http://schemas.openxmlformats.org/presentationml/2006/main" xmlns:c="http://schemas.openxmlformats.org/drawingml/2006/chart" xmlns:dgm="http://schemas.openxmlformats.org/drawingml/2006/diagram" xmlns:o="urn:schemas-microsoft-com:office:office" xmlns:v="urn:schemas-microsoft-com:vml" xmlns:pvml="urn:schemas-microsoft-com:office:powerpoint" xmlns:com="http://schemas.openxmlformats.org/drawingml/2006/compatibility" xmlns:p14="http://schemas.microsoft.com/office/powerpoint/2010/main" xmlns:p15="http://schemas.microsoft.com/office/powerpoint/2012/main" matchingName="Blank" type="blank">
+<p:sldLayout xmlns:a="http://schemas.openxmlformats.org/drawingml/2006/main" xmlns:r="http://schemas.openxmlformats.org/officeDocument/2006/relationships" xmlns:p="http://schemas.openxmlformats.org/presentationml/2006/main" matchingName="Blank" type="blank">
   <p:cSld name="BLANK">
     <p:bg>
       <p:bgPr>
         <a:solidFill>
           <a:schemeClr val="accent4"/>
         </a:solidFill>
+        <a:effectLst/>
       </p:bgPr>
     </p:bg>
     <p:spTree>
       <p:nvGrpSpPr>
-        <p:cNvPr id="61" name="Shape 61"/>
+        <p:cNvPr id="1" name="Shape 61"/>
         <p:cNvGrpSpPr/>
         <p:nvPr/>
       </p:nvGrpSpPr>
@@ -4469,9 +4638,11 @@
       <p:sp>
         <p:nvSpPr>
           <p:cNvPr id="62" name="Google Shape;62;p12"/>
-          <p:cNvSpPr txBox="1"/>
+          <p:cNvSpPr txBox="1">
+            <a:spLocks noGrp="1"/>
+          </p:cNvSpPr>
           <p:nvPr>
-            <p:ph idx="12" type="sldNum"/>
+            <p:ph type="sldNum" idx="12"/>
           </p:nvPr>
         </p:nvSpPr>
         <p:spPr>
@@ -4484,7 +4655,7 @@
           </a:prstGeom>
         </p:spPr>
         <p:txBody>
-          <a:bodyPr anchorCtr="0" anchor="ctr" bIns="91425" lIns="91425" spcFirstLastPara="1" rIns="91425" wrap="square" tIns="91425">
+          <a:bodyPr spcFirstLastPara="1" wrap="square" lIns="91425" tIns="91425" rIns="91425" bIns="91425" anchor="ctr" anchorCtr="0">
             <a:noAutofit/>
           </a:bodyPr>
           <a:lstStyle>
@@ -4526,7 +4697,7 @@
             </a:lvl9pPr>
           </a:lstStyle>
           <a:p>
-            <a:pPr indent="0" lvl="0" marL="0" rtl="0" algn="r">
+            <a:pPr marL="0" lvl="0" indent="0" algn="r" rtl="0">
               <a:spcBef>
                 <a:spcPts val="0"/>
               </a:spcBef>
@@ -4537,7 +4708,7 @@
             </a:pPr>
             <a:fld id="{00000000-1234-1234-1234-123412341234}" type="slidenum">
               <a:rPr lang="es"/>
-              <a:t>‹#›</a:t>
+              <a:t>‹Nº›</a:t>
             </a:fld>
             <a:endParaRPr/>
           </a:p>
@@ -4552,11 +4723,11 @@
 </file>
 
 <file path=ppt/slideLayouts/slideLayout2.xml><?xml version="1.0" encoding="utf-8"?>
-<p:sldLayout xmlns:a="http://schemas.openxmlformats.org/drawingml/2006/main" xmlns:r="http://schemas.openxmlformats.org/officeDocument/2006/relationships" xmlns:mc="http://schemas.openxmlformats.org/markup-compatibility/2006" xmlns:mv="urn:schemas-microsoft-com:mac:vml" xmlns:p="http://schemas.openxmlformats.org/presentationml/2006/main" xmlns:c="http://schemas.openxmlformats.org/drawingml/2006/chart" xmlns:dgm="http://schemas.openxmlformats.org/drawingml/2006/diagram" xmlns:o="urn:schemas-microsoft-com:office:office" xmlns:v="urn:schemas-microsoft-com:vml" xmlns:pvml="urn:schemas-microsoft-com:office:powerpoint" xmlns:com="http://schemas.openxmlformats.org/drawingml/2006/compatibility" xmlns:p14="http://schemas.microsoft.com/office/powerpoint/2010/main" xmlns:p15="http://schemas.microsoft.com/office/powerpoint/2012/main" matchingName="Section header" type="secHead">
+<p:sldLayout xmlns:a="http://schemas.openxmlformats.org/drawingml/2006/main" xmlns:r="http://schemas.openxmlformats.org/officeDocument/2006/relationships" xmlns:p="http://schemas.openxmlformats.org/presentationml/2006/main" matchingName="Section header" type="secHead">
   <p:cSld name="SECTION_HEADER">
     <p:spTree>
       <p:nvGrpSpPr>
-        <p:cNvPr id="15" name="Shape 15"/>
+        <p:cNvPr id="1" name="Shape 15"/>
         <p:cNvGrpSpPr/>
         <p:nvPr/>
       </p:nvGrpSpPr>
@@ -4571,7 +4742,9 @@
       <p:sp>
         <p:nvSpPr>
           <p:cNvPr id="16" name="Google Shape;16;p3"/>
-          <p:cNvSpPr txBox="1"/>
+          <p:cNvSpPr txBox="1">
+            <a:spLocks noGrp="1"/>
+          </p:cNvSpPr>
           <p:nvPr>
             <p:ph type="title"/>
           </p:nvPr>
@@ -4586,7 +4759,7 @@
           </a:prstGeom>
         </p:spPr>
         <p:txBody>
-          <a:bodyPr anchorCtr="0" anchor="ctr" bIns="91425" lIns="91425" spcFirstLastPara="1" rIns="91425" wrap="square" tIns="91425"/>
+          <a:bodyPr spcFirstLastPara="1" wrap="square" lIns="91425" tIns="91425" rIns="91425" bIns="91425" anchor="ctr" anchorCtr="0"/>
           <a:lstStyle>
             <a:lvl1pPr lvl="0">
               <a:spcBef>
@@ -4688,15 +4861,19 @@
               <a:defRPr sz="4200"/>
             </a:lvl9pPr>
           </a:lstStyle>
-          <a:p/>
+          <a:p>
+            <a:endParaRPr/>
+          </a:p>
         </p:txBody>
       </p:sp>
       <p:sp>
         <p:nvSpPr>
           <p:cNvPr id="17" name="Google Shape;17;p3"/>
-          <p:cNvSpPr txBox="1"/>
+          <p:cNvSpPr txBox="1">
+            <a:spLocks noGrp="1"/>
+          </p:cNvSpPr>
           <p:nvPr>
-            <p:ph idx="12" type="sldNum"/>
+            <p:ph type="sldNum" idx="12"/>
           </p:nvPr>
         </p:nvSpPr>
         <p:spPr>
@@ -4709,7 +4886,7 @@
           </a:prstGeom>
         </p:spPr>
         <p:txBody>
-          <a:bodyPr anchorCtr="0" anchor="ctr" bIns="91425" lIns="91425" spcFirstLastPara="1" rIns="91425" wrap="square" tIns="91425">
+          <a:bodyPr spcFirstLastPara="1" wrap="square" lIns="91425" tIns="91425" rIns="91425" bIns="91425" anchor="ctr" anchorCtr="0">
             <a:noAutofit/>
           </a:bodyPr>
           <a:lstStyle>
@@ -4787,7 +4964,7 @@
             </a:lvl9pPr>
           </a:lstStyle>
           <a:p>
-            <a:pPr indent="0" lvl="0" marL="0" rtl="0" algn="r">
+            <a:pPr marL="0" lvl="0" indent="0" algn="r" rtl="0">
               <a:spcBef>
                 <a:spcPts val="0"/>
               </a:spcBef>
@@ -4798,7 +4975,7 @@
             </a:pPr>
             <a:fld id="{00000000-1234-1234-1234-123412341234}" type="slidenum">
               <a:rPr lang="es"/>
-              <a:t>‹#›</a:t>
+              <a:t>‹Nº›</a:t>
             </a:fld>
             <a:endParaRPr/>
           </a:p>
@@ -4813,11 +4990,11 @@
 </file>
 
 <file path=ppt/slideLayouts/slideLayout3.xml><?xml version="1.0" encoding="utf-8"?>
-<p:sldLayout xmlns:a="http://schemas.openxmlformats.org/drawingml/2006/main" xmlns:r="http://schemas.openxmlformats.org/officeDocument/2006/relationships" xmlns:mc="http://schemas.openxmlformats.org/markup-compatibility/2006" xmlns:mv="urn:schemas-microsoft-com:mac:vml" xmlns:p="http://schemas.openxmlformats.org/presentationml/2006/main" xmlns:c="http://schemas.openxmlformats.org/drawingml/2006/chart" xmlns:dgm="http://schemas.openxmlformats.org/drawingml/2006/diagram" xmlns:o="urn:schemas-microsoft-com:office:office" xmlns:v="urn:schemas-microsoft-com:vml" xmlns:pvml="urn:schemas-microsoft-com:office:powerpoint" xmlns:com="http://schemas.openxmlformats.org/drawingml/2006/compatibility" xmlns:p14="http://schemas.microsoft.com/office/powerpoint/2010/main" xmlns:p15="http://schemas.microsoft.com/office/powerpoint/2012/main" matchingName="Title and body" type="tx">
+<p:sldLayout xmlns:a="http://schemas.openxmlformats.org/drawingml/2006/main" xmlns:r="http://schemas.openxmlformats.org/officeDocument/2006/relationships" xmlns:p="http://schemas.openxmlformats.org/presentationml/2006/main" matchingName="Title and body" type="tx">
   <p:cSld name="TITLE_AND_BODY">
     <p:spTree>
       <p:nvGrpSpPr>
-        <p:cNvPr id="18" name="Shape 18"/>
+        <p:cNvPr id="1" name="Shape 18"/>
         <p:cNvGrpSpPr/>
         <p:nvPr/>
       </p:nvGrpSpPr>
@@ -4836,7 +5013,7 @@
           <p:nvPr/>
         </p:nvSpPr>
         <p:spPr>
-          <a:xfrm flipH="1" rot="10800000">
+          <a:xfrm rot="10800000" flipH="1">
             <a:off x="0" y="1686000"/>
             <a:ext cx="9144000" cy="3457500"/>
           </a:xfrm>
@@ -4851,12 +5028,12 @@
           </a:ln>
         </p:spPr>
         <p:txBody>
-          <a:bodyPr anchorCtr="0" anchor="ctr" bIns="91425" lIns="91425" spcFirstLastPara="1" rIns="91425" wrap="square" tIns="91425">
+          <a:bodyPr spcFirstLastPara="1" wrap="square" lIns="91425" tIns="91425" rIns="91425" bIns="91425" anchor="ctr" anchorCtr="0">
             <a:noAutofit/>
           </a:bodyPr>
           <a:lstStyle/>
           <a:p>
-            <a:pPr indent="0" lvl="0" marL="0" rtl="0" algn="l">
+            <a:pPr marL="0" lvl="0" indent="0" algn="l" rtl="0">
               <a:spcBef>
                 <a:spcPts val="0"/>
               </a:spcBef>
@@ -4865,9 +5042,6 @@
               </a:spcAft>
               <a:buNone/>
             </a:pPr>
-            <a:r>
-              <a:t/>
-            </a:r>
             <a:endParaRPr/>
           </a:p>
         </p:txBody>
@@ -4908,12 +5082,12 @@
           </a:ln>
         </p:spPr>
         <p:txBody>
-          <a:bodyPr anchorCtr="0" anchor="ctr" bIns="91425" lIns="91425" spcFirstLastPara="1" rIns="91425" wrap="square" tIns="91425">
+          <a:bodyPr spcFirstLastPara="1" wrap="square" lIns="91425" tIns="91425" rIns="91425" bIns="91425" anchor="ctr" anchorCtr="0">
             <a:noAutofit/>
           </a:bodyPr>
           <a:lstStyle/>
           <a:p>
-            <a:pPr indent="0" lvl="0" marL="0" rtl="0" algn="l">
+            <a:pPr marL="0" lvl="0" indent="0" algn="l" rtl="0">
               <a:spcBef>
                 <a:spcPts val="0"/>
               </a:spcBef>
@@ -4922,9 +5096,6 @@
               </a:spcAft>
               <a:buNone/>
             </a:pPr>
-            <a:r>
-              <a:t/>
-            </a:r>
             <a:endParaRPr/>
           </a:p>
         </p:txBody>
@@ -4932,7 +5103,9 @@
       <p:sp>
         <p:nvSpPr>
           <p:cNvPr id="21" name="Google Shape;21;p4"/>
-          <p:cNvSpPr txBox="1"/>
+          <p:cNvSpPr txBox="1">
+            <a:spLocks noGrp="1"/>
+          </p:cNvSpPr>
           <p:nvPr>
             <p:ph type="title"/>
           </p:nvPr>
@@ -4947,7 +5120,7 @@
           </a:prstGeom>
         </p:spPr>
         <p:txBody>
-          <a:bodyPr anchorCtr="0" anchor="b" bIns="91425" lIns="91425" spcFirstLastPara="1" rIns="91425" wrap="square" tIns="91425"/>
+          <a:bodyPr spcFirstLastPara="1" wrap="square" lIns="91425" tIns="91425" rIns="91425" bIns="91425" anchor="b" anchorCtr="0"/>
           <a:lstStyle>
             <a:lvl1pPr lvl="0">
               <a:spcBef>
@@ -5049,15 +5222,19 @@
               <a:defRPr/>
             </a:lvl9pPr>
           </a:lstStyle>
-          <a:p/>
+          <a:p>
+            <a:endParaRPr/>
+          </a:p>
         </p:txBody>
       </p:sp>
       <p:sp>
         <p:nvSpPr>
           <p:cNvPr id="22" name="Google Shape;22;p4"/>
-          <p:cNvSpPr txBox="1"/>
+          <p:cNvSpPr txBox="1">
+            <a:spLocks noGrp="1"/>
+          </p:cNvSpPr>
           <p:nvPr>
-            <p:ph idx="1" type="body"/>
+            <p:ph type="body" idx="1"/>
           </p:nvPr>
         </p:nvSpPr>
         <p:spPr>
@@ -5070,9 +5247,9 @@
           </a:prstGeom>
         </p:spPr>
         <p:txBody>
-          <a:bodyPr anchorCtr="0" anchor="t" bIns="91425" lIns="91425" spcFirstLastPara="1" rIns="91425" wrap="square" tIns="91425"/>
+          <a:bodyPr spcFirstLastPara="1" wrap="square" lIns="91425" tIns="91425" rIns="91425" bIns="91425" anchor="t" anchorCtr="0"/>
           <a:lstStyle>
-            <a:lvl1pPr indent="-342900" lvl="0" marL="457200">
+            <a:lvl1pPr marL="457200" lvl="0" indent="-342900">
               <a:spcBef>
                 <a:spcPts val="0"/>
               </a:spcBef>
@@ -5083,7 +5260,7 @@
               <a:buChar char="●"/>
               <a:defRPr/>
             </a:lvl1pPr>
-            <a:lvl2pPr indent="-317500" lvl="1" marL="914400">
+            <a:lvl2pPr marL="914400" lvl="1" indent="-317500">
               <a:spcBef>
                 <a:spcPts val="1600"/>
               </a:spcBef>
@@ -5094,7 +5271,7 @@
               <a:buChar char="○"/>
               <a:defRPr/>
             </a:lvl2pPr>
-            <a:lvl3pPr indent="-317500" lvl="2" marL="1371600">
+            <a:lvl3pPr marL="1371600" lvl="2" indent="-317500">
               <a:spcBef>
                 <a:spcPts val="1600"/>
               </a:spcBef>
@@ -5105,7 +5282,7 @@
               <a:buChar char="■"/>
               <a:defRPr/>
             </a:lvl3pPr>
-            <a:lvl4pPr indent="-317500" lvl="3" marL="1828800">
+            <a:lvl4pPr marL="1828800" lvl="3" indent="-317500">
               <a:spcBef>
                 <a:spcPts val="1600"/>
               </a:spcBef>
@@ -5116,7 +5293,7 @@
               <a:buChar char="●"/>
               <a:defRPr/>
             </a:lvl4pPr>
-            <a:lvl5pPr indent="-317500" lvl="4" marL="2286000">
+            <a:lvl5pPr marL="2286000" lvl="4" indent="-317500">
               <a:spcBef>
                 <a:spcPts val="1600"/>
               </a:spcBef>
@@ -5127,7 +5304,7 @@
               <a:buChar char="○"/>
               <a:defRPr/>
             </a:lvl5pPr>
-            <a:lvl6pPr indent="-317500" lvl="5" marL="2743200">
+            <a:lvl6pPr marL="2743200" lvl="5" indent="-317500">
               <a:spcBef>
                 <a:spcPts val="1600"/>
               </a:spcBef>
@@ -5138,7 +5315,7 @@
               <a:buChar char="■"/>
               <a:defRPr/>
             </a:lvl6pPr>
-            <a:lvl7pPr indent="-317500" lvl="6" marL="3200400">
+            <a:lvl7pPr marL="3200400" lvl="6" indent="-317500">
               <a:spcBef>
                 <a:spcPts val="1600"/>
               </a:spcBef>
@@ -5149,7 +5326,7 @@
               <a:buChar char="●"/>
               <a:defRPr/>
             </a:lvl7pPr>
-            <a:lvl8pPr indent="-317500" lvl="7" marL="3657600">
+            <a:lvl8pPr marL="3657600" lvl="7" indent="-317500">
               <a:spcBef>
                 <a:spcPts val="1600"/>
               </a:spcBef>
@@ -5160,7 +5337,7 @@
               <a:buChar char="○"/>
               <a:defRPr/>
             </a:lvl8pPr>
-            <a:lvl9pPr indent="-317500" lvl="8" marL="4114800">
+            <a:lvl9pPr marL="4114800" lvl="8" indent="-317500">
               <a:spcBef>
                 <a:spcPts val="1600"/>
               </a:spcBef>
@@ -5172,15 +5349,19 @@
               <a:defRPr/>
             </a:lvl9pPr>
           </a:lstStyle>
-          <a:p/>
+          <a:p>
+            <a:endParaRPr/>
+          </a:p>
         </p:txBody>
       </p:sp>
       <p:sp>
         <p:nvSpPr>
           <p:cNvPr id="23" name="Google Shape;23;p4"/>
-          <p:cNvSpPr txBox="1"/>
+          <p:cNvSpPr txBox="1">
+            <a:spLocks noGrp="1"/>
+          </p:cNvSpPr>
           <p:nvPr>
-            <p:ph idx="12" type="sldNum"/>
+            <p:ph type="sldNum" idx="12"/>
           </p:nvPr>
         </p:nvSpPr>
         <p:spPr>
@@ -5193,7 +5374,7 @@
           </a:prstGeom>
         </p:spPr>
         <p:txBody>
-          <a:bodyPr anchorCtr="0" anchor="ctr" bIns="91425" lIns="91425" spcFirstLastPara="1" rIns="91425" wrap="square" tIns="91425">
+          <a:bodyPr spcFirstLastPara="1" wrap="square" lIns="91425" tIns="91425" rIns="91425" bIns="91425" anchor="ctr" anchorCtr="0">
             <a:noAutofit/>
           </a:bodyPr>
           <a:lstStyle>
@@ -5235,7 +5416,7 @@
             </a:lvl9pPr>
           </a:lstStyle>
           <a:p>
-            <a:pPr indent="0" lvl="0" marL="0" rtl="0" algn="r">
+            <a:pPr marL="0" lvl="0" indent="0" algn="r" rtl="0">
               <a:spcBef>
                 <a:spcPts val="0"/>
               </a:spcBef>
@@ -5246,7 +5427,7 @@
             </a:pPr>
             <a:fld id="{00000000-1234-1234-1234-123412341234}" type="slidenum">
               <a:rPr lang="es"/>
-              <a:t>‹#›</a:t>
+              <a:t>‹Nº›</a:t>
             </a:fld>
             <a:endParaRPr/>
           </a:p>
@@ -5261,11 +5442,11 @@
 </file>
 
 <file path=ppt/slideLayouts/slideLayout4.xml><?xml version="1.0" encoding="utf-8"?>
-<p:sldLayout xmlns:a="http://schemas.openxmlformats.org/drawingml/2006/main" xmlns:r="http://schemas.openxmlformats.org/officeDocument/2006/relationships" xmlns:mc="http://schemas.openxmlformats.org/markup-compatibility/2006" xmlns:mv="urn:schemas-microsoft-com:mac:vml" xmlns:p="http://schemas.openxmlformats.org/presentationml/2006/main" xmlns:c="http://schemas.openxmlformats.org/drawingml/2006/chart" xmlns:dgm="http://schemas.openxmlformats.org/drawingml/2006/diagram" xmlns:o="urn:schemas-microsoft-com:office:office" xmlns:v="urn:schemas-microsoft-com:vml" xmlns:pvml="urn:schemas-microsoft-com:office:powerpoint" xmlns:com="http://schemas.openxmlformats.org/drawingml/2006/compatibility" xmlns:p14="http://schemas.microsoft.com/office/powerpoint/2010/main" xmlns:p15="http://schemas.microsoft.com/office/powerpoint/2012/main" matchingName="Title and two columns" type="twoColTx">
+<p:sldLayout xmlns:a="http://schemas.openxmlformats.org/drawingml/2006/main" xmlns:r="http://schemas.openxmlformats.org/officeDocument/2006/relationships" xmlns:p="http://schemas.openxmlformats.org/presentationml/2006/main" matchingName="Title and two columns" type="twoColTx">
   <p:cSld name="TITLE_AND_TWO_COLUMNS">
     <p:spTree>
       <p:nvGrpSpPr>
-        <p:cNvPr id="24" name="Shape 24"/>
+        <p:cNvPr id="1" name="Shape 24"/>
         <p:cNvGrpSpPr/>
         <p:nvPr/>
       </p:nvGrpSpPr>
@@ -5284,7 +5465,7 @@
           <p:nvPr/>
         </p:nvSpPr>
         <p:spPr>
-          <a:xfrm flipH="1" rot="10800000">
+          <a:xfrm rot="10800000" flipH="1">
             <a:off x="0" y="1686000"/>
             <a:ext cx="9144000" cy="3457500"/>
           </a:xfrm>
@@ -5299,12 +5480,12 @@
           </a:ln>
         </p:spPr>
         <p:txBody>
-          <a:bodyPr anchorCtr="0" anchor="ctr" bIns="91425" lIns="91425" spcFirstLastPara="1" rIns="91425" wrap="square" tIns="91425">
+          <a:bodyPr spcFirstLastPara="1" wrap="square" lIns="91425" tIns="91425" rIns="91425" bIns="91425" anchor="ctr" anchorCtr="0">
             <a:noAutofit/>
           </a:bodyPr>
           <a:lstStyle/>
           <a:p>
-            <a:pPr indent="0" lvl="0" marL="0" rtl="0" algn="l">
+            <a:pPr marL="0" lvl="0" indent="0" algn="l" rtl="0">
               <a:spcBef>
                 <a:spcPts val="0"/>
               </a:spcBef>
@@ -5313,9 +5494,6 @@
               </a:spcAft>
               <a:buNone/>
             </a:pPr>
-            <a:r>
-              <a:t/>
-            </a:r>
             <a:endParaRPr/>
           </a:p>
         </p:txBody>
@@ -5356,12 +5534,12 @@
           </a:ln>
         </p:spPr>
         <p:txBody>
-          <a:bodyPr anchorCtr="0" anchor="ctr" bIns="91425" lIns="91425" spcFirstLastPara="1" rIns="91425" wrap="square" tIns="91425">
+          <a:bodyPr spcFirstLastPara="1" wrap="square" lIns="91425" tIns="91425" rIns="91425" bIns="91425" anchor="ctr" anchorCtr="0">
             <a:noAutofit/>
           </a:bodyPr>
           <a:lstStyle/>
           <a:p>
-            <a:pPr indent="0" lvl="0" marL="0" rtl="0" algn="l">
+            <a:pPr marL="0" lvl="0" indent="0" algn="l" rtl="0">
               <a:spcBef>
                 <a:spcPts val="0"/>
               </a:spcBef>
@@ -5370,9 +5548,6 @@
               </a:spcAft>
               <a:buNone/>
             </a:pPr>
-            <a:r>
-              <a:t/>
-            </a:r>
             <a:endParaRPr/>
           </a:p>
         </p:txBody>
@@ -5380,7 +5555,9 @@
       <p:sp>
         <p:nvSpPr>
           <p:cNvPr id="27" name="Google Shape;27;p5"/>
-          <p:cNvSpPr txBox="1"/>
+          <p:cNvSpPr txBox="1">
+            <a:spLocks noGrp="1"/>
+          </p:cNvSpPr>
           <p:nvPr>
             <p:ph type="title"/>
           </p:nvPr>
@@ -5395,7 +5572,7 @@
           </a:prstGeom>
         </p:spPr>
         <p:txBody>
-          <a:bodyPr anchorCtr="0" anchor="b" bIns="91425" lIns="91425" spcFirstLastPara="1" rIns="91425" wrap="square" tIns="91425"/>
+          <a:bodyPr spcFirstLastPara="1" wrap="square" lIns="91425" tIns="91425" rIns="91425" bIns="91425" anchor="b" anchorCtr="0"/>
           <a:lstStyle>
             <a:lvl1pPr lvl="0">
               <a:spcBef>
@@ -5497,15 +5674,19 @@
               <a:defRPr/>
             </a:lvl9pPr>
           </a:lstStyle>
-          <a:p/>
+          <a:p>
+            <a:endParaRPr/>
+          </a:p>
         </p:txBody>
       </p:sp>
       <p:sp>
         <p:nvSpPr>
           <p:cNvPr id="28" name="Google Shape;28;p5"/>
-          <p:cNvSpPr txBox="1"/>
+          <p:cNvSpPr txBox="1">
+            <a:spLocks noGrp="1"/>
+          </p:cNvSpPr>
           <p:nvPr>
-            <p:ph idx="1" type="body"/>
+            <p:ph type="body" idx="1"/>
           </p:nvPr>
         </p:nvSpPr>
         <p:spPr>
@@ -5518,9 +5699,9 @@
           </a:prstGeom>
         </p:spPr>
         <p:txBody>
-          <a:bodyPr anchorCtr="0" anchor="t" bIns="91425" lIns="91425" spcFirstLastPara="1" rIns="91425" wrap="square" tIns="91425"/>
+          <a:bodyPr spcFirstLastPara="1" wrap="square" lIns="91425" tIns="91425" rIns="91425" bIns="91425" anchor="t" anchorCtr="0"/>
           <a:lstStyle>
-            <a:lvl1pPr indent="-317500" lvl="0" marL="457200">
+            <a:lvl1pPr marL="457200" lvl="0" indent="-317500">
               <a:spcBef>
                 <a:spcPts val="0"/>
               </a:spcBef>
@@ -5531,7 +5712,7 @@
               <a:buChar char="●"/>
               <a:defRPr sz="1400"/>
             </a:lvl1pPr>
-            <a:lvl2pPr indent="-304800" lvl="1" marL="914400">
+            <a:lvl2pPr marL="914400" lvl="1" indent="-304800">
               <a:spcBef>
                 <a:spcPts val="1600"/>
               </a:spcBef>
@@ -5542,7 +5723,7 @@
               <a:buChar char="○"/>
               <a:defRPr sz="1200"/>
             </a:lvl2pPr>
-            <a:lvl3pPr indent="-304800" lvl="2" marL="1371600">
+            <a:lvl3pPr marL="1371600" lvl="2" indent="-304800">
               <a:spcBef>
                 <a:spcPts val="1600"/>
               </a:spcBef>
@@ -5553,7 +5734,7 @@
               <a:buChar char="■"/>
               <a:defRPr sz="1200"/>
             </a:lvl3pPr>
-            <a:lvl4pPr indent="-304800" lvl="3" marL="1828800">
+            <a:lvl4pPr marL="1828800" lvl="3" indent="-304800">
               <a:spcBef>
                 <a:spcPts val="1600"/>
               </a:spcBef>
@@ -5564,7 +5745,7 @@
               <a:buChar char="●"/>
               <a:defRPr sz="1200"/>
             </a:lvl4pPr>
-            <a:lvl5pPr indent="-304800" lvl="4" marL="2286000">
+            <a:lvl5pPr marL="2286000" lvl="4" indent="-304800">
               <a:spcBef>
                 <a:spcPts val="1600"/>
               </a:spcBef>
@@ -5575,7 +5756,7 @@
               <a:buChar char="○"/>
               <a:defRPr sz="1200"/>
             </a:lvl5pPr>
-            <a:lvl6pPr indent="-304800" lvl="5" marL="2743200">
+            <a:lvl6pPr marL="2743200" lvl="5" indent="-304800">
               <a:spcBef>
                 <a:spcPts val="1600"/>
               </a:spcBef>
@@ -5586,7 +5767,7 @@
               <a:buChar char="■"/>
               <a:defRPr sz="1200"/>
             </a:lvl6pPr>
-            <a:lvl7pPr indent="-304800" lvl="6" marL="3200400">
+            <a:lvl7pPr marL="3200400" lvl="6" indent="-304800">
               <a:spcBef>
                 <a:spcPts val="1600"/>
               </a:spcBef>
@@ -5597,7 +5778,7 @@
               <a:buChar char="●"/>
               <a:defRPr sz="1200"/>
             </a:lvl7pPr>
-            <a:lvl8pPr indent="-304800" lvl="7" marL="3657600">
+            <a:lvl8pPr marL="3657600" lvl="7" indent="-304800">
               <a:spcBef>
                 <a:spcPts val="1600"/>
               </a:spcBef>
@@ -5608,7 +5789,7 @@
               <a:buChar char="○"/>
               <a:defRPr sz="1200"/>
             </a:lvl8pPr>
-            <a:lvl9pPr indent="-304800" lvl="8" marL="4114800">
+            <a:lvl9pPr marL="4114800" lvl="8" indent="-304800">
               <a:spcBef>
                 <a:spcPts val="1600"/>
               </a:spcBef>
@@ -5620,15 +5801,19 @@
               <a:defRPr sz="1200"/>
             </a:lvl9pPr>
           </a:lstStyle>
-          <a:p/>
+          <a:p>
+            <a:endParaRPr/>
+          </a:p>
         </p:txBody>
       </p:sp>
       <p:sp>
         <p:nvSpPr>
           <p:cNvPr id="29" name="Google Shape;29;p5"/>
-          <p:cNvSpPr txBox="1"/>
+          <p:cNvSpPr txBox="1">
+            <a:spLocks noGrp="1"/>
+          </p:cNvSpPr>
           <p:nvPr>
-            <p:ph idx="2" type="body"/>
+            <p:ph type="body" idx="2"/>
           </p:nvPr>
         </p:nvSpPr>
         <p:spPr>
@@ -5641,9 +5826,9 @@
           </a:prstGeom>
         </p:spPr>
         <p:txBody>
-          <a:bodyPr anchorCtr="0" anchor="t" bIns="91425" lIns="91425" spcFirstLastPara="1" rIns="91425" wrap="square" tIns="91425"/>
+          <a:bodyPr spcFirstLastPara="1" wrap="square" lIns="91425" tIns="91425" rIns="91425" bIns="91425" anchor="t" anchorCtr="0"/>
           <a:lstStyle>
-            <a:lvl1pPr indent="-317500" lvl="0" marL="457200">
+            <a:lvl1pPr marL="457200" lvl="0" indent="-317500">
               <a:spcBef>
                 <a:spcPts val="0"/>
               </a:spcBef>
@@ -5654,7 +5839,7 @@
               <a:buChar char="●"/>
               <a:defRPr sz="1400"/>
             </a:lvl1pPr>
-            <a:lvl2pPr indent="-304800" lvl="1" marL="914400">
+            <a:lvl2pPr marL="914400" lvl="1" indent="-304800">
               <a:spcBef>
                 <a:spcPts val="1600"/>
               </a:spcBef>
@@ -5665,7 +5850,7 @@
               <a:buChar char="○"/>
               <a:defRPr sz="1200"/>
             </a:lvl2pPr>
-            <a:lvl3pPr indent="-304800" lvl="2" marL="1371600">
+            <a:lvl3pPr marL="1371600" lvl="2" indent="-304800">
               <a:spcBef>
                 <a:spcPts val="1600"/>
               </a:spcBef>
@@ -5676,7 +5861,7 @@
               <a:buChar char="■"/>
               <a:defRPr sz="1200"/>
             </a:lvl3pPr>
-            <a:lvl4pPr indent="-304800" lvl="3" marL="1828800">
+            <a:lvl4pPr marL="1828800" lvl="3" indent="-304800">
               <a:spcBef>
                 <a:spcPts val="1600"/>
               </a:spcBef>
@@ -5687,7 +5872,7 @@
               <a:buChar char="●"/>
               <a:defRPr sz="1200"/>
             </a:lvl4pPr>
-            <a:lvl5pPr indent="-304800" lvl="4" marL="2286000">
+            <a:lvl5pPr marL="2286000" lvl="4" indent="-304800">
               <a:spcBef>
                 <a:spcPts val="1600"/>
               </a:spcBef>
@@ -5698,7 +5883,7 @@
               <a:buChar char="○"/>
               <a:defRPr sz="1200"/>
             </a:lvl5pPr>
-            <a:lvl6pPr indent="-304800" lvl="5" marL="2743200">
+            <a:lvl6pPr marL="2743200" lvl="5" indent="-304800">
               <a:spcBef>
                 <a:spcPts val="1600"/>
               </a:spcBef>
@@ -5709,7 +5894,7 @@
               <a:buChar char="■"/>
               <a:defRPr sz="1200"/>
             </a:lvl6pPr>
-            <a:lvl7pPr indent="-304800" lvl="6" marL="3200400">
+            <a:lvl7pPr marL="3200400" lvl="6" indent="-304800">
               <a:spcBef>
                 <a:spcPts val="1600"/>
               </a:spcBef>
@@ -5720,7 +5905,7 @@
               <a:buChar char="●"/>
               <a:defRPr sz="1200"/>
             </a:lvl7pPr>
-            <a:lvl8pPr indent="-304800" lvl="7" marL="3657600">
+            <a:lvl8pPr marL="3657600" lvl="7" indent="-304800">
               <a:spcBef>
                 <a:spcPts val="1600"/>
               </a:spcBef>
@@ -5731,7 +5916,7 @@
               <a:buChar char="○"/>
               <a:defRPr sz="1200"/>
             </a:lvl8pPr>
-            <a:lvl9pPr indent="-304800" lvl="8" marL="4114800">
+            <a:lvl9pPr marL="4114800" lvl="8" indent="-304800">
               <a:spcBef>
                 <a:spcPts val="1600"/>
               </a:spcBef>
@@ -5743,15 +5928,19 @@
               <a:defRPr sz="1200"/>
             </a:lvl9pPr>
           </a:lstStyle>
-          <a:p/>
+          <a:p>
+            <a:endParaRPr/>
+          </a:p>
         </p:txBody>
       </p:sp>
       <p:sp>
         <p:nvSpPr>
           <p:cNvPr id="30" name="Google Shape;30;p5"/>
-          <p:cNvSpPr txBox="1"/>
+          <p:cNvSpPr txBox="1">
+            <a:spLocks noGrp="1"/>
+          </p:cNvSpPr>
           <p:nvPr>
-            <p:ph idx="12" type="sldNum"/>
+            <p:ph type="sldNum" idx="12"/>
           </p:nvPr>
         </p:nvSpPr>
         <p:spPr>
@@ -5764,7 +5953,7 @@
           </a:prstGeom>
         </p:spPr>
         <p:txBody>
-          <a:bodyPr anchorCtr="0" anchor="ctr" bIns="91425" lIns="91425" spcFirstLastPara="1" rIns="91425" wrap="square" tIns="91425">
+          <a:bodyPr spcFirstLastPara="1" wrap="square" lIns="91425" tIns="91425" rIns="91425" bIns="91425" anchor="ctr" anchorCtr="0">
             <a:noAutofit/>
           </a:bodyPr>
           <a:lstStyle>
@@ -5806,7 +5995,7 @@
             </a:lvl9pPr>
           </a:lstStyle>
           <a:p>
-            <a:pPr indent="0" lvl="0" marL="0" rtl="0" algn="r">
+            <a:pPr marL="0" lvl="0" indent="0" algn="r" rtl="0">
               <a:spcBef>
                 <a:spcPts val="0"/>
               </a:spcBef>
@@ -5817,7 +6006,7 @@
             </a:pPr>
             <a:fld id="{00000000-1234-1234-1234-123412341234}" type="slidenum">
               <a:rPr lang="es"/>
-              <a:t>‹#›</a:t>
+              <a:t>‹Nº›</a:t>
             </a:fld>
             <a:endParaRPr/>
           </a:p>
@@ -5832,11 +6021,11 @@
 </file>
 
 <file path=ppt/slideLayouts/slideLayout5.xml><?xml version="1.0" encoding="utf-8"?>
-<p:sldLayout xmlns:a="http://schemas.openxmlformats.org/drawingml/2006/main" xmlns:r="http://schemas.openxmlformats.org/officeDocument/2006/relationships" xmlns:mc="http://schemas.openxmlformats.org/markup-compatibility/2006" xmlns:mv="urn:schemas-microsoft-com:mac:vml" xmlns:p="http://schemas.openxmlformats.org/presentationml/2006/main" xmlns:c="http://schemas.openxmlformats.org/drawingml/2006/chart" xmlns:dgm="http://schemas.openxmlformats.org/drawingml/2006/diagram" xmlns:o="urn:schemas-microsoft-com:office:office" xmlns:v="urn:schemas-microsoft-com:vml" xmlns:pvml="urn:schemas-microsoft-com:office:powerpoint" xmlns:com="http://schemas.openxmlformats.org/drawingml/2006/compatibility" xmlns:p14="http://schemas.microsoft.com/office/powerpoint/2010/main" xmlns:p15="http://schemas.microsoft.com/office/powerpoint/2012/main" matchingName="Title only" type="titleOnly">
+<p:sldLayout xmlns:a="http://schemas.openxmlformats.org/drawingml/2006/main" xmlns:r="http://schemas.openxmlformats.org/officeDocument/2006/relationships" xmlns:p="http://schemas.openxmlformats.org/presentationml/2006/main" matchingName="Title only" type="titleOnly">
   <p:cSld name="TITLE_ONLY">
     <p:spTree>
       <p:nvGrpSpPr>
-        <p:cNvPr id="31" name="Shape 31"/>
+        <p:cNvPr id="1" name="Shape 31"/>
         <p:cNvGrpSpPr/>
         <p:nvPr/>
       </p:nvGrpSpPr>
@@ -5855,7 +6044,7 @@
           <p:nvPr/>
         </p:nvSpPr>
         <p:spPr>
-          <a:xfrm flipH="1" rot="10800000">
+          <a:xfrm rot="10800000" flipH="1">
             <a:off x="0" y="656400"/>
             <a:ext cx="9144000" cy="4487100"/>
           </a:xfrm>
@@ -5870,12 +6059,12 @@
           </a:ln>
         </p:spPr>
         <p:txBody>
-          <a:bodyPr anchorCtr="0" anchor="ctr" bIns="91425" lIns="91425" spcFirstLastPara="1" rIns="91425" wrap="square" tIns="91425">
+          <a:bodyPr spcFirstLastPara="1" wrap="square" lIns="91425" tIns="91425" rIns="91425" bIns="91425" anchor="ctr" anchorCtr="0">
             <a:noAutofit/>
           </a:bodyPr>
           <a:lstStyle/>
           <a:p>
-            <a:pPr indent="0" lvl="0" marL="0" rtl="0" algn="l">
+            <a:pPr marL="0" lvl="0" indent="0" algn="l" rtl="0">
               <a:spcBef>
                 <a:spcPts val="0"/>
               </a:spcBef>
@@ -5884,9 +6073,6 @@
               </a:spcAft>
               <a:buNone/>
             </a:pPr>
-            <a:r>
-              <a:t/>
-            </a:r>
             <a:endParaRPr/>
           </a:p>
         </p:txBody>
@@ -5927,12 +6113,12 @@
           </a:ln>
         </p:spPr>
         <p:txBody>
-          <a:bodyPr anchorCtr="0" anchor="ctr" bIns="91425" lIns="91425" spcFirstLastPara="1" rIns="91425" wrap="square" tIns="91425">
+          <a:bodyPr spcFirstLastPara="1" wrap="square" lIns="91425" tIns="91425" rIns="91425" bIns="91425" anchor="ctr" anchorCtr="0">
             <a:noAutofit/>
           </a:bodyPr>
           <a:lstStyle/>
           <a:p>
-            <a:pPr indent="0" lvl="0" marL="0" rtl="0" algn="l">
+            <a:pPr marL="0" lvl="0" indent="0" algn="l" rtl="0">
               <a:spcBef>
                 <a:spcPts val="0"/>
               </a:spcBef>
@@ -5941,9 +6127,6 @@
               </a:spcAft>
               <a:buNone/>
             </a:pPr>
-            <a:r>
-              <a:t/>
-            </a:r>
             <a:endParaRPr/>
           </a:p>
         </p:txBody>
@@ -5951,7 +6134,9 @@
       <p:sp>
         <p:nvSpPr>
           <p:cNvPr id="34" name="Google Shape;34;p6"/>
-          <p:cNvSpPr txBox="1"/>
+          <p:cNvSpPr txBox="1">
+            <a:spLocks noGrp="1"/>
+          </p:cNvSpPr>
           <p:nvPr>
             <p:ph type="title"/>
           </p:nvPr>
@@ -5966,7 +6151,7 @@
           </a:prstGeom>
         </p:spPr>
         <p:txBody>
-          <a:bodyPr anchorCtr="0" anchor="ctr" bIns="91425" lIns="91425" spcFirstLastPara="1" rIns="91425" wrap="square" tIns="91425"/>
+          <a:bodyPr spcFirstLastPara="1" wrap="square" lIns="91425" tIns="91425" rIns="91425" bIns="91425" anchor="ctr" anchorCtr="0"/>
           <a:lstStyle>
             <a:lvl1pPr lvl="0">
               <a:spcBef>
@@ -6068,15 +6253,19 @@
               <a:defRPr sz="1800"/>
             </a:lvl9pPr>
           </a:lstStyle>
-          <a:p/>
+          <a:p>
+            <a:endParaRPr/>
+          </a:p>
         </p:txBody>
       </p:sp>
       <p:sp>
         <p:nvSpPr>
           <p:cNvPr id="35" name="Google Shape;35;p6"/>
-          <p:cNvSpPr txBox="1"/>
+          <p:cNvSpPr txBox="1">
+            <a:spLocks noGrp="1"/>
+          </p:cNvSpPr>
           <p:nvPr>
-            <p:ph idx="12" type="sldNum"/>
+            <p:ph type="sldNum" idx="12"/>
           </p:nvPr>
         </p:nvSpPr>
         <p:spPr>
@@ -6089,7 +6278,7 @@
           </a:prstGeom>
         </p:spPr>
         <p:txBody>
-          <a:bodyPr anchorCtr="0" anchor="ctr" bIns="91425" lIns="91425" spcFirstLastPara="1" rIns="91425" wrap="square" tIns="91425">
+          <a:bodyPr spcFirstLastPara="1" wrap="square" lIns="91425" tIns="91425" rIns="91425" bIns="91425" anchor="ctr" anchorCtr="0">
             <a:noAutofit/>
           </a:bodyPr>
           <a:lstStyle>
@@ -6131,7 +6320,7 @@
             </a:lvl9pPr>
           </a:lstStyle>
           <a:p>
-            <a:pPr indent="0" lvl="0" marL="0" rtl="0" algn="r">
+            <a:pPr marL="0" lvl="0" indent="0" algn="r" rtl="0">
               <a:spcBef>
                 <a:spcPts val="0"/>
               </a:spcBef>
@@ -6142,7 +6331,7 @@
             </a:pPr>
             <a:fld id="{00000000-1234-1234-1234-123412341234}" type="slidenum">
               <a:rPr lang="es"/>
-              <a:t>‹#›</a:t>
+              <a:t>‹Nº›</a:t>
             </a:fld>
             <a:endParaRPr/>
           </a:p>
@@ -6157,11 +6346,11 @@
 </file>
 
 <file path=ppt/slideLayouts/slideLayout6.xml><?xml version="1.0" encoding="utf-8"?>
-<p:sldLayout xmlns:a="http://schemas.openxmlformats.org/drawingml/2006/main" xmlns:r="http://schemas.openxmlformats.org/officeDocument/2006/relationships" xmlns:mc="http://schemas.openxmlformats.org/markup-compatibility/2006" xmlns:mv="urn:schemas-microsoft-com:mac:vml" xmlns:p="http://schemas.openxmlformats.org/presentationml/2006/main" xmlns:c="http://schemas.openxmlformats.org/drawingml/2006/chart" xmlns:dgm="http://schemas.openxmlformats.org/drawingml/2006/diagram" xmlns:o="urn:schemas-microsoft-com:office:office" xmlns:v="urn:schemas-microsoft-com:vml" xmlns:pvml="urn:schemas-microsoft-com:office:powerpoint" xmlns:com="http://schemas.openxmlformats.org/drawingml/2006/compatibility" xmlns:p14="http://schemas.microsoft.com/office/powerpoint/2010/main" xmlns:p15="http://schemas.microsoft.com/office/powerpoint/2012/main" matchingName="One column text">
+<p:sldLayout xmlns:a="http://schemas.openxmlformats.org/drawingml/2006/main" xmlns:r="http://schemas.openxmlformats.org/officeDocument/2006/relationships" xmlns:p="http://schemas.openxmlformats.org/presentationml/2006/main" matchingName="One column text">
   <p:cSld name="ONE_COLUMN_TEXT">
     <p:spTree>
       <p:nvGrpSpPr>
-        <p:cNvPr id="36" name="Shape 36"/>
+        <p:cNvPr id="1" name="Shape 36"/>
         <p:cNvGrpSpPr/>
         <p:nvPr/>
       </p:nvGrpSpPr>
@@ -6180,7 +6369,7 @@
           <p:nvPr/>
         </p:nvSpPr>
         <p:spPr>
-          <a:xfrm flipH="1" rot="10800000">
+          <a:xfrm rot="10800000" flipH="1">
             <a:off x="3276600" y="25"/>
             <a:ext cx="5867400" cy="5143500"/>
           </a:xfrm>
@@ -6195,12 +6384,12 @@
           </a:ln>
         </p:spPr>
         <p:txBody>
-          <a:bodyPr anchorCtr="0" anchor="ctr" bIns="91425" lIns="91425" spcFirstLastPara="1" rIns="91425" wrap="square" tIns="91425">
+          <a:bodyPr spcFirstLastPara="1" wrap="square" lIns="91425" tIns="91425" rIns="91425" bIns="91425" anchor="ctr" anchorCtr="0">
             <a:noAutofit/>
           </a:bodyPr>
           <a:lstStyle/>
           <a:p>
-            <a:pPr indent="0" lvl="0" marL="0" rtl="0" algn="l">
+            <a:pPr marL="0" lvl="0" indent="0" algn="l" rtl="0">
               <a:spcBef>
                 <a:spcPts val="0"/>
               </a:spcBef>
@@ -6209,9 +6398,6 @@
               </a:spcAft>
               <a:buNone/>
             </a:pPr>
-            <a:r>
-              <a:t/>
-            </a:r>
             <a:endParaRPr/>
           </a:p>
         </p:txBody>
@@ -6252,12 +6438,12 @@
           </a:ln>
         </p:spPr>
         <p:txBody>
-          <a:bodyPr anchorCtr="0" anchor="ctr" bIns="91425" lIns="91425" spcFirstLastPara="1" rIns="91425" wrap="square" tIns="91425">
+          <a:bodyPr spcFirstLastPara="1" wrap="square" lIns="91425" tIns="91425" rIns="91425" bIns="91425" anchor="ctr" anchorCtr="0">
             <a:noAutofit/>
           </a:bodyPr>
           <a:lstStyle/>
           <a:p>
-            <a:pPr indent="0" lvl="0" marL="0" rtl="0" algn="l">
+            <a:pPr marL="0" lvl="0" indent="0" algn="l" rtl="0">
               <a:spcBef>
                 <a:spcPts val="0"/>
               </a:spcBef>
@@ -6266,9 +6452,6 @@
               </a:spcAft>
               <a:buNone/>
             </a:pPr>
-            <a:r>
-              <a:t/>
-            </a:r>
             <a:endParaRPr/>
           </a:p>
         </p:txBody>
@@ -6276,7 +6459,9 @@
       <p:sp>
         <p:nvSpPr>
           <p:cNvPr id="39" name="Google Shape;39;p7"/>
-          <p:cNvSpPr txBox="1"/>
+          <p:cNvSpPr txBox="1">
+            <a:spLocks noGrp="1"/>
+          </p:cNvSpPr>
           <p:nvPr>
             <p:ph type="title"/>
           </p:nvPr>
@@ -6291,7 +6476,7 @@
           </a:prstGeom>
         </p:spPr>
         <p:txBody>
-          <a:bodyPr anchorCtr="0" anchor="b" bIns="91425" lIns="91425" spcFirstLastPara="1" rIns="91425" wrap="square" tIns="91425"/>
+          <a:bodyPr spcFirstLastPara="1" wrap="square" lIns="91425" tIns="91425" rIns="91425" bIns="91425" anchor="b" anchorCtr="0"/>
           <a:lstStyle>
             <a:lvl1pPr lvl="0">
               <a:spcBef>
@@ -6393,15 +6578,19 @@
               <a:defRPr sz="2400"/>
             </a:lvl9pPr>
           </a:lstStyle>
-          <a:p/>
+          <a:p>
+            <a:endParaRPr/>
+          </a:p>
         </p:txBody>
       </p:sp>
       <p:sp>
         <p:nvSpPr>
           <p:cNvPr id="40" name="Google Shape;40;p7"/>
-          <p:cNvSpPr txBox="1"/>
+          <p:cNvSpPr txBox="1">
+            <a:spLocks noGrp="1"/>
+          </p:cNvSpPr>
           <p:nvPr>
-            <p:ph idx="1" type="body"/>
+            <p:ph type="body" idx="1"/>
           </p:nvPr>
         </p:nvSpPr>
         <p:spPr>
@@ -6414,9 +6603,9 @@
           </a:prstGeom>
         </p:spPr>
         <p:txBody>
-          <a:bodyPr anchorCtr="0" anchor="t" bIns="91425" lIns="91425" spcFirstLastPara="1" rIns="91425" wrap="square" tIns="91425"/>
+          <a:bodyPr spcFirstLastPara="1" wrap="square" lIns="91425" tIns="91425" rIns="91425" bIns="91425" anchor="t" anchorCtr="0"/>
           <a:lstStyle>
-            <a:lvl1pPr indent="-304800" lvl="0" marL="457200">
+            <a:lvl1pPr marL="457200" lvl="0" indent="-304800">
               <a:spcBef>
                 <a:spcPts val="0"/>
               </a:spcBef>
@@ -6434,7 +6623,7 @@
                 </a:solidFill>
               </a:defRPr>
             </a:lvl1pPr>
-            <a:lvl2pPr indent="-304800" lvl="1" marL="914400">
+            <a:lvl2pPr marL="914400" lvl="1" indent="-304800">
               <a:spcBef>
                 <a:spcPts val="1600"/>
               </a:spcBef>
@@ -6452,7 +6641,7 @@
                 </a:solidFill>
               </a:defRPr>
             </a:lvl2pPr>
-            <a:lvl3pPr indent="-304800" lvl="2" marL="1371600">
+            <a:lvl3pPr marL="1371600" lvl="2" indent="-304800">
               <a:spcBef>
                 <a:spcPts val="1600"/>
               </a:spcBef>
@@ -6470,7 +6659,7 @@
                 </a:solidFill>
               </a:defRPr>
             </a:lvl3pPr>
-            <a:lvl4pPr indent="-304800" lvl="3" marL="1828800">
+            <a:lvl4pPr marL="1828800" lvl="3" indent="-304800">
               <a:spcBef>
                 <a:spcPts val="1600"/>
               </a:spcBef>
@@ -6488,7 +6677,7 @@
                 </a:solidFill>
               </a:defRPr>
             </a:lvl4pPr>
-            <a:lvl5pPr indent="-304800" lvl="4" marL="2286000">
+            <a:lvl5pPr marL="2286000" lvl="4" indent="-304800">
               <a:spcBef>
                 <a:spcPts val="1600"/>
               </a:spcBef>
@@ -6506,7 +6695,7 @@
                 </a:solidFill>
               </a:defRPr>
             </a:lvl5pPr>
-            <a:lvl6pPr indent="-304800" lvl="5" marL="2743200">
+            <a:lvl6pPr marL="2743200" lvl="5" indent="-304800">
               <a:spcBef>
                 <a:spcPts val="1600"/>
               </a:spcBef>
@@ -6524,7 +6713,7 @@
                 </a:solidFill>
               </a:defRPr>
             </a:lvl6pPr>
-            <a:lvl7pPr indent="-304800" lvl="6" marL="3200400">
+            <a:lvl7pPr marL="3200400" lvl="6" indent="-304800">
               <a:spcBef>
                 <a:spcPts val="1600"/>
               </a:spcBef>
@@ -6542,7 +6731,7 @@
                 </a:solidFill>
               </a:defRPr>
             </a:lvl7pPr>
-            <a:lvl8pPr indent="-304800" lvl="7" marL="3657600">
+            <a:lvl8pPr marL="3657600" lvl="7" indent="-304800">
               <a:spcBef>
                 <a:spcPts val="1600"/>
               </a:spcBef>
@@ -6560,7 +6749,7 @@
                 </a:solidFill>
               </a:defRPr>
             </a:lvl8pPr>
-            <a:lvl9pPr indent="-304800" lvl="8" marL="4114800">
+            <a:lvl9pPr marL="4114800" lvl="8" indent="-304800">
               <a:spcBef>
                 <a:spcPts val="1600"/>
               </a:spcBef>
@@ -6579,15 +6768,19 @@
               </a:defRPr>
             </a:lvl9pPr>
           </a:lstStyle>
-          <a:p/>
+          <a:p>
+            <a:endParaRPr/>
+          </a:p>
         </p:txBody>
       </p:sp>
       <p:sp>
         <p:nvSpPr>
           <p:cNvPr id="41" name="Google Shape;41;p7"/>
-          <p:cNvSpPr txBox="1"/>
+          <p:cNvSpPr txBox="1">
+            <a:spLocks noGrp="1"/>
+          </p:cNvSpPr>
           <p:nvPr>
-            <p:ph idx="12" type="sldNum"/>
+            <p:ph type="sldNum" idx="12"/>
           </p:nvPr>
         </p:nvSpPr>
         <p:spPr>
@@ -6600,7 +6793,7 @@
           </a:prstGeom>
         </p:spPr>
         <p:txBody>
-          <a:bodyPr anchorCtr="0" anchor="ctr" bIns="91425" lIns="91425" spcFirstLastPara="1" rIns="91425" wrap="square" tIns="91425">
+          <a:bodyPr spcFirstLastPara="1" wrap="square" lIns="91425" tIns="91425" rIns="91425" bIns="91425" anchor="ctr" anchorCtr="0">
             <a:noAutofit/>
           </a:bodyPr>
           <a:lstStyle>
@@ -6642,7 +6835,7 @@
             </a:lvl9pPr>
           </a:lstStyle>
           <a:p>
-            <a:pPr indent="0" lvl="0" marL="0" rtl="0" algn="r">
+            <a:pPr marL="0" lvl="0" indent="0" algn="r" rtl="0">
               <a:spcBef>
                 <a:spcPts val="0"/>
               </a:spcBef>
@@ -6653,7 +6846,7 @@
             </a:pPr>
             <a:fld id="{00000000-1234-1234-1234-123412341234}" type="slidenum">
               <a:rPr lang="es"/>
-              <a:t>‹#›</a:t>
+              <a:t>‹Nº›</a:t>
             </a:fld>
             <a:endParaRPr/>
           </a:p>
@@ -6668,11 +6861,11 @@
 </file>
 
 <file path=ppt/slideLayouts/slideLayout7.xml><?xml version="1.0" encoding="utf-8"?>
-<p:sldLayout xmlns:a="http://schemas.openxmlformats.org/drawingml/2006/main" xmlns:r="http://schemas.openxmlformats.org/officeDocument/2006/relationships" xmlns:mc="http://schemas.openxmlformats.org/markup-compatibility/2006" xmlns:mv="urn:schemas-microsoft-com:mac:vml" xmlns:p="http://schemas.openxmlformats.org/presentationml/2006/main" xmlns:c="http://schemas.openxmlformats.org/drawingml/2006/chart" xmlns:dgm="http://schemas.openxmlformats.org/drawingml/2006/diagram" xmlns:o="urn:schemas-microsoft-com:office:office" xmlns:v="urn:schemas-microsoft-com:vml" xmlns:pvml="urn:schemas-microsoft-com:office:powerpoint" xmlns:com="http://schemas.openxmlformats.org/drawingml/2006/compatibility" xmlns:p14="http://schemas.microsoft.com/office/powerpoint/2010/main" xmlns:p15="http://schemas.microsoft.com/office/powerpoint/2012/main" matchingName="Main point">
+<p:sldLayout xmlns:a="http://schemas.openxmlformats.org/drawingml/2006/main" xmlns:r="http://schemas.openxmlformats.org/officeDocument/2006/relationships" xmlns:p="http://schemas.openxmlformats.org/presentationml/2006/main" matchingName="Main point">
   <p:cSld name="MAIN_POINT">
     <p:spTree>
       <p:nvGrpSpPr>
-        <p:cNvPr id="42" name="Shape 42"/>
+        <p:cNvPr id="1" name="Shape 42"/>
         <p:cNvGrpSpPr/>
         <p:nvPr/>
       </p:nvGrpSpPr>
@@ -6687,7 +6880,9 @@
       <p:sp>
         <p:nvSpPr>
           <p:cNvPr id="43" name="Google Shape;43;p8"/>
-          <p:cNvSpPr txBox="1"/>
+          <p:cNvSpPr txBox="1">
+            <a:spLocks noGrp="1"/>
+          </p:cNvSpPr>
           <p:nvPr>
             <p:ph type="title"/>
           </p:nvPr>
@@ -6702,7 +6897,7 @@
           </a:prstGeom>
         </p:spPr>
         <p:txBody>
-          <a:bodyPr anchorCtr="0" anchor="ctr" bIns="91425" lIns="91425" spcFirstLastPara="1" rIns="91425" wrap="square" tIns="91425"/>
+          <a:bodyPr spcFirstLastPara="1" wrap="square" lIns="91425" tIns="91425" rIns="91425" bIns="91425" anchor="ctr" anchorCtr="0"/>
           <a:lstStyle>
             <a:lvl1pPr lvl="0">
               <a:spcBef>
@@ -6804,15 +6999,19 @@
               <a:defRPr sz="6000"/>
             </a:lvl9pPr>
           </a:lstStyle>
-          <a:p/>
+          <a:p>
+            <a:endParaRPr/>
+          </a:p>
         </p:txBody>
       </p:sp>
       <p:sp>
         <p:nvSpPr>
           <p:cNvPr id="44" name="Google Shape;44;p8"/>
-          <p:cNvSpPr txBox="1"/>
+          <p:cNvSpPr txBox="1">
+            <a:spLocks noGrp="1"/>
+          </p:cNvSpPr>
           <p:nvPr>
-            <p:ph idx="12" type="sldNum"/>
+            <p:ph type="sldNum" idx="12"/>
           </p:nvPr>
         </p:nvSpPr>
         <p:spPr>
@@ -6825,7 +7024,7 @@
           </a:prstGeom>
         </p:spPr>
         <p:txBody>
-          <a:bodyPr anchorCtr="0" anchor="ctr" bIns="91425" lIns="91425" spcFirstLastPara="1" rIns="91425" wrap="square" tIns="91425">
+          <a:bodyPr spcFirstLastPara="1" wrap="square" lIns="91425" tIns="91425" rIns="91425" bIns="91425" anchor="ctr" anchorCtr="0">
             <a:noAutofit/>
           </a:bodyPr>
           <a:lstStyle>
@@ -6903,7 +7102,7 @@
             </a:lvl9pPr>
           </a:lstStyle>
           <a:p>
-            <a:pPr indent="0" lvl="0" marL="0" rtl="0" algn="r">
+            <a:pPr marL="0" lvl="0" indent="0" algn="r" rtl="0">
               <a:spcBef>
                 <a:spcPts val="0"/>
               </a:spcBef>
@@ -6914,7 +7113,7 @@
             </a:pPr>
             <a:fld id="{00000000-1234-1234-1234-123412341234}" type="slidenum">
               <a:rPr lang="es"/>
-              <a:t>‹#›</a:t>
+              <a:t>‹Nº›</a:t>
             </a:fld>
             <a:endParaRPr/>
           </a:p>
@@ -6929,11 +7128,11 @@
 </file>
 
 <file path=ppt/slideLayouts/slideLayout8.xml><?xml version="1.0" encoding="utf-8"?>
-<p:sldLayout xmlns:a="http://schemas.openxmlformats.org/drawingml/2006/main" xmlns:r="http://schemas.openxmlformats.org/officeDocument/2006/relationships" xmlns:mc="http://schemas.openxmlformats.org/markup-compatibility/2006" xmlns:mv="urn:schemas-microsoft-com:mac:vml" xmlns:p="http://schemas.openxmlformats.org/presentationml/2006/main" xmlns:c="http://schemas.openxmlformats.org/drawingml/2006/chart" xmlns:dgm="http://schemas.openxmlformats.org/drawingml/2006/diagram" xmlns:o="urn:schemas-microsoft-com:office:office" xmlns:v="urn:schemas-microsoft-com:vml" xmlns:pvml="urn:schemas-microsoft-com:office:powerpoint" xmlns:com="http://schemas.openxmlformats.org/drawingml/2006/compatibility" xmlns:p14="http://schemas.microsoft.com/office/powerpoint/2010/main" xmlns:p15="http://schemas.microsoft.com/office/powerpoint/2012/main" matchingName="Section title and description">
+<p:sldLayout xmlns:a="http://schemas.openxmlformats.org/drawingml/2006/main" xmlns:r="http://schemas.openxmlformats.org/officeDocument/2006/relationships" xmlns:p="http://schemas.openxmlformats.org/presentationml/2006/main" matchingName="Section title and description">
   <p:cSld name="SECTION_TITLE_AND_DESCRIPTION">
     <p:spTree>
       <p:nvGrpSpPr>
-        <p:cNvPr id="45" name="Shape 45"/>
+        <p:cNvPr id="1" name="Shape 45"/>
         <p:cNvGrpSpPr/>
         <p:nvPr/>
       </p:nvGrpSpPr>
@@ -6967,12 +7166,12 @@
           </a:ln>
         </p:spPr>
         <p:txBody>
-          <a:bodyPr anchorCtr="0" anchor="ctr" bIns="91425" lIns="91425" spcFirstLastPara="1" rIns="91425" wrap="square" tIns="91425">
+          <a:bodyPr spcFirstLastPara="1" wrap="square" lIns="91425" tIns="91425" rIns="91425" bIns="91425" anchor="ctr" anchorCtr="0">
             <a:noAutofit/>
           </a:bodyPr>
           <a:lstStyle/>
           <a:p>
-            <a:pPr indent="0" lvl="0" marL="0" rtl="0" algn="l">
+            <a:pPr marL="0" lvl="0" indent="0" algn="l" rtl="0">
               <a:spcBef>
                 <a:spcPts val="0"/>
               </a:spcBef>
@@ -6981,9 +7180,6 @@
               </a:spcAft>
               <a:buNone/>
             </a:pPr>
-            <a:r>
-              <a:t/>
-            </a:r>
             <a:endParaRPr/>
           </a:p>
         </p:txBody>
@@ -7024,12 +7220,12 @@
           </a:ln>
         </p:spPr>
         <p:txBody>
-          <a:bodyPr anchorCtr="0" anchor="ctr" bIns="91425" lIns="91425" spcFirstLastPara="1" rIns="91425" wrap="square" tIns="91425">
+          <a:bodyPr spcFirstLastPara="1" wrap="square" lIns="91425" tIns="91425" rIns="91425" bIns="91425" anchor="ctr" anchorCtr="0">
             <a:noAutofit/>
           </a:bodyPr>
           <a:lstStyle/>
           <a:p>
-            <a:pPr indent="0" lvl="0" marL="0" rtl="0" algn="l">
+            <a:pPr marL="0" lvl="0" indent="0" algn="l" rtl="0">
               <a:spcBef>
                 <a:spcPts val="0"/>
               </a:spcBef>
@@ -7038,9 +7234,6 @@
               </a:spcAft>
               <a:buNone/>
             </a:pPr>
-            <a:r>
-              <a:t/>
-            </a:r>
             <a:endParaRPr/>
           </a:p>
         </p:txBody>
@@ -7048,7 +7241,9 @@
       <p:sp>
         <p:nvSpPr>
           <p:cNvPr id="48" name="Google Shape;48;p9"/>
-          <p:cNvSpPr txBox="1"/>
+          <p:cNvSpPr txBox="1">
+            <a:spLocks noGrp="1"/>
+          </p:cNvSpPr>
           <p:nvPr>
             <p:ph type="title"/>
           </p:nvPr>
@@ -7063,7 +7258,7 @@
           </a:prstGeom>
         </p:spPr>
         <p:txBody>
-          <a:bodyPr anchorCtr="0" anchor="b" bIns="91425" lIns="91425" spcFirstLastPara="1" rIns="91425" wrap="square" tIns="91425"/>
+          <a:bodyPr spcFirstLastPara="1" wrap="square" lIns="91425" tIns="91425" rIns="91425" bIns="91425" anchor="b" anchorCtr="0"/>
           <a:lstStyle>
             <a:lvl1pPr lvl="0" algn="ctr">
               <a:spcBef>
@@ -7228,15 +7423,19 @@
               </a:defRPr>
             </a:lvl9pPr>
           </a:lstStyle>
-          <a:p/>
+          <a:p>
+            <a:endParaRPr/>
+          </a:p>
         </p:txBody>
       </p:sp>
       <p:sp>
         <p:nvSpPr>
           <p:cNvPr id="49" name="Google Shape;49;p9"/>
-          <p:cNvSpPr txBox="1"/>
+          <p:cNvSpPr txBox="1">
+            <a:spLocks noGrp="1"/>
+          </p:cNvSpPr>
           <p:nvPr>
-            <p:ph idx="1" type="subTitle"/>
+            <p:ph type="subTitle" idx="1"/>
           </p:nvPr>
         </p:nvSpPr>
         <p:spPr>
@@ -7249,7 +7448,7 @@
           </a:prstGeom>
         </p:spPr>
         <p:txBody>
-          <a:bodyPr anchorCtr="0" anchor="t" bIns="91425" lIns="91425" spcFirstLastPara="1" rIns="91425" wrap="square" tIns="91425"/>
+          <a:bodyPr spcFirstLastPara="1" wrap="square" lIns="91425" tIns="91425" rIns="91425" bIns="91425" anchor="t" anchorCtr="0"/>
           <a:lstStyle>
             <a:lvl1pPr lvl="0" algn="ctr">
               <a:lnSpc>
@@ -7378,15 +7577,19 @@
               <a:defRPr sz="2100"/>
             </a:lvl9pPr>
           </a:lstStyle>
-          <a:p/>
+          <a:p>
+            <a:endParaRPr/>
+          </a:p>
         </p:txBody>
       </p:sp>
       <p:sp>
         <p:nvSpPr>
           <p:cNvPr id="50" name="Google Shape;50;p9"/>
-          <p:cNvSpPr txBox="1"/>
+          <p:cNvSpPr txBox="1">
+            <a:spLocks noGrp="1"/>
+          </p:cNvSpPr>
           <p:nvPr>
-            <p:ph idx="2" type="body"/>
+            <p:ph type="body" idx="2"/>
           </p:nvPr>
         </p:nvSpPr>
         <p:spPr>
@@ -7399,9 +7602,9 @@
           </a:prstGeom>
         </p:spPr>
         <p:txBody>
-          <a:bodyPr anchorCtr="0" anchor="ctr" bIns="91425" lIns="91425" spcFirstLastPara="1" rIns="91425" wrap="square" tIns="91425"/>
+          <a:bodyPr spcFirstLastPara="1" wrap="square" lIns="91425" tIns="91425" rIns="91425" bIns="91425" anchor="ctr" anchorCtr="0"/>
           <a:lstStyle>
-            <a:lvl1pPr indent="-342900" lvl="0" marL="457200">
+            <a:lvl1pPr marL="457200" lvl="0" indent="-342900">
               <a:spcBef>
                 <a:spcPts val="0"/>
               </a:spcBef>
@@ -7419,7 +7622,7 @@
                 </a:solidFill>
               </a:defRPr>
             </a:lvl1pPr>
-            <a:lvl2pPr indent="-317500" lvl="1" marL="914400">
+            <a:lvl2pPr marL="914400" lvl="1" indent="-317500">
               <a:spcBef>
                 <a:spcPts val="1600"/>
               </a:spcBef>
@@ -7437,7 +7640,7 @@
                 </a:solidFill>
               </a:defRPr>
             </a:lvl2pPr>
-            <a:lvl3pPr indent="-317500" lvl="2" marL="1371600">
+            <a:lvl3pPr marL="1371600" lvl="2" indent="-317500">
               <a:spcBef>
                 <a:spcPts val="1600"/>
               </a:spcBef>
@@ -7455,7 +7658,7 @@
                 </a:solidFill>
               </a:defRPr>
             </a:lvl3pPr>
-            <a:lvl4pPr indent="-317500" lvl="3" marL="1828800">
+            <a:lvl4pPr marL="1828800" lvl="3" indent="-317500">
               <a:spcBef>
                 <a:spcPts val="1600"/>
               </a:spcBef>
@@ -7473,7 +7676,7 @@
                 </a:solidFill>
               </a:defRPr>
             </a:lvl4pPr>
-            <a:lvl5pPr indent="-317500" lvl="4" marL="2286000">
+            <a:lvl5pPr marL="2286000" lvl="4" indent="-317500">
               <a:spcBef>
                 <a:spcPts val="1600"/>
               </a:spcBef>
@@ -7491,7 +7694,7 @@
                 </a:solidFill>
               </a:defRPr>
             </a:lvl5pPr>
-            <a:lvl6pPr indent="-317500" lvl="5" marL="2743200">
+            <a:lvl6pPr marL="2743200" lvl="5" indent="-317500">
               <a:spcBef>
                 <a:spcPts val="1600"/>
               </a:spcBef>
@@ -7509,7 +7712,7 @@
                 </a:solidFill>
               </a:defRPr>
             </a:lvl6pPr>
-            <a:lvl7pPr indent="-317500" lvl="6" marL="3200400">
+            <a:lvl7pPr marL="3200400" lvl="6" indent="-317500">
               <a:spcBef>
                 <a:spcPts val="1600"/>
               </a:spcBef>
@@ -7527,7 +7730,7 @@
                 </a:solidFill>
               </a:defRPr>
             </a:lvl7pPr>
-            <a:lvl8pPr indent="-317500" lvl="7" marL="3657600">
+            <a:lvl8pPr marL="3657600" lvl="7" indent="-317500">
               <a:spcBef>
                 <a:spcPts val="1600"/>
               </a:spcBef>
@@ -7545,7 +7748,7 @@
                 </a:solidFill>
               </a:defRPr>
             </a:lvl8pPr>
-            <a:lvl9pPr indent="-317500" lvl="8" marL="4114800">
+            <a:lvl9pPr marL="4114800" lvl="8" indent="-317500">
               <a:spcBef>
                 <a:spcPts val="1600"/>
               </a:spcBef>
@@ -7564,15 +7767,19 @@
               </a:defRPr>
             </a:lvl9pPr>
           </a:lstStyle>
-          <a:p/>
+          <a:p>
+            <a:endParaRPr/>
+          </a:p>
         </p:txBody>
       </p:sp>
       <p:sp>
         <p:nvSpPr>
           <p:cNvPr id="51" name="Google Shape;51;p9"/>
-          <p:cNvSpPr txBox="1"/>
+          <p:cNvSpPr txBox="1">
+            <a:spLocks noGrp="1"/>
+          </p:cNvSpPr>
           <p:nvPr>
-            <p:ph idx="12" type="sldNum"/>
+            <p:ph type="sldNum" idx="12"/>
           </p:nvPr>
         </p:nvSpPr>
         <p:spPr>
@@ -7585,7 +7792,7 @@
           </a:prstGeom>
         </p:spPr>
         <p:txBody>
-          <a:bodyPr anchorCtr="0" anchor="ctr" bIns="91425" lIns="91425" spcFirstLastPara="1" rIns="91425" wrap="square" tIns="91425">
+          <a:bodyPr spcFirstLastPara="1" wrap="square" lIns="91425" tIns="91425" rIns="91425" bIns="91425" anchor="ctr" anchorCtr="0">
             <a:noAutofit/>
           </a:bodyPr>
           <a:lstStyle>
@@ -7663,7 +7870,7 @@
             </a:lvl9pPr>
           </a:lstStyle>
           <a:p>
-            <a:pPr indent="0" lvl="0" marL="0" rtl="0" algn="r">
+            <a:pPr marL="0" lvl="0" indent="0" algn="r" rtl="0">
               <a:spcBef>
                 <a:spcPts val="0"/>
               </a:spcBef>
@@ -7674,7 +7881,7 @@
             </a:pPr>
             <a:fld id="{00000000-1234-1234-1234-123412341234}" type="slidenum">
               <a:rPr lang="es"/>
-              <a:t>‹#›</a:t>
+              <a:t>‹Nº›</a:t>
             </a:fld>
             <a:endParaRPr/>
           </a:p>
@@ -7689,11 +7896,11 @@
 </file>
 
 <file path=ppt/slideLayouts/slideLayout9.xml><?xml version="1.0" encoding="utf-8"?>
-<p:sldLayout xmlns:a="http://schemas.openxmlformats.org/drawingml/2006/main" xmlns:r="http://schemas.openxmlformats.org/officeDocument/2006/relationships" xmlns:mc="http://schemas.openxmlformats.org/markup-compatibility/2006" xmlns:mv="urn:schemas-microsoft-com:mac:vml" xmlns:p="http://schemas.openxmlformats.org/presentationml/2006/main" xmlns:c="http://schemas.openxmlformats.org/drawingml/2006/chart" xmlns:dgm="http://schemas.openxmlformats.org/drawingml/2006/diagram" xmlns:o="urn:schemas-microsoft-com:office:office" xmlns:v="urn:schemas-microsoft-com:vml" xmlns:pvml="urn:schemas-microsoft-com:office:powerpoint" xmlns:com="http://schemas.openxmlformats.org/drawingml/2006/compatibility" xmlns:p14="http://schemas.microsoft.com/office/powerpoint/2010/main" xmlns:p15="http://schemas.microsoft.com/office/powerpoint/2012/main" matchingName="Caption">
+<p:sldLayout xmlns:a="http://schemas.openxmlformats.org/drawingml/2006/main" xmlns:r="http://schemas.openxmlformats.org/officeDocument/2006/relationships" xmlns:p="http://schemas.openxmlformats.org/presentationml/2006/main" matchingName="Caption">
   <p:cSld name="CAPTION_ONLY">
     <p:spTree>
       <p:nvGrpSpPr>
-        <p:cNvPr id="52" name="Shape 52"/>
+        <p:cNvPr id="1" name="Shape 52"/>
         <p:cNvGrpSpPr/>
         <p:nvPr/>
       </p:nvGrpSpPr>
@@ -7712,7 +7919,7 @@
           <p:nvPr/>
         </p:nvSpPr>
         <p:spPr>
-          <a:xfrm flipH="1" rot="10800000">
+          <a:xfrm rot="10800000" flipH="1">
             <a:off x="0" y="0"/>
             <a:ext cx="9144000" cy="4695900"/>
           </a:xfrm>
@@ -7727,12 +7934,12 @@
           </a:ln>
         </p:spPr>
         <p:txBody>
-          <a:bodyPr anchorCtr="0" anchor="ctr" bIns="91425" lIns="91425" spcFirstLastPara="1" rIns="91425" wrap="square" tIns="91425">
+          <a:bodyPr spcFirstLastPara="1" wrap="square" lIns="91425" tIns="91425" rIns="91425" bIns="91425" anchor="ctr" anchorCtr="0">
             <a:noAutofit/>
           </a:bodyPr>
           <a:lstStyle/>
           <a:p>
-            <a:pPr indent="0" lvl="0" marL="0" rtl="0" algn="l">
+            <a:pPr marL="0" lvl="0" indent="0" algn="l" rtl="0">
               <a:spcBef>
                 <a:spcPts val="0"/>
               </a:spcBef>
@@ -7741,9 +7948,6 @@
               </a:spcAft>
               <a:buNone/>
             </a:pPr>
-            <a:r>
-              <a:t/>
-            </a:r>
             <a:endParaRPr/>
           </a:p>
         </p:txBody>
@@ -7755,7 +7959,7 @@
           <p:nvPr/>
         </p:nvSpPr>
         <p:spPr>
-          <a:xfrm flipH="1" rot="10800000">
+          <a:xfrm rot="10800000" flipH="1">
             <a:off x="0" y="4622725"/>
             <a:ext cx="9144000" cy="74100"/>
           </a:xfrm>
@@ -7784,12 +7988,12 @@
           </a:ln>
         </p:spPr>
         <p:txBody>
-          <a:bodyPr anchorCtr="0" anchor="ctr" bIns="91425" lIns="91425" spcFirstLastPara="1" rIns="91425" wrap="square" tIns="91425">
+          <a:bodyPr spcFirstLastPara="1" wrap="square" lIns="91425" tIns="91425" rIns="91425" bIns="91425" anchor="ctr" anchorCtr="0">
             <a:noAutofit/>
           </a:bodyPr>
           <a:lstStyle/>
           <a:p>
-            <a:pPr indent="0" lvl="0" marL="0" rtl="0" algn="l">
+            <a:pPr marL="0" lvl="0" indent="0" algn="l" rtl="0">
               <a:spcBef>
                 <a:spcPts val="0"/>
               </a:spcBef>
@@ -7798,9 +8002,6 @@
               </a:spcAft>
               <a:buNone/>
             </a:pPr>
-            <a:r>
-              <a:t/>
-            </a:r>
             <a:endParaRPr/>
           </a:p>
         </p:txBody>
@@ -7808,9 +8009,11 @@
       <p:sp>
         <p:nvSpPr>
           <p:cNvPr id="55" name="Google Shape;55;p10"/>
-          <p:cNvSpPr txBox="1"/>
+          <p:cNvSpPr txBox="1">
+            <a:spLocks noGrp="1"/>
+          </p:cNvSpPr>
           <p:nvPr>
-            <p:ph idx="1" type="body"/>
+            <p:ph type="body" idx="1"/>
           </p:nvPr>
         </p:nvSpPr>
         <p:spPr>
@@ -7823,9 +8026,9 @@
           </a:prstGeom>
         </p:spPr>
         <p:txBody>
-          <a:bodyPr anchorCtr="0" anchor="ctr" bIns="91425" lIns="91425" spcFirstLastPara="1" rIns="91425" wrap="square" tIns="91425"/>
+          <a:bodyPr spcFirstLastPara="1" wrap="square" lIns="91425" tIns="91425" rIns="91425" bIns="91425" anchor="ctr" anchorCtr="0"/>
           <a:lstStyle>
-            <a:lvl1pPr indent="-228600" lvl="0" marL="457200">
+            <a:lvl1pPr marL="457200" lvl="0" indent="-228600">
               <a:lnSpc>
                 <a:spcPct val="100000"/>
               </a:lnSpc>
@@ -7847,15 +8050,19 @@
               </a:defRPr>
             </a:lvl1pPr>
           </a:lstStyle>
-          <a:p/>
+          <a:p>
+            <a:endParaRPr/>
+          </a:p>
         </p:txBody>
       </p:sp>
       <p:sp>
         <p:nvSpPr>
           <p:cNvPr id="56" name="Google Shape;56;p10"/>
-          <p:cNvSpPr txBox="1"/>
+          <p:cNvSpPr txBox="1">
+            <a:spLocks noGrp="1"/>
+          </p:cNvSpPr>
           <p:nvPr>
-            <p:ph idx="12" type="sldNum"/>
+            <p:ph type="sldNum" idx="12"/>
           </p:nvPr>
         </p:nvSpPr>
         <p:spPr>
@@ -7868,7 +8075,7 @@
           </a:prstGeom>
         </p:spPr>
         <p:txBody>
-          <a:bodyPr anchorCtr="0" anchor="ctr" bIns="91425" lIns="91425" spcFirstLastPara="1" rIns="91425" wrap="square" tIns="91425">
+          <a:bodyPr spcFirstLastPara="1" wrap="square" lIns="91425" tIns="91425" rIns="91425" bIns="91425" anchor="ctr" anchorCtr="0">
             <a:noAutofit/>
           </a:bodyPr>
           <a:lstStyle>
@@ -7946,7 +8153,7 @@
             </a:lvl9pPr>
           </a:lstStyle>
           <a:p>
-            <a:pPr indent="0" lvl="0" marL="0" rtl="0" algn="r">
+            <a:pPr marL="0" lvl="0" indent="0" algn="r" rtl="0">
               <a:spcBef>
                 <a:spcPts val="0"/>
               </a:spcBef>
@@ -7957,7 +8164,7 @@
             </a:pPr>
             <a:fld id="{00000000-1234-1234-1234-123412341234}" type="slidenum">
               <a:rPr lang="es"/>
-              <a:t>‹#›</a:t>
+              <a:t>‹Nº›</a:t>
             </a:fld>
             <a:endParaRPr/>
           </a:p>
@@ -7972,18 +8179,19 @@
 </file>
 
 <file path=ppt/slideMasters/slideMaster1.xml><?xml version="1.0" encoding="utf-8"?>
-<p:sldMaster xmlns:a="http://schemas.openxmlformats.org/drawingml/2006/main" xmlns:r="http://schemas.openxmlformats.org/officeDocument/2006/relationships" xmlns:mc="http://schemas.openxmlformats.org/markup-compatibility/2006" xmlns:mv="urn:schemas-microsoft-com:mac:vml" xmlns:p="http://schemas.openxmlformats.org/presentationml/2006/main" xmlns:c="http://schemas.openxmlformats.org/drawingml/2006/chart" xmlns:dgm="http://schemas.openxmlformats.org/drawingml/2006/diagram" xmlns:o="urn:schemas-microsoft-com:office:office" xmlns:v="urn:schemas-microsoft-com:vml" xmlns:pvml="urn:schemas-microsoft-com:office:powerpoint" xmlns:com="http://schemas.openxmlformats.org/drawingml/2006/compatibility" xmlns:p14="http://schemas.microsoft.com/office/powerpoint/2010/main" xmlns:p15="http://schemas.microsoft.com/office/powerpoint/2012/main">
+<p:sldMaster xmlns:a="http://schemas.openxmlformats.org/drawingml/2006/main" xmlns:r="http://schemas.openxmlformats.org/officeDocument/2006/relationships" xmlns:p="http://schemas.openxmlformats.org/presentationml/2006/main">
   <p:cSld name="material">
     <p:bg>
       <p:bgPr>
         <a:solidFill>
           <a:schemeClr val="dk1"/>
         </a:solidFill>
+        <a:effectLst/>
       </p:bgPr>
     </p:bg>
     <p:spTree>
       <p:nvGrpSpPr>
-        <p:cNvPr id="5" name="Shape 5"/>
+        <p:cNvPr id="1" name="Shape 5"/>
         <p:cNvGrpSpPr/>
         <p:nvPr/>
       </p:nvGrpSpPr>
@@ -7998,7 +8206,9 @@
       <p:sp>
         <p:nvSpPr>
           <p:cNvPr id="6" name="Google Shape;6;p1"/>
-          <p:cNvSpPr txBox="1"/>
+          <p:cNvSpPr txBox="1">
+            <a:spLocks noGrp="1"/>
+          </p:cNvSpPr>
           <p:nvPr>
             <p:ph type="title"/>
           </p:nvPr>
@@ -8017,7 +8227,7 @@
           </a:ln>
         </p:spPr>
         <p:txBody>
-          <a:bodyPr anchorCtr="0" anchor="b" bIns="91425" lIns="91425" spcFirstLastPara="1" rIns="91425" wrap="square" tIns="91425"/>
+          <a:bodyPr spcFirstLastPara="1" wrap="square" lIns="91425" tIns="91425" rIns="91425" bIns="91425" anchor="b" anchorCtr="0"/>
           <a:lstStyle>
             <a:lvl1pPr lvl="0">
               <a:spcBef>
@@ -8227,15 +8437,19 @@
               </a:defRPr>
             </a:lvl9pPr>
           </a:lstStyle>
-          <a:p/>
+          <a:p>
+            <a:endParaRPr/>
+          </a:p>
         </p:txBody>
       </p:sp>
       <p:sp>
         <p:nvSpPr>
           <p:cNvPr id="7" name="Google Shape;7;p1"/>
-          <p:cNvSpPr txBox="1"/>
+          <p:cNvSpPr txBox="1">
+            <a:spLocks noGrp="1"/>
+          </p:cNvSpPr>
           <p:nvPr>
-            <p:ph idx="1" type="body"/>
+            <p:ph type="body" idx="1"/>
           </p:nvPr>
         </p:nvSpPr>
         <p:spPr>
@@ -8252,9 +8466,9 @@
           </a:ln>
         </p:spPr>
         <p:txBody>
-          <a:bodyPr anchorCtr="0" anchor="t" bIns="91425" lIns="91425" spcFirstLastPara="1" rIns="91425" wrap="square" tIns="91425"/>
+          <a:bodyPr spcFirstLastPara="1" wrap="square" lIns="91425" tIns="91425" rIns="91425" bIns="91425" anchor="t" anchorCtr="0"/>
           <a:lstStyle>
-            <a:lvl1pPr indent="-342900" lvl="0" marL="457200">
+            <a:lvl1pPr marL="457200" lvl="0" indent="-342900">
               <a:lnSpc>
                 <a:spcPct val="115000"/>
               </a:lnSpc>
@@ -8280,7 +8494,7 @@
                 <a:sym typeface="Roboto"/>
               </a:defRPr>
             </a:lvl1pPr>
-            <a:lvl2pPr indent="-317500" lvl="1" marL="914400">
+            <a:lvl2pPr marL="914400" lvl="1" indent="-317500">
               <a:lnSpc>
                 <a:spcPct val="115000"/>
               </a:lnSpc>
@@ -8306,7 +8520,7 @@
                 <a:sym typeface="Roboto"/>
               </a:defRPr>
             </a:lvl2pPr>
-            <a:lvl3pPr indent="-317500" lvl="2" marL="1371600">
+            <a:lvl3pPr marL="1371600" lvl="2" indent="-317500">
               <a:lnSpc>
                 <a:spcPct val="115000"/>
               </a:lnSpc>
@@ -8332,7 +8546,7 @@
                 <a:sym typeface="Roboto"/>
               </a:defRPr>
             </a:lvl3pPr>
-            <a:lvl4pPr indent="-317500" lvl="3" marL="1828800">
+            <a:lvl4pPr marL="1828800" lvl="3" indent="-317500">
               <a:lnSpc>
                 <a:spcPct val="115000"/>
               </a:lnSpc>
@@ -8358,7 +8572,7 @@
                 <a:sym typeface="Roboto"/>
               </a:defRPr>
             </a:lvl4pPr>
-            <a:lvl5pPr indent="-317500" lvl="4" marL="2286000">
+            <a:lvl5pPr marL="2286000" lvl="4" indent="-317500">
               <a:lnSpc>
                 <a:spcPct val="115000"/>
               </a:lnSpc>
@@ -8384,7 +8598,7 @@
                 <a:sym typeface="Roboto"/>
               </a:defRPr>
             </a:lvl5pPr>
-            <a:lvl6pPr indent="-317500" lvl="5" marL="2743200">
+            <a:lvl6pPr marL="2743200" lvl="5" indent="-317500">
               <a:lnSpc>
                 <a:spcPct val="115000"/>
               </a:lnSpc>
@@ -8410,7 +8624,7 @@
                 <a:sym typeface="Roboto"/>
               </a:defRPr>
             </a:lvl6pPr>
-            <a:lvl7pPr indent="-317500" lvl="6" marL="3200400">
+            <a:lvl7pPr marL="3200400" lvl="6" indent="-317500">
               <a:lnSpc>
                 <a:spcPct val="115000"/>
               </a:lnSpc>
@@ -8436,7 +8650,7 @@
                 <a:sym typeface="Roboto"/>
               </a:defRPr>
             </a:lvl7pPr>
-            <a:lvl8pPr indent="-317500" lvl="7" marL="3657600">
+            <a:lvl8pPr marL="3657600" lvl="7" indent="-317500">
               <a:lnSpc>
                 <a:spcPct val="115000"/>
               </a:lnSpc>
@@ -8462,7 +8676,7 @@
                 <a:sym typeface="Roboto"/>
               </a:defRPr>
             </a:lvl8pPr>
-            <a:lvl9pPr indent="-317500" lvl="8" marL="4114800">
+            <a:lvl9pPr marL="4114800" lvl="8" indent="-317500">
               <a:lnSpc>
                 <a:spcPct val="115000"/>
               </a:lnSpc>
@@ -8489,15 +8703,19 @@
               </a:defRPr>
             </a:lvl9pPr>
           </a:lstStyle>
-          <a:p/>
+          <a:p>
+            <a:endParaRPr/>
+          </a:p>
         </p:txBody>
       </p:sp>
       <p:sp>
         <p:nvSpPr>
           <p:cNvPr id="8" name="Google Shape;8;p1"/>
-          <p:cNvSpPr txBox="1"/>
+          <p:cNvSpPr txBox="1">
+            <a:spLocks noGrp="1"/>
+          </p:cNvSpPr>
           <p:nvPr>
-            <p:ph idx="12" type="sldNum"/>
+            <p:ph type="sldNum" idx="12"/>
           </p:nvPr>
         </p:nvSpPr>
         <p:spPr>
@@ -8514,7 +8732,7 @@
           </a:ln>
         </p:spPr>
         <p:txBody>
-          <a:bodyPr anchorCtr="0" anchor="ctr" bIns="91425" lIns="91425" spcFirstLastPara="1" rIns="91425" wrap="square" tIns="91425">
+          <a:bodyPr spcFirstLastPara="1" wrap="square" lIns="91425" tIns="91425" rIns="91425" bIns="91425" anchor="ctr" anchorCtr="0">
             <a:noAutofit/>
           </a:bodyPr>
           <a:lstStyle>
@@ -8628,7 +8846,7 @@
             </a:lvl9pPr>
           </a:lstStyle>
           <a:p>
-            <a:pPr indent="0" lvl="0" marL="0" rtl="0" algn="r">
+            <a:pPr marL="0" lvl="0" indent="0" algn="r" rtl="0">
               <a:spcBef>
                 <a:spcPts val="0"/>
               </a:spcBef>
@@ -8639,7 +8857,7 @@
             </a:pPr>
             <a:fld id="{00000000-1234-1234-1234-123412341234}" type="slidenum">
               <a:rPr lang="es"/>
-              <a:t>‹#›</a:t>
+              <a:t>‹Nº›</a:t>
             </a:fld>
             <a:endParaRPr/>
           </a:p>
@@ -8647,7 +8865,7 @@
       </p:sp>
     </p:spTree>
   </p:cSld>
-  <p:clrMap accent1="accent1" accent2="accent2" accent3="accent3" accent4="accent4" accent5="accent5" accent6="accent6" bg1="lt1" bg2="dk2" tx1="dk1" tx2="lt2" folHlink="folHlink" hlink="hlink"/>
+  <p:clrMap bg1="lt1" tx1="dk1" bg2="dk2" tx2="lt2" accent1="accent1" accent2="accent2" accent3="accent3" accent4="accent4" accent5="accent5" accent6="accent6" hlink="hlink" folHlink="folHlink"/>
   <p:sldLayoutIdLst>
     <p:sldLayoutId id="2147483648" r:id="rId1"/>
     <p:sldLayoutId id="2147483649" r:id="rId2"/>
@@ -8661,10 +8879,10 @@
     <p:sldLayoutId id="2147483657" r:id="rId10"/>
     <p:sldLayoutId id="2147483658" r:id="rId11"/>
   </p:sldLayoutIdLst>
-  <p:hf dt="0" ftr="0" hdr="0" sldNum="0"/>
+  <p:hf sldNum="0" hdr="0" ftr="0" dt="0"/>
   <p:txStyles>
     <p:titleStyle>
-      <a:defPPr lvl="0" marR="0" rtl="0" algn="l">
+      <a:defPPr marR="0" lvl="0" algn="l" rtl="0">
         <a:lnSpc>
           <a:spcPct val="100000"/>
         </a:lnSpc>
@@ -8675,7 +8893,7 @@
           <a:spcPts val="0"/>
         </a:spcAft>
       </a:defPPr>
-      <a:lvl1pPr lvl="0" marR="0" rtl="0" algn="l">
+      <a:lvl1pPr marR="0" lvl="0" algn="l" rtl="0">
         <a:lnSpc>
           <a:spcPct val="100000"/>
         </a:lnSpc>
@@ -8689,7 +8907,7 @@
           <a:srgbClr val="000000"/>
         </a:buClr>
         <a:buFont typeface="Arial"/>
-        <a:defRPr b="0" i="0" sz="1400" u="none" cap="none" strike="noStrike">
+        <a:defRPr sz="1400" b="0" i="0" u="none" strike="noStrike" cap="none">
           <a:solidFill>
             <a:srgbClr val="000000"/>
           </a:solidFill>
@@ -8699,7 +8917,7 @@
           <a:sym typeface="Arial"/>
         </a:defRPr>
       </a:lvl1pPr>
-      <a:lvl2pPr lvl="1" marR="0" rtl="0" algn="l">
+      <a:lvl2pPr marR="0" lvl="1" algn="l" rtl="0">
         <a:lnSpc>
           <a:spcPct val="100000"/>
         </a:lnSpc>
@@ -8713,7 +8931,7 @@
           <a:srgbClr val="000000"/>
         </a:buClr>
         <a:buFont typeface="Arial"/>
-        <a:defRPr b="0" i="0" sz="1400" u="none" cap="none" strike="noStrike">
+        <a:defRPr sz="1400" b="0" i="0" u="none" strike="noStrike" cap="none">
           <a:solidFill>
             <a:srgbClr val="000000"/>
           </a:solidFill>
@@ -8723,7 +8941,7 @@
           <a:sym typeface="Arial"/>
         </a:defRPr>
       </a:lvl2pPr>
-      <a:lvl3pPr lvl="2" marR="0" rtl="0" algn="l">
+      <a:lvl3pPr marR="0" lvl="2" algn="l" rtl="0">
         <a:lnSpc>
           <a:spcPct val="100000"/>
         </a:lnSpc>
@@ -8737,7 +8955,7 @@
           <a:srgbClr val="000000"/>
         </a:buClr>
         <a:buFont typeface="Arial"/>
-        <a:defRPr b="0" i="0" sz="1400" u="none" cap="none" strike="noStrike">
+        <a:defRPr sz="1400" b="0" i="0" u="none" strike="noStrike" cap="none">
           <a:solidFill>
             <a:srgbClr val="000000"/>
           </a:solidFill>
@@ -8747,7 +8965,7 @@
           <a:sym typeface="Arial"/>
         </a:defRPr>
       </a:lvl3pPr>
-      <a:lvl4pPr lvl="3" marR="0" rtl="0" algn="l">
+      <a:lvl4pPr marR="0" lvl="3" algn="l" rtl="0">
         <a:lnSpc>
           <a:spcPct val="100000"/>
         </a:lnSpc>
@@ -8761,7 +8979,7 @@
           <a:srgbClr val="000000"/>
         </a:buClr>
         <a:buFont typeface="Arial"/>
-        <a:defRPr b="0" i="0" sz="1400" u="none" cap="none" strike="noStrike">
+        <a:defRPr sz="1400" b="0" i="0" u="none" strike="noStrike" cap="none">
           <a:solidFill>
             <a:srgbClr val="000000"/>
           </a:solidFill>
@@ -8771,7 +8989,7 @@
           <a:sym typeface="Arial"/>
         </a:defRPr>
       </a:lvl4pPr>
-      <a:lvl5pPr lvl="4" marR="0" rtl="0" algn="l">
+      <a:lvl5pPr marR="0" lvl="4" algn="l" rtl="0">
         <a:lnSpc>
           <a:spcPct val="100000"/>
         </a:lnSpc>
@@ -8785,7 +9003,7 @@
           <a:srgbClr val="000000"/>
         </a:buClr>
         <a:buFont typeface="Arial"/>
-        <a:defRPr b="0" i="0" sz="1400" u="none" cap="none" strike="noStrike">
+        <a:defRPr sz="1400" b="0" i="0" u="none" strike="noStrike" cap="none">
           <a:solidFill>
             <a:srgbClr val="000000"/>
           </a:solidFill>
@@ -8795,7 +9013,7 @@
           <a:sym typeface="Arial"/>
         </a:defRPr>
       </a:lvl5pPr>
-      <a:lvl6pPr lvl="5" marR="0" rtl="0" algn="l">
+      <a:lvl6pPr marR="0" lvl="5" algn="l" rtl="0">
         <a:lnSpc>
           <a:spcPct val="100000"/>
         </a:lnSpc>
@@ -8809,7 +9027,7 @@
           <a:srgbClr val="000000"/>
         </a:buClr>
         <a:buFont typeface="Arial"/>
-        <a:defRPr b="0" i="0" sz="1400" u="none" cap="none" strike="noStrike">
+        <a:defRPr sz="1400" b="0" i="0" u="none" strike="noStrike" cap="none">
           <a:solidFill>
             <a:srgbClr val="000000"/>
           </a:solidFill>
@@ -8819,7 +9037,7 @@
           <a:sym typeface="Arial"/>
         </a:defRPr>
       </a:lvl6pPr>
-      <a:lvl7pPr lvl="6" marR="0" rtl="0" algn="l">
+      <a:lvl7pPr marR="0" lvl="6" algn="l" rtl="0">
         <a:lnSpc>
           <a:spcPct val="100000"/>
         </a:lnSpc>
@@ -8833,7 +9051,7 @@
           <a:srgbClr val="000000"/>
         </a:buClr>
         <a:buFont typeface="Arial"/>
-        <a:defRPr b="0" i="0" sz="1400" u="none" cap="none" strike="noStrike">
+        <a:defRPr sz="1400" b="0" i="0" u="none" strike="noStrike" cap="none">
           <a:solidFill>
             <a:srgbClr val="000000"/>
           </a:solidFill>
@@ -8843,7 +9061,7 @@
           <a:sym typeface="Arial"/>
         </a:defRPr>
       </a:lvl7pPr>
-      <a:lvl8pPr lvl="7" marR="0" rtl="0" algn="l">
+      <a:lvl8pPr marR="0" lvl="7" algn="l" rtl="0">
         <a:lnSpc>
           <a:spcPct val="100000"/>
         </a:lnSpc>
@@ -8857,7 +9075,7 @@
           <a:srgbClr val="000000"/>
         </a:buClr>
         <a:buFont typeface="Arial"/>
-        <a:defRPr b="0" i="0" sz="1400" u="none" cap="none" strike="noStrike">
+        <a:defRPr sz="1400" b="0" i="0" u="none" strike="noStrike" cap="none">
           <a:solidFill>
             <a:srgbClr val="000000"/>
           </a:solidFill>
@@ -8867,7 +9085,7 @@
           <a:sym typeface="Arial"/>
         </a:defRPr>
       </a:lvl8pPr>
-      <a:lvl9pPr lvl="8" marR="0" rtl="0" algn="l">
+      <a:lvl9pPr marR="0" lvl="8" algn="l" rtl="0">
         <a:lnSpc>
           <a:spcPct val="100000"/>
         </a:lnSpc>
@@ -8881,7 +9099,7 @@
           <a:srgbClr val="000000"/>
         </a:buClr>
         <a:buFont typeface="Arial"/>
-        <a:defRPr b="0" i="0" sz="1400" u="none" cap="none" strike="noStrike">
+        <a:defRPr sz="1400" b="0" i="0" u="none" strike="noStrike" cap="none">
           <a:solidFill>
             <a:srgbClr val="000000"/>
           </a:solidFill>
@@ -8893,7 +9111,7 @@
       </a:lvl9pPr>
     </p:titleStyle>
     <p:bodyStyle>
-      <a:defPPr lvl="0" marR="0" rtl="0" algn="l">
+      <a:defPPr marR="0" lvl="0" algn="l" rtl="0">
         <a:lnSpc>
           <a:spcPct val="100000"/>
         </a:lnSpc>
@@ -8904,7 +9122,7 @@
           <a:spcPts val="0"/>
         </a:spcAft>
       </a:defPPr>
-      <a:lvl1pPr lvl="0" marR="0" rtl="0" algn="l">
+      <a:lvl1pPr marR="0" lvl="0" algn="l" rtl="0">
         <a:lnSpc>
           <a:spcPct val="100000"/>
         </a:lnSpc>
@@ -8918,7 +9136,7 @@
           <a:srgbClr val="000000"/>
         </a:buClr>
         <a:buFont typeface="Arial"/>
-        <a:defRPr b="0" i="0" sz="1400" u="none" cap="none" strike="noStrike">
+        <a:defRPr sz="1400" b="0" i="0" u="none" strike="noStrike" cap="none">
           <a:solidFill>
             <a:srgbClr val="000000"/>
           </a:solidFill>
@@ -8928,7 +9146,7 @@
           <a:sym typeface="Arial"/>
         </a:defRPr>
       </a:lvl1pPr>
-      <a:lvl2pPr lvl="1" marR="0" rtl="0" algn="l">
+      <a:lvl2pPr marR="0" lvl="1" algn="l" rtl="0">
         <a:lnSpc>
           <a:spcPct val="100000"/>
         </a:lnSpc>
@@ -8942,7 +9160,7 @@
           <a:srgbClr val="000000"/>
         </a:buClr>
         <a:buFont typeface="Arial"/>
-        <a:defRPr b="0" i="0" sz="1400" u="none" cap="none" strike="noStrike">
+        <a:defRPr sz="1400" b="0" i="0" u="none" strike="noStrike" cap="none">
           <a:solidFill>
             <a:srgbClr val="000000"/>
           </a:solidFill>
@@ -8952,7 +9170,7 @@
           <a:sym typeface="Arial"/>
         </a:defRPr>
       </a:lvl2pPr>
-      <a:lvl3pPr lvl="2" marR="0" rtl="0" algn="l">
+      <a:lvl3pPr marR="0" lvl="2" algn="l" rtl="0">
         <a:lnSpc>
           <a:spcPct val="100000"/>
         </a:lnSpc>
@@ -8966,7 +9184,7 @@
           <a:srgbClr val="000000"/>
         </a:buClr>
         <a:buFont typeface="Arial"/>
-        <a:defRPr b="0" i="0" sz="1400" u="none" cap="none" strike="noStrike">
+        <a:defRPr sz="1400" b="0" i="0" u="none" strike="noStrike" cap="none">
           <a:solidFill>
             <a:srgbClr val="000000"/>
           </a:solidFill>
@@ -8976,7 +9194,7 @@
           <a:sym typeface="Arial"/>
         </a:defRPr>
       </a:lvl3pPr>
-      <a:lvl4pPr lvl="3" marR="0" rtl="0" algn="l">
+      <a:lvl4pPr marR="0" lvl="3" algn="l" rtl="0">
         <a:lnSpc>
           <a:spcPct val="100000"/>
         </a:lnSpc>
@@ -8990,7 +9208,7 @@
           <a:srgbClr val="000000"/>
         </a:buClr>
         <a:buFont typeface="Arial"/>
-        <a:defRPr b="0" i="0" sz="1400" u="none" cap="none" strike="noStrike">
+        <a:defRPr sz="1400" b="0" i="0" u="none" strike="noStrike" cap="none">
           <a:solidFill>
             <a:srgbClr val="000000"/>
           </a:solidFill>
@@ -9000,7 +9218,7 @@
           <a:sym typeface="Arial"/>
         </a:defRPr>
       </a:lvl4pPr>
-      <a:lvl5pPr lvl="4" marR="0" rtl="0" algn="l">
+      <a:lvl5pPr marR="0" lvl="4" algn="l" rtl="0">
         <a:lnSpc>
           <a:spcPct val="100000"/>
         </a:lnSpc>
@@ -9014,7 +9232,7 @@
           <a:srgbClr val="000000"/>
         </a:buClr>
         <a:buFont typeface="Arial"/>
-        <a:defRPr b="0" i="0" sz="1400" u="none" cap="none" strike="noStrike">
+        <a:defRPr sz="1400" b="0" i="0" u="none" strike="noStrike" cap="none">
           <a:solidFill>
             <a:srgbClr val="000000"/>
           </a:solidFill>
@@ -9024,7 +9242,7 @@
           <a:sym typeface="Arial"/>
         </a:defRPr>
       </a:lvl5pPr>
-      <a:lvl6pPr lvl="5" marR="0" rtl="0" algn="l">
+      <a:lvl6pPr marR="0" lvl="5" algn="l" rtl="0">
         <a:lnSpc>
           <a:spcPct val="100000"/>
         </a:lnSpc>
@@ -9038,7 +9256,7 @@
           <a:srgbClr val="000000"/>
         </a:buClr>
         <a:buFont typeface="Arial"/>
-        <a:defRPr b="0" i="0" sz="1400" u="none" cap="none" strike="noStrike">
+        <a:defRPr sz="1400" b="0" i="0" u="none" strike="noStrike" cap="none">
           <a:solidFill>
             <a:srgbClr val="000000"/>
           </a:solidFill>
@@ -9048,7 +9266,7 @@
           <a:sym typeface="Arial"/>
         </a:defRPr>
       </a:lvl6pPr>
-      <a:lvl7pPr lvl="6" marR="0" rtl="0" algn="l">
+      <a:lvl7pPr marR="0" lvl="6" algn="l" rtl="0">
         <a:lnSpc>
           <a:spcPct val="100000"/>
         </a:lnSpc>
@@ -9062,7 +9280,7 @@
           <a:srgbClr val="000000"/>
         </a:buClr>
         <a:buFont typeface="Arial"/>
-        <a:defRPr b="0" i="0" sz="1400" u="none" cap="none" strike="noStrike">
+        <a:defRPr sz="1400" b="0" i="0" u="none" strike="noStrike" cap="none">
           <a:solidFill>
             <a:srgbClr val="000000"/>
           </a:solidFill>
@@ -9072,7 +9290,7 @@
           <a:sym typeface="Arial"/>
         </a:defRPr>
       </a:lvl7pPr>
-      <a:lvl8pPr lvl="7" marR="0" rtl="0" algn="l">
+      <a:lvl8pPr marR="0" lvl="7" algn="l" rtl="0">
         <a:lnSpc>
           <a:spcPct val="100000"/>
         </a:lnSpc>
@@ -9086,7 +9304,7 @@
           <a:srgbClr val="000000"/>
         </a:buClr>
         <a:buFont typeface="Arial"/>
-        <a:defRPr b="0" i="0" sz="1400" u="none" cap="none" strike="noStrike">
+        <a:defRPr sz="1400" b="0" i="0" u="none" strike="noStrike" cap="none">
           <a:solidFill>
             <a:srgbClr val="000000"/>
           </a:solidFill>
@@ -9096,7 +9314,7 @@
           <a:sym typeface="Arial"/>
         </a:defRPr>
       </a:lvl8pPr>
-      <a:lvl9pPr lvl="8" marR="0" rtl="0" algn="l">
+      <a:lvl9pPr marR="0" lvl="8" algn="l" rtl="0">
         <a:lnSpc>
           <a:spcPct val="100000"/>
         </a:lnSpc>
@@ -9110,7 +9328,7 @@
           <a:srgbClr val="000000"/>
         </a:buClr>
         <a:buFont typeface="Arial"/>
-        <a:defRPr b="0" i="0" sz="1400" u="none" cap="none" strike="noStrike">
+        <a:defRPr sz="1400" b="0" i="0" u="none" strike="noStrike" cap="none">
           <a:solidFill>
             <a:srgbClr val="000000"/>
           </a:solidFill>
@@ -9122,7 +9340,7 @@
       </a:lvl9pPr>
     </p:bodyStyle>
     <p:otherStyle>
-      <a:defPPr lvl="0" marR="0" rtl="0" algn="l">
+      <a:defPPr marR="0" lvl="0" algn="l" rtl="0">
         <a:lnSpc>
           <a:spcPct val="100000"/>
         </a:lnSpc>
@@ -9133,7 +9351,7 @@
           <a:spcPts val="0"/>
         </a:spcAft>
       </a:defPPr>
-      <a:lvl1pPr lvl="0" marR="0" rtl="0" algn="l">
+      <a:lvl1pPr marR="0" lvl="0" algn="l" rtl="0">
         <a:lnSpc>
           <a:spcPct val="100000"/>
         </a:lnSpc>
@@ -9147,7 +9365,7 @@
           <a:srgbClr val="000000"/>
         </a:buClr>
         <a:buFont typeface="Arial"/>
-        <a:defRPr b="0" i="0" sz="1400" u="none" cap="none" strike="noStrike">
+        <a:defRPr sz="1400" b="0" i="0" u="none" strike="noStrike" cap="none">
           <a:solidFill>
             <a:srgbClr val="000000"/>
           </a:solidFill>
@@ -9157,7 +9375,7 @@
           <a:sym typeface="Arial"/>
         </a:defRPr>
       </a:lvl1pPr>
-      <a:lvl2pPr lvl="1" marR="0" rtl="0" algn="l">
+      <a:lvl2pPr marR="0" lvl="1" algn="l" rtl="0">
         <a:lnSpc>
           <a:spcPct val="100000"/>
         </a:lnSpc>
@@ -9171,7 +9389,7 @@
           <a:srgbClr val="000000"/>
         </a:buClr>
         <a:buFont typeface="Arial"/>
-        <a:defRPr b="0" i="0" sz="1400" u="none" cap="none" strike="noStrike">
+        <a:defRPr sz="1400" b="0" i="0" u="none" strike="noStrike" cap="none">
           <a:solidFill>
             <a:srgbClr val="000000"/>
           </a:solidFill>
@@ -9181,7 +9399,7 @@
           <a:sym typeface="Arial"/>
         </a:defRPr>
       </a:lvl2pPr>
-      <a:lvl3pPr lvl="2" marR="0" rtl="0" algn="l">
+      <a:lvl3pPr marR="0" lvl="2" algn="l" rtl="0">
         <a:lnSpc>
           <a:spcPct val="100000"/>
         </a:lnSpc>
@@ -9195,7 +9413,7 @@
           <a:srgbClr val="000000"/>
         </a:buClr>
         <a:buFont typeface="Arial"/>
-        <a:defRPr b="0" i="0" sz="1400" u="none" cap="none" strike="noStrike">
+        <a:defRPr sz="1400" b="0" i="0" u="none" strike="noStrike" cap="none">
           <a:solidFill>
             <a:srgbClr val="000000"/>
           </a:solidFill>
@@ -9205,7 +9423,7 @@
           <a:sym typeface="Arial"/>
         </a:defRPr>
       </a:lvl3pPr>
-      <a:lvl4pPr lvl="3" marR="0" rtl="0" algn="l">
+      <a:lvl4pPr marR="0" lvl="3" algn="l" rtl="0">
         <a:lnSpc>
           <a:spcPct val="100000"/>
         </a:lnSpc>
@@ -9219,7 +9437,7 @@
           <a:srgbClr val="000000"/>
         </a:buClr>
         <a:buFont typeface="Arial"/>
-        <a:defRPr b="0" i="0" sz="1400" u="none" cap="none" strike="noStrike">
+        <a:defRPr sz="1400" b="0" i="0" u="none" strike="noStrike" cap="none">
           <a:solidFill>
             <a:srgbClr val="000000"/>
           </a:solidFill>
@@ -9229,7 +9447,7 @@
           <a:sym typeface="Arial"/>
         </a:defRPr>
       </a:lvl4pPr>
-      <a:lvl5pPr lvl="4" marR="0" rtl="0" algn="l">
+      <a:lvl5pPr marR="0" lvl="4" algn="l" rtl="0">
         <a:lnSpc>
           <a:spcPct val="100000"/>
         </a:lnSpc>
@@ -9243,7 +9461,7 @@
           <a:srgbClr val="000000"/>
         </a:buClr>
         <a:buFont typeface="Arial"/>
-        <a:defRPr b="0" i="0" sz="1400" u="none" cap="none" strike="noStrike">
+        <a:defRPr sz="1400" b="0" i="0" u="none" strike="noStrike" cap="none">
           <a:solidFill>
             <a:srgbClr val="000000"/>
           </a:solidFill>
@@ -9253,7 +9471,7 @@
           <a:sym typeface="Arial"/>
         </a:defRPr>
       </a:lvl5pPr>
-      <a:lvl6pPr lvl="5" marR="0" rtl="0" algn="l">
+      <a:lvl6pPr marR="0" lvl="5" algn="l" rtl="0">
         <a:lnSpc>
           <a:spcPct val="100000"/>
         </a:lnSpc>
@@ -9267,7 +9485,7 @@
           <a:srgbClr val="000000"/>
         </a:buClr>
         <a:buFont typeface="Arial"/>
-        <a:defRPr b="0" i="0" sz="1400" u="none" cap="none" strike="noStrike">
+        <a:defRPr sz="1400" b="0" i="0" u="none" strike="noStrike" cap="none">
           <a:solidFill>
             <a:srgbClr val="000000"/>
           </a:solidFill>
@@ -9277,7 +9495,7 @@
           <a:sym typeface="Arial"/>
         </a:defRPr>
       </a:lvl6pPr>
-      <a:lvl7pPr lvl="6" marR="0" rtl="0" algn="l">
+      <a:lvl7pPr marR="0" lvl="6" algn="l" rtl="0">
         <a:lnSpc>
           <a:spcPct val="100000"/>
         </a:lnSpc>
@@ -9291,7 +9509,7 @@
           <a:srgbClr val="000000"/>
         </a:buClr>
         <a:buFont typeface="Arial"/>
-        <a:defRPr b="0" i="0" sz="1400" u="none" cap="none" strike="noStrike">
+        <a:defRPr sz="1400" b="0" i="0" u="none" strike="noStrike" cap="none">
           <a:solidFill>
             <a:srgbClr val="000000"/>
           </a:solidFill>
@@ -9301,7 +9519,7 @@
           <a:sym typeface="Arial"/>
         </a:defRPr>
       </a:lvl7pPr>
-      <a:lvl8pPr lvl="7" marR="0" rtl="0" algn="l">
+      <a:lvl8pPr marR="0" lvl="7" algn="l" rtl="0">
         <a:lnSpc>
           <a:spcPct val="100000"/>
         </a:lnSpc>
@@ -9315,7 +9533,7 @@
           <a:srgbClr val="000000"/>
         </a:buClr>
         <a:buFont typeface="Arial"/>
-        <a:defRPr b="0" i="0" sz="1400" u="none" cap="none" strike="noStrike">
+        <a:defRPr sz="1400" b="0" i="0" u="none" strike="noStrike" cap="none">
           <a:solidFill>
             <a:srgbClr val="000000"/>
           </a:solidFill>
@@ -9325,7 +9543,7 @@
           <a:sym typeface="Arial"/>
         </a:defRPr>
       </a:lvl8pPr>
-      <a:lvl9pPr lvl="8" marR="0" rtl="0" algn="l">
+      <a:lvl9pPr marR="0" lvl="8" algn="l" rtl="0">
         <a:lnSpc>
           <a:spcPct val="100000"/>
         </a:lnSpc>
@@ -9339,7 +9557,7 @@
           <a:srgbClr val="000000"/>
         </a:buClr>
         <a:buFont typeface="Arial"/>
-        <a:defRPr b="0" i="0" sz="1400" u="none" cap="none" strike="noStrike">
+        <a:defRPr sz="1400" b="0" i="0" u="none" strike="noStrike" cap="none">
           <a:solidFill>
             <a:srgbClr val="000000"/>
           </a:solidFill>
@@ -9355,11 +9573,11 @@
 </file>
 
 <file path=ppt/slides/slide1.xml><?xml version="1.0" encoding="utf-8"?>
-<p:sld xmlns:a="http://schemas.openxmlformats.org/drawingml/2006/main" xmlns:r="http://schemas.openxmlformats.org/officeDocument/2006/relationships" xmlns:mc="http://schemas.openxmlformats.org/markup-compatibility/2006" xmlns:mv="urn:schemas-microsoft-com:mac:vml" xmlns:p="http://schemas.openxmlformats.org/presentationml/2006/main" xmlns:c="http://schemas.openxmlformats.org/drawingml/2006/chart" xmlns:dgm="http://schemas.openxmlformats.org/drawingml/2006/diagram" xmlns:o="urn:schemas-microsoft-com:office:office" xmlns:v="urn:schemas-microsoft-com:vml" xmlns:pvml="urn:schemas-microsoft-com:office:powerpoint" xmlns:com="http://schemas.openxmlformats.org/drawingml/2006/compatibility" xmlns:p14="http://schemas.microsoft.com/office/powerpoint/2010/main" xmlns:p15="http://schemas.microsoft.com/office/powerpoint/2012/main">
+<p:sld xmlns:a="http://schemas.openxmlformats.org/drawingml/2006/main" xmlns:r="http://schemas.openxmlformats.org/officeDocument/2006/relationships" xmlns:p="http://schemas.openxmlformats.org/presentationml/2006/main">
   <p:cSld>
     <p:spTree>
       <p:nvGrpSpPr>
-        <p:cNvPr id="66" name="Shape 66"/>
+        <p:cNvPr id="1" name="Shape 66"/>
         <p:cNvGrpSpPr/>
         <p:nvPr/>
       </p:nvGrpSpPr>
@@ -9374,7 +9592,9 @@
       <p:sp>
         <p:nvSpPr>
           <p:cNvPr id="67" name="Google Shape;67;p13"/>
-          <p:cNvSpPr txBox="1"/>
+          <p:cNvSpPr txBox="1">
+            <a:spLocks noGrp="1"/>
+          </p:cNvSpPr>
           <p:nvPr>
             <p:ph type="ctrTitle"/>
           </p:nvPr>
@@ -9389,12 +9609,12 @@
           </a:prstGeom>
         </p:spPr>
         <p:txBody>
-          <a:bodyPr anchorCtr="0" anchor="b" bIns="91425" lIns="91425" spcFirstLastPara="1" rIns="91425" wrap="square" tIns="91425">
+          <a:bodyPr spcFirstLastPara="1" wrap="square" lIns="91425" tIns="91425" rIns="91425" bIns="91425" anchor="b" anchorCtr="0">
             <a:noAutofit/>
           </a:bodyPr>
           <a:lstStyle/>
           <a:p>
-            <a:pPr indent="0" lvl="0" marL="0" rtl="0" algn="l">
+            <a:pPr marL="0" lvl="0" indent="0" algn="l" rtl="0">
               <a:spcBef>
                 <a:spcPts val="0"/>
               </a:spcBef>
@@ -9414,9 +9634,11 @@
       <p:sp>
         <p:nvSpPr>
           <p:cNvPr id="68" name="Google Shape;68;p13"/>
-          <p:cNvSpPr txBox="1"/>
+          <p:cNvSpPr txBox="1">
+            <a:spLocks noGrp="1"/>
+          </p:cNvSpPr>
           <p:nvPr>
-            <p:ph idx="1" type="subTitle"/>
+            <p:ph type="subTitle" idx="1"/>
           </p:nvPr>
         </p:nvSpPr>
         <p:spPr>
@@ -9429,12 +9651,12 @@
           </a:prstGeom>
         </p:spPr>
         <p:txBody>
-          <a:bodyPr anchorCtr="0" anchor="t" bIns="91425" lIns="91425" spcFirstLastPara="1" rIns="91425" wrap="square" tIns="91425">
+          <a:bodyPr spcFirstLastPara="1" wrap="square" lIns="91425" tIns="91425" rIns="91425" bIns="91425" anchor="t" anchorCtr="0">
             <a:noAutofit/>
           </a:bodyPr>
           <a:lstStyle/>
           <a:p>
-            <a:pPr indent="0" lvl="0" marL="0" rtl="0" algn="l">
+            <a:pPr marL="0" lvl="0" indent="0" algn="l" rtl="0">
               <a:spcBef>
                 <a:spcPts val="0"/>
               </a:spcBef>
@@ -9456,15 +9678,22 @@
   <p:clrMapOvr>
     <a:masterClrMapping/>
   </p:clrMapOvr>
+  <p:timing>
+    <p:tnLst>
+      <p:par>
+        <p:cTn id="1" dur="indefinite" restart="never" nodeType="tmRoot"/>
+      </p:par>
+    </p:tnLst>
+  </p:timing>
 </p:sld>
 </file>
 
 <file path=ppt/slides/slide10.xml><?xml version="1.0" encoding="utf-8"?>
-<p:sld xmlns:a="http://schemas.openxmlformats.org/drawingml/2006/main" xmlns:r="http://schemas.openxmlformats.org/officeDocument/2006/relationships" xmlns:mc="http://schemas.openxmlformats.org/markup-compatibility/2006" xmlns:mv="urn:schemas-microsoft-com:mac:vml" xmlns:p="http://schemas.openxmlformats.org/presentationml/2006/main" xmlns:c="http://schemas.openxmlformats.org/drawingml/2006/chart" xmlns:dgm="http://schemas.openxmlformats.org/drawingml/2006/diagram" xmlns:o="urn:schemas-microsoft-com:office:office" xmlns:v="urn:schemas-microsoft-com:vml" xmlns:pvml="urn:schemas-microsoft-com:office:powerpoint" xmlns:com="http://schemas.openxmlformats.org/drawingml/2006/compatibility" xmlns:p14="http://schemas.microsoft.com/office/powerpoint/2010/main" xmlns:p15="http://schemas.microsoft.com/office/powerpoint/2012/main">
+<p:sld xmlns:a="http://schemas.openxmlformats.org/drawingml/2006/main" xmlns:r="http://schemas.openxmlformats.org/officeDocument/2006/relationships" xmlns:p="http://schemas.openxmlformats.org/presentationml/2006/main">
   <p:cSld>
     <p:spTree>
       <p:nvGrpSpPr>
-        <p:cNvPr id="125" name="Shape 125"/>
+        <p:cNvPr id="1" name="Shape 125"/>
         <p:cNvGrpSpPr/>
         <p:nvPr/>
       </p:nvGrpSpPr>
@@ -9479,7 +9708,9 @@
       <p:sp>
         <p:nvSpPr>
           <p:cNvPr id="126" name="Google Shape;126;p22"/>
-          <p:cNvSpPr txBox="1"/>
+          <p:cNvSpPr txBox="1">
+            <a:spLocks noGrp="1"/>
+          </p:cNvSpPr>
           <p:nvPr>
             <p:ph type="title"/>
           </p:nvPr>
@@ -9494,12 +9725,12 @@
           </a:prstGeom>
         </p:spPr>
         <p:txBody>
-          <a:bodyPr anchorCtr="0" anchor="b" bIns="91425" lIns="91425" spcFirstLastPara="1" rIns="91425" wrap="square" tIns="91425">
+          <a:bodyPr spcFirstLastPara="1" wrap="square" lIns="91425" tIns="91425" rIns="91425" bIns="91425" anchor="b" anchorCtr="0">
             <a:noAutofit/>
           </a:bodyPr>
           <a:lstStyle/>
           <a:p>
-            <a:pPr indent="0" lvl="0" marL="0" rtl="0" algn="l">
+            <a:pPr marL="0" lvl="0" indent="0" algn="l" rtl="0">
               <a:spcBef>
                 <a:spcPts val="0"/>
               </a:spcBef>
@@ -9519,9 +9750,11 @@
       <p:sp>
         <p:nvSpPr>
           <p:cNvPr id="127" name="Google Shape;127;p22"/>
-          <p:cNvSpPr txBox="1"/>
+          <p:cNvSpPr txBox="1">
+            <a:spLocks noGrp="1"/>
+          </p:cNvSpPr>
           <p:nvPr>
-            <p:ph idx="1" type="body"/>
+            <p:ph type="body" idx="1"/>
           </p:nvPr>
         </p:nvSpPr>
         <p:spPr>
@@ -9534,12 +9767,12 @@
           </a:prstGeom>
         </p:spPr>
         <p:txBody>
-          <a:bodyPr anchorCtr="0" anchor="t" bIns="91425" lIns="91425" spcFirstLastPara="1" rIns="91425" wrap="square" tIns="91425">
+          <a:bodyPr spcFirstLastPara="1" wrap="square" lIns="91425" tIns="91425" rIns="91425" bIns="91425" anchor="t" anchorCtr="0">
             <a:noAutofit/>
           </a:bodyPr>
           <a:lstStyle/>
           <a:p>
-            <a:pPr indent="0" lvl="0" marL="0" rtl="0" algn="l">
+            <a:pPr marL="0" lvl="0" indent="0" algn="l" rtl="0">
               <a:spcBef>
                 <a:spcPts val="0"/>
               </a:spcBef>
@@ -9548,9 +9781,6 @@
               </a:spcAft>
               <a:buNone/>
             </a:pPr>
-            <a:r>
-              <a:t/>
-            </a:r>
             <a:endParaRPr/>
           </a:p>
         </p:txBody>
@@ -9588,15 +9818,22 @@
   <p:clrMapOvr>
     <a:masterClrMapping/>
   </p:clrMapOvr>
+  <p:timing>
+    <p:tnLst>
+      <p:par>
+        <p:cTn id="1" dur="indefinite" restart="never" nodeType="tmRoot"/>
+      </p:par>
+    </p:tnLst>
+  </p:timing>
 </p:sld>
 </file>
 
 <file path=ppt/slides/slide11.xml><?xml version="1.0" encoding="utf-8"?>
-<p:sld xmlns:a="http://schemas.openxmlformats.org/drawingml/2006/main" xmlns:r="http://schemas.openxmlformats.org/officeDocument/2006/relationships" xmlns:mc="http://schemas.openxmlformats.org/markup-compatibility/2006" xmlns:mv="urn:schemas-microsoft-com:mac:vml" xmlns:p="http://schemas.openxmlformats.org/presentationml/2006/main" xmlns:c="http://schemas.openxmlformats.org/drawingml/2006/chart" xmlns:dgm="http://schemas.openxmlformats.org/drawingml/2006/diagram" xmlns:o="urn:schemas-microsoft-com:office:office" xmlns:v="urn:schemas-microsoft-com:vml" xmlns:pvml="urn:schemas-microsoft-com:office:powerpoint" xmlns:com="http://schemas.openxmlformats.org/drawingml/2006/compatibility" xmlns:p14="http://schemas.microsoft.com/office/powerpoint/2010/main" xmlns:p15="http://schemas.microsoft.com/office/powerpoint/2012/main">
+<p:sld xmlns:a="http://schemas.openxmlformats.org/drawingml/2006/main" xmlns:r="http://schemas.openxmlformats.org/officeDocument/2006/relationships" xmlns:p="http://schemas.openxmlformats.org/presentationml/2006/main">
   <p:cSld>
     <p:spTree>
       <p:nvGrpSpPr>
-        <p:cNvPr id="132" name="Shape 132"/>
+        <p:cNvPr id="1" name="Shape 132"/>
         <p:cNvGrpSpPr/>
         <p:nvPr/>
       </p:nvGrpSpPr>
@@ -9611,7 +9848,9 @@
       <p:sp>
         <p:nvSpPr>
           <p:cNvPr id="133" name="Google Shape;133;p23"/>
-          <p:cNvSpPr txBox="1"/>
+          <p:cNvSpPr txBox="1">
+            <a:spLocks noGrp="1"/>
+          </p:cNvSpPr>
           <p:nvPr>
             <p:ph type="title"/>
           </p:nvPr>
@@ -9626,12 +9865,12 @@
           </a:prstGeom>
         </p:spPr>
         <p:txBody>
-          <a:bodyPr anchorCtr="0" anchor="b" bIns="91425" lIns="91425" spcFirstLastPara="1" rIns="91425" wrap="square" tIns="91425">
+          <a:bodyPr spcFirstLastPara="1" wrap="square" lIns="91425" tIns="91425" rIns="91425" bIns="91425" anchor="b" anchorCtr="0">
             <a:noAutofit/>
           </a:bodyPr>
           <a:lstStyle/>
           <a:p>
-            <a:pPr indent="0" lvl="0" marL="0" rtl="0" algn="l">
+            <a:pPr marL="0" lvl="0" indent="0" algn="l" rtl="0">
               <a:spcBef>
                 <a:spcPts val="0"/>
               </a:spcBef>
@@ -9651,9 +9890,11 @@
       <p:sp>
         <p:nvSpPr>
           <p:cNvPr id="134" name="Google Shape;134;p23"/>
-          <p:cNvSpPr txBox="1"/>
+          <p:cNvSpPr txBox="1">
+            <a:spLocks noGrp="1"/>
+          </p:cNvSpPr>
           <p:nvPr>
-            <p:ph idx="1" type="body"/>
+            <p:ph type="body" idx="1"/>
           </p:nvPr>
         </p:nvSpPr>
         <p:spPr>
@@ -9666,12 +9907,12 @@
           </a:prstGeom>
         </p:spPr>
         <p:txBody>
-          <a:bodyPr anchorCtr="0" anchor="t" bIns="91425" lIns="91425" spcFirstLastPara="1" rIns="91425" wrap="square" tIns="91425">
+          <a:bodyPr spcFirstLastPara="1" wrap="square" lIns="91425" tIns="91425" rIns="91425" bIns="91425" anchor="t" anchorCtr="0">
             <a:noAutofit/>
           </a:bodyPr>
           <a:lstStyle/>
           <a:p>
-            <a:pPr indent="0" lvl="0" marL="0" rtl="0" algn="l">
+            <a:pPr marL="0" lvl="0" indent="0" algn="l" rtl="0">
               <a:spcBef>
                 <a:spcPts val="0"/>
               </a:spcBef>
@@ -9680,9 +9921,6 @@
               </a:spcAft>
               <a:buNone/>
             </a:pPr>
-            <a:r>
-              <a:t/>
-            </a:r>
             <a:endParaRPr/>
           </a:p>
         </p:txBody>
@@ -9720,15 +9958,22 @@
   <p:clrMapOvr>
     <a:masterClrMapping/>
   </p:clrMapOvr>
+  <p:timing>
+    <p:tnLst>
+      <p:par>
+        <p:cTn id="1" dur="indefinite" restart="never" nodeType="tmRoot"/>
+      </p:par>
+    </p:tnLst>
+  </p:timing>
 </p:sld>
 </file>
 
 <file path=ppt/slides/slide12.xml><?xml version="1.0" encoding="utf-8"?>
-<p:sld xmlns:a="http://schemas.openxmlformats.org/drawingml/2006/main" xmlns:r="http://schemas.openxmlformats.org/officeDocument/2006/relationships" xmlns:mc="http://schemas.openxmlformats.org/markup-compatibility/2006" xmlns:mv="urn:schemas-microsoft-com:mac:vml" xmlns:p="http://schemas.openxmlformats.org/presentationml/2006/main" xmlns:c="http://schemas.openxmlformats.org/drawingml/2006/chart" xmlns:dgm="http://schemas.openxmlformats.org/drawingml/2006/diagram" xmlns:o="urn:schemas-microsoft-com:office:office" xmlns:v="urn:schemas-microsoft-com:vml" xmlns:pvml="urn:schemas-microsoft-com:office:powerpoint" xmlns:com="http://schemas.openxmlformats.org/drawingml/2006/compatibility" xmlns:p14="http://schemas.microsoft.com/office/powerpoint/2010/main" xmlns:p15="http://schemas.microsoft.com/office/powerpoint/2012/main">
+<p:sld xmlns:a="http://schemas.openxmlformats.org/drawingml/2006/main" xmlns:r="http://schemas.openxmlformats.org/officeDocument/2006/relationships" xmlns:p="http://schemas.openxmlformats.org/presentationml/2006/main">
   <p:cSld>
     <p:spTree>
       <p:nvGrpSpPr>
-        <p:cNvPr id="139" name="Shape 139"/>
+        <p:cNvPr id="1" name="Shape 139"/>
         <p:cNvGrpSpPr/>
         <p:nvPr/>
       </p:nvGrpSpPr>
@@ -9743,7 +9988,9 @@
       <p:sp>
         <p:nvSpPr>
           <p:cNvPr id="140" name="Google Shape;140;p24"/>
-          <p:cNvSpPr txBox="1"/>
+          <p:cNvSpPr txBox="1">
+            <a:spLocks noGrp="1"/>
+          </p:cNvSpPr>
           <p:nvPr>
             <p:ph type="title"/>
           </p:nvPr>
@@ -9758,12 +10005,12 @@
           </a:prstGeom>
         </p:spPr>
         <p:txBody>
-          <a:bodyPr anchorCtr="0" anchor="b" bIns="91425" lIns="91425" spcFirstLastPara="1" rIns="91425" wrap="square" tIns="91425">
+          <a:bodyPr spcFirstLastPara="1" wrap="square" lIns="91425" tIns="91425" rIns="91425" bIns="91425" anchor="b" anchorCtr="0">
             <a:noAutofit/>
           </a:bodyPr>
           <a:lstStyle/>
           <a:p>
-            <a:pPr indent="0" lvl="0" marL="0" rtl="0" algn="l">
+            <a:pPr marL="0" lvl="0" indent="0" algn="l" rtl="0">
               <a:spcBef>
                 <a:spcPts val="0"/>
               </a:spcBef>
@@ -9783,9 +10030,11 @@
       <p:sp>
         <p:nvSpPr>
           <p:cNvPr id="141" name="Google Shape;141;p24"/>
-          <p:cNvSpPr txBox="1"/>
+          <p:cNvSpPr txBox="1">
+            <a:spLocks noGrp="1"/>
+          </p:cNvSpPr>
           <p:nvPr>
-            <p:ph idx="1" type="body"/>
+            <p:ph type="body" idx="1"/>
           </p:nvPr>
         </p:nvSpPr>
         <p:spPr>
@@ -9798,12 +10047,12 @@
           </a:prstGeom>
         </p:spPr>
         <p:txBody>
-          <a:bodyPr anchorCtr="0" anchor="t" bIns="91425" lIns="91425" spcFirstLastPara="1" rIns="91425" wrap="square" tIns="91425">
+          <a:bodyPr spcFirstLastPara="1" wrap="square" lIns="91425" tIns="91425" rIns="91425" bIns="91425" anchor="t" anchorCtr="0">
             <a:noAutofit/>
           </a:bodyPr>
           <a:lstStyle/>
           <a:p>
-            <a:pPr indent="0" lvl="0" marL="0" rtl="0" algn="l">
+            <a:pPr marL="0" lvl="0" indent="0" algn="l" rtl="0">
               <a:spcBef>
                 <a:spcPts val="0"/>
               </a:spcBef>
@@ -9812,9 +10061,6 @@
               </a:spcAft>
               <a:buNone/>
             </a:pPr>
-            <a:r>
-              <a:t/>
-            </a:r>
             <a:endParaRPr/>
           </a:p>
         </p:txBody>
@@ -9852,15 +10098,22 @@
   <p:clrMapOvr>
     <a:masterClrMapping/>
   </p:clrMapOvr>
+  <p:timing>
+    <p:tnLst>
+      <p:par>
+        <p:cTn id="1" dur="indefinite" restart="never" nodeType="tmRoot"/>
+      </p:par>
+    </p:tnLst>
+  </p:timing>
 </p:sld>
 </file>
 
 <file path=ppt/slides/slide13.xml><?xml version="1.0" encoding="utf-8"?>
-<p:sld xmlns:a="http://schemas.openxmlformats.org/drawingml/2006/main" xmlns:r="http://schemas.openxmlformats.org/officeDocument/2006/relationships" xmlns:mc="http://schemas.openxmlformats.org/markup-compatibility/2006" xmlns:mv="urn:schemas-microsoft-com:mac:vml" xmlns:p="http://schemas.openxmlformats.org/presentationml/2006/main" xmlns:c="http://schemas.openxmlformats.org/drawingml/2006/chart" xmlns:dgm="http://schemas.openxmlformats.org/drawingml/2006/diagram" xmlns:o="urn:schemas-microsoft-com:office:office" xmlns:v="urn:schemas-microsoft-com:vml" xmlns:pvml="urn:schemas-microsoft-com:office:powerpoint" xmlns:com="http://schemas.openxmlformats.org/drawingml/2006/compatibility" xmlns:p14="http://schemas.microsoft.com/office/powerpoint/2010/main" xmlns:p15="http://schemas.microsoft.com/office/powerpoint/2012/main">
+<p:sld xmlns:a="http://schemas.openxmlformats.org/drawingml/2006/main" xmlns:r="http://schemas.openxmlformats.org/officeDocument/2006/relationships" xmlns:p="http://schemas.openxmlformats.org/presentationml/2006/main">
   <p:cSld>
     <p:spTree>
       <p:nvGrpSpPr>
-        <p:cNvPr id="146" name="Shape 146"/>
+        <p:cNvPr id="1" name="Shape 146"/>
         <p:cNvGrpSpPr/>
         <p:nvPr/>
       </p:nvGrpSpPr>
@@ -9875,7 +10128,9 @@
       <p:sp>
         <p:nvSpPr>
           <p:cNvPr id="147" name="Google Shape;147;p25"/>
-          <p:cNvSpPr txBox="1"/>
+          <p:cNvSpPr txBox="1">
+            <a:spLocks noGrp="1"/>
+          </p:cNvSpPr>
           <p:nvPr>
             <p:ph type="title"/>
           </p:nvPr>
@@ -9890,12 +10145,12 @@
           </a:prstGeom>
         </p:spPr>
         <p:txBody>
-          <a:bodyPr anchorCtr="0" anchor="b" bIns="91425" lIns="91425" spcFirstLastPara="1" rIns="91425" wrap="square" tIns="91425">
+          <a:bodyPr spcFirstLastPara="1" wrap="square" lIns="91425" tIns="91425" rIns="91425" bIns="91425" anchor="b" anchorCtr="0">
             <a:noAutofit/>
           </a:bodyPr>
           <a:lstStyle/>
           <a:p>
-            <a:pPr indent="0" lvl="0" marL="0" rtl="0" algn="l">
+            <a:pPr marL="0" lvl="0" indent="0" algn="l" rtl="0">
               <a:spcBef>
                 <a:spcPts val="0"/>
               </a:spcBef>
@@ -9915,9 +10170,11 @@
       <p:sp>
         <p:nvSpPr>
           <p:cNvPr id="148" name="Google Shape;148;p25"/>
-          <p:cNvSpPr txBox="1"/>
+          <p:cNvSpPr txBox="1">
+            <a:spLocks noGrp="1"/>
+          </p:cNvSpPr>
           <p:nvPr>
-            <p:ph idx="1" type="body"/>
+            <p:ph type="body" idx="1"/>
           </p:nvPr>
         </p:nvSpPr>
         <p:spPr>
@@ -9930,12 +10187,12 @@
           </a:prstGeom>
         </p:spPr>
         <p:txBody>
-          <a:bodyPr anchorCtr="0" anchor="t" bIns="91425" lIns="91425" spcFirstLastPara="1" rIns="91425" wrap="square" tIns="91425">
+          <a:bodyPr spcFirstLastPara="1" wrap="square" lIns="91425" tIns="91425" rIns="91425" bIns="91425" anchor="t" anchorCtr="0">
             <a:noAutofit/>
           </a:bodyPr>
           <a:lstStyle/>
           <a:p>
-            <a:pPr indent="0" lvl="0" marL="0" rtl="0" algn="l">
+            <a:pPr marL="0" lvl="0" indent="0" algn="l" rtl="0">
               <a:spcBef>
                 <a:spcPts val="0"/>
               </a:spcBef>
@@ -9944,9 +10201,6 @@
               </a:spcAft>
               <a:buNone/>
             </a:pPr>
-            <a:r>
-              <a:t/>
-            </a:r>
             <a:endParaRPr/>
           </a:p>
         </p:txBody>
@@ -9984,15 +10238,22 @@
   <p:clrMapOvr>
     <a:masterClrMapping/>
   </p:clrMapOvr>
+  <p:timing>
+    <p:tnLst>
+      <p:par>
+        <p:cTn id="1" dur="indefinite" restart="never" nodeType="tmRoot"/>
+      </p:par>
+    </p:tnLst>
+  </p:timing>
 </p:sld>
 </file>
 
 <file path=ppt/slides/slide14.xml><?xml version="1.0" encoding="utf-8"?>
-<p:sld xmlns:a="http://schemas.openxmlformats.org/drawingml/2006/main" xmlns:r="http://schemas.openxmlformats.org/officeDocument/2006/relationships" xmlns:mc="http://schemas.openxmlformats.org/markup-compatibility/2006" xmlns:mv="urn:schemas-microsoft-com:mac:vml" xmlns:p="http://schemas.openxmlformats.org/presentationml/2006/main" xmlns:c="http://schemas.openxmlformats.org/drawingml/2006/chart" xmlns:dgm="http://schemas.openxmlformats.org/drawingml/2006/diagram" xmlns:o="urn:schemas-microsoft-com:office:office" xmlns:v="urn:schemas-microsoft-com:vml" xmlns:pvml="urn:schemas-microsoft-com:office:powerpoint" xmlns:com="http://schemas.openxmlformats.org/drawingml/2006/compatibility" xmlns:p14="http://schemas.microsoft.com/office/powerpoint/2010/main" xmlns:p15="http://schemas.microsoft.com/office/powerpoint/2012/main">
+<p:sld xmlns:a="http://schemas.openxmlformats.org/drawingml/2006/main" xmlns:r="http://schemas.openxmlformats.org/officeDocument/2006/relationships" xmlns:p="http://schemas.openxmlformats.org/presentationml/2006/main">
   <p:cSld>
     <p:spTree>
       <p:nvGrpSpPr>
-        <p:cNvPr id="153" name="Shape 153"/>
+        <p:cNvPr id="1" name="Shape 153"/>
         <p:cNvGrpSpPr/>
         <p:nvPr/>
       </p:nvGrpSpPr>
@@ -10007,7 +10268,9 @@
       <p:sp>
         <p:nvSpPr>
           <p:cNvPr id="154" name="Google Shape;154;p26"/>
-          <p:cNvSpPr txBox="1"/>
+          <p:cNvSpPr txBox="1">
+            <a:spLocks noGrp="1"/>
+          </p:cNvSpPr>
           <p:nvPr>
             <p:ph type="title"/>
           </p:nvPr>
@@ -10022,12 +10285,12 @@
           </a:prstGeom>
         </p:spPr>
         <p:txBody>
-          <a:bodyPr anchorCtr="0" anchor="b" bIns="91425" lIns="91425" spcFirstLastPara="1" rIns="91425" wrap="square" tIns="91425">
+          <a:bodyPr spcFirstLastPara="1" wrap="square" lIns="91425" tIns="91425" rIns="91425" bIns="91425" anchor="b" anchorCtr="0">
             <a:noAutofit/>
           </a:bodyPr>
           <a:lstStyle/>
           <a:p>
-            <a:pPr indent="0" lvl="0" marL="0" rtl="0" algn="l">
+            <a:pPr marL="0" lvl="0" indent="0" algn="l" rtl="0">
               <a:spcBef>
                 <a:spcPts val="0"/>
               </a:spcBef>
@@ -10047,9 +10310,11 @@
       <p:sp>
         <p:nvSpPr>
           <p:cNvPr id="155" name="Google Shape;155;p26"/>
-          <p:cNvSpPr txBox="1"/>
+          <p:cNvSpPr txBox="1">
+            <a:spLocks noGrp="1"/>
+          </p:cNvSpPr>
           <p:nvPr>
-            <p:ph idx="1" type="body"/>
+            <p:ph type="body" idx="1"/>
           </p:nvPr>
         </p:nvSpPr>
         <p:spPr>
@@ -10062,12 +10327,12 @@
           </a:prstGeom>
         </p:spPr>
         <p:txBody>
-          <a:bodyPr anchorCtr="0" anchor="t" bIns="91425" lIns="91425" spcFirstLastPara="1" rIns="91425" wrap="square" tIns="91425">
+          <a:bodyPr spcFirstLastPara="1" wrap="square" lIns="91425" tIns="91425" rIns="91425" bIns="91425" anchor="t" anchorCtr="0">
             <a:noAutofit/>
           </a:bodyPr>
           <a:lstStyle/>
           <a:p>
-            <a:pPr indent="0" lvl="0" marL="0" rtl="0" algn="l">
+            <a:pPr marL="0" lvl="0" indent="0" algn="l" rtl="0">
               <a:spcBef>
                 <a:spcPts val="0"/>
               </a:spcBef>
@@ -10076,9 +10341,6 @@
               </a:spcAft>
               <a:buNone/>
             </a:pPr>
-            <a:r>
-              <a:t/>
-            </a:r>
             <a:endParaRPr/>
           </a:p>
         </p:txBody>
@@ -10116,15 +10378,22 @@
   <p:clrMapOvr>
     <a:masterClrMapping/>
   </p:clrMapOvr>
+  <p:timing>
+    <p:tnLst>
+      <p:par>
+        <p:cTn id="1" dur="indefinite" restart="never" nodeType="tmRoot"/>
+      </p:par>
+    </p:tnLst>
+  </p:timing>
 </p:sld>
 </file>
 
 <file path=ppt/slides/slide15.xml><?xml version="1.0" encoding="utf-8"?>
-<p:sld xmlns:a="http://schemas.openxmlformats.org/drawingml/2006/main" xmlns:r="http://schemas.openxmlformats.org/officeDocument/2006/relationships" xmlns:mc="http://schemas.openxmlformats.org/markup-compatibility/2006" xmlns:mv="urn:schemas-microsoft-com:mac:vml" xmlns:p="http://schemas.openxmlformats.org/presentationml/2006/main" xmlns:c="http://schemas.openxmlformats.org/drawingml/2006/chart" xmlns:dgm="http://schemas.openxmlformats.org/drawingml/2006/diagram" xmlns:o="urn:schemas-microsoft-com:office:office" xmlns:v="urn:schemas-microsoft-com:vml" xmlns:pvml="urn:schemas-microsoft-com:office:powerpoint" xmlns:com="http://schemas.openxmlformats.org/drawingml/2006/compatibility" xmlns:p14="http://schemas.microsoft.com/office/powerpoint/2010/main" xmlns:p15="http://schemas.microsoft.com/office/powerpoint/2012/main">
+<p:sld xmlns:a="http://schemas.openxmlformats.org/drawingml/2006/main" xmlns:r="http://schemas.openxmlformats.org/officeDocument/2006/relationships" xmlns:p="http://schemas.openxmlformats.org/presentationml/2006/main">
   <p:cSld>
     <p:spTree>
       <p:nvGrpSpPr>
-        <p:cNvPr id="160" name="Shape 160"/>
+        <p:cNvPr id="1" name="Shape 160"/>
         <p:cNvGrpSpPr/>
         <p:nvPr/>
       </p:nvGrpSpPr>
@@ -10139,7 +10408,9 @@
       <p:sp>
         <p:nvSpPr>
           <p:cNvPr id="161" name="Google Shape;161;p27"/>
-          <p:cNvSpPr txBox="1"/>
+          <p:cNvSpPr txBox="1">
+            <a:spLocks noGrp="1"/>
+          </p:cNvSpPr>
           <p:nvPr>
             <p:ph type="title"/>
           </p:nvPr>
@@ -10154,12 +10425,12 @@
           </a:prstGeom>
         </p:spPr>
         <p:txBody>
-          <a:bodyPr anchorCtr="0" anchor="b" bIns="91425" lIns="91425" spcFirstLastPara="1" rIns="91425" wrap="square" tIns="91425">
+          <a:bodyPr spcFirstLastPara="1" wrap="square" lIns="91425" tIns="91425" rIns="91425" bIns="91425" anchor="b" anchorCtr="0">
             <a:noAutofit/>
           </a:bodyPr>
           <a:lstStyle/>
           <a:p>
-            <a:pPr indent="0" lvl="0" marL="0" rtl="0" algn="l">
+            <a:pPr marL="0" lvl="0" indent="0" algn="l" rtl="0">
               <a:spcBef>
                 <a:spcPts val="0"/>
               </a:spcBef>
@@ -10179,9 +10450,11 @@
       <p:sp>
         <p:nvSpPr>
           <p:cNvPr id="162" name="Google Shape;162;p27"/>
-          <p:cNvSpPr txBox="1"/>
+          <p:cNvSpPr txBox="1">
+            <a:spLocks noGrp="1"/>
+          </p:cNvSpPr>
           <p:nvPr>
-            <p:ph idx="1" type="body"/>
+            <p:ph type="body" idx="1"/>
           </p:nvPr>
         </p:nvSpPr>
         <p:spPr>
@@ -10194,12 +10467,12 @@
           </a:prstGeom>
         </p:spPr>
         <p:txBody>
-          <a:bodyPr anchorCtr="0" anchor="t" bIns="91425" lIns="91425" spcFirstLastPara="1" rIns="91425" wrap="square" tIns="91425">
+          <a:bodyPr spcFirstLastPara="1" wrap="square" lIns="91425" tIns="91425" rIns="91425" bIns="91425" anchor="t" anchorCtr="0">
             <a:noAutofit/>
           </a:bodyPr>
           <a:lstStyle/>
           <a:p>
-            <a:pPr indent="0" lvl="0" marL="0" rtl="0" algn="l">
+            <a:pPr marL="0" lvl="0" indent="0" algn="l" rtl="0">
               <a:spcBef>
                 <a:spcPts val="0"/>
               </a:spcBef>
@@ -10208,9 +10481,6 @@
               </a:spcAft>
               <a:buNone/>
             </a:pPr>
-            <a:r>
-              <a:t/>
-            </a:r>
             <a:endParaRPr/>
           </a:p>
         </p:txBody>
@@ -10248,15 +10518,22 @@
   <p:clrMapOvr>
     <a:masterClrMapping/>
   </p:clrMapOvr>
+  <p:timing>
+    <p:tnLst>
+      <p:par>
+        <p:cTn id="1" dur="indefinite" restart="never" nodeType="tmRoot"/>
+      </p:par>
+    </p:tnLst>
+  </p:timing>
 </p:sld>
 </file>
 
 <file path=ppt/slides/slide16.xml><?xml version="1.0" encoding="utf-8"?>
-<p:sld xmlns:a="http://schemas.openxmlformats.org/drawingml/2006/main" xmlns:r="http://schemas.openxmlformats.org/officeDocument/2006/relationships" xmlns:mc="http://schemas.openxmlformats.org/markup-compatibility/2006" xmlns:mv="urn:schemas-microsoft-com:mac:vml" xmlns:p="http://schemas.openxmlformats.org/presentationml/2006/main" xmlns:c="http://schemas.openxmlformats.org/drawingml/2006/chart" xmlns:dgm="http://schemas.openxmlformats.org/drawingml/2006/diagram" xmlns:o="urn:schemas-microsoft-com:office:office" xmlns:v="urn:schemas-microsoft-com:vml" xmlns:pvml="urn:schemas-microsoft-com:office:powerpoint" xmlns:com="http://schemas.openxmlformats.org/drawingml/2006/compatibility" xmlns:p14="http://schemas.microsoft.com/office/powerpoint/2010/main" xmlns:p15="http://schemas.microsoft.com/office/powerpoint/2012/main">
+<p:sld xmlns:a="http://schemas.openxmlformats.org/drawingml/2006/main" xmlns:r="http://schemas.openxmlformats.org/officeDocument/2006/relationships" xmlns:p="http://schemas.openxmlformats.org/presentationml/2006/main">
   <p:cSld>
     <p:spTree>
       <p:nvGrpSpPr>
-        <p:cNvPr id="167" name="Shape 167"/>
+        <p:cNvPr id="1" name="Shape 167"/>
         <p:cNvGrpSpPr/>
         <p:nvPr/>
       </p:nvGrpSpPr>
@@ -10271,7 +10548,9 @@
       <p:sp>
         <p:nvSpPr>
           <p:cNvPr id="168" name="Google Shape;168;p28"/>
-          <p:cNvSpPr txBox="1"/>
+          <p:cNvSpPr txBox="1">
+            <a:spLocks noGrp="1"/>
+          </p:cNvSpPr>
           <p:nvPr>
             <p:ph type="title"/>
           </p:nvPr>
@@ -10286,12 +10565,12 @@
           </a:prstGeom>
         </p:spPr>
         <p:txBody>
-          <a:bodyPr anchorCtr="0" anchor="b" bIns="91425" lIns="91425" spcFirstLastPara="1" rIns="91425" wrap="square" tIns="91425">
+          <a:bodyPr spcFirstLastPara="1" wrap="square" lIns="91425" tIns="91425" rIns="91425" bIns="91425" anchor="b" anchorCtr="0">
             <a:noAutofit/>
           </a:bodyPr>
           <a:lstStyle/>
           <a:p>
-            <a:pPr indent="0" lvl="0" marL="0" rtl="0" algn="l">
+            <a:pPr marL="0" lvl="0" indent="0" algn="l" rtl="0">
               <a:spcBef>
                 <a:spcPts val="0"/>
               </a:spcBef>
@@ -10311,9 +10590,11 @@
       <p:sp>
         <p:nvSpPr>
           <p:cNvPr id="169" name="Google Shape;169;p28"/>
-          <p:cNvSpPr txBox="1"/>
+          <p:cNvSpPr txBox="1">
+            <a:spLocks noGrp="1"/>
+          </p:cNvSpPr>
           <p:nvPr>
-            <p:ph idx="1" type="body"/>
+            <p:ph type="body" idx="1"/>
           </p:nvPr>
         </p:nvSpPr>
         <p:spPr>
@@ -10326,12 +10607,12 @@
           </a:prstGeom>
         </p:spPr>
         <p:txBody>
-          <a:bodyPr anchorCtr="0" anchor="t" bIns="91425" lIns="91425" spcFirstLastPara="1" rIns="91425" wrap="square" tIns="91425">
+          <a:bodyPr spcFirstLastPara="1" wrap="square" lIns="91425" tIns="91425" rIns="91425" bIns="91425" anchor="t" anchorCtr="0">
             <a:noAutofit/>
           </a:bodyPr>
           <a:lstStyle/>
           <a:p>
-            <a:pPr indent="0" lvl="0" marL="0" rtl="0" algn="l">
+            <a:pPr marL="0" lvl="0" indent="0" algn="l" rtl="0">
               <a:spcBef>
                 <a:spcPts val="0"/>
               </a:spcBef>
@@ -10340,9 +10621,6 @@
               </a:spcAft>
               <a:buNone/>
             </a:pPr>
-            <a:r>
-              <a:t/>
-            </a:r>
             <a:endParaRPr/>
           </a:p>
         </p:txBody>
@@ -10380,15 +10658,22 @@
   <p:clrMapOvr>
     <a:masterClrMapping/>
   </p:clrMapOvr>
+  <p:timing>
+    <p:tnLst>
+      <p:par>
+        <p:cTn id="1" dur="indefinite" restart="never" nodeType="tmRoot"/>
+      </p:par>
+    </p:tnLst>
+  </p:timing>
 </p:sld>
 </file>
 
 <file path=ppt/slides/slide17.xml><?xml version="1.0" encoding="utf-8"?>
-<p:sld xmlns:a="http://schemas.openxmlformats.org/drawingml/2006/main" xmlns:r="http://schemas.openxmlformats.org/officeDocument/2006/relationships" xmlns:mc="http://schemas.openxmlformats.org/markup-compatibility/2006" xmlns:mv="urn:schemas-microsoft-com:mac:vml" xmlns:p="http://schemas.openxmlformats.org/presentationml/2006/main" xmlns:c="http://schemas.openxmlformats.org/drawingml/2006/chart" xmlns:dgm="http://schemas.openxmlformats.org/drawingml/2006/diagram" xmlns:o="urn:schemas-microsoft-com:office:office" xmlns:v="urn:schemas-microsoft-com:vml" xmlns:pvml="urn:schemas-microsoft-com:office:powerpoint" xmlns:com="http://schemas.openxmlformats.org/drawingml/2006/compatibility" xmlns:p14="http://schemas.microsoft.com/office/powerpoint/2010/main" xmlns:p15="http://schemas.microsoft.com/office/powerpoint/2012/main">
+<p:sld xmlns:a="http://schemas.openxmlformats.org/drawingml/2006/main" xmlns:r="http://schemas.openxmlformats.org/officeDocument/2006/relationships" xmlns:p="http://schemas.openxmlformats.org/presentationml/2006/main">
   <p:cSld>
     <p:spTree>
       <p:nvGrpSpPr>
-        <p:cNvPr id="174" name="Shape 174"/>
+        <p:cNvPr id="1" name="Shape 174"/>
         <p:cNvGrpSpPr/>
         <p:nvPr/>
       </p:nvGrpSpPr>
@@ -10403,7 +10688,9 @@
       <p:sp>
         <p:nvSpPr>
           <p:cNvPr id="175" name="Google Shape;175;p29"/>
-          <p:cNvSpPr txBox="1"/>
+          <p:cNvSpPr txBox="1">
+            <a:spLocks noGrp="1"/>
+          </p:cNvSpPr>
           <p:nvPr>
             <p:ph type="title"/>
           </p:nvPr>
@@ -10418,12 +10705,12 @@
           </a:prstGeom>
         </p:spPr>
         <p:txBody>
-          <a:bodyPr anchorCtr="0" anchor="b" bIns="91425" lIns="91425" spcFirstLastPara="1" rIns="91425" wrap="square" tIns="91425">
+          <a:bodyPr spcFirstLastPara="1" wrap="square" lIns="91425" tIns="91425" rIns="91425" bIns="91425" anchor="b" anchorCtr="0">
             <a:noAutofit/>
           </a:bodyPr>
           <a:lstStyle/>
           <a:p>
-            <a:pPr indent="0" lvl="0" marL="0" rtl="0" algn="l">
+            <a:pPr marL="0" lvl="0" indent="0" algn="l" rtl="0">
               <a:spcBef>
                 <a:spcPts val="0"/>
               </a:spcBef>
@@ -10443,9 +10730,11 @@
       <p:sp>
         <p:nvSpPr>
           <p:cNvPr id="176" name="Google Shape;176;p29"/>
-          <p:cNvSpPr txBox="1"/>
+          <p:cNvSpPr txBox="1">
+            <a:spLocks noGrp="1"/>
+          </p:cNvSpPr>
           <p:nvPr>
-            <p:ph idx="1" type="body"/>
+            <p:ph type="body" idx="1"/>
           </p:nvPr>
         </p:nvSpPr>
         <p:spPr>
@@ -10458,12 +10747,12 @@
           </a:prstGeom>
         </p:spPr>
         <p:txBody>
-          <a:bodyPr anchorCtr="0" anchor="t" bIns="91425" lIns="91425" spcFirstLastPara="1" rIns="91425" wrap="square" tIns="91425">
+          <a:bodyPr spcFirstLastPara="1" wrap="square" lIns="91425" tIns="91425" rIns="91425" bIns="91425" anchor="t" anchorCtr="0">
             <a:noAutofit/>
           </a:bodyPr>
           <a:lstStyle/>
           <a:p>
-            <a:pPr indent="0" lvl="0" marL="0" rtl="0" algn="l">
+            <a:pPr marL="0" lvl="0" indent="0" algn="l" rtl="0">
               <a:spcBef>
                 <a:spcPts val="0"/>
               </a:spcBef>
@@ -10472,9 +10761,6 @@
               </a:spcAft>
               <a:buNone/>
             </a:pPr>
-            <a:r>
-              <a:t/>
-            </a:r>
             <a:endParaRPr/>
           </a:p>
         </p:txBody>
@@ -10512,15 +10798,22 @@
   <p:clrMapOvr>
     <a:masterClrMapping/>
   </p:clrMapOvr>
+  <p:timing>
+    <p:tnLst>
+      <p:par>
+        <p:cTn id="1" dur="indefinite" restart="never" nodeType="tmRoot"/>
+      </p:par>
+    </p:tnLst>
+  </p:timing>
 </p:sld>
 </file>
 
 <file path=ppt/slides/slide18.xml><?xml version="1.0" encoding="utf-8"?>
-<p:sld xmlns:a="http://schemas.openxmlformats.org/drawingml/2006/main" xmlns:r="http://schemas.openxmlformats.org/officeDocument/2006/relationships" xmlns:mc="http://schemas.openxmlformats.org/markup-compatibility/2006" xmlns:mv="urn:schemas-microsoft-com:mac:vml" xmlns:p="http://schemas.openxmlformats.org/presentationml/2006/main" xmlns:c="http://schemas.openxmlformats.org/drawingml/2006/chart" xmlns:dgm="http://schemas.openxmlformats.org/drawingml/2006/diagram" xmlns:o="urn:schemas-microsoft-com:office:office" xmlns:v="urn:schemas-microsoft-com:vml" xmlns:pvml="urn:schemas-microsoft-com:office:powerpoint" xmlns:com="http://schemas.openxmlformats.org/drawingml/2006/compatibility" xmlns:p14="http://schemas.microsoft.com/office/powerpoint/2010/main" xmlns:p15="http://schemas.microsoft.com/office/powerpoint/2012/main">
+<p:sld xmlns:a="http://schemas.openxmlformats.org/drawingml/2006/main" xmlns:r="http://schemas.openxmlformats.org/officeDocument/2006/relationships" xmlns:p="http://schemas.openxmlformats.org/presentationml/2006/main">
   <p:cSld>
     <p:spTree>
       <p:nvGrpSpPr>
-        <p:cNvPr id="181" name="Shape 181"/>
+        <p:cNvPr id="1" name="Shape 181"/>
         <p:cNvGrpSpPr/>
         <p:nvPr/>
       </p:nvGrpSpPr>
@@ -10535,7 +10828,9 @@
       <p:sp>
         <p:nvSpPr>
           <p:cNvPr id="182" name="Google Shape;182;p30"/>
-          <p:cNvSpPr txBox="1"/>
+          <p:cNvSpPr txBox="1">
+            <a:spLocks noGrp="1"/>
+          </p:cNvSpPr>
           <p:nvPr>
             <p:ph type="title"/>
           </p:nvPr>
@@ -10550,12 +10845,12 @@
           </a:prstGeom>
         </p:spPr>
         <p:txBody>
-          <a:bodyPr anchorCtr="0" anchor="b" bIns="91425" lIns="91425" spcFirstLastPara="1" rIns="91425" wrap="square" tIns="91425">
+          <a:bodyPr spcFirstLastPara="1" wrap="square" lIns="91425" tIns="91425" rIns="91425" bIns="91425" anchor="b" anchorCtr="0">
             <a:noAutofit/>
           </a:bodyPr>
           <a:lstStyle/>
           <a:p>
-            <a:pPr indent="0" lvl="0" marL="0" rtl="0" algn="l">
+            <a:pPr marL="0" lvl="0" indent="0" algn="l" rtl="0">
               <a:spcBef>
                 <a:spcPts val="0"/>
               </a:spcBef>
@@ -10575,9 +10870,11 @@
       <p:sp>
         <p:nvSpPr>
           <p:cNvPr id="183" name="Google Shape;183;p30"/>
-          <p:cNvSpPr txBox="1"/>
+          <p:cNvSpPr txBox="1">
+            <a:spLocks noGrp="1"/>
+          </p:cNvSpPr>
           <p:nvPr>
-            <p:ph idx="1" type="body"/>
+            <p:ph type="body" idx="1"/>
           </p:nvPr>
         </p:nvSpPr>
         <p:spPr>
@@ -10590,12 +10887,12 @@
           </a:prstGeom>
         </p:spPr>
         <p:txBody>
-          <a:bodyPr anchorCtr="0" anchor="t" bIns="91425" lIns="91425" spcFirstLastPara="1" rIns="91425" wrap="square" tIns="91425">
+          <a:bodyPr spcFirstLastPara="1" wrap="square" lIns="91425" tIns="91425" rIns="91425" bIns="91425" anchor="t" anchorCtr="0">
             <a:noAutofit/>
           </a:bodyPr>
           <a:lstStyle/>
           <a:p>
-            <a:pPr indent="-342900" lvl="0" marL="457200" rtl="0" algn="l">
+            <a:pPr marL="457200" lvl="0" indent="-342900" algn="l" rtl="0">
               <a:spcBef>
                 <a:spcPts val="0"/>
               </a:spcBef>
@@ -10629,15 +10926,22 @@
   <p:clrMapOvr>
     <a:masterClrMapping/>
   </p:clrMapOvr>
+  <p:timing>
+    <p:tnLst>
+      <p:par>
+        <p:cTn id="1" dur="indefinite" restart="never" nodeType="tmRoot"/>
+      </p:par>
+    </p:tnLst>
+  </p:timing>
 </p:sld>
 </file>
 
 <file path=ppt/slides/slide19.xml><?xml version="1.0" encoding="utf-8"?>
-<p:sld xmlns:a="http://schemas.openxmlformats.org/drawingml/2006/main" xmlns:r="http://schemas.openxmlformats.org/officeDocument/2006/relationships" xmlns:mc="http://schemas.openxmlformats.org/markup-compatibility/2006" xmlns:mv="urn:schemas-microsoft-com:mac:vml" xmlns:p="http://schemas.openxmlformats.org/presentationml/2006/main" xmlns:c="http://schemas.openxmlformats.org/drawingml/2006/chart" xmlns:dgm="http://schemas.openxmlformats.org/drawingml/2006/diagram" xmlns:o="urn:schemas-microsoft-com:office:office" xmlns:v="urn:schemas-microsoft-com:vml" xmlns:pvml="urn:schemas-microsoft-com:office:powerpoint" xmlns:com="http://schemas.openxmlformats.org/drawingml/2006/compatibility" xmlns:p14="http://schemas.microsoft.com/office/powerpoint/2010/main" xmlns:p15="http://schemas.microsoft.com/office/powerpoint/2012/main">
+<p:sld xmlns:a="http://schemas.openxmlformats.org/drawingml/2006/main" xmlns:r="http://schemas.openxmlformats.org/officeDocument/2006/relationships" xmlns:p="http://schemas.openxmlformats.org/presentationml/2006/main">
   <p:cSld>
     <p:spTree>
       <p:nvGrpSpPr>
-        <p:cNvPr id="187" name="Shape 187"/>
+        <p:cNvPr id="1" name="Shape 187"/>
         <p:cNvGrpSpPr/>
         <p:nvPr/>
       </p:nvGrpSpPr>
@@ -10652,7 +10956,9 @@
       <p:sp>
         <p:nvSpPr>
           <p:cNvPr id="188" name="Google Shape;188;p31"/>
-          <p:cNvSpPr txBox="1"/>
+          <p:cNvSpPr txBox="1">
+            <a:spLocks noGrp="1"/>
+          </p:cNvSpPr>
           <p:nvPr>
             <p:ph type="title"/>
           </p:nvPr>
@@ -10667,12 +10973,12 @@
           </a:prstGeom>
         </p:spPr>
         <p:txBody>
-          <a:bodyPr anchorCtr="0" anchor="b" bIns="91425" lIns="91425" spcFirstLastPara="1" rIns="91425" wrap="square" tIns="91425">
+          <a:bodyPr spcFirstLastPara="1" wrap="square" lIns="91425" tIns="91425" rIns="91425" bIns="91425" anchor="b" anchorCtr="0">
             <a:noAutofit/>
           </a:bodyPr>
           <a:lstStyle/>
           <a:p>
-            <a:pPr indent="0" lvl="0" marL="0" rtl="0" algn="l">
+            <a:pPr marL="0" lvl="0" indent="0" algn="l" rtl="0">
               <a:spcBef>
                 <a:spcPts val="0"/>
               </a:spcBef>
@@ -10692,9 +10998,11 @@
       <p:sp>
         <p:nvSpPr>
           <p:cNvPr id="189" name="Google Shape;189;p31"/>
-          <p:cNvSpPr txBox="1"/>
+          <p:cNvSpPr txBox="1">
+            <a:spLocks noGrp="1"/>
+          </p:cNvSpPr>
           <p:nvPr>
-            <p:ph idx="1" type="body"/>
+            <p:ph type="body" idx="1"/>
           </p:nvPr>
         </p:nvSpPr>
         <p:spPr>
@@ -10707,12 +11015,12 @@
           </a:prstGeom>
         </p:spPr>
         <p:txBody>
-          <a:bodyPr anchorCtr="0" anchor="t" bIns="91425" lIns="91425" spcFirstLastPara="1" rIns="91425" wrap="square" tIns="91425">
+          <a:bodyPr spcFirstLastPara="1" wrap="square" lIns="91425" tIns="91425" rIns="91425" bIns="91425" anchor="t" anchorCtr="0">
             <a:noAutofit/>
           </a:bodyPr>
           <a:lstStyle/>
           <a:p>
-            <a:pPr indent="0" lvl="0" marL="0" rtl="0" algn="l">
+            <a:pPr marL="0" lvl="0" indent="0" algn="l" rtl="0">
               <a:spcBef>
                 <a:spcPts val="0"/>
               </a:spcBef>
@@ -10721,9 +11029,6 @@
               </a:spcAft>
               <a:buNone/>
             </a:pPr>
-            <a:r>
-              <a:t/>
-            </a:r>
             <a:endParaRPr/>
           </a:p>
         </p:txBody>
@@ -10761,15 +11066,22 @@
   <p:clrMapOvr>
     <a:masterClrMapping/>
   </p:clrMapOvr>
+  <p:timing>
+    <p:tnLst>
+      <p:par>
+        <p:cTn id="1" dur="indefinite" restart="never" nodeType="tmRoot"/>
+      </p:par>
+    </p:tnLst>
+  </p:timing>
 </p:sld>
 </file>
 
 <file path=ppt/slides/slide2.xml><?xml version="1.0" encoding="utf-8"?>
-<p:sld xmlns:a="http://schemas.openxmlformats.org/drawingml/2006/main" xmlns:r="http://schemas.openxmlformats.org/officeDocument/2006/relationships" xmlns:mc="http://schemas.openxmlformats.org/markup-compatibility/2006" xmlns:mv="urn:schemas-microsoft-com:mac:vml" xmlns:p="http://schemas.openxmlformats.org/presentationml/2006/main" xmlns:c="http://schemas.openxmlformats.org/drawingml/2006/chart" xmlns:dgm="http://schemas.openxmlformats.org/drawingml/2006/diagram" xmlns:o="urn:schemas-microsoft-com:office:office" xmlns:v="urn:schemas-microsoft-com:vml" xmlns:pvml="urn:schemas-microsoft-com:office:powerpoint" xmlns:com="http://schemas.openxmlformats.org/drawingml/2006/compatibility" xmlns:p14="http://schemas.microsoft.com/office/powerpoint/2010/main" xmlns:p15="http://schemas.microsoft.com/office/powerpoint/2012/main">
+<p:sld xmlns:a="http://schemas.openxmlformats.org/drawingml/2006/main" xmlns:r="http://schemas.openxmlformats.org/officeDocument/2006/relationships" xmlns:p="http://schemas.openxmlformats.org/presentationml/2006/main">
   <p:cSld>
     <p:spTree>
       <p:nvGrpSpPr>
-        <p:cNvPr id="72" name="Shape 72"/>
+        <p:cNvPr id="1" name="Shape 72"/>
         <p:cNvGrpSpPr/>
         <p:nvPr/>
       </p:nvGrpSpPr>
@@ -10784,7 +11096,9 @@
       <p:sp>
         <p:nvSpPr>
           <p:cNvPr id="73" name="Google Shape;73;p14"/>
-          <p:cNvSpPr txBox="1"/>
+          <p:cNvSpPr txBox="1">
+            <a:spLocks noGrp="1"/>
+          </p:cNvSpPr>
           <p:nvPr>
             <p:ph type="title"/>
           </p:nvPr>
@@ -10799,12 +11113,12 @@
           </a:prstGeom>
         </p:spPr>
         <p:txBody>
-          <a:bodyPr anchorCtr="0" anchor="b" bIns="91425" lIns="91425" spcFirstLastPara="1" rIns="91425" wrap="square" tIns="91425">
+          <a:bodyPr spcFirstLastPara="1" wrap="square" lIns="91425" tIns="91425" rIns="91425" bIns="91425" anchor="b" anchorCtr="0">
             <a:noAutofit/>
           </a:bodyPr>
           <a:lstStyle/>
           <a:p>
-            <a:pPr indent="0" lvl="0" marL="0" rtl="0" algn="l">
+            <a:pPr marL="0" lvl="0" indent="0" algn="l" rtl="0">
               <a:spcBef>
                 <a:spcPts val="0"/>
               </a:spcBef>
@@ -10824,9 +11138,11 @@
       <p:sp>
         <p:nvSpPr>
           <p:cNvPr id="74" name="Google Shape;74;p14"/>
-          <p:cNvSpPr txBox="1"/>
+          <p:cNvSpPr txBox="1">
+            <a:spLocks noGrp="1"/>
+          </p:cNvSpPr>
           <p:nvPr>
-            <p:ph idx="1" type="body"/>
+            <p:ph type="body" idx="1"/>
           </p:nvPr>
         </p:nvSpPr>
         <p:spPr>
@@ -10839,12 +11155,12 @@
           </a:prstGeom>
         </p:spPr>
         <p:txBody>
-          <a:bodyPr anchorCtr="0" anchor="t" bIns="91425" lIns="91425" spcFirstLastPara="1" rIns="91425" wrap="square" tIns="91425">
+          <a:bodyPr spcFirstLastPara="1" wrap="square" lIns="91425" tIns="91425" rIns="91425" bIns="91425" anchor="t" anchorCtr="0">
             <a:noAutofit/>
           </a:bodyPr>
           <a:lstStyle/>
           <a:p>
-            <a:pPr indent="-342900" lvl="0" marL="457200" rtl="0" algn="l">
+            <a:pPr marL="457200" lvl="0" indent="-342900" algn="l" rtl="0">
               <a:spcBef>
                 <a:spcPts val="0"/>
               </a:spcBef>
@@ -10861,7 +11177,7 @@
             <a:endParaRPr/>
           </a:p>
           <a:p>
-            <a:pPr indent="-342900" lvl="0" marL="457200" rtl="0" algn="l">
+            <a:pPr marL="457200" lvl="0" indent="-342900" algn="l" rtl="0">
               <a:spcBef>
                 <a:spcPts val="0"/>
               </a:spcBef>
@@ -10878,7 +11194,7 @@
             <a:endParaRPr/>
           </a:p>
           <a:p>
-            <a:pPr indent="-342900" lvl="0" marL="457200" rtl="0" algn="l">
+            <a:pPr marL="457200" lvl="0" indent="-342900" algn="l" rtl="0">
               <a:spcBef>
                 <a:spcPts val="0"/>
               </a:spcBef>
@@ -10895,7 +11211,7 @@
             <a:endParaRPr/>
           </a:p>
           <a:p>
-            <a:pPr indent="-342900" lvl="0" marL="457200" rtl="0" algn="l">
+            <a:pPr marL="457200" lvl="0" indent="-342900" algn="l" rtl="0">
               <a:spcBef>
                 <a:spcPts val="0"/>
               </a:spcBef>
@@ -10912,7 +11228,7 @@
             <a:endParaRPr/>
           </a:p>
           <a:p>
-            <a:pPr indent="-342900" lvl="0" marL="457200" rtl="0" algn="l">
+            <a:pPr marL="457200" lvl="0" indent="-342900" algn="l" rtl="0">
               <a:spcBef>
                 <a:spcPts val="0"/>
               </a:spcBef>
@@ -10935,15 +11251,22 @@
   <p:clrMapOvr>
     <a:masterClrMapping/>
   </p:clrMapOvr>
+  <p:timing>
+    <p:tnLst>
+      <p:par>
+        <p:cTn id="1" dur="indefinite" restart="never" nodeType="tmRoot"/>
+      </p:par>
+    </p:tnLst>
+  </p:timing>
 </p:sld>
 </file>
 
 <file path=ppt/slides/slide20.xml><?xml version="1.0" encoding="utf-8"?>
-<p:sld xmlns:a="http://schemas.openxmlformats.org/drawingml/2006/main" xmlns:r="http://schemas.openxmlformats.org/officeDocument/2006/relationships" xmlns:mc="http://schemas.openxmlformats.org/markup-compatibility/2006" xmlns:mv="urn:schemas-microsoft-com:mac:vml" xmlns:p="http://schemas.openxmlformats.org/presentationml/2006/main" xmlns:c="http://schemas.openxmlformats.org/drawingml/2006/chart" xmlns:dgm="http://schemas.openxmlformats.org/drawingml/2006/diagram" xmlns:o="urn:schemas-microsoft-com:office:office" xmlns:v="urn:schemas-microsoft-com:vml" xmlns:pvml="urn:schemas-microsoft-com:office:powerpoint" xmlns:com="http://schemas.openxmlformats.org/drawingml/2006/compatibility" xmlns:p14="http://schemas.microsoft.com/office/powerpoint/2010/main" xmlns:p15="http://schemas.microsoft.com/office/powerpoint/2012/main">
+<p:sld xmlns:a="http://schemas.openxmlformats.org/drawingml/2006/main" xmlns:r="http://schemas.openxmlformats.org/officeDocument/2006/relationships" xmlns:p="http://schemas.openxmlformats.org/presentationml/2006/main">
   <p:cSld>
     <p:spTree>
       <p:nvGrpSpPr>
-        <p:cNvPr id="194" name="Shape 194"/>
+        <p:cNvPr id="1" name="Shape 194"/>
         <p:cNvGrpSpPr/>
         <p:nvPr/>
       </p:nvGrpSpPr>
@@ -10958,7 +11281,9 @@
       <p:sp>
         <p:nvSpPr>
           <p:cNvPr id="195" name="Google Shape;195;p32"/>
-          <p:cNvSpPr txBox="1"/>
+          <p:cNvSpPr txBox="1">
+            <a:spLocks noGrp="1"/>
+          </p:cNvSpPr>
           <p:nvPr>
             <p:ph type="title"/>
           </p:nvPr>
@@ -10973,12 +11298,12 @@
           </a:prstGeom>
         </p:spPr>
         <p:txBody>
-          <a:bodyPr anchorCtr="0" anchor="b" bIns="91425" lIns="91425" spcFirstLastPara="1" rIns="91425" wrap="square" tIns="91425">
+          <a:bodyPr spcFirstLastPara="1" wrap="square" lIns="91425" tIns="91425" rIns="91425" bIns="91425" anchor="b" anchorCtr="0">
             <a:noAutofit/>
           </a:bodyPr>
           <a:lstStyle/>
           <a:p>
-            <a:pPr indent="0" lvl="0" marL="0" rtl="0" algn="l">
+            <a:pPr marL="0" lvl="0" indent="0" algn="l" rtl="0">
               <a:spcBef>
                 <a:spcPts val="0"/>
               </a:spcBef>
@@ -10998,9 +11323,11 @@
       <p:sp>
         <p:nvSpPr>
           <p:cNvPr id="196" name="Google Shape;196;p32"/>
-          <p:cNvSpPr txBox="1"/>
+          <p:cNvSpPr txBox="1">
+            <a:spLocks noGrp="1"/>
+          </p:cNvSpPr>
           <p:nvPr>
-            <p:ph idx="1" type="body"/>
+            <p:ph type="body" idx="1"/>
           </p:nvPr>
         </p:nvSpPr>
         <p:spPr>
@@ -11013,12 +11340,12 @@
           </a:prstGeom>
         </p:spPr>
         <p:txBody>
-          <a:bodyPr anchorCtr="0" anchor="t" bIns="91425" lIns="91425" spcFirstLastPara="1" rIns="91425" wrap="square" tIns="91425">
+          <a:bodyPr spcFirstLastPara="1" wrap="square" lIns="91425" tIns="91425" rIns="91425" bIns="91425" anchor="t" anchorCtr="0">
             <a:noAutofit/>
           </a:bodyPr>
           <a:lstStyle/>
           <a:p>
-            <a:pPr indent="-342900" lvl="0" marL="457200" rtl="0" algn="l">
+            <a:pPr marL="457200" lvl="0" indent="-342900" algn="l" rtl="0">
               <a:spcBef>
                 <a:spcPts val="0"/>
               </a:spcBef>
@@ -11041,15 +11368,22 @@
   <p:clrMapOvr>
     <a:masterClrMapping/>
   </p:clrMapOvr>
+  <p:timing>
+    <p:tnLst>
+      <p:par>
+        <p:cTn id="1" dur="indefinite" restart="never" nodeType="tmRoot"/>
+      </p:par>
+    </p:tnLst>
+  </p:timing>
 </p:sld>
 </file>
 
 <file path=ppt/slides/slide21.xml><?xml version="1.0" encoding="utf-8"?>
-<p:sld xmlns:a="http://schemas.openxmlformats.org/drawingml/2006/main" xmlns:r="http://schemas.openxmlformats.org/officeDocument/2006/relationships" xmlns:mc="http://schemas.openxmlformats.org/markup-compatibility/2006" xmlns:mv="urn:schemas-microsoft-com:mac:vml" xmlns:p="http://schemas.openxmlformats.org/presentationml/2006/main" xmlns:c="http://schemas.openxmlformats.org/drawingml/2006/chart" xmlns:dgm="http://schemas.openxmlformats.org/drawingml/2006/diagram" xmlns:o="urn:schemas-microsoft-com:office:office" xmlns:v="urn:schemas-microsoft-com:vml" xmlns:pvml="urn:schemas-microsoft-com:office:powerpoint" xmlns:com="http://schemas.openxmlformats.org/drawingml/2006/compatibility" xmlns:p14="http://schemas.microsoft.com/office/powerpoint/2010/main" xmlns:p15="http://schemas.microsoft.com/office/powerpoint/2012/main">
+<p:sld xmlns:a="http://schemas.openxmlformats.org/drawingml/2006/main" xmlns:r="http://schemas.openxmlformats.org/officeDocument/2006/relationships" xmlns:p="http://schemas.openxmlformats.org/presentationml/2006/main">
   <p:cSld>
     <p:spTree>
       <p:nvGrpSpPr>
-        <p:cNvPr id="200" name="Shape 200"/>
+        <p:cNvPr id="1" name="Shape 200"/>
         <p:cNvGrpSpPr/>
         <p:nvPr/>
       </p:nvGrpSpPr>
@@ -11064,7 +11398,9 @@
       <p:sp>
         <p:nvSpPr>
           <p:cNvPr id="201" name="Google Shape;201;p33"/>
-          <p:cNvSpPr txBox="1"/>
+          <p:cNvSpPr txBox="1">
+            <a:spLocks noGrp="1"/>
+          </p:cNvSpPr>
           <p:nvPr>
             <p:ph type="title"/>
           </p:nvPr>
@@ -11079,12 +11415,12 @@
           </a:prstGeom>
         </p:spPr>
         <p:txBody>
-          <a:bodyPr anchorCtr="0" anchor="b" bIns="91425" lIns="91425" spcFirstLastPara="1" rIns="91425" wrap="square" tIns="91425">
+          <a:bodyPr spcFirstLastPara="1" wrap="square" lIns="91425" tIns="91425" rIns="91425" bIns="91425" anchor="b" anchorCtr="0">
             <a:noAutofit/>
           </a:bodyPr>
           <a:lstStyle/>
           <a:p>
-            <a:pPr indent="0" lvl="0" marL="0" rtl="0" algn="l">
+            <a:pPr marL="0" lvl="0" indent="0" algn="l" rtl="0">
               <a:spcBef>
                 <a:spcPts val="0"/>
               </a:spcBef>
@@ -11104,9 +11440,11 @@
       <p:sp>
         <p:nvSpPr>
           <p:cNvPr id="202" name="Google Shape;202;p33"/>
-          <p:cNvSpPr txBox="1"/>
+          <p:cNvSpPr txBox="1">
+            <a:spLocks noGrp="1"/>
+          </p:cNvSpPr>
           <p:nvPr>
-            <p:ph idx="1" type="body"/>
+            <p:ph type="body" idx="1"/>
           </p:nvPr>
         </p:nvSpPr>
         <p:spPr>
@@ -11119,12 +11457,12 @@
           </a:prstGeom>
         </p:spPr>
         <p:txBody>
-          <a:bodyPr anchorCtr="0" anchor="t" bIns="91425" lIns="91425" spcFirstLastPara="1" rIns="91425" wrap="square" tIns="91425">
+          <a:bodyPr spcFirstLastPara="1" wrap="square" lIns="91425" tIns="91425" rIns="91425" bIns="91425" anchor="t" anchorCtr="0">
             <a:noAutofit/>
           </a:bodyPr>
           <a:lstStyle/>
           <a:p>
-            <a:pPr indent="0" lvl="0" marL="0" rtl="0" algn="l">
+            <a:pPr marL="0" lvl="0" indent="0" algn="l" rtl="0">
               <a:spcBef>
                 <a:spcPts val="0"/>
               </a:spcBef>
@@ -11133,9 +11471,6 @@
               </a:spcAft>
               <a:buNone/>
             </a:pPr>
-            <a:r>
-              <a:t/>
-            </a:r>
             <a:endParaRPr/>
           </a:p>
         </p:txBody>
@@ -11173,15 +11508,22 @@
   <p:clrMapOvr>
     <a:masterClrMapping/>
   </p:clrMapOvr>
+  <p:timing>
+    <p:tnLst>
+      <p:par>
+        <p:cTn id="1" dur="indefinite" restart="never" nodeType="tmRoot"/>
+      </p:par>
+    </p:tnLst>
+  </p:timing>
 </p:sld>
 </file>
 
 <file path=ppt/slides/slide22.xml><?xml version="1.0" encoding="utf-8"?>
-<p:sld xmlns:a="http://schemas.openxmlformats.org/drawingml/2006/main" xmlns:r="http://schemas.openxmlformats.org/officeDocument/2006/relationships" xmlns:mc="http://schemas.openxmlformats.org/markup-compatibility/2006" xmlns:mv="urn:schemas-microsoft-com:mac:vml" xmlns:p="http://schemas.openxmlformats.org/presentationml/2006/main" xmlns:c="http://schemas.openxmlformats.org/drawingml/2006/chart" xmlns:dgm="http://schemas.openxmlformats.org/drawingml/2006/diagram" xmlns:o="urn:schemas-microsoft-com:office:office" xmlns:v="urn:schemas-microsoft-com:vml" xmlns:pvml="urn:schemas-microsoft-com:office:powerpoint" xmlns:com="http://schemas.openxmlformats.org/drawingml/2006/compatibility" xmlns:p14="http://schemas.microsoft.com/office/powerpoint/2010/main" xmlns:p15="http://schemas.microsoft.com/office/powerpoint/2012/main">
+<p:sld xmlns:a="http://schemas.openxmlformats.org/drawingml/2006/main" xmlns:r="http://schemas.openxmlformats.org/officeDocument/2006/relationships" xmlns:p="http://schemas.openxmlformats.org/presentationml/2006/main">
   <p:cSld>
     <p:spTree>
       <p:nvGrpSpPr>
-        <p:cNvPr id="207" name="Shape 207"/>
+        <p:cNvPr id="1" name="Shape 207"/>
         <p:cNvGrpSpPr/>
         <p:nvPr/>
       </p:nvGrpSpPr>
@@ -11196,7 +11538,9 @@
       <p:sp>
         <p:nvSpPr>
           <p:cNvPr id="208" name="Google Shape;208;p34"/>
-          <p:cNvSpPr txBox="1"/>
+          <p:cNvSpPr txBox="1">
+            <a:spLocks noGrp="1"/>
+          </p:cNvSpPr>
           <p:nvPr>
             <p:ph type="title"/>
           </p:nvPr>
@@ -11211,12 +11555,12 @@
           </a:prstGeom>
         </p:spPr>
         <p:txBody>
-          <a:bodyPr anchorCtr="0" anchor="b" bIns="91425" lIns="91425" spcFirstLastPara="1" rIns="91425" wrap="square" tIns="91425">
+          <a:bodyPr spcFirstLastPara="1" wrap="square" lIns="91425" tIns="91425" rIns="91425" bIns="91425" anchor="b" anchorCtr="0">
             <a:noAutofit/>
           </a:bodyPr>
           <a:lstStyle/>
           <a:p>
-            <a:pPr indent="0" lvl="0" marL="0" rtl="0" algn="l">
+            <a:pPr marL="0" lvl="0" indent="0" algn="l" rtl="0">
               <a:spcBef>
                 <a:spcPts val="0"/>
               </a:spcBef>
@@ -11236,9 +11580,11 @@
       <p:sp>
         <p:nvSpPr>
           <p:cNvPr id="209" name="Google Shape;209;p34"/>
-          <p:cNvSpPr txBox="1"/>
+          <p:cNvSpPr txBox="1">
+            <a:spLocks noGrp="1"/>
+          </p:cNvSpPr>
           <p:nvPr>
-            <p:ph idx="1" type="body"/>
+            <p:ph type="body" idx="1"/>
           </p:nvPr>
         </p:nvSpPr>
         <p:spPr>
@@ -11251,12 +11597,12 @@
           </a:prstGeom>
         </p:spPr>
         <p:txBody>
-          <a:bodyPr anchorCtr="0" anchor="t" bIns="91425" lIns="91425" spcFirstLastPara="1" rIns="91425" wrap="square" tIns="91425">
+          <a:bodyPr spcFirstLastPara="1" wrap="square" lIns="91425" tIns="91425" rIns="91425" bIns="91425" anchor="t" anchorCtr="0">
             <a:noAutofit/>
           </a:bodyPr>
           <a:lstStyle/>
           <a:p>
-            <a:pPr indent="-304800" lvl="0" marL="457200" rtl="0" algn="l">
+            <a:pPr marL="457200" lvl="0" indent="-304800" algn="l" rtl="0">
               <a:spcBef>
                 <a:spcPts val="0"/>
               </a:spcBef>
@@ -11293,7 +11639,7 @@
             </a:endParaRPr>
           </a:p>
           <a:p>
-            <a:pPr indent="-304800" lvl="0" marL="457200" rtl="0" algn="l">
+            <a:pPr marL="457200" lvl="0" indent="-304800" algn="l" rtl="0">
               <a:spcBef>
                 <a:spcPts val="0"/>
               </a:spcBef>
@@ -11330,7 +11676,7 @@
             </a:endParaRPr>
           </a:p>
           <a:p>
-            <a:pPr indent="-304800" lvl="0" marL="457200" rtl="0" algn="l">
+            <a:pPr marL="457200" lvl="0" indent="-304800" algn="l" rtl="0">
               <a:spcBef>
                 <a:spcPts val="0"/>
               </a:spcBef>
@@ -11367,7 +11713,7 @@
             </a:endParaRPr>
           </a:p>
           <a:p>
-            <a:pPr indent="0" lvl="0" marL="0" rtl="0" algn="l">
+            <a:pPr marL="0" lvl="0" indent="0" algn="l" rtl="0">
               <a:spcBef>
                 <a:spcPts val="1200"/>
               </a:spcBef>
@@ -11376,9 +11722,6 @@
               </a:spcAft>
               <a:buNone/>
             </a:pPr>
-            <a:r>
-              <a:t/>
-            </a:r>
             <a:endParaRPr/>
           </a:p>
         </p:txBody>
@@ -11388,15 +11731,22 @@
   <p:clrMapOvr>
     <a:masterClrMapping/>
   </p:clrMapOvr>
+  <p:timing>
+    <p:tnLst>
+      <p:par>
+        <p:cTn id="1" dur="indefinite" restart="never" nodeType="tmRoot"/>
+      </p:par>
+    </p:tnLst>
+  </p:timing>
 </p:sld>
 </file>
 
 <file path=ppt/slides/slide23.xml><?xml version="1.0" encoding="utf-8"?>
-<p:sld xmlns:a="http://schemas.openxmlformats.org/drawingml/2006/main" xmlns:r="http://schemas.openxmlformats.org/officeDocument/2006/relationships" xmlns:mc="http://schemas.openxmlformats.org/markup-compatibility/2006" xmlns:mv="urn:schemas-microsoft-com:mac:vml" xmlns:p="http://schemas.openxmlformats.org/presentationml/2006/main" xmlns:c="http://schemas.openxmlformats.org/drawingml/2006/chart" xmlns:dgm="http://schemas.openxmlformats.org/drawingml/2006/diagram" xmlns:o="urn:schemas-microsoft-com:office:office" xmlns:v="urn:schemas-microsoft-com:vml" xmlns:pvml="urn:schemas-microsoft-com:office:powerpoint" xmlns:com="http://schemas.openxmlformats.org/drawingml/2006/compatibility" xmlns:p14="http://schemas.microsoft.com/office/powerpoint/2010/main" xmlns:p15="http://schemas.microsoft.com/office/powerpoint/2012/main">
+<p:sld xmlns:a="http://schemas.openxmlformats.org/drawingml/2006/main" xmlns:r="http://schemas.openxmlformats.org/officeDocument/2006/relationships" xmlns:p="http://schemas.openxmlformats.org/presentationml/2006/main">
   <p:cSld>
     <p:spTree>
       <p:nvGrpSpPr>
-        <p:cNvPr id="213" name="Shape 213"/>
+        <p:cNvPr id="1" name="Shape 213"/>
         <p:cNvGrpSpPr/>
         <p:nvPr/>
       </p:nvGrpSpPr>
@@ -11411,7 +11761,9 @@
       <p:sp>
         <p:nvSpPr>
           <p:cNvPr id="214" name="Google Shape;214;p35"/>
-          <p:cNvSpPr txBox="1"/>
+          <p:cNvSpPr txBox="1">
+            <a:spLocks noGrp="1"/>
+          </p:cNvSpPr>
           <p:nvPr>
             <p:ph type="title"/>
           </p:nvPr>
@@ -11426,12 +11778,12 @@
           </a:prstGeom>
         </p:spPr>
         <p:txBody>
-          <a:bodyPr anchorCtr="0" anchor="b" bIns="91425" lIns="91425" spcFirstLastPara="1" rIns="91425" wrap="square" tIns="91425">
+          <a:bodyPr spcFirstLastPara="1" wrap="square" lIns="91425" tIns="91425" rIns="91425" bIns="91425" anchor="b" anchorCtr="0">
             <a:noAutofit/>
           </a:bodyPr>
           <a:lstStyle/>
           <a:p>
-            <a:pPr indent="0" lvl="0" marL="0" rtl="0" algn="l">
+            <a:pPr marL="0" lvl="0" indent="0" algn="l" rtl="0">
               <a:spcBef>
                 <a:spcPts val="0"/>
               </a:spcBef>
@@ -11451,9 +11803,11 @@
       <p:sp>
         <p:nvSpPr>
           <p:cNvPr id="215" name="Google Shape;215;p35"/>
-          <p:cNvSpPr txBox="1"/>
+          <p:cNvSpPr txBox="1">
+            <a:spLocks noGrp="1"/>
+          </p:cNvSpPr>
           <p:nvPr>
-            <p:ph idx="1" type="body"/>
+            <p:ph type="body" idx="1"/>
           </p:nvPr>
         </p:nvSpPr>
         <p:spPr>
@@ -11466,12 +11820,12 @@
           </a:prstGeom>
         </p:spPr>
         <p:txBody>
-          <a:bodyPr anchorCtr="0" anchor="t" bIns="91425" lIns="91425" spcFirstLastPara="1" rIns="91425" wrap="square" tIns="91425">
+          <a:bodyPr spcFirstLastPara="1" wrap="square" lIns="91425" tIns="91425" rIns="91425" bIns="91425" anchor="t" anchorCtr="0">
             <a:noAutofit/>
           </a:bodyPr>
           <a:lstStyle/>
           <a:p>
-            <a:pPr indent="-304800" lvl="0" marL="457200" rtl="0" algn="l">
+            <a:pPr marL="457200" lvl="0" indent="-304800" algn="l" rtl="0">
               <a:spcBef>
                 <a:spcPts val="0"/>
               </a:spcBef>
@@ -11508,7 +11862,7 @@
             </a:endParaRPr>
           </a:p>
           <a:p>
-            <a:pPr indent="-304800" lvl="0" marL="457200" rtl="0" algn="l">
+            <a:pPr marL="457200" lvl="0" indent="-304800" algn="l" rtl="0">
               <a:spcBef>
                 <a:spcPts val="0"/>
               </a:spcBef>
@@ -11545,7 +11899,7 @@
             </a:endParaRPr>
           </a:p>
           <a:p>
-            <a:pPr indent="-304800" lvl="0" marL="457200" rtl="0" algn="l">
+            <a:pPr marL="457200" lvl="0" indent="-304800" algn="l" rtl="0">
               <a:spcBef>
                 <a:spcPts val="0"/>
               </a:spcBef>
@@ -11582,7 +11936,7 @@
             </a:endParaRPr>
           </a:p>
           <a:p>
-            <a:pPr indent="-304800" lvl="0" marL="457200" rtl="0" algn="l">
+            <a:pPr marL="457200" lvl="0" indent="-304800" algn="l" rtl="0">
               <a:spcBef>
                 <a:spcPts val="0"/>
               </a:spcBef>
@@ -11619,7 +11973,7 @@
             </a:endParaRPr>
           </a:p>
           <a:p>
-            <a:pPr indent="0" lvl="0" marL="0" rtl="0" algn="l">
+            <a:pPr marL="0" lvl="0" indent="0" algn="l" rtl="0">
               <a:spcBef>
                 <a:spcPts val="1200"/>
               </a:spcBef>
@@ -11628,9 +11982,6 @@
               </a:spcAft>
               <a:buNone/>
             </a:pPr>
-            <a:r>
-              <a:t/>
-            </a:r>
             <a:endParaRPr/>
           </a:p>
         </p:txBody>
@@ -11640,15 +11991,22 @@
   <p:clrMapOvr>
     <a:masterClrMapping/>
   </p:clrMapOvr>
+  <p:timing>
+    <p:tnLst>
+      <p:par>
+        <p:cTn id="1" dur="indefinite" restart="never" nodeType="tmRoot"/>
+      </p:par>
+    </p:tnLst>
+  </p:timing>
 </p:sld>
 </file>
 
 <file path=ppt/slides/slide24.xml><?xml version="1.0" encoding="utf-8"?>
-<p:sld xmlns:a="http://schemas.openxmlformats.org/drawingml/2006/main" xmlns:r="http://schemas.openxmlformats.org/officeDocument/2006/relationships" xmlns:mc="http://schemas.openxmlformats.org/markup-compatibility/2006" xmlns:mv="urn:schemas-microsoft-com:mac:vml" xmlns:p="http://schemas.openxmlformats.org/presentationml/2006/main" xmlns:c="http://schemas.openxmlformats.org/drawingml/2006/chart" xmlns:dgm="http://schemas.openxmlformats.org/drawingml/2006/diagram" xmlns:o="urn:schemas-microsoft-com:office:office" xmlns:v="urn:schemas-microsoft-com:vml" xmlns:pvml="urn:schemas-microsoft-com:office:powerpoint" xmlns:com="http://schemas.openxmlformats.org/drawingml/2006/compatibility" xmlns:p14="http://schemas.microsoft.com/office/powerpoint/2010/main" xmlns:p15="http://schemas.microsoft.com/office/powerpoint/2012/main">
+<p:sld xmlns:a="http://schemas.openxmlformats.org/drawingml/2006/main" xmlns:r="http://schemas.openxmlformats.org/officeDocument/2006/relationships" xmlns:p="http://schemas.openxmlformats.org/presentationml/2006/main">
   <p:cSld>
     <p:spTree>
       <p:nvGrpSpPr>
-        <p:cNvPr id="219" name="Shape 219"/>
+        <p:cNvPr id="1" name="Shape 219"/>
         <p:cNvGrpSpPr/>
         <p:nvPr/>
       </p:nvGrpSpPr>
@@ -11663,7 +12021,9 @@
       <p:sp>
         <p:nvSpPr>
           <p:cNvPr id="220" name="Google Shape;220;p36"/>
-          <p:cNvSpPr txBox="1"/>
+          <p:cNvSpPr txBox="1">
+            <a:spLocks noGrp="1"/>
+          </p:cNvSpPr>
           <p:nvPr>
             <p:ph type="title"/>
           </p:nvPr>
@@ -11678,12 +12038,12 @@
           </a:prstGeom>
         </p:spPr>
         <p:txBody>
-          <a:bodyPr anchorCtr="0" anchor="b" bIns="91425" lIns="91425" spcFirstLastPara="1" rIns="91425" wrap="square" tIns="91425">
+          <a:bodyPr spcFirstLastPara="1" wrap="square" lIns="91425" tIns="91425" rIns="91425" bIns="91425" anchor="b" anchorCtr="0">
             <a:noAutofit/>
           </a:bodyPr>
           <a:lstStyle/>
           <a:p>
-            <a:pPr indent="0" lvl="0" marL="0" rtl="0" algn="l">
+            <a:pPr marL="0" lvl="0" indent="0" algn="l" rtl="0">
               <a:spcBef>
                 <a:spcPts val="0"/>
               </a:spcBef>
@@ -11703,9 +12063,11 @@
       <p:sp>
         <p:nvSpPr>
           <p:cNvPr id="221" name="Google Shape;221;p36"/>
-          <p:cNvSpPr txBox="1"/>
+          <p:cNvSpPr txBox="1">
+            <a:spLocks noGrp="1"/>
+          </p:cNvSpPr>
           <p:nvPr>
-            <p:ph idx="1" type="body"/>
+            <p:ph type="body" idx="1"/>
           </p:nvPr>
         </p:nvSpPr>
         <p:spPr>
@@ -11718,12 +12080,12 @@
           </a:prstGeom>
         </p:spPr>
         <p:txBody>
-          <a:bodyPr anchorCtr="0" anchor="t" bIns="91425" lIns="91425" spcFirstLastPara="1" rIns="91425" wrap="square" tIns="91425">
+          <a:bodyPr spcFirstLastPara="1" wrap="square" lIns="91425" tIns="91425" rIns="91425" bIns="91425" anchor="t" anchorCtr="0">
             <a:noAutofit/>
           </a:bodyPr>
           <a:lstStyle/>
           <a:p>
-            <a:pPr indent="0" lvl="0" marL="0" rtl="0" algn="l">
+            <a:pPr marL="0" lvl="0" indent="0" algn="l" rtl="0">
               <a:spcBef>
                 <a:spcPts val="0"/>
               </a:spcBef>
@@ -11732,9 +12094,6 @@
               </a:spcAft>
               <a:buNone/>
             </a:pPr>
-            <a:r>
-              <a:t/>
-            </a:r>
             <a:endParaRPr/>
           </a:p>
         </p:txBody>
@@ -11772,15 +12131,22 @@
   <p:clrMapOvr>
     <a:masterClrMapping/>
   </p:clrMapOvr>
+  <p:timing>
+    <p:tnLst>
+      <p:par>
+        <p:cTn id="1" dur="indefinite" restart="never" nodeType="tmRoot"/>
+      </p:par>
+    </p:tnLst>
+  </p:timing>
 </p:sld>
 </file>
 
 <file path=ppt/slides/slide25.xml><?xml version="1.0" encoding="utf-8"?>
-<p:sld xmlns:a="http://schemas.openxmlformats.org/drawingml/2006/main" xmlns:r="http://schemas.openxmlformats.org/officeDocument/2006/relationships" xmlns:mc="http://schemas.openxmlformats.org/markup-compatibility/2006" xmlns:mv="urn:schemas-microsoft-com:mac:vml" xmlns:p="http://schemas.openxmlformats.org/presentationml/2006/main" xmlns:c="http://schemas.openxmlformats.org/drawingml/2006/chart" xmlns:dgm="http://schemas.openxmlformats.org/drawingml/2006/diagram" xmlns:o="urn:schemas-microsoft-com:office:office" xmlns:v="urn:schemas-microsoft-com:vml" xmlns:pvml="urn:schemas-microsoft-com:office:powerpoint" xmlns:com="http://schemas.openxmlformats.org/drawingml/2006/compatibility" xmlns:p14="http://schemas.microsoft.com/office/powerpoint/2010/main" xmlns:p15="http://schemas.microsoft.com/office/powerpoint/2012/main">
+<p:sld xmlns:a="http://schemas.openxmlformats.org/drawingml/2006/main" xmlns:r="http://schemas.openxmlformats.org/officeDocument/2006/relationships" xmlns:p="http://schemas.openxmlformats.org/presentationml/2006/main">
   <p:cSld>
     <p:spTree>
       <p:nvGrpSpPr>
-        <p:cNvPr id="226" name="Shape 226"/>
+        <p:cNvPr id="1" name="Shape 226"/>
         <p:cNvGrpSpPr/>
         <p:nvPr/>
       </p:nvGrpSpPr>
@@ -11795,7 +12161,9 @@
       <p:sp>
         <p:nvSpPr>
           <p:cNvPr id="227" name="Google Shape;227;p37"/>
-          <p:cNvSpPr txBox="1"/>
+          <p:cNvSpPr txBox="1">
+            <a:spLocks noGrp="1"/>
+          </p:cNvSpPr>
           <p:nvPr>
             <p:ph type="title"/>
           </p:nvPr>
@@ -11810,12 +12178,12 @@
           </a:prstGeom>
         </p:spPr>
         <p:txBody>
-          <a:bodyPr anchorCtr="0" anchor="b" bIns="91425" lIns="91425" spcFirstLastPara="1" rIns="91425" wrap="square" tIns="91425">
+          <a:bodyPr spcFirstLastPara="1" wrap="square" lIns="91425" tIns="91425" rIns="91425" bIns="91425" anchor="b" anchorCtr="0">
             <a:noAutofit/>
           </a:bodyPr>
           <a:lstStyle/>
           <a:p>
-            <a:pPr indent="0" lvl="0" marL="0" rtl="0" algn="l">
+            <a:pPr marL="0" lvl="0" indent="0" algn="l" rtl="0">
               <a:spcBef>
                 <a:spcPts val="0"/>
               </a:spcBef>
@@ -11835,9 +12203,11 @@
       <p:sp>
         <p:nvSpPr>
           <p:cNvPr id="228" name="Google Shape;228;p37"/>
-          <p:cNvSpPr txBox="1"/>
+          <p:cNvSpPr txBox="1">
+            <a:spLocks noGrp="1"/>
+          </p:cNvSpPr>
           <p:nvPr>
-            <p:ph idx="1" type="body"/>
+            <p:ph type="body" idx="1"/>
           </p:nvPr>
         </p:nvSpPr>
         <p:spPr>
@@ -11850,12 +12220,12 @@
           </a:prstGeom>
         </p:spPr>
         <p:txBody>
-          <a:bodyPr anchorCtr="0" anchor="t" bIns="91425" lIns="91425" spcFirstLastPara="1" rIns="91425" wrap="square" tIns="91425">
+          <a:bodyPr spcFirstLastPara="1" wrap="square" lIns="91425" tIns="91425" rIns="91425" bIns="91425" anchor="t" anchorCtr="0">
             <a:noAutofit/>
           </a:bodyPr>
           <a:lstStyle/>
           <a:p>
-            <a:pPr indent="-304800" lvl="0" marL="457200" rtl="0" algn="l">
+            <a:pPr marL="457200" lvl="0" indent="-304800" algn="l" rtl="0">
               <a:spcBef>
                 <a:spcPts val="0"/>
               </a:spcBef>
@@ -11892,7 +12262,7 @@
             </a:endParaRPr>
           </a:p>
           <a:p>
-            <a:pPr indent="-304800" lvl="0" marL="457200" rtl="0" algn="l">
+            <a:pPr marL="457200" lvl="0" indent="-304800" algn="l" rtl="0">
               <a:spcBef>
                 <a:spcPts val="0"/>
               </a:spcBef>
@@ -11929,7 +12299,7 @@
             </a:endParaRPr>
           </a:p>
           <a:p>
-            <a:pPr indent="-304800" lvl="0" marL="457200" rtl="0" algn="l">
+            <a:pPr marL="457200" lvl="0" indent="-304800" algn="l" rtl="0">
               <a:spcBef>
                 <a:spcPts val="0"/>
               </a:spcBef>
@@ -11966,7 +12336,7 @@
             </a:endParaRPr>
           </a:p>
           <a:p>
-            <a:pPr indent="0" lvl="0" marL="0" rtl="0" algn="l">
+            <a:pPr marL="0" lvl="0" indent="0" algn="l" rtl="0">
               <a:spcBef>
                 <a:spcPts val="1200"/>
               </a:spcBef>
@@ -11975,9 +12345,6 @@
               </a:spcAft>
               <a:buNone/>
             </a:pPr>
-            <a:r>
-              <a:t/>
-            </a:r>
             <a:endParaRPr/>
           </a:p>
         </p:txBody>
@@ -11987,15 +12354,22 @@
   <p:clrMapOvr>
     <a:masterClrMapping/>
   </p:clrMapOvr>
+  <p:timing>
+    <p:tnLst>
+      <p:par>
+        <p:cTn id="1" dur="indefinite" restart="never" nodeType="tmRoot"/>
+      </p:par>
+    </p:tnLst>
+  </p:timing>
 </p:sld>
 </file>
 
 <file path=ppt/slides/slide26.xml><?xml version="1.0" encoding="utf-8"?>
-<p:sld xmlns:a="http://schemas.openxmlformats.org/drawingml/2006/main" xmlns:r="http://schemas.openxmlformats.org/officeDocument/2006/relationships" xmlns:mc="http://schemas.openxmlformats.org/markup-compatibility/2006" xmlns:mv="urn:schemas-microsoft-com:mac:vml" xmlns:p="http://schemas.openxmlformats.org/presentationml/2006/main" xmlns:c="http://schemas.openxmlformats.org/drawingml/2006/chart" xmlns:dgm="http://schemas.openxmlformats.org/drawingml/2006/diagram" xmlns:o="urn:schemas-microsoft-com:office:office" xmlns:v="urn:schemas-microsoft-com:vml" xmlns:pvml="urn:schemas-microsoft-com:office:powerpoint" xmlns:com="http://schemas.openxmlformats.org/drawingml/2006/compatibility" xmlns:p14="http://schemas.microsoft.com/office/powerpoint/2010/main" xmlns:p15="http://schemas.microsoft.com/office/powerpoint/2012/main">
+<p:sld xmlns:a="http://schemas.openxmlformats.org/drawingml/2006/main" xmlns:r="http://schemas.openxmlformats.org/officeDocument/2006/relationships" xmlns:p="http://schemas.openxmlformats.org/presentationml/2006/main">
   <p:cSld>
     <p:spTree>
       <p:nvGrpSpPr>
-        <p:cNvPr id="232" name="Shape 232"/>
+        <p:cNvPr id="1" name="Shape 232"/>
         <p:cNvGrpSpPr/>
         <p:nvPr/>
       </p:nvGrpSpPr>
@@ -12010,7 +12384,9 @@
       <p:sp>
         <p:nvSpPr>
           <p:cNvPr id="233" name="Google Shape;233;p38"/>
-          <p:cNvSpPr txBox="1"/>
+          <p:cNvSpPr txBox="1">
+            <a:spLocks noGrp="1"/>
+          </p:cNvSpPr>
           <p:nvPr>
             <p:ph type="title"/>
           </p:nvPr>
@@ -12025,12 +12401,12 @@
           </a:prstGeom>
         </p:spPr>
         <p:txBody>
-          <a:bodyPr anchorCtr="0" anchor="b" bIns="91425" lIns="91425" spcFirstLastPara="1" rIns="91425" wrap="square" tIns="91425">
+          <a:bodyPr spcFirstLastPara="1" wrap="square" lIns="91425" tIns="91425" rIns="91425" bIns="91425" anchor="b" anchorCtr="0">
             <a:noAutofit/>
           </a:bodyPr>
           <a:lstStyle/>
           <a:p>
-            <a:pPr indent="0" lvl="0" marL="0" rtl="0" algn="l">
+            <a:pPr marL="0" lvl="0" indent="0" algn="l" rtl="0">
               <a:spcBef>
                 <a:spcPts val="0"/>
               </a:spcBef>
@@ -12050,9 +12426,11 @@
       <p:sp>
         <p:nvSpPr>
           <p:cNvPr id="234" name="Google Shape;234;p38"/>
-          <p:cNvSpPr txBox="1"/>
+          <p:cNvSpPr txBox="1">
+            <a:spLocks noGrp="1"/>
+          </p:cNvSpPr>
           <p:nvPr>
-            <p:ph idx="1" type="body"/>
+            <p:ph type="body" idx="1"/>
           </p:nvPr>
         </p:nvSpPr>
         <p:spPr>
@@ -12065,12 +12443,12 @@
           </a:prstGeom>
         </p:spPr>
         <p:txBody>
-          <a:bodyPr anchorCtr="0" anchor="t" bIns="91425" lIns="91425" spcFirstLastPara="1" rIns="91425" wrap="square" tIns="91425">
+          <a:bodyPr spcFirstLastPara="1" wrap="square" lIns="91425" tIns="91425" rIns="91425" bIns="91425" anchor="t" anchorCtr="0">
             <a:noAutofit/>
           </a:bodyPr>
           <a:lstStyle/>
           <a:p>
-            <a:pPr indent="0" lvl="0" marL="0" rtl="0" algn="l">
+            <a:pPr marL="0" lvl="0" indent="0" algn="l" rtl="0">
               <a:spcBef>
                 <a:spcPts val="0"/>
               </a:spcBef>
@@ -12079,9 +12457,6 @@
               </a:spcAft>
               <a:buNone/>
             </a:pPr>
-            <a:r>
-              <a:t/>
-            </a:r>
             <a:endParaRPr/>
           </a:p>
         </p:txBody>
@@ -12175,15 +12550,22 @@
   <p:clrMapOvr>
     <a:masterClrMapping/>
   </p:clrMapOvr>
+  <p:timing>
+    <p:tnLst>
+      <p:par>
+        <p:cTn id="1" dur="indefinite" restart="never" nodeType="tmRoot"/>
+      </p:par>
+    </p:tnLst>
+  </p:timing>
 </p:sld>
 </file>
 
 <file path=ppt/slides/slide27.xml><?xml version="1.0" encoding="utf-8"?>
-<p:sld xmlns:a="http://schemas.openxmlformats.org/drawingml/2006/main" xmlns:r="http://schemas.openxmlformats.org/officeDocument/2006/relationships" xmlns:mc="http://schemas.openxmlformats.org/markup-compatibility/2006" xmlns:mv="urn:schemas-microsoft-com:mac:vml" xmlns:p="http://schemas.openxmlformats.org/presentationml/2006/main" xmlns:c="http://schemas.openxmlformats.org/drawingml/2006/chart" xmlns:dgm="http://schemas.openxmlformats.org/drawingml/2006/diagram" xmlns:o="urn:schemas-microsoft-com:office:office" xmlns:v="urn:schemas-microsoft-com:vml" xmlns:pvml="urn:schemas-microsoft-com:office:powerpoint" xmlns:com="http://schemas.openxmlformats.org/drawingml/2006/compatibility" xmlns:p14="http://schemas.microsoft.com/office/powerpoint/2010/main" xmlns:p15="http://schemas.microsoft.com/office/powerpoint/2012/main">
+<p:sld xmlns:a="http://schemas.openxmlformats.org/drawingml/2006/main" xmlns:r="http://schemas.openxmlformats.org/officeDocument/2006/relationships" xmlns:p="http://schemas.openxmlformats.org/presentationml/2006/main">
   <p:cSld>
     <p:spTree>
       <p:nvGrpSpPr>
-        <p:cNvPr id="241" name="Shape 241"/>
+        <p:cNvPr id="1" name="Shape 241"/>
         <p:cNvGrpSpPr/>
         <p:nvPr/>
       </p:nvGrpSpPr>
@@ -12198,7 +12580,9 @@
       <p:sp>
         <p:nvSpPr>
           <p:cNvPr id="242" name="Google Shape;242;p39"/>
-          <p:cNvSpPr txBox="1"/>
+          <p:cNvSpPr txBox="1">
+            <a:spLocks noGrp="1"/>
+          </p:cNvSpPr>
           <p:nvPr>
             <p:ph type="title"/>
           </p:nvPr>
@@ -12213,12 +12597,12 @@
           </a:prstGeom>
         </p:spPr>
         <p:txBody>
-          <a:bodyPr anchorCtr="0" anchor="b" bIns="91425" lIns="91425" spcFirstLastPara="1" rIns="91425" wrap="square" tIns="91425">
+          <a:bodyPr spcFirstLastPara="1" wrap="square" lIns="91425" tIns="91425" rIns="91425" bIns="91425" anchor="b" anchorCtr="0">
             <a:noAutofit/>
           </a:bodyPr>
           <a:lstStyle/>
           <a:p>
-            <a:pPr indent="0" lvl="0" marL="0" rtl="0" algn="l">
+            <a:pPr marL="0" lvl="0" indent="0" algn="l" rtl="0">
               <a:spcBef>
                 <a:spcPts val="0"/>
               </a:spcBef>
@@ -12238,9 +12622,11 @@
       <p:sp>
         <p:nvSpPr>
           <p:cNvPr id="243" name="Google Shape;243;p39"/>
-          <p:cNvSpPr txBox="1"/>
+          <p:cNvSpPr txBox="1">
+            <a:spLocks noGrp="1"/>
+          </p:cNvSpPr>
           <p:nvPr>
-            <p:ph idx="1" type="body"/>
+            <p:ph type="body" idx="1"/>
           </p:nvPr>
         </p:nvSpPr>
         <p:spPr>
@@ -12253,12 +12639,12 @@
           </a:prstGeom>
         </p:spPr>
         <p:txBody>
-          <a:bodyPr anchorCtr="0" anchor="t" bIns="91425" lIns="91425" spcFirstLastPara="1" rIns="91425" wrap="square" tIns="91425">
+          <a:bodyPr spcFirstLastPara="1" wrap="square" lIns="91425" tIns="91425" rIns="91425" bIns="91425" anchor="t" anchorCtr="0">
             <a:noAutofit/>
           </a:bodyPr>
           <a:lstStyle/>
           <a:p>
-            <a:pPr indent="0" lvl="0" marL="0" rtl="0" algn="l">
+            <a:pPr marL="0" lvl="0" indent="0" algn="l" rtl="0">
               <a:spcBef>
                 <a:spcPts val="0"/>
               </a:spcBef>
@@ -12267,27 +12653,61 @@
               </a:spcAft>
               <a:buNone/>
             </a:pPr>
-            <a:r>
-              <a:t/>
-            </a:r>
             <a:endParaRPr/>
           </a:p>
         </p:txBody>
       </p:sp>
+      <p:pic>
+        <p:nvPicPr>
+          <p:cNvPr id="2" name="Imagen 1"/>
+          <p:cNvPicPr>
+            <a:picLocks noChangeAspect="1"/>
+          </p:cNvPicPr>
+          <p:nvPr/>
+        </p:nvPicPr>
+        <p:blipFill>
+          <a:blip r:embed="rId3">
+            <a:extLst>
+              <a:ext uri="{28A0092B-C50C-407E-A947-70E740481C1C}">
+                <a14:useLocalDpi xmlns:a14="http://schemas.microsoft.com/office/drawing/2010/main" val="0"/>
+              </a:ext>
+            </a:extLst>
+          </a:blip>
+          <a:stretch>
+            <a:fillRect/>
+          </a:stretch>
+        </p:blipFill>
+        <p:spPr>
+          <a:xfrm>
+            <a:off x="2499047" y="1766923"/>
+            <a:ext cx="4167805" cy="3252822"/>
+          </a:xfrm>
+          <a:prstGeom prst="rect">
+            <a:avLst/>
+          </a:prstGeom>
+        </p:spPr>
+      </p:pic>
     </p:spTree>
   </p:cSld>
   <p:clrMapOvr>
     <a:masterClrMapping/>
   </p:clrMapOvr>
+  <p:timing>
+    <p:tnLst>
+      <p:par>
+        <p:cTn id="1" dur="indefinite" restart="never" nodeType="tmRoot"/>
+      </p:par>
+    </p:tnLst>
+  </p:timing>
 </p:sld>
 </file>
 
 <file path=ppt/slides/slide28.xml><?xml version="1.0" encoding="utf-8"?>
-<p:sld xmlns:a="http://schemas.openxmlformats.org/drawingml/2006/main" xmlns:r="http://schemas.openxmlformats.org/officeDocument/2006/relationships" xmlns:mc="http://schemas.openxmlformats.org/markup-compatibility/2006" xmlns:mv="urn:schemas-microsoft-com:mac:vml" xmlns:p="http://schemas.openxmlformats.org/presentationml/2006/main" xmlns:c="http://schemas.openxmlformats.org/drawingml/2006/chart" xmlns:dgm="http://schemas.openxmlformats.org/drawingml/2006/diagram" xmlns:o="urn:schemas-microsoft-com:office:office" xmlns:v="urn:schemas-microsoft-com:vml" xmlns:pvml="urn:schemas-microsoft-com:office:powerpoint" xmlns:com="http://schemas.openxmlformats.org/drawingml/2006/compatibility" xmlns:p14="http://schemas.microsoft.com/office/powerpoint/2010/main" xmlns:p15="http://schemas.microsoft.com/office/powerpoint/2012/main">
+<p:sld xmlns:a="http://schemas.openxmlformats.org/drawingml/2006/main" xmlns:r="http://schemas.openxmlformats.org/officeDocument/2006/relationships" xmlns:p="http://schemas.openxmlformats.org/presentationml/2006/main">
   <p:cSld>
     <p:spTree>
       <p:nvGrpSpPr>
-        <p:cNvPr id="247" name="Shape 247"/>
+        <p:cNvPr id="1" name="Shape 247"/>
         <p:cNvGrpSpPr/>
         <p:nvPr/>
       </p:nvGrpSpPr>
@@ -12302,7 +12722,9 @@
       <p:sp>
         <p:nvSpPr>
           <p:cNvPr id="248" name="Google Shape;248;p40"/>
-          <p:cNvSpPr txBox="1"/>
+          <p:cNvSpPr txBox="1">
+            <a:spLocks noGrp="1"/>
+          </p:cNvSpPr>
           <p:nvPr>
             <p:ph type="title"/>
           </p:nvPr>
@@ -12317,12 +12739,12 @@
           </a:prstGeom>
         </p:spPr>
         <p:txBody>
-          <a:bodyPr anchorCtr="0" anchor="b" bIns="91425" lIns="91425" spcFirstLastPara="1" rIns="91425" wrap="square" tIns="91425">
+          <a:bodyPr spcFirstLastPara="1" wrap="square" lIns="91425" tIns="91425" rIns="91425" bIns="91425" anchor="b" anchorCtr="0">
             <a:noAutofit/>
           </a:bodyPr>
           <a:lstStyle/>
           <a:p>
-            <a:pPr indent="0" lvl="0" marL="0" rtl="0" algn="l">
+            <a:pPr marL="0" lvl="0" indent="0" algn="l" rtl="0">
               <a:spcBef>
                 <a:spcPts val="0"/>
               </a:spcBef>
@@ -12342,9 +12764,11 @@
       <p:sp>
         <p:nvSpPr>
           <p:cNvPr id="249" name="Google Shape;249;p40"/>
-          <p:cNvSpPr txBox="1"/>
+          <p:cNvSpPr txBox="1">
+            <a:spLocks noGrp="1"/>
+          </p:cNvSpPr>
           <p:nvPr>
-            <p:ph idx="1" type="body"/>
+            <p:ph type="body" idx="1"/>
           </p:nvPr>
         </p:nvSpPr>
         <p:spPr>
@@ -12357,12 +12781,12 @@
           </a:prstGeom>
         </p:spPr>
         <p:txBody>
-          <a:bodyPr anchorCtr="0" anchor="t" bIns="91425" lIns="91425" spcFirstLastPara="1" rIns="91425" wrap="square" tIns="91425">
+          <a:bodyPr spcFirstLastPara="1" wrap="square" lIns="91425" tIns="91425" rIns="91425" bIns="91425" anchor="t" anchorCtr="0">
             <a:noAutofit/>
           </a:bodyPr>
           <a:lstStyle/>
           <a:p>
-            <a:pPr indent="0" lvl="0" marL="0" rtl="0" algn="l">
+            <a:pPr marL="0" lvl="0" indent="0" algn="l" rtl="0">
               <a:spcBef>
                 <a:spcPts val="0"/>
               </a:spcBef>
@@ -12387,7 +12811,7 @@
             <a:endParaRPr/>
           </a:p>
           <a:p>
-            <a:pPr indent="0" lvl="0" marL="0" rtl="0" algn="l">
+            <a:pPr marL="0" lvl="0" indent="0" algn="l" rtl="0">
               <a:spcBef>
                 <a:spcPts val="1600"/>
               </a:spcBef>
@@ -12396,13 +12820,10 @@
               </a:spcAft>
               <a:buNone/>
             </a:pPr>
-            <a:r>
-              <a:t/>
-            </a:r>
             <a:endParaRPr/>
           </a:p>
           <a:p>
-            <a:pPr indent="0" lvl="0" marL="0" rtl="0" algn="l">
+            <a:pPr marL="0" lvl="0" indent="0" algn="l" rtl="0">
               <a:spcBef>
                 <a:spcPts val="1600"/>
               </a:spcBef>
@@ -12411,13 +12832,10 @@
               </a:spcAft>
               <a:buNone/>
             </a:pPr>
-            <a:r>
-              <a:t/>
-            </a:r>
             <a:endParaRPr/>
           </a:p>
           <a:p>
-            <a:pPr indent="0" lvl="0" marL="0" rtl="0" algn="l">
+            <a:pPr marL="0" lvl="0" indent="0" algn="l" rtl="0">
               <a:spcBef>
                 <a:spcPts val="1600"/>
               </a:spcBef>
@@ -12426,13 +12844,10 @@
               </a:spcAft>
               <a:buNone/>
             </a:pPr>
-            <a:r>
-              <a:t/>
-            </a:r>
             <a:endParaRPr/>
           </a:p>
           <a:p>
-            <a:pPr indent="0" lvl="0" marL="0" rtl="0" algn="l">
+            <a:pPr marL="0" lvl="0" indent="0" algn="l" rtl="0">
               <a:spcBef>
                 <a:spcPts val="1600"/>
               </a:spcBef>
@@ -12454,15 +12869,22 @@
   <p:clrMapOvr>
     <a:masterClrMapping/>
   </p:clrMapOvr>
+  <p:timing>
+    <p:tnLst>
+      <p:par>
+        <p:cTn id="1" dur="indefinite" restart="never" nodeType="tmRoot"/>
+      </p:par>
+    </p:tnLst>
+  </p:timing>
 </p:sld>
 </file>
 
 <file path=ppt/slides/slide3.xml><?xml version="1.0" encoding="utf-8"?>
-<p:sld xmlns:a="http://schemas.openxmlformats.org/drawingml/2006/main" xmlns:r="http://schemas.openxmlformats.org/officeDocument/2006/relationships" xmlns:mc="http://schemas.openxmlformats.org/markup-compatibility/2006" xmlns:mv="urn:schemas-microsoft-com:mac:vml" xmlns:p="http://schemas.openxmlformats.org/presentationml/2006/main" xmlns:c="http://schemas.openxmlformats.org/drawingml/2006/chart" xmlns:dgm="http://schemas.openxmlformats.org/drawingml/2006/diagram" xmlns:o="urn:schemas-microsoft-com:office:office" xmlns:v="urn:schemas-microsoft-com:vml" xmlns:pvml="urn:schemas-microsoft-com:office:powerpoint" xmlns:com="http://schemas.openxmlformats.org/drawingml/2006/compatibility" xmlns:p14="http://schemas.microsoft.com/office/powerpoint/2010/main" xmlns:p15="http://schemas.microsoft.com/office/powerpoint/2012/main">
+<p:sld xmlns:a="http://schemas.openxmlformats.org/drawingml/2006/main" xmlns:r="http://schemas.openxmlformats.org/officeDocument/2006/relationships" xmlns:p="http://schemas.openxmlformats.org/presentationml/2006/main">
   <p:cSld>
     <p:spTree>
       <p:nvGrpSpPr>
-        <p:cNvPr id="78" name="Shape 78"/>
+        <p:cNvPr id="1" name="Shape 78"/>
         <p:cNvGrpSpPr/>
         <p:nvPr/>
       </p:nvGrpSpPr>
@@ -12477,7 +12899,9 @@
       <p:sp>
         <p:nvSpPr>
           <p:cNvPr id="79" name="Google Shape;79;p15"/>
-          <p:cNvSpPr txBox="1"/>
+          <p:cNvSpPr txBox="1">
+            <a:spLocks noGrp="1"/>
+          </p:cNvSpPr>
           <p:nvPr>
             <p:ph type="title"/>
           </p:nvPr>
@@ -12492,12 +12916,12 @@
           </a:prstGeom>
         </p:spPr>
         <p:txBody>
-          <a:bodyPr anchorCtr="0" anchor="b" bIns="91425" lIns="91425" spcFirstLastPara="1" rIns="91425" wrap="square" tIns="91425">
+          <a:bodyPr spcFirstLastPara="1" wrap="square" lIns="91425" tIns="91425" rIns="91425" bIns="91425" anchor="b" anchorCtr="0">
             <a:noAutofit/>
           </a:bodyPr>
           <a:lstStyle/>
           <a:p>
-            <a:pPr indent="0" lvl="0" marL="0" rtl="0" algn="l">
+            <a:pPr marL="0" lvl="0" indent="0" algn="l" rtl="0">
               <a:spcBef>
                 <a:spcPts val="0"/>
               </a:spcBef>
@@ -12517,9 +12941,11 @@
       <p:sp>
         <p:nvSpPr>
           <p:cNvPr id="80" name="Google Shape;80;p15"/>
-          <p:cNvSpPr txBox="1"/>
+          <p:cNvSpPr txBox="1">
+            <a:spLocks noGrp="1"/>
+          </p:cNvSpPr>
           <p:nvPr>
-            <p:ph idx="1" type="body"/>
+            <p:ph type="body" idx="1"/>
           </p:nvPr>
         </p:nvSpPr>
         <p:spPr>
@@ -12532,12 +12958,12 @@
           </a:prstGeom>
         </p:spPr>
         <p:txBody>
-          <a:bodyPr anchorCtr="0" anchor="t" bIns="91425" lIns="91425" spcFirstLastPara="1" rIns="91425" wrap="square" tIns="91425">
+          <a:bodyPr spcFirstLastPara="1" wrap="square" lIns="91425" tIns="91425" rIns="91425" bIns="91425" anchor="t" anchorCtr="0">
             <a:noAutofit/>
           </a:bodyPr>
           <a:lstStyle/>
           <a:p>
-            <a:pPr indent="0" lvl="0" marL="0" rtl="0" algn="l">
+            <a:pPr marL="0" lvl="0" indent="0" algn="l" rtl="0">
               <a:spcBef>
                 <a:spcPts val="0"/>
               </a:spcBef>
@@ -12546,9 +12972,6 @@
               </a:spcAft>
               <a:buNone/>
             </a:pPr>
-            <a:r>
-              <a:t/>
-            </a:r>
             <a:endParaRPr/>
           </a:p>
         </p:txBody>
@@ -12614,15 +13037,22 @@
   <p:clrMapOvr>
     <a:masterClrMapping/>
   </p:clrMapOvr>
+  <p:timing>
+    <p:tnLst>
+      <p:par>
+        <p:cTn id="1" dur="indefinite" restart="never" nodeType="tmRoot"/>
+      </p:par>
+    </p:tnLst>
+  </p:timing>
 </p:sld>
 </file>
 
 <file path=ppt/slides/slide4.xml><?xml version="1.0" encoding="utf-8"?>
-<p:sld xmlns:a="http://schemas.openxmlformats.org/drawingml/2006/main" xmlns:r="http://schemas.openxmlformats.org/officeDocument/2006/relationships" xmlns:mc="http://schemas.openxmlformats.org/markup-compatibility/2006" xmlns:mv="urn:schemas-microsoft-com:mac:vml" xmlns:p="http://schemas.openxmlformats.org/presentationml/2006/main" xmlns:c="http://schemas.openxmlformats.org/drawingml/2006/chart" xmlns:dgm="http://schemas.openxmlformats.org/drawingml/2006/diagram" xmlns:o="urn:schemas-microsoft-com:office:office" xmlns:v="urn:schemas-microsoft-com:vml" xmlns:pvml="urn:schemas-microsoft-com:office:powerpoint" xmlns:com="http://schemas.openxmlformats.org/drawingml/2006/compatibility" xmlns:p14="http://schemas.microsoft.com/office/powerpoint/2010/main" xmlns:p15="http://schemas.microsoft.com/office/powerpoint/2012/main">
+<p:sld xmlns:a="http://schemas.openxmlformats.org/drawingml/2006/main" xmlns:r="http://schemas.openxmlformats.org/officeDocument/2006/relationships" xmlns:p="http://schemas.openxmlformats.org/presentationml/2006/main">
   <p:cSld>
     <p:spTree>
       <p:nvGrpSpPr>
-        <p:cNvPr id="86" name="Shape 86"/>
+        <p:cNvPr id="1" name="Shape 86"/>
         <p:cNvGrpSpPr/>
         <p:nvPr/>
       </p:nvGrpSpPr>
@@ -12637,7 +13067,9 @@
       <p:sp>
         <p:nvSpPr>
           <p:cNvPr id="87" name="Google Shape;87;p16"/>
-          <p:cNvSpPr txBox="1"/>
+          <p:cNvSpPr txBox="1">
+            <a:spLocks noGrp="1"/>
+          </p:cNvSpPr>
           <p:nvPr>
             <p:ph type="title"/>
           </p:nvPr>
@@ -12652,12 +13084,12 @@
           </a:prstGeom>
         </p:spPr>
         <p:txBody>
-          <a:bodyPr anchorCtr="0" anchor="b" bIns="91425" lIns="91425" spcFirstLastPara="1" rIns="91425" wrap="square" tIns="91425">
+          <a:bodyPr spcFirstLastPara="1" wrap="square" lIns="91425" tIns="91425" rIns="91425" bIns="91425" anchor="b" anchorCtr="0">
             <a:noAutofit/>
           </a:bodyPr>
           <a:lstStyle/>
           <a:p>
-            <a:pPr indent="0" lvl="0" marL="0" rtl="0" algn="l">
+            <a:pPr marL="0" lvl="0" indent="0" algn="l" rtl="0">
               <a:spcBef>
                 <a:spcPts val="0"/>
               </a:spcBef>
@@ -12677,9 +13109,11 @@
       <p:sp>
         <p:nvSpPr>
           <p:cNvPr id="88" name="Google Shape;88;p16"/>
-          <p:cNvSpPr txBox="1"/>
+          <p:cNvSpPr txBox="1">
+            <a:spLocks noGrp="1"/>
+          </p:cNvSpPr>
           <p:nvPr>
-            <p:ph idx="1" type="body"/>
+            <p:ph type="body" idx="1"/>
           </p:nvPr>
         </p:nvSpPr>
         <p:spPr>
@@ -12692,12 +13126,12 @@
           </a:prstGeom>
         </p:spPr>
         <p:txBody>
-          <a:bodyPr anchorCtr="0" anchor="t" bIns="91425" lIns="91425" spcFirstLastPara="1" rIns="91425" wrap="square" tIns="91425">
+          <a:bodyPr spcFirstLastPara="1" wrap="square" lIns="91425" tIns="91425" rIns="91425" bIns="91425" anchor="t" anchorCtr="0">
             <a:noAutofit/>
           </a:bodyPr>
           <a:lstStyle/>
           <a:p>
-            <a:pPr indent="0" lvl="0" marL="0" rtl="0" algn="l">
+            <a:pPr marL="0" lvl="0" indent="0" algn="l" rtl="0">
               <a:spcBef>
                 <a:spcPts val="0"/>
               </a:spcBef>
@@ -12735,7 +13169,7 @@
             </a:endParaRPr>
           </a:p>
           <a:p>
-            <a:pPr indent="0" lvl="0" marL="0" rtl="0" algn="l">
+            <a:pPr marL="0" lvl="0" indent="0" algn="l" rtl="0">
               <a:spcBef>
                 <a:spcPts val="1600"/>
               </a:spcBef>
@@ -12773,7 +13207,7 @@
             </a:endParaRPr>
           </a:p>
           <a:p>
-            <a:pPr indent="0" lvl="0" marL="0" rtl="0" algn="l">
+            <a:pPr marL="0" lvl="0" indent="0" algn="l" rtl="0">
               <a:spcBef>
                 <a:spcPts val="1600"/>
               </a:spcBef>
@@ -12798,7 +13232,7 @@
               <a:t>PHYSFS_mount(const char* </a:t>
             </a:r>
             <a:r>
-              <a:rPr i="1" lang="es" sz="1200">
+              <a:rPr lang="es" sz="1200" i="1">
                 <a:solidFill>
                   <a:srgbClr val="24292E"/>
                 </a:solidFill>
@@ -12828,7 +13262,7 @@
               <a:t>, const char* </a:t>
             </a:r>
             <a:r>
-              <a:rPr i="1" lang="es" sz="1200">
+              <a:rPr lang="es" sz="1200" i="1">
                 <a:solidFill>
                   <a:srgbClr val="24292E"/>
                 </a:solidFill>
@@ -12858,7 +13292,7 @@
               <a:t>, int </a:t>
             </a:r>
             <a:r>
-              <a:rPr i="1" lang="es" sz="1200">
+              <a:rPr lang="es" sz="1200" i="1">
                 <a:solidFill>
                   <a:srgbClr val="24292E"/>
                 </a:solidFill>
@@ -12901,7 +13335,7 @@
             </a:endParaRPr>
           </a:p>
           <a:p>
-            <a:pPr indent="0" lvl="0" marL="0" rtl="0" algn="l">
+            <a:pPr marL="0" lvl="0" indent="0" algn="l" rtl="0">
               <a:spcBef>
                 <a:spcPts val="1600"/>
               </a:spcBef>
@@ -12923,25 +13357,10 @@
                 <a:cs typeface="Arial"/>
                 <a:sym typeface="Arial"/>
               </a:rPr>
-              <a:t>PHYSFS_addToSearchPath(</a:t>
+              <a:t>PHYSFS_addToSearchPath(const char* </a:t>
             </a:r>
             <a:r>
-              <a:rPr lang="es" sz="1200">
-                <a:solidFill>
-                  <a:srgbClr val="24292E"/>
-                </a:solidFill>
-                <a:highlight>
-                  <a:srgbClr val="FFFFFF"/>
-                </a:highlight>
-                <a:latin typeface="Arial"/>
-                <a:ea typeface="Arial"/>
-                <a:cs typeface="Arial"/>
-                <a:sym typeface="Arial"/>
-              </a:rPr>
-              <a:t>const char* </a:t>
-            </a:r>
-            <a:r>
-              <a:rPr i="1" lang="es" sz="1200">
+              <a:rPr lang="es" sz="1200" i="1">
                 <a:solidFill>
                   <a:srgbClr val="24292E"/>
                 </a:solidFill>
@@ -12971,7 +13390,7 @@
               <a:t>, int </a:t>
             </a:r>
             <a:r>
-              <a:rPr i="1" lang="es" sz="1200">
+              <a:rPr lang="es" sz="1200" i="1">
                 <a:solidFill>
                   <a:srgbClr val="24292E"/>
                 </a:solidFill>
@@ -13014,7 +13433,7 @@
             </a:endParaRPr>
           </a:p>
           <a:p>
-            <a:pPr indent="0" lvl="0" marL="0" rtl="0" algn="l">
+            <a:pPr marL="0" lvl="0" indent="0" algn="l" rtl="0">
               <a:spcBef>
                 <a:spcPts val="1600"/>
               </a:spcBef>
@@ -13039,7 +13458,7 @@
               <a:t>PHYSFS_openRead(const char* </a:t>
             </a:r>
             <a:r>
-              <a:rPr i="1" lang="es" sz="1200">
+              <a:rPr lang="es" sz="1200" i="1">
                 <a:solidFill>
                   <a:srgbClr val="24292E"/>
                 </a:solidFill>
@@ -13082,7 +13501,7 @@
             </a:endParaRPr>
           </a:p>
           <a:p>
-            <a:pPr indent="0" lvl="0" marL="0" rtl="0" algn="l">
+            <a:pPr marL="0" lvl="0" indent="0" algn="l" rtl="0">
               <a:spcBef>
                 <a:spcPts val="1600"/>
               </a:spcBef>
@@ -13107,7 +13526,7 @@
               <a:t>PHYSFS_fileLength(PHYSFS_file* </a:t>
             </a:r>
             <a:r>
-              <a:rPr i="1" lang="es" sz="1200">
+              <a:rPr lang="es" sz="1200" i="1">
                 <a:solidFill>
                   <a:srgbClr val="24292E"/>
                 </a:solidFill>
@@ -13156,15 +13575,22 @@
   <p:clrMapOvr>
     <a:masterClrMapping/>
   </p:clrMapOvr>
+  <p:timing>
+    <p:tnLst>
+      <p:par>
+        <p:cTn id="1" dur="indefinite" restart="never" nodeType="tmRoot"/>
+      </p:par>
+    </p:tnLst>
+  </p:timing>
 </p:sld>
 </file>
 
 <file path=ppt/slides/slide5.xml><?xml version="1.0" encoding="utf-8"?>
-<p:sld xmlns:a="http://schemas.openxmlformats.org/drawingml/2006/main" xmlns:r="http://schemas.openxmlformats.org/officeDocument/2006/relationships" xmlns:mc="http://schemas.openxmlformats.org/markup-compatibility/2006" xmlns:mv="urn:schemas-microsoft-com:mac:vml" xmlns:p="http://schemas.openxmlformats.org/presentationml/2006/main" xmlns:c="http://schemas.openxmlformats.org/drawingml/2006/chart" xmlns:dgm="http://schemas.openxmlformats.org/drawingml/2006/diagram" xmlns:o="urn:schemas-microsoft-com:office:office" xmlns:v="urn:schemas-microsoft-com:vml" xmlns:pvml="urn:schemas-microsoft-com:office:powerpoint" xmlns:com="http://schemas.openxmlformats.org/drawingml/2006/compatibility" xmlns:p14="http://schemas.microsoft.com/office/powerpoint/2010/main" xmlns:p15="http://schemas.microsoft.com/office/powerpoint/2012/main">
+<p:sld xmlns:a="http://schemas.openxmlformats.org/drawingml/2006/main" xmlns:r="http://schemas.openxmlformats.org/officeDocument/2006/relationships" xmlns:p="http://schemas.openxmlformats.org/presentationml/2006/main">
   <p:cSld>
     <p:spTree>
       <p:nvGrpSpPr>
-        <p:cNvPr id="92" name="Shape 92"/>
+        <p:cNvPr id="1" name="Shape 92"/>
         <p:cNvGrpSpPr/>
         <p:nvPr/>
       </p:nvGrpSpPr>
@@ -13179,7 +13605,9 @@
       <p:sp>
         <p:nvSpPr>
           <p:cNvPr id="93" name="Google Shape;93;p17"/>
-          <p:cNvSpPr txBox="1"/>
+          <p:cNvSpPr txBox="1">
+            <a:spLocks noGrp="1"/>
+          </p:cNvSpPr>
           <p:nvPr>
             <p:ph type="title"/>
           </p:nvPr>
@@ -13194,12 +13622,12 @@
           </a:prstGeom>
         </p:spPr>
         <p:txBody>
-          <a:bodyPr anchorCtr="0" anchor="b" bIns="91425" lIns="91425" spcFirstLastPara="1" rIns="91425" wrap="square" tIns="91425">
+          <a:bodyPr spcFirstLastPara="1" wrap="square" lIns="91425" tIns="91425" rIns="91425" bIns="91425" anchor="b" anchorCtr="0">
             <a:noAutofit/>
           </a:bodyPr>
           <a:lstStyle/>
           <a:p>
-            <a:pPr indent="0" lvl="0" marL="0" rtl="0" algn="l">
+            <a:pPr marL="0" lvl="0" indent="0" algn="l" rtl="0">
               <a:spcBef>
                 <a:spcPts val="0"/>
               </a:spcBef>
@@ -13219,9 +13647,11 @@
       <p:sp>
         <p:nvSpPr>
           <p:cNvPr id="94" name="Google Shape;94;p17"/>
-          <p:cNvSpPr txBox="1"/>
+          <p:cNvSpPr txBox="1">
+            <a:spLocks noGrp="1"/>
+          </p:cNvSpPr>
           <p:nvPr>
-            <p:ph idx="1" type="body"/>
+            <p:ph type="body" idx="1"/>
           </p:nvPr>
         </p:nvSpPr>
         <p:spPr>
@@ -13234,12 +13664,12 @@
           </a:prstGeom>
         </p:spPr>
         <p:txBody>
-          <a:bodyPr anchorCtr="0" anchor="t" bIns="91425" lIns="91425" spcFirstLastPara="1" rIns="91425" wrap="square" tIns="91425">
+          <a:bodyPr spcFirstLastPara="1" wrap="square" lIns="91425" tIns="91425" rIns="91425" bIns="91425" anchor="t" anchorCtr="0">
             <a:noAutofit/>
           </a:bodyPr>
           <a:lstStyle/>
           <a:p>
-            <a:pPr indent="0" lvl="0" marL="0" rtl="0" algn="l">
+            <a:pPr marL="0" lvl="0" indent="0" algn="l" rtl="0">
               <a:spcBef>
                 <a:spcPts val="0"/>
               </a:spcBef>
@@ -13264,7 +13694,7 @@
               <a:t>PHYSFS_Read(PHYSFS_File* </a:t>
             </a:r>
             <a:r>
-              <a:rPr i="1" lang="es" sz="1200">
+              <a:rPr lang="es" sz="1200" i="1">
                 <a:solidFill>
                   <a:srgbClr val="24292E"/>
                 </a:solidFill>
@@ -13294,7 +13724,7 @@
               <a:t>, void* </a:t>
             </a:r>
             <a:r>
-              <a:rPr i="1" lang="es" sz="1200">
+              <a:rPr lang="es" sz="1200" i="1">
                 <a:solidFill>
                   <a:srgbClr val="24292E"/>
                 </a:solidFill>
@@ -13324,7 +13754,7 @@
               <a:t>, PHYSFS_uint32 </a:t>
             </a:r>
             <a:r>
-              <a:rPr i="1" lang="es" sz="1200">
+              <a:rPr lang="es" sz="1200" i="1">
                 <a:solidFill>
                   <a:srgbClr val="24292E"/>
                 </a:solidFill>
@@ -13354,7 +13784,7 @@
               <a:t>, PHYSFS_uint32 </a:t>
             </a:r>
             <a:r>
-              <a:rPr i="1" lang="es" sz="1200">
+              <a:rPr lang="es" sz="1200" i="1">
                 <a:solidFill>
                   <a:srgbClr val="24292E"/>
                 </a:solidFill>
@@ -13397,7 +13827,7 @@
             </a:endParaRPr>
           </a:p>
           <a:p>
-            <a:pPr indent="0" lvl="0" marL="0" rtl="0" algn="l">
+            <a:pPr marL="0" lvl="0" indent="0" algn="l" rtl="0">
               <a:spcBef>
                 <a:spcPts val="1600"/>
               </a:spcBef>
@@ -13422,7 +13852,7 @@
               <a:t>PHYSFS_close(PHYSFS_file* </a:t>
             </a:r>
             <a:r>
-              <a:rPr i="1" lang="es" sz="1200">
+              <a:rPr lang="es" sz="1200" i="1">
                 <a:solidFill>
                   <a:srgbClr val="24292E"/>
                 </a:solidFill>
@@ -13465,7 +13895,7 @@
             </a:endParaRPr>
           </a:p>
           <a:p>
-            <a:pPr indent="0" lvl="0" marL="0" rtl="0" algn="l">
+            <a:pPr marL="0" lvl="0" indent="0" algn="l" rtl="0">
               <a:spcBef>
                 <a:spcPts val="1600"/>
               </a:spcBef>
@@ -13503,7 +13933,7 @@
             </a:endParaRPr>
           </a:p>
           <a:p>
-            <a:pPr indent="0" lvl="0" marL="0" rtl="0" algn="l">
+            <a:pPr marL="0" lvl="0" indent="0" algn="l" rtl="0">
               <a:spcBef>
                 <a:spcPts val="1600"/>
               </a:spcBef>
@@ -13512,9 +13942,6 @@
               </a:spcAft>
               <a:buNone/>
             </a:pPr>
-            <a:r>
-              <a:t/>
-            </a:r>
             <a:endParaRPr sz="1200">
               <a:solidFill>
                 <a:srgbClr val="24292E"/>
@@ -13535,15 +13962,22 @@
   <p:clrMapOvr>
     <a:masterClrMapping/>
   </p:clrMapOvr>
+  <p:timing>
+    <p:tnLst>
+      <p:par>
+        <p:cTn id="1" dur="indefinite" restart="never" nodeType="tmRoot"/>
+      </p:par>
+    </p:tnLst>
+  </p:timing>
 </p:sld>
 </file>
 
 <file path=ppt/slides/slide6.xml><?xml version="1.0" encoding="utf-8"?>
-<p:sld xmlns:a="http://schemas.openxmlformats.org/drawingml/2006/main" xmlns:r="http://schemas.openxmlformats.org/officeDocument/2006/relationships" xmlns:mc="http://schemas.openxmlformats.org/markup-compatibility/2006" xmlns:mv="urn:schemas-microsoft-com:mac:vml" xmlns:p="http://schemas.openxmlformats.org/presentationml/2006/main" xmlns:c="http://schemas.openxmlformats.org/drawingml/2006/chart" xmlns:dgm="http://schemas.openxmlformats.org/drawingml/2006/diagram" xmlns:o="urn:schemas-microsoft-com:office:office" xmlns:v="urn:schemas-microsoft-com:vml" xmlns:pvml="urn:schemas-microsoft-com:office:powerpoint" xmlns:com="http://schemas.openxmlformats.org/drawingml/2006/compatibility" xmlns:p14="http://schemas.microsoft.com/office/powerpoint/2010/main" xmlns:p15="http://schemas.microsoft.com/office/powerpoint/2012/main">
+<p:sld xmlns:a="http://schemas.openxmlformats.org/drawingml/2006/main" xmlns:r="http://schemas.openxmlformats.org/officeDocument/2006/relationships" xmlns:p="http://schemas.openxmlformats.org/presentationml/2006/main">
   <p:cSld>
     <p:spTree>
       <p:nvGrpSpPr>
-        <p:cNvPr id="98" name="Shape 98"/>
+        <p:cNvPr id="1" name="Shape 98"/>
         <p:cNvGrpSpPr/>
         <p:nvPr/>
       </p:nvGrpSpPr>
@@ -13558,7 +13992,9 @@
       <p:sp>
         <p:nvSpPr>
           <p:cNvPr id="99" name="Google Shape;99;p18"/>
-          <p:cNvSpPr txBox="1"/>
+          <p:cNvSpPr txBox="1">
+            <a:spLocks noGrp="1"/>
+          </p:cNvSpPr>
           <p:nvPr>
             <p:ph type="title"/>
           </p:nvPr>
@@ -13573,12 +14009,12 @@
           </a:prstGeom>
         </p:spPr>
         <p:txBody>
-          <a:bodyPr anchorCtr="0" anchor="b" bIns="91425" lIns="91425" spcFirstLastPara="1" rIns="91425" wrap="square" tIns="91425">
+          <a:bodyPr spcFirstLastPara="1" wrap="square" lIns="91425" tIns="91425" rIns="91425" bIns="91425" anchor="b" anchorCtr="0">
             <a:noAutofit/>
           </a:bodyPr>
           <a:lstStyle/>
           <a:p>
-            <a:pPr indent="0" lvl="0" marL="0" rtl="0" algn="l">
+            <a:pPr marL="0" lvl="0" indent="0" algn="l" rtl="0">
               <a:spcBef>
                 <a:spcPts val="0"/>
               </a:spcBef>
@@ -13598,9 +14034,11 @@
       <p:sp>
         <p:nvSpPr>
           <p:cNvPr id="100" name="Google Shape;100;p18"/>
-          <p:cNvSpPr txBox="1"/>
+          <p:cNvSpPr txBox="1">
+            <a:spLocks noGrp="1"/>
+          </p:cNvSpPr>
           <p:nvPr>
-            <p:ph idx="1" type="body"/>
+            <p:ph type="body" idx="1"/>
           </p:nvPr>
         </p:nvSpPr>
         <p:spPr>
@@ -13613,12 +14051,12 @@
           </a:prstGeom>
         </p:spPr>
         <p:txBody>
-          <a:bodyPr anchorCtr="0" anchor="t" bIns="91425" lIns="91425" spcFirstLastPara="1" rIns="91425" wrap="square" tIns="91425">
+          <a:bodyPr spcFirstLastPara="1" wrap="square" lIns="91425" tIns="91425" rIns="91425" bIns="91425" anchor="t" anchorCtr="0">
             <a:noAutofit/>
           </a:bodyPr>
           <a:lstStyle/>
           <a:p>
-            <a:pPr indent="0" lvl="0" marL="0" rtl="0" algn="l">
+            <a:pPr marL="0" lvl="0" indent="0" algn="l" rtl="0">
               <a:spcBef>
                 <a:spcPts val="0"/>
               </a:spcBef>
@@ -13643,7 +14081,7 @@
               <a:t>IMG_Load_RW(SDL_RWops* </a:t>
             </a:r>
             <a:r>
-              <a:rPr i="1" lang="es" sz="1200">
+              <a:rPr lang="es" sz="1200" i="1">
                 <a:solidFill>
                   <a:srgbClr val="24292E"/>
                 </a:solidFill>
@@ -13673,7 +14111,7 @@
               <a:t>, int </a:t>
             </a:r>
             <a:r>
-              <a:rPr i="1" lang="es" sz="1200">
+              <a:rPr lang="es" sz="1200" i="1">
                 <a:solidFill>
                   <a:srgbClr val="24292E"/>
                 </a:solidFill>
@@ -13716,7 +14154,7 @@
             </a:endParaRPr>
           </a:p>
           <a:p>
-            <a:pPr indent="0" lvl="0" marL="0" rtl="0" algn="l">
+            <a:pPr marL="0" lvl="0" indent="0" algn="l" rtl="0">
               <a:spcBef>
                 <a:spcPts val="1600"/>
               </a:spcBef>
@@ -13741,7 +14179,7 @@
               <a:t>Mix_LoadWAV_RW(SDL_RWops* </a:t>
             </a:r>
             <a:r>
-              <a:rPr i="1" lang="es" sz="1200">
+              <a:rPr lang="es" sz="1200" i="1">
                 <a:solidFill>
                   <a:srgbClr val="24292E"/>
                 </a:solidFill>
@@ -13771,7 +14209,7 @@
               <a:t>, int </a:t>
             </a:r>
             <a:r>
-              <a:rPr i="1" lang="es" sz="1200">
+              <a:rPr lang="es" sz="1200" i="1">
                 <a:solidFill>
                   <a:srgbClr val="24292E"/>
                 </a:solidFill>
@@ -13814,7 +14252,7 @@
             </a:endParaRPr>
           </a:p>
           <a:p>
-            <a:pPr indent="0" lvl="0" marL="0" rtl="0" algn="l">
+            <a:pPr marL="0" lvl="0" indent="0" algn="l" rtl="0">
               <a:spcBef>
                 <a:spcPts val="1600"/>
               </a:spcBef>
@@ -13839,7 +14277,7 @@
               <a:t>Mix_LoadMUS_RW(SDL_RWops* </a:t>
             </a:r>
             <a:r>
-              <a:rPr i="1" lang="es" sz="1200">
+              <a:rPr lang="es" sz="1200" i="1">
                 <a:solidFill>
                   <a:srgbClr val="24292E"/>
                 </a:solidFill>
@@ -13869,7 +14307,7 @@
               <a:t>, int </a:t>
             </a:r>
             <a:r>
-              <a:rPr i="1" lang="es" sz="1200">
+              <a:rPr lang="es" sz="1200" i="1">
                 <a:solidFill>
                   <a:srgbClr val="24292E"/>
                 </a:solidFill>
@@ -13912,7 +14350,7 @@
             </a:endParaRPr>
           </a:p>
           <a:p>
-            <a:pPr indent="0" lvl="0" marL="0" rtl="0" algn="l">
+            <a:pPr marL="0" lvl="0" indent="0" algn="l" rtl="0">
               <a:spcBef>
                 <a:spcPts val="1600"/>
               </a:spcBef>
@@ -13937,7 +14375,7 @@
               <a:t>SDL_RWFromConstMem(const void* </a:t>
             </a:r>
             <a:r>
-              <a:rPr i="1" lang="es" sz="1200">
+              <a:rPr lang="es" sz="1200" i="1">
                 <a:solidFill>
                   <a:srgbClr val="24292E"/>
                 </a:solidFill>
@@ -13967,7 +14405,7 @@
               <a:t>, int </a:t>
             </a:r>
             <a:r>
-              <a:rPr i="1" lang="es" sz="1200">
+              <a:rPr lang="es" sz="1200" i="1">
                 <a:solidFill>
                   <a:srgbClr val="24292E"/>
                 </a:solidFill>
@@ -14016,15 +14454,22 @@
   <p:clrMapOvr>
     <a:masterClrMapping/>
   </p:clrMapOvr>
+  <p:timing>
+    <p:tnLst>
+      <p:par>
+        <p:cTn id="1" dur="indefinite" restart="never" nodeType="tmRoot"/>
+      </p:par>
+    </p:tnLst>
+  </p:timing>
 </p:sld>
 </file>
 
 <file path=ppt/slides/slide7.xml><?xml version="1.0" encoding="utf-8"?>
-<p:sld xmlns:a="http://schemas.openxmlformats.org/drawingml/2006/main" xmlns:r="http://schemas.openxmlformats.org/officeDocument/2006/relationships" xmlns:mc="http://schemas.openxmlformats.org/markup-compatibility/2006" xmlns:mv="urn:schemas-microsoft-com:mac:vml" xmlns:p="http://schemas.openxmlformats.org/presentationml/2006/main" xmlns:c="http://schemas.openxmlformats.org/drawingml/2006/chart" xmlns:dgm="http://schemas.openxmlformats.org/drawingml/2006/diagram" xmlns:o="urn:schemas-microsoft-com:office:office" xmlns:v="urn:schemas-microsoft-com:vml" xmlns:pvml="urn:schemas-microsoft-com:office:powerpoint" xmlns:com="http://schemas.openxmlformats.org/drawingml/2006/compatibility" xmlns:p14="http://schemas.microsoft.com/office/powerpoint/2010/main" xmlns:p15="http://schemas.microsoft.com/office/powerpoint/2012/main">
+<p:sld xmlns:a="http://schemas.openxmlformats.org/drawingml/2006/main" xmlns:r="http://schemas.openxmlformats.org/officeDocument/2006/relationships" xmlns:p="http://schemas.openxmlformats.org/presentationml/2006/main">
   <p:cSld>
     <p:spTree>
       <p:nvGrpSpPr>
-        <p:cNvPr id="104" name="Shape 104"/>
+        <p:cNvPr id="1" name="Shape 104"/>
         <p:cNvGrpSpPr/>
         <p:nvPr/>
       </p:nvGrpSpPr>
@@ -14039,7 +14484,9 @@
       <p:sp>
         <p:nvSpPr>
           <p:cNvPr id="105" name="Google Shape;105;p19"/>
-          <p:cNvSpPr txBox="1"/>
+          <p:cNvSpPr txBox="1">
+            <a:spLocks noGrp="1"/>
+          </p:cNvSpPr>
           <p:nvPr>
             <p:ph type="title"/>
           </p:nvPr>
@@ -14054,12 +14501,12 @@
           </a:prstGeom>
         </p:spPr>
         <p:txBody>
-          <a:bodyPr anchorCtr="0" anchor="b" bIns="91425" lIns="91425" spcFirstLastPara="1" rIns="91425" wrap="square" tIns="91425">
+          <a:bodyPr spcFirstLastPara="1" wrap="square" lIns="91425" tIns="91425" rIns="91425" bIns="91425" anchor="b" anchorCtr="0">
             <a:noAutofit/>
           </a:bodyPr>
           <a:lstStyle/>
           <a:p>
-            <a:pPr indent="0" lvl="0" marL="0" rtl="0" algn="l">
+            <a:pPr marL="0" lvl="0" indent="0" algn="l" rtl="0">
               <a:spcBef>
                 <a:spcPts val="0"/>
               </a:spcBef>
@@ -14079,9 +14526,11 @@
       <p:sp>
         <p:nvSpPr>
           <p:cNvPr id="106" name="Google Shape;106;p19"/>
-          <p:cNvSpPr txBox="1"/>
+          <p:cNvSpPr txBox="1">
+            <a:spLocks noGrp="1"/>
+          </p:cNvSpPr>
           <p:nvPr>
-            <p:ph idx="1" type="body"/>
+            <p:ph type="body" idx="1"/>
           </p:nvPr>
         </p:nvSpPr>
         <p:spPr>
@@ -14094,12 +14543,12 @@
           </a:prstGeom>
         </p:spPr>
         <p:txBody>
-          <a:bodyPr anchorCtr="0" anchor="t" bIns="91425" lIns="91425" spcFirstLastPara="1" rIns="91425" wrap="square" tIns="91425">
+          <a:bodyPr spcFirstLastPara="1" wrap="square" lIns="91425" tIns="91425" rIns="91425" bIns="91425" anchor="t" anchorCtr="0">
             <a:noAutofit/>
           </a:bodyPr>
           <a:lstStyle/>
           <a:p>
-            <a:pPr indent="0" lvl="0" marL="0" rtl="0" algn="l">
+            <a:pPr marL="0" lvl="0" indent="0" algn="l" rtl="0">
               <a:spcBef>
                 <a:spcPts val="0"/>
               </a:spcBef>
@@ -14149,15 +14598,22 @@
   <p:clrMapOvr>
     <a:masterClrMapping/>
   </p:clrMapOvr>
+  <p:timing>
+    <p:tnLst>
+      <p:par>
+        <p:cTn id="1" dur="indefinite" restart="never" nodeType="tmRoot"/>
+      </p:par>
+    </p:tnLst>
+  </p:timing>
 </p:sld>
 </file>
 
 <file path=ppt/slides/slide8.xml><?xml version="1.0" encoding="utf-8"?>
-<p:sld xmlns:a="http://schemas.openxmlformats.org/drawingml/2006/main" xmlns:r="http://schemas.openxmlformats.org/officeDocument/2006/relationships" xmlns:mc="http://schemas.openxmlformats.org/markup-compatibility/2006" xmlns:mv="urn:schemas-microsoft-com:mac:vml" xmlns:p="http://schemas.openxmlformats.org/presentationml/2006/main" xmlns:c="http://schemas.openxmlformats.org/drawingml/2006/chart" xmlns:dgm="http://schemas.openxmlformats.org/drawingml/2006/diagram" xmlns:o="urn:schemas-microsoft-com:office:office" xmlns:v="urn:schemas-microsoft-com:vml" xmlns:pvml="urn:schemas-microsoft-com:office:powerpoint" xmlns:com="http://schemas.openxmlformats.org/drawingml/2006/compatibility" xmlns:p14="http://schemas.microsoft.com/office/powerpoint/2010/main" xmlns:p15="http://schemas.microsoft.com/office/powerpoint/2012/main">
+<p:sld xmlns:a="http://schemas.openxmlformats.org/drawingml/2006/main" xmlns:r="http://schemas.openxmlformats.org/officeDocument/2006/relationships" xmlns:p="http://schemas.openxmlformats.org/presentationml/2006/main">
   <p:cSld>
     <p:spTree>
       <p:nvGrpSpPr>
-        <p:cNvPr id="111" name="Shape 111"/>
+        <p:cNvPr id="1" name="Shape 111"/>
         <p:cNvGrpSpPr/>
         <p:nvPr/>
       </p:nvGrpSpPr>
@@ -14172,7 +14628,9 @@
       <p:sp>
         <p:nvSpPr>
           <p:cNvPr id="112" name="Google Shape;112;p20"/>
-          <p:cNvSpPr txBox="1"/>
+          <p:cNvSpPr txBox="1">
+            <a:spLocks noGrp="1"/>
+          </p:cNvSpPr>
           <p:nvPr>
             <p:ph type="title"/>
           </p:nvPr>
@@ -14187,12 +14645,12 @@
           </a:prstGeom>
         </p:spPr>
         <p:txBody>
-          <a:bodyPr anchorCtr="0" anchor="b" bIns="91425" lIns="91425" spcFirstLastPara="1" rIns="91425" wrap="square" tIns="91425">
+          <a:bodyPr spcFirstLastPara="1" wrap="square" lIns="91425" tIns="91425" rIns="91425" bIns="91425" anchor="b" anchorCtr="0">
             <a:noAutofit/>
           </a:bodyPr>
           <a:lstStyle/>
           <a:p>
-            <a:pPr indent="0" lvl="0" marL="0" rtl="0" algn="l">
+            <a:pPr marL="0" lvl="0" indent="0" algn="l" rtl="0">
               <a:spcBef>
                 <a:spcPts val="0"/>
               </a:spcBef>
@@ -14212,9 +14670,11 @@
       <p:sp>
         <p:nvSpPr>
           <p:cNvPr id="113" name="Google Shape;113;p20"/>
-          <p:cNvSpPr txBox="1"/>
+          <p:cNvSpPr txBox="1">
+            <a:spLocks noGrp="1"/>
+          </p:cNvSpPr>
           <p:nvPr>
-            <p:ph idx="1" type="body"/>
+            <p:ph type="body" idx="1"/>
           </p:nvPr>
         </p:nvSpPr>
         <p:spPr>
@@ -14227,12 +14687,12 @@
           </a:prstGeom>
         </p:spPr>
         <p:txBody>
-          <a:bodyPr anchorCtr="0" anchor="t" bIns="91425" lIns="91425" spcFirstLastPara="1" rIns="91425" wrap="square" tIns="91425">
+          <a:bodyPr spcFirstLastPara="1" wrap="square" lIns="91425" tIns="91425" rIns="91425" bIns="91425" anchor="t" anchorCtr="0">
             <a:noAutofit/>
           </a:bodyPr>
           <a:lstStyle/>
           <a:p>
-            <a:pPr indent="0" lvl="0" marL="0" rtl="0" algn="l">
+            <a:pPr marL="0" lvl="0" indent="0" algn="l" rtl="0">
               <a:spcBef>
                 <a:spcPts val="0"/>
               </a:spcBef>
@@ -14241,9 +14701,6 @@
               </a:spcAft>
               <a:buNone/>
             </a:pPr>
-            <a:r>
-              <a:t/>
-            </a:r>
             <a:endParaRPr/>
           </a:p>
         </p:txBody>
@@ -14281,15 +14738,22 @@
   <p:clrMapOvr>
     <a:masterClrMapping/>
   </p:clrMapOvr>
+  <p:timing>
+    <p:tnLst>
+      <p:par>
+        <p:cTn id="1" dur="indefinite" restart="never" nodeType="tmRoot"/>
+      </p:par>
+    </p:tnLst>
+  </p:timing>
 </p:sld>
 </file>
 
 <file path=ppt/slides/slide9.xml><?xml version="1.0" encoding="utf-8"?>
-<p:sld xmlns:a="http://schemas.openxmlformats.org/drawingml/2006/main" xmlns:r="http://schemas.openxmlformats.org/officeDocument/2006/relationships" xmlns:mc="http://schemas.openxmlformats.org/markup-compatibility/2006" xmlns:mv="urn:schemas-microsoft-com:mac:vml" xmlns:p="http://schemas.openxmlformats.org/presentationml/2006/main" xmlns:c="http://schemas.openxmlformats.org/drawingml/2006/chart" xmlns:dgm="http://schemas.openxmlformats.org/drawingml/2006/diagram" xmlns:o="urn:schemas-microsoft-com:office:office" xmlns:v="urn:schemas-microsoft-com:vml" xmlns:pvml="urn:schemas-microsoft-com:office:powerpoint" xmlns:com="http://schemas.openxmlformats.org/drawingml/2006/compatibility" xmlns:p14="http://schemas.microsoft.com/office/powerpoint/2010/main" xmlns:p15="http://schemas.microsoft.com/office/powerpoint/2012/main">
+<p:sld xmlns:a="http://schemas.openxmlformats.org/drawingml/2006/main" xmlns:r="http://schemas.openxmlformats.org/officeDocument/2006/relationships" xmlns:p="http://schemas.openxmlformats.org/presentationml/2006/main">
   <p:cSld>
     <p:spTree>
       <p:nvGrpSpPr>
-        <p:cNvPr id="118" name="Shape 118"/>
+        <p:cNvPr id="1" name="Shape 118"/>
         <p:cNvGrpSpPr/>
         <p:nvPr/>
       </p:nvGrpSpPr>
@@ -14304,7 +14768,9 @@
       <p:sp>
         <p:nvSpPr>
           <p:cNvPr id="119" name="Google Shape;119;p21"/>
-          <p:cNvSpPr txBox="1"/>
+          <p:cNvSpPr txBox="1">
+            <a:spLocks noGrp="1"/>
+          </p:cNvSpPr>
           <p:nvPr>
             <p:ph type="title"/>
           </p:nvPr>
@@ -14319,12 +14785,12 @@
           </a:prstGeom>
         </p:spPr>
         <p:txBody>
-          <a:bodyPr anchorCtr="0" anchor="b" bIns="91425" lIns="91425" spcFirstLastPara="1" rIns="91425" wrap="square" tIns="91425">
+          <a:bodyPr spcFirstLastPara="1" wrap="square" lIns="91425" tIns="91425" rIns="91425" bIns="91425" anchor="b" anchorCtr="0">
             <a:noAutofit/>
           </a:bodyPr>
           <a:lstStyle/>
           <a:p>
-            <a:pPr indent="0" lvl="0" marL="0" rtl="0" algn="l">
+            <a:pPr marL="0" lvl="0" indent="0" algn="l" rtl="0">
               <a:spcBef>
                 <a:spcPts val="0"/>
               </a:spcBef>
@@ -14344,9 +14810,11 @@
       <p:sp>
         <p:nvSpPr>
           <p:cNvPr id="120" name="Google Shape;120;p21"/>
-          <p:cNvSpPr txBox="1"/>
+          <p:cNvSpPr txBox="1">
+            <a:spLocks noGrp="1"/>
+          </p:cNvSpPr>
           <p:nvPr>
-            <p:ph idx="1" type="body"/>
+            <p:ph type="body" idx="1"/>
           </p:nvPr>
         </p:nvSpPr>
         <p:spPr>
@@ -14359,12 +14827,12 @@
           </a:prstGeom>
         </p:spPr>
         <p:txBody>
-          <a:bodyPr anchorCtr="0" anchor="t" bIns="91425" lIns="91425" spcFirstLastPara="1" rIns="91425" wrap="square" tIns="91425">
+          <a:bodyPr spcFirstLastPara="1" wrap="square" lIns="91425" tIns="91425" rIns="91425" bIns="91425" anchor="t" anchorCtr="0">
             <a:noAutofit/>
           </a:bodyPr>
           <a:lstStyle/>
           <a:p>
-            <a:pPr indent="0" lvl="0" marL="0" rtl="0" algn="l">
+            <a:pPr marL="0" lvl="0" indent="0" algn="l" rtl="0">
               <a:spcBef>
                 <a:spcPts val="0"/>
               </a:spcBef>
@@ -14373,9 +14841,6 @@
               </a:spcAft>
               <a:buNone/>
             </a:pPr>
-            <a:r>
-              <a:t/>
-            </a:r>
             <a:endParaRPr/>
           </a:p>
         </p:txBody>
@@ -14413,11 +14878,299 @@
   <p:clrMapOvr>
     <a:masterClrMapping/>
   </p:clrMapOvr>
+  <p:timing>
+    <p:tnLst>
+      <p:par>
+        <p:cTn id="1" dur="indefinite" restart="never" nodeType="tmRoot"/>
+      </p:par>
+    </p:tnLst>
+  </p:timing>
 </p:sld>
 </file>
 
 <file path=ppt/theme/theme1.xml><?xml version="1.0" encoding="utf-8"?>
-<a:theme xmlns:a="http://schemas.openxmlformats.org/drawingml/2006/main" xmlns:r="http://schemas.openxmlformats.org/officeDocument/2006/relationships">
+<a:theme xmlns:a="http://schemas.openxmlformats.org/drawingml/2006/main" name="Material">
+  <a:themeElements>
+    <a:clrScheme name="Material">
+      <a:dk1>
+        <a:srgbClr val="4285F4"/>
+      </a:dk1>
+      <a:lt1>
+        <a:srgbClr val="FFFFFF"/>
+      </a:lt1>
+      <a:dk2>
+        <a:srgbClr val="424242"/>
+      </a:dk2>
+      <a:lt2>
+        <a:srgbClr val="737373"/>
+      </a:lt2>
+      <a:accent1>
+        <a:srgbClr val="0277BD"/>
+      </a:accent1>
+      <a:accent2>
+        <a:srgbClr val="0F9D58"/>
+      </a:accent2>
+      <a:accent3>
+        <a:srgbClr val="DB4437"/>
+      </a:accent3>
+      <a:accent4>
+        <a:srgbClr val="FAFAFA"/>
+      </a:accent4>
+      <a:accent5>
+        <a:srgbClr val="4FC3F7"/>
+      </a:accent5>
+      <a:accent6>
+        <a:srgbClr val="F4B400"/>
+      </a:accent6>
+      <a:hlink>
+        <a:srgbClr val="4FC3F7"/>
+      </a:hlink>
+      <a:folHlink>
+        <a:srgbClr val="4FC3F7"/>
+      </a:folHlink>
+    </a:clrScheme>
+    <a:fontScheme name="Office">
+      <a:majorFont>
+        <a:latin typeface="Arial"/>
+        <a:ea typeface=""/>
+        <a:cs typeface=""/>
+        <a:font script="Jpan" typeface="ＭＳ Ｐゴシック"/>
+        <a:font script="Hang" typeface="맑은 고딕"/>
+        <a:font script="Hans" typeface="宋体"/>
+        <a:font script="Hant" typeface="新細明體"/>
+        <a:font script="Arab" typeface="Times New Roman"/>
+        <a:font script="Hebr" typeface="Times New Roman"/>
+        <a:font script="Thai" typeface="Angsana New"/>
+        <a:font script="Ethi" typeface="Nyala"/>
+        <a:font script="Beng" typeface="Vrinda"/>
+        <a:font script="Gujr" typeface="Shruti"/>
+        <a:font script="Khmr" typeface="MoolBoran"/>
+        <a:font script="Knda" typeface="Tunga"/>
+        <a:font script="Guru" typeface="Raavi"/>
+        <a:font script="Cans" typeface="Euphemia"/>
+        <a:font script="Cher" typeface="Plantagenet Cherokee"/>
+        <a:font script="Yiii" typeface="Microsoft Yi Baiti"/>
+        <a:font script="Tibt" typeface="Microsoft Himalaya"/>
+        <a:font script="Thaa" typeface="MV Boli"/>
+        <a:font script="Deva" typeface="Mangal"/>
+        <a:font script="Telu" typeface="Gautami"/>
+        <a:font script="Taml" typeface="Latha"/>
+        <a:font script="Syrc" typeface="Estrangelo Edessa"/>
+        <a:font script="Orya" typeface="Kalinga"/>
+        <a:font script="Mlym" typeface="Kartika"/>
+        <a:font script="Laoo" typeface="DokChampa"/>
+        <a:font script="Sinh" typeface="Iskoola Pota"/>
+        <a:font script="Mong" typeface="Mongolian Baiti"/>
+        <a:font script="Viet" typeface="Times New Roman"/>
+        <a:font script="Uigh" typeface="Microsoft Uighur"/>
+        <a:font script="Geor" typeface="Sylfaen"/>
+      </a:majorFont>
+      <a:minorFont>
+        <a:latin typeface="Arial"/>
+        <a:ea typeface=""/>
+        <a:cs typeface=""/>
+        <a:font script="Jpan" typeface="ＭＳ Ｐゴシック"/>
+        <a:font script="Hang" typeface="맑은 고딕"/>
+        <a:font script="Hans" typeface="宋体"/>
+        <a:font script="Hant" typeface="新細明體"/>
+        <a:font script="Arab" typeface="Arial"/>
+        <a:font script="Hebr" typeface="Arial"/>
+        <a:font script="Thai" typeface="Cordia New"/>
+        <a:font script="Ethi" typeface="Nyala"/>
+        <a:font script="Beng" typeface="Vrinda"/>
+        <a:font script="Gujr" typeface="Shruti"/>
+        <a:font script="Khmr" typeface="DaunPenh"/>
+        <a:font script="Knda" typeface="Tunga"/>
+        <a:font script="Guru" typeface="Raavi"/>
+        <a:font script="Cans" typeface="Euphemia"/>
+        <a:font script="Cher" typeface="Plantagenet Cherokee"/>
+        <a:font script="Yiii" typeface="Microsoft Yi Baiti"/>
+        <a:font script="Tibt" typeface="Microsoft Himalaya"/>
+        <a:font script="Thaa" typeface="MV Boli"/>
+        <a:font script="Deva" typeface="Mangal"/>
+        <a:font script="Telu" typeface="Gautami"/>
+        <a:font script="Taml" typeface="Latha"/>
+        <a:font script="Syrc" typeface="Estrangelo Edessa"/>
+        <a:font script="Orya" typeface="Kalinga"/>
+        <a:font script="Mlym" typeface="Kartika"/>
+        <a:font script="Laoo" typeface="DokChampa"/>
+        <a:font script="Sinh" typeface="Iskoola Pota"/>
+        <a:font script="Mong" typeface="Mongolian Baiti"/>
+        <a:font script="Viet" typeface="Arial"/>
+        <a:font script="Uigh" typeface="Microsoft Uighur"/>
+        <a:font script="Geor" typeface="Sylfaen"/>
+      </a:minorFont>
+    </a:fontScheme>
+    <a:fmtScheme name="Office">
+      <a:fillStyleLst>
+        <a:solidFill>
+          <a:schemeClr val="phClr"/>
+        </a:solidFill>
+        <a:gradFill rotWithShape="1">
+          <a:gsLst>
+            <a:gs pos="0">
+              <a:schemeClr val="phClr">
+                <a:tint val="50000"/>
+                <a:satMod val="300000"/>
+              </a:schemeClr>
+            </a:gs>
+            <a:gs pos="35000">
+              <a:schemeClr val="phClr">
+                <a:tint val="37000"/>
+                <a:satMod val="300000"/>
+              </a:schemeClr>
+            </a:gs>
+            <a:gs pos="100000">
+              <a:schemeClr val="phClr">
+                <a:tint val="15000"/>
+                <a:satMod val="350000"/>
+              </a:schemeClr>
+            </a:gs>
+          </a:gsLst>
+          <a:lin ang="16200000" scaled="1"/>
+        </a:gradFill>
+        <a:gradFill rotWithShape="1">
+          <a:gsLst>
+            <a:gs pos="0">
+              <a:schemeClr val="phClr">
+                <a:tint val="100000"/>
+                <a:shade val="100000"/>
+                <a:satMod val="130000"/>
+              </a:schemeClr>
+            </a:gs>
+            <a:gs pos="100000">
+              <a:schemeClr val="phClr">
+                <a:tint val="50000"/>
+                <a:shade val="100000"/>
+                <a:satMod val="350000"/>
+              </a:schemeClr>
+            </a:gs>
+          </a:gsLst>
+          <a:lin ang="16200000" scaled="0"/>
+        </a:gradFill>
+      </a:fillStyleLst>
+      <a:lnStyleLst>
+        <a:ln w="9525" cap="flat" cmpd="sng" algn="ctr">
+          <a:solidFill>
+            <a:schemeClr val="phClr">
+              <a:shade val="95000"/>
+              <a:satMod val="105000"/>
+            </a:schemeClr>
+          </a:solidFill>
+          <a:prstDash val="solid"/>
+        </a:ln>
+        <a:ln w="25400" cap="flat" cmpd="sng" algn="ctr">
+          <a:solidFill>
+            <a:schemeClr val="phClr"/>
+          </a:solidFill>
+          <a:prstDash val="solid"/>
+        </a:ln>
+        <a:ln w="38100" cap="flat" cmpd="sng" algn="ctr">
+          <a:solidFill>
+            <a:schemeClr val="phClr"/>
+          </a:solidFill>
+          <a:prstDash val="solid"/>
+        </a:ln>
+      </a:lnStyleLst>
+      <a:effectStyleLst>
+        <a:effectStyle>
+          <a:effectLst>
+            <a:outerShdw blurRad="40000" dist="20000" dir="5400000" rotWithShape="0">
+              <a:srgbClr val="000000">
+                <a:alpha val="38000"/>
+              </a:srgbClr>
+            </a:outerShdw>
+          </a:effectLst>
+        </a:effectStyle>
+        <a:effectStyle>
+          <a:effectLst>
+            <a:outerShdw blurRad="40000" dist="23000" dir="5400000" rotWithShape="0">
+              <a:srgbClr val="000000">
+                <a:alpha val="35000"/>
+              </a:srgbClr>
+            </a:outerShdw>
+          </a:effectLst>
+        </a:effectStyle>
+        <a:effectStyle>
+          <a:effectLst>
+            <a:outerShdw blurRad="40000" dist="23000" dir="5400000" rotWithShape="0">
+              <a:srgbClr val="000000">
+                <a:alpha val="35000"/>
+              </a:srgbClr>
+            </a:outerShdw>
+          </a:effectLst>
+          <a:scene3d>
+            <a:camera prst="orthographicFront">
+              <a:rot lat="0" lon="0" rev="0"/>
+            </a:camera>
+            <a:lightRig rig="threePt" dir="t">
+              <a:rot lat="0" lon="0" rev="1200000"/>
+            </a:lightRig>
+          </a:scene3d>
+          <a:sp3d>
+            <a:bevelT w="63500" h="25400"/>
+          </a:sp3d>
+        </a:effectStyle>
+      </a:effectStyleLst>
+      <a:bgFillStyleLst>
+        <a:solidFill>
+          <a:schemeClr val="phClr"/>
+        </a:solidFill>
+        <a:gradFill rotWithShape="1">
+          <a:gsLst>
+            <a:gs pos="0">
+              <a:schemeClr val="phClr">
+                <a:tint val="40000"/>
+                <a:satMod val="350000"/>
+              </a:schemeClr>
+            </a:gs>
+            <a:gs pos="40000">
+              <a:schemeClr val="phClr">
+                <a:tint val="45000"/>
+                <a:shade val="99000"/>
+                <a:satMod val="350000"/>
+              </a:schemeClr>
+            </a:gs>
+            <a:gs pos="100000">
+              <a:schemeClr val="phClr">
+                <a:shade val="20000"/>
+                <a:satMod val="255000"/>
+              </a:schemeClr>
+            </a:gs>
+          </a:gsLst>
+          <a:path path="circle">
+            <a:fillToRect l="50000" t="-80000" r="50000" b="180000"/>
+          </a:path>
+        </a:gradFill>
+        <a:gradFill rotWithShape="1">
+          <a:gsLst>
+            <a:gs pos="0">
+              <a:schemeClr val="phClr">
+                <a:tint val="80000"/>
+                <a:satMod val="300000"/>
+              </a:schemeClr>
+            </a:gs>
+            <a:gs pos="100000">
+              <a:schemeClr val="phClr">
+                <a:shade val="30000"/>
+                <a:satMod val="200000"/>
+              </a:schemeClr>
+            </a:gs>
+          </a:gsLst>
+          <a:path path="circle">
+            <a:fillToRect l="50000" t="50000" r="50000" b="50000"/>
+          </a:path>
+        </a:gradFill>
+      </a:bgFillStyleLst>
+    </a:fmtScheme>
+  </a:themeElements>
+  <a:objectDefaults/>
+  <a:extraClrSchemeLst/>
+</a:theme>
+</file>
+
+<file path=ppt/theme/theme2.xml><?xml version="1.0" encoding="utf-8"?>
+<a:theme xmlns:a="http://schemas.openxmlformats.org/drawingml/2006/main">
   <a:themeElements>
     <a:clrScheme name="Default">
       <a:dk1>
@@ -14692,284 +15445,7 @@
       </a:bgFillStyleLst>
     </a:fmtScheme>
   </a:themeElements>
-</a:theme>
-</file>
-
-<file path=ppt/theme/theme2.xml><?xml version="1.0" encoding="utf-8"?>
-<a:theme xmlns:a="http://schemas.openxmlformats.org/drawingml/2006/main" xmlns:r="http://schemas.openxmlformats.org/officeDocument/2006/relationships" name="Material">
-  <a:themeElements>
-    <a:clrScheme name="Material">
-      <a:dk1>
-        <a:srgbClr val="4285F4"/>
-      </a:dk1>
-      <a:lt1>
-        <a:srgbClr val="FFFFFF"/>
-      </a:lt1>
-      <a:dk2>
-        <a:srgbClr val="424242"/>
-      </a:dk2>
-      <a:lt2>
-        <a:srgbClr val="737373"/>
-      </a:lt2>
-      <a:accent1>
-        <a:srgbClr val="0277BD"/>
-      </a:accent1>
-      <a:accent2>
-        <a:srgbClr val="0F9D58"/>
-      </a:accent2>
-      <a:accent3>
-        <a:srgbClr val="DB4437"/>
-      </a:accent3>
-      <a:accent4>
-        <a:srgbClr val="FAFAFA"/>
-      </a:accent4>
-      <a:accent5>
-        <a:srgbClr val="4FC3F7"/>
-      </a:accent5>
-      <a:accent6>
-        <a:srgbClr val="F4B400"/>
-      </a:accent6>
-      <a:hlink>
-        <a:srgbClr val="4FC3F7"/>
-      </a:hlink>
-      <a:folHlink>
-        <a:srgbClr val="4FC3F7"/>
-      </a:folHlink>
-    </a:clrScheme>
-    <a:fontScheme name="Office">
-      <a:majorFont>
-        <a:latin typeface="Arial"/>
-        <a:ea typeface=""/>
-        <a:cs typeface=""/>
-        <a:font script="Jpan" typeface="ＭＳ Ｐゴシック"/>
-        <a:font script="Hang" typeface="맑은 고딕"/>
-        <a:font script="Hans" typeface="宋体"/>
-        <a:font script="Hant" typeface="新細明體"/>
-        <a:font script="Arab" typeface="Times New Roman"/>
-        <a:font script="Hebr" typeface="Times New Roman"/>
-        <a:font script="Thai" typeface="Angsana New"/>
-        <a:font script="Ethi" typeface="Nyala"/>
-        <a:font script="Beng" typeface="Vrinda"/>
-        <a:font script="Gujr" typeface="Shruti"/>
-        <a:font script="Khmr" typeface="MoolBoran"/>
-        <a:font script="Knda" typeface="Tunga"/>
-        <a:font script="Guru" typeface="Raavi"/>
-        <a:font script="Cans" typeface="Euphemia"/>
-        <a:font script="Cher" typeface="Plantagenet Cherokee"/>
-        <a:font script="Yiii" typeface="Microsoft Yi Baiti"/>
-        <a:font script="Tibt" typeface="Microsoft Himalaya"/>
-        <a:font script="Thaa" typeface="MV Boli"/>
-        <a:font script="Deva" typeface="Mangal"/>
-        <a:font script="Telu" typeface="Gautami"/>
-        <a:font script="Taml" typeface="Latha"/>
-        <a:font script="Syrc" typeface="Estrangelo Edessa"/>
-        <a:font script="Orya" typeface="Kalinga"/>
-        <a:font script="Mlym" typeface="Kartika"/>
-        <a:font script="Laoo" typeface="DokChampa"/>
-        <a:font script="Sinh" typeface="Iskoola Pota"/>
-        <a:font script="Mong" typeface="Mongolian Baiti"/>
-        <a:font script="Viet" typeface="Times New Roman"/>
-        <a:font script="Uigh" typeface="Microsoft Uighur"/>
-        <a:font script="Geor" typeface="Sylfaen"/>
-      </a:majorFont>
-      <a:minorFont>
-        <a:latin typeface="Arial"/>
-        <a:ea typeface=""/>
-        <a:cs typeface=""/>
-        <a:font script="Jpan" typeface="ＭＳ Ｐゴシック"/>
-        <a:font script="Hang" typeface="맑은 고딕"/>
-        <a:font script="Hans" typeface="宋体"/>
-        <a:font script="Hant" typeface="新細明體"/>
-        <a:font script="Arab" typeface="Arial"/>
-        <a:font script="Hebr" typeface="Arial"/>
-        <a:font script="Thai" typeface="Cordia New"/>
-        <a:font script="Ethi" typeface="Nyala"/>
-        <a:font script="Beng" typeface="Vrinda"/>
-        <a:font script="Gujr" typeface="Shruti"/>
-        <a:font script="Khmr" typeface="DaunPenh"/>
-        <a:font script="Knda" typeface="Tunga"/>
-        <a:font script="Guru" typeface="Raavi"/>
-        <a:font script="Cans" typeface="Euphemia"/>
-        <a:font script="Cher" typeface="Plantagenet Cherokee"/>
-        <a:font script="Yiii" typeface="Microsoft Yi Baiti"/>
-        <a:font script="Tibt" typeface="Microsoft Himalaya"/>
-        <a:font script="Thaa" typeface="MV Boli"/>
-        <a:font script="Deva" typeface="Mangal"/>
-        <a:font script="Telu" typeface="Gautami"/>
-        <a:font script="Taml" typeface="Latha"/>
-        <a:font script="Syrc" typeface="Estrangelo Edessa"/>
-        <a:font script="Orya" typeface="Kalinga"/>
-        <a:font script="Mlym" typeface="Kartika"/>
-        <a:font script="Laoo" typeface="DokChampa"/>
-        <a:font script="Sinh" typeface="Iskoola Pota"/>
-        <a:font script="Mong" typeface="Mongolian Baiti"/>
-        <a:font script="Viet" typeface="Arial"/>
-        <a:font script="Uigh" typeface="Microsoft Uighur"/>
-        <a:font script="Geor" typeface="Sylfaen"/>
-      </a:minorFont>
-    </a:fontScheme>
-    <a:fmtScheme name="Office">
-      <a:fillStyleLst>
-        <a:solidFill>
-          <a:schemeClr val="phClr"/>
-        </a:solidFill>
-        <a:gradFill rotWithShape="1">
-          <a:gsLst>
-            <a:gs pos="0">
-              <a:schemeClr val="phClr">
-                <a:tint val="50000"/>
-                <a:satMod val="300000"/>
-              </a:schemeClr>
-            </a:gs>
-            <a:gs pos="35000">
-              <a:schemeClr val="phClr">
-                <a:tint val="37000"/>
-                <a:satMod val="300000"/>
-              </a:schemeClr>
-            </a:gs>
-            <a:gs pos="100000">
-              <a:schemeClr val="phClr">
-                <a:tint val="15000"/>
-                <a:satMod val="350000"/>
-              </a:schemeClr>
-            </a:gs>
-          </a:gsLst>
-          <a:lin ang="16200000" scaled="1"/>
-        </a:gradFill>
-        <a:gradFill rotWithShape="1">
-          <a:gsLst>
-            <a:gs pos="0">
-              <a:schemeClr val="phClr">
-                <a:tint val="100000"/>
-                <a:shade val="100000"/>
-                <a:satMod val="130000"/>
-              </a:schemeClr>
-            </a:gs>
-            <a:gs pos="100000">
-              <a:schemeClr val="phClr">
-                <a:tint val="50000"/>
-                <a:shade val="100000"/>
-                <a:satMod val="350000"/>
-              </a:schemeClr>
-            </a:gs>
-          </a:gsLst>
-          <a:lin ang="16200000" scaled="0"/>
-        </a:gradFill>
-      </a:fillStyleLst>
-      <a:lnStyleLst>
-        <a:ln w="9525" cap="flat" cmpd="sng" algn="ctr">
-          <a:solidFill>
-            <a:schemeClr val="phClr">
-              <a:shade val="95000"/>
-              <a:satMod val="105000"/>
-            </a:schemeClr>
-          </a:solidFill>
-          <a:prstDash val="solid"/>
-        </a:ln>
-        <a:ln w="25400" cap="flat" cmpd="sng" algn="ctr">
-          <a:solidFill>
-            <a:schemeClr val="phClr"/>
-          </a:solidFill>
-          <a:prstDash val="solid"/>
-        </a:ln>
-        <a:ln w="38100" cap="flat" cmpd="sng" algn="ctr">
-          <a:solidFill>
-            <a:schemeClr val="phClr"/>
-          </a:solidFill>
-          <a:prstDash val="solid"/>
-        </a:ln>
-      </a:lnStyleLst>
-      <a:effectStyleLst>
-        <a:effectStyle>
-          <a:effectLst>
-            <a:outerShdw blurRad="40000" dist="20000" dir="5400000" rotWithShape="0">
-              <a:srgbClr val="000000">
-                <a:alpha val="38000"/>
-              </a:srgbClr>
-            </a:outerShdw>
-          </a:effectLst>
-        </a:effectStyle>
-        <a:effectStyle>
-          <a:effectLst>
-            <a:outerShdw blurRad="40000" dist="23000" dir="5400000" rotWithShape="0">
-              <a:srgbClr val="000000">
-                <a:alpha val="35000"/>
-              </a:srgbClr>
-            </a:outerShdw>
-          </a:effectLst>
-        </a:effectStyle>
-        <a:effectStyle>
-          <a:effectLst>
-            <a:outerShdw blurRad="40000" dist="23000" dir="5400000" rotWithShape="0">
-              <a:srgbClr val="000000">
-                <a:alpha val="35000"/>
-              </a:srgbClr>
-            </a:outerShdw>
-          </a:effectLst>
-          <a:scene3d>
-            <a:camera prst="orthographicFront">
-              <a:rot lat="0" lon="0" rev="0"/>
-            </a:camera>
-            <a:lightRig rig="threePt" dir="t">
-              <a:rot lat="0" lon="0" rev="1200000"/>
-            </a:lightRig>
-          </a:scene3d>
-          <a:sp3d>
-            <a:bevelT w="63500" h="25400"/>
-          </a:sp3d>
-        </a:effectStyle>
-      </a:effectStyleLst>
-      <a:bgFillStyleLst>
-        <a:solidFill>
-          <a:schemeClr val="phClr"/>
-        </a:solidFill>
-        <a:gradFill rotWithShape="1">
-          <a:gsLst>
-            <a:gs pos="0">
-              <a:schemeClr val="phClr">
-                <a:tint val="40000"/>
-                <a:satMod val="350000"/>
-              </a:schemeClr>
-            </a:gs>
-            <a:gs pos="40000">
-              <a:schemeClr val="phClr">
-                <a:tint val="45000"/>
-                <a:shade val="99000"/>
-                <a:satMod val="350000"/>
-              </a:schemeClr>
-            </a:gs>
-            <a:gs pos="100000">
-              <a:schemeClr val="phClr">
-                <a:shade val="20000"/>
-                <a:satMod val="255000"/>
-              </a:schemeClr>
-            </a:gs>
-          </a:gsLst>
-          <a:path path="circle">
-            <a:fillToRect l="50000" t="-80000" r="50000" b="180000"/>
-          </a:path>
-        </a:gradFill>
-        <a:gradFill rotWithShape="1">
-          <a:gsLst>
-            <a:gs pos="0">
-              <a:schemeClr val="phClr">
-                <a:tint val="80000"/>
-                <a:satMod val="300000"/>
-              </a:schemeClr>
-            </a:gs>
-            <a:gs pos="100000">
-              <a:schemeClr val="phClr">
-                <a:shade val="30000"/>
-                <a:satMod val="200000"/>
-              </a:schemeClr>
-            </a:gs>
-          </a:gsLst>
-          <a:path path="circle">
-            <a:fillToRect l="50000" t="50000" r="50000" b="50000"/>
-          </a:path>
-        </a:gradFill>
-      </a:bgFillStyleLst>
-    </a:fmtScheme>
-  </a:themeElements>
+  <a:objectDefaults/>
+  <a:extraClrSchemeLst/>
 </a:theme>
 </file>
--- a/docs/WebsiteImages/Presentation_PhysFS.pptx
+++ b/docs/WebsiteImages/Presentation_PhysFS.pptx
@@ -931,7 +931,67 @@
               </a:spcAft>
               <a:buNone/>
             </a:pPr>
-            <a:endParaRPr/>
+            <a:r>
+              <a:rPr lang="es-ES" dirty="0" err="1" smtClean="0"/>
+              <a:t>És</a:t>
+            </a:r>
+            <a:r>
+              <a:rPr lang="es-ES" baseline="0" dirty="0" smtClean="0"/>
+              <a:t> </a:t>
+            </a:r>
+            <a:r>
+              <a:rPr lang="es-ES" baseline="0" dirty="0" err="1" smtClean="0"/>
+              <a:t>on</a:t>
+            </a:r>
+            <a:r>
+              <a:rPr lang="es-ES" baseline="0" dirty="0" smtClean="0"/>
+              <a:t> </a:t>
+            </a:r>
+            <a:r>
+              <a:rPr lang="es-ES" baseline="0" dirty="0" err="1" smtClean="0"/>
+              <a:t>cridarem</a:t>
+            </a:r>
+            <a:r>
+              <a:rPr lang="es-ES" baseline="0" dirty="0" smtClean="0"/>
+              <a:t> al </a:t>
+            </a:r>
+            <a:r>
+              <a:rPr lang="es-ES" baseline="0" dirty="0" err="1" smtClean="0"/>
+              <a:t>search</a:t>
+            </a:r>
+            <a:r>
+              <a:rPr lang="es-ES" baseline="0" dirty="0" smtClean="0"/>
+              <a:t> </a:t>
+            </a:r>
+            <a:r>
+              <a:rPr lang="es-ES" baseline="0" dirty="0" err="1" smtClean="0"/>
+              <a:t>path</a:t>
+            </a:r>
+            <a:r>
+              <a:rPr lang="es-ES" baseline="0" dirty="0" smtClean="0"/>
+              <a:t> </a:t>
+            </a:r>
+            <a:r>
+              <a:rPr lang="es-ES" baseline="0" dirty="0" err="1" smtClean="0"/>
+              <a:t>on</a:t>
+            </a:r>
+            <a:r>
+              <a:rPr lang="es-ES" baseline="0" dirty="0" smtClean="0"/>
+              <a:t> </a:t>
+            </a:r>
+            <a:r>
+              <a:rPr lang="es-ES" baseline="0" dirty="0" err="1" smtClean="0"/>
+              <a:t>llegirem</a:t>
+            </a:r>
+            <a:r>
+              <a:rPr lang="es-ES" baseline="0" dirty="0" smtClean="0"/>
+              <a:t> totes les </a:t>
+            </a:r>
+            <a:r>
+              <a:rPr lang="es-ES" baseline="0" dirty="0" err="1" smtClean="0"/>
+              <a:t>dades</a:t>
+            </a:r>
+            <a:endParaRPr dirty="0"/>
           </a:p>
         </p:txBody>
       </p:sp>
@@ -1035,7 +1095,55 @@
               </a:spcAft>
               <a:buNone/>
             </a:pPr>
-            <a:endParaRPr/>
+            <a:r>
+              <a:rPr lang="es-ES" dirty="0" err="1" smtClean="0"/>
+              <a:t>Ens</a:t>
+            </a:r>
+            <a:r>
+              <a:rPr lang="es-ES" dirty="0" smtClean="0"/>
+              <a:t> </a:t>
+            </a:r>
+            <a:r>
+              <a:rPr lang="es-ES" dirty="0" err="1" smtClean="0"/>
+              <a:t>permet</a:t>
+            </a:r>
+            <a:r>
+              <a:rPr lang="es-ES" dirty="0" smtClean="0"/>
+              <a:t> llegar </a:t>
+            </a:r>
+            <a:r>
+              <a:rPr lang="es-ES" dirty="0" err="1" smtClean="0"/>
+              <a:t>l’arxiu</a:t>
+            </a:r>
+            <a:r>
+              <a:rPr lang="es-ES" dirty="0" smtClean="0"/>
+              <a:t> i </a:t>
+            </a:r>
+            <a:r>
+              <a:rPr lang="es-ES" dirty="0" err="1" smtClean="0"/>
+              <a:t>allocatar</a:t>
+            </a:r>
+            <a:r>
+              <a:rPr lang="es-ES" baseline="0" dirty="0" smtClean="0"/>
+              <a:t> </a:t>
+            </a:r>
+            <a:r>
+              <a:rPr lang="es-ES" baseline="0" dirty="0" err="1" smtClean="0"/>
+              <a:t>els</a:t>
+            </a:r>
+            <a:r>
+              <a:rPr lang="es-ES" baseline="0" dirty="0" smtClean="0"/>
+              <a:t> bytes </a:t>
+            </a:r>
+            <a:r>
+              <a:rPr lang="es-ES" baseline="0" dirty="0" err="1" smtClean="0"/>
+              <a:t>necesssaris</a:t>
+            </a:r>
+            <a:r>
+              <a:rPr lang="es-ES" baseline="0" dirty="0" smtClean="0"/>
+              <a:t> al buffer</a:t>
+            </a:r>
+            <a:endParaRPr dirty="0"/>
           </a:p>
         </p:txBody>
       </p:sp>
@@ -1243,7 +1351,27 @@
               </a:spcAft>
               <a:buNone/>
             </a:pPr>
-            <a:endParaRPr/>
+            <a:r>
+              <a:rPr lang="es-ES" dirty="0" err="1" smtClean="0"/>
+              <a:t>Permet</a:t>
+            </a:r>
+            <a:r>
+              <a:rPr lang="es-ES" dirty="0" smtClean="0"/>
+              <a:t> montar un archive file en un </a:t>
+            </a:r>
+            <a:r>
+              <a:rPr lang="es-ES" dirty="0" err="1" smtClean="0"/>
+              <a:t>filesystem</a:t>
+            </a:r>
+            <a:r>
+              <a:rPr lang="es-ES" baseline="0" dirty="0" smtClean="0"/>
+              <a:t> virtual cread en el </a:t>
+            </a:r>
+            <a:r>
+              <a:rPr lang="es-ES" baseline="0" dirty="0" err="1" smtClean="0"/>
+              <a:t>init</a:t>
+            </a:r>
+            <a:endParaRPr dirty="0"/>
           </a:p>
         </p:txBody>
       </p:sp>
@@ -1451,7 +1579,15 @@
               </a:spcAft>
               <a:buNone/>
             </a:pPr>
-            <a:endParaRPr/>
+            <a:r>
+              <a:rPr lang="es-ES" dirty="0" smtClean="0"/>
+              <a:t>Retorna true si el file </a:t>
+            </a:r>
+            <a:r>
+              <a:rPr lang="es-ES" dirty="0" err="1" smtClean="0"/>
+              <a:t>existeix</a:t>
+            </a:r>
+            <a:endParaRPr dirty="0"/>
           </a:p>
         </p:txBody>
       </p:sp>
@@ -1659,7 +1795,134 @@
               </a:spcAft>
               <a:buNone/>
             </a:pPr>
-            <a:endParaRPr/>
+            <a:r>
+              <a:rPr lang="es-ES" dirty="0" smtClean="0"/>
+              <a:t>La </a:t>
+            </a:r>
+            <a:r>
+              <a:rPr lang="es-ES" dirty="0" err="1" smtClean="0"/>
+              <a:t>funcio</a:t>
+            </a:r>
+            <a:r>
+              <a:rPr lang="es-ES" dirty="0" smtClean="0"/>
+              <a:t> </a:t>
+            </a:r>
+            <a:r>
+              <a:rPr lang="es-ES" dirty="0" err="1" smtClean="0"/>
+              <a:t>ens</a:t>
+            </a:r>
+            <a:r>
+              <a:rPr lang="es-ES" dirty="0" smtClean="0"/>
+              <a:t> </a:t>
+            </a:r>
+            <a:r>
+              <a:rPr lang="es-ES" dirty="0" err="1" smtClean="0"/>
+              <a:t>permetra</a:t>
+            </a:r>
+            <a:r>
+              <a:rPr lang="es-ES" dirty="0" smtClean="0"/>
+              <a:t> </a:t>
+            </a:r>
+            <a:r>
+              <a:rPr lang="es-ES" dirty="0" err="1" smtClean="0"/>
+              <a:t>carregar</a:t>
+            </a:r>
+            <a:r>
+              <a:rPr lang="es-ES" baseline="0" dirty="0" smtClean="0"/>
+              <a:t> </a:t>
+            </a:r>
+            <a:r>
+              <a:rPr lang="es-ES" baseline="0" dirty="0" err="1" smtClean="0"/>
+              <a:t>img</a:t>
+            </a:r>
+            <a:r>
+              <a:rPr lang="es-ES" baseline="0" dirty="0" smtClean="0"/>
+              <a:t>/</a:t>
+            </a:r>
+            <a:r>
+              <a:rPr lang="es-ES" baseline="0" dirty="0" err="1" smtClean="0"/>
+              <a:t>fx</a:t>
+            </a:r>
+            <a:r>
+              <a:rPr lang="es-ES" baseline="0" dirty="0" smtClean="0"/>
+              <a:t>/mus desde un </a:t>
+            </a:r>
+            <a:r>
+              <a:rPr lang="es-ES" baseline="0" dirty="0" err="1" smtClean="0"/>
+              <a:t>memory</a:t>
+            </a:r>
+            <a:r>
+              <a:rPr lang="es-ES" baseline="0" dirty="0" smtClean="0"/>
+              <a:t> buffer </a:t>
+            </a:r>
+            <a:r>
+              <a:rPr lang="es-ES" baseline="0" dirty="0" err="1" smtClean="0"/>
+              <a:t>amb</a:t>
+            </a:r>
+            <a:r>
+              <a:rPr lang="es-ES" baseline="0" dirty="0" smtClean="0"/>
+              <a:t> SDL</a:t>
+            </a:r>
+          </a:p>
+          <a:p>
+            <a:pPr marL="0" lvl="0" indent="0" algn="l" rtl="0">
+              <a:spcBef>
+                <a:spcPts val="0"/>
+              </a:spcBef>
+              <a:spcAft>
+                <a:spcPts val="0"/>
+              </a:spcAft>
+              <a:buNone/>
+            </a:pPr>
+            <a:r>
+              <a:rPr lang="es-ES" baseline="0" dirty="0" err="1" smtClean="0"/>
+              <a:t>S’utilitzara</a:t>
+            </a:r>
+            <a:r>
+              <a:rPr lang="es-ES" baseline="0" dirty="0" smtClean="0"/>
+              <a:t> </a:t>
+            </a:r>
+            <a:r>
+              <a:rPr lang="es-ES" baseline="0" dirty="0" err="1" smtClean="0"/>
+              <a:t>ens</a:t>
+            </a:r>
+            <a:r>
+              <a:rPr lang="es-ES" baseline="0" dirty="0" smtClean="0"/>
+              <a:t> el </a:t>
+            </a:r>
+            <a:r>
+              <a:rPr lang="es-ES" baseline="0" dirty="0" err="1" smtClean="0"/>
+              <a:t>respectiu</a:t>
+            </a:r>
+            <a:r>
+              <a:rPr lang="es-ES" baseline="0" dirty="0" smtClean="0"/>
+              <a:t> </a:t>
+            </a:r>
+            <a:r>
+              <a:rPr lang="es-ES" baseline="0" dirty="0" err="1" smtClean="0"/>
+              <a:t>IMG_Load_RW</a:t>
+            </a:r>
+            <a:r>
+              <a:rPr lang="es-ES" baseline="0" dirty="0" smtClean="0"/>
+              <a:t>(), </a:t>
+            </a:r>
+            <a:r>
+              <a:rPr lang="es-ES" baseline="0" dirty="0" err="1" smtClean="0"/>
+              <a:t>IMG_LoadWAV_RW</a:t>
+            </a:r>
+            <a:r>
+              <a:rPr lang="es-ES" baseline="0" dirty="0" smtClean="0"/>
+              <a:t>(), </a:t>
+            </a:r>
+            <a:r>
+              <a:rPr lang="es-ES" baseline="0" dirty="0" err="1" smtClean="0"/>
+              <a:t>IMG_LoadMUS_RW</a:t>
+            </a:r>
+            <a:r>
+              <a:rPr lang="es-ES" baseline="0" dirty="0" smtClean="0"/>
+              <a:t>()</a:t>
+            </a:r>
+            <a:endParaRPr dirty="0"/>
           </a:p>
         </p:txBody>
       </p:sp>
@@ -1971,7 +2234,7 @@
               </a:spcAft>
               <a:buNone/>
             </a:pPr>
-            <a:endParaRPr/>
+            <a:endParaRPr dirty="0"/>
           </a:p>
         </p:txBody>
       </p:sp>
@@ -3115,7 +3378,7 @@
               </a:spcAft>
               <a:buNone/>
             </a:pPr>
-            <a:endParaRPr/>
+            <a:endParaRPr dirty="0"/>
           </a:p>
         </p:txBody>
       </p:sp>
